--- a/Persona_template.pptx
+++ b/Persona_template.pptx
@@ -189,6 +189,35 @@
     <p1510:client id="{24303964-DA9E-B947-8858-165C7D3AA38A}" v="5" dt="2024-08-25T06:56:14.991"/>
   </p1510:revLst>
 </p1510:revInfo>
+</file>
+
+<file path=ppt/changesInfos/changesInfo1.xml><?xml version="1.0" encoding="utf-8"?>
+<pc:chgInfo xmlns:a="http://schemas.openxmlformats.org/drawingml/2006/main" xmlns:r="http://schemas.openxmlformats.org/officeDocument/2006/relationships" xmlns:ac="http://schemas.microsoft.com/office/drawing/2013/main/command" xmlns:pc="http://schemas.microsoft.com/office/powerpoint/2013/main/command">
+  <pc:docChgLst>
+    <pc:chgData name="Arbour, Duncan" userId="f8c76c83-f09a-4702-8a60-e00215c8b89f" providerId="ADAL" clId="{3C2ECAFF-E1B8-9A4F-86CA-E73868E84495}"/>
+    <pc:docChg chg="custSel modSld">
+      <pc:chgData name="Arbour, Duncan" userId="f8c76c83-f09a-4702-8a60-e00215c8b89f" providerId="ADAL" clId="{3C2ECAFF-E1B8-9A4F-86CA-E73868E84495}" dt="2024-08-25T10:13:04.149" v="693" actId="20577"/>
+      <pc:docMkLst>
+        <pc:docMk/>
+      </pc:docMkLst>
+      <pc:sldChg chg="modSp mod modNotesTx">
+        <pc:chgData name="Arbour, Duncan" userId="f8c76c83-f09a-4702-8a60-e00215c8b89f" providerId="ADAL" clId="{3C2ECAFF-E1B8-9A4F-86CA-E73868E84495}" dt="2024-08-25T10:13:04.149" v="693" actId="20577"/>
+        <pc:sldMkLst>
+          <pc:docMk/>
+          <pc:sldMk cId="1101563866" sldId="2124817324"/>
+        </pc:sldMkLst>
+        <pc:spChg chg="mod">
+          <ac:chgData name="Arbour, Duncan" userId="f8c76c83-f09a-4702-8a60-e00215c8b89f" providerId="ADAL" clId="{3C2ECAFF-E1B8-9A4F-86CA-E73868E84495}" dt="2024-08-25T09:59:29.609" v="11" actId="20577"/>
+          <ac:spMkLst>
+            <pc:docMk/>
+            <pc:sldMk cId="1101563866" sldId="2124817324"/>
+            <ac:spMk id="2" creationId="{D037966B-53E5-A94D-BD41-AB5566565BEF}"/>
+          </ac:spMkLst>
+        </pc:spChg>
+      </pc:sldChg>
+    </pc:docChg>
+  </pc:docChgLst>
+</pc:chgInfo>
 </file>
 
 <file path=ppt/notesMasters/notesMaster1.xml><?xml version="1.0" encoding="utf-8"?>
@@ -1441,9 +1470,10 @@
           <a:lstStyle/>
           <a:p>
             <a:r>
-              <a:rPr lang="en-GB" dirty="0"/>
-              <a:t>Title</a:t>
-            </a:r>
+              <a:rPr lang="en-GB" dirty="0" err="1"/>
+              <a:t>Slide_title</a:t>
+            </a:r>
+            <a:endParaRPr lang="en-GB" dirty="0"/>
           </a:p>
         </p:txBody>
       </p:sp>

--- a/Persona_template.pptx
+++ b/Persona_template.pptx
@@ -3,12 +3,13 @@
 <p:presentation xmlns:a="http://schemas.openxmlformats.org/drawingml/2006/main" xmlns:r="http://schemas.openxmlformats.org/officeDocument/2006/relationships" xmlns:p="http://schemas.openxmlformats.org/presentationml/2006/main" saveSubsetFonts="1" autoCompressPictures="0">
   <p:sldMasterIdLst>
     <p:sldMasterId id="2147484720" r:id="rId1"/>
+    <p:sldMasterId id="2147484723" r:id="rId2"/>
   </p:sldMasterIdLst>
   <p:notesMasterIdLst>
-    <p:notesMasterId r:id="rId3"/>
+    <p:notesMasterId r:id="rId4"/>
   </p:notesMasterIdLst>
   <p:sldIdLst>
-    <p:sldId id="2124817324" r:id="rId2"/>
+    <p:sldId id="2124817324" r:id="rId3"/>
   </p:sldIdLst>
   <p:sldSz cx="12188825" cy="6858000"/>
   <p:notesSz cx="6858000" cy="9144000"/>
@@ -187,6 +188,7 @@
 <p1510:revInfo xmlns:a="http://schemas.openxmlformats.org/drawingml/2006/main" xmlns:r="http://schemas.openxmlformats.org/officeDocument/2006/relationships" xmlns:p1510="http://schemas.microsoft.com/office/powerpoint/2015/10/main">
   <p1510:revLst>
     <p1510:client id="{24303964-DA9E-B947-8858-165C7D3AA38A}" v="5" dt="2024-08-25T06:56:14.991"/>
+    <p1510:client id="{3C2ECAFF-E1B8-9A4F-86CA-E73868E84495}" v="1" dt="2024-08-25T10:23:47.585"/>
   </p1510:revLst>
 </p1510:revInfo>
 </file>
@@ -195,13 +197,13 @@
 <pc:chgInfo xmlns:a="http://schemas.openxmlformats.org/drawingml/2006/main" xmlns:r="http://schemas.openxmlformats.org/officeDocument/2006/relationships" xmlns:ac="http://schemas.microsoft.com/office/drawing/2013/main/command" xmlns:pc="http://schemas.microsoft.com/office/powerpoint/2013/main/command">
   <pc:docChgLst>
     <pc:chgData name="Arbour, Duncan" userId="f8c76c83-f09a-4702-8a60-e00215c8b89f" providerId="ADAL" clId="{3C2ECAFF-E1B8-9A4F-86CA-E73868E84495}"/>
-    <pc:docChg chg="custSel modSld">
-      <pc:chgData name="Arbour, Duncan" userId="f8c76c83-f09a-4702-8a60-e00215c8b89f" providerId="ADAL" clId="{3C2ECAFF-E1B8-9A4F-86CA-E73868E84495}" dt="2024-08-25T10:13:04.149" v="693" actId="20577"/>
+    <pc:docChg chg="undo custSel modSld addMainMaster modMainMaster">
+      <pc:chgData name="Arbour, Duncan" userId="f8c76c83-f09a-4702-8a60-e00215c8b89f" providerId="ADAL" clId="{3C2ECAFF-E1B8-9A4F-86CA-E73868E84495}" dt="2024-08-25T10:36:18.595" v="732" actId="20577"/>
       <pc:docMkLst>
         <pc:docMk/>
       </pc:docMkLst>
       <pc:sldChg chg="modSp mod modNotesTx">
-        <pc:chgData name="Arbour, Duncan" userId="f8c76c83-f09a-4702-8a60-e00215c8b89f" providerId="ADAL" clId="{3C2ECAFF-E1B8-9A4F-86CA-E73868E84495}" dt="2024-08-25T10:13:04.149" v="693" actId="20577"/>
+        <pc:chgData name="Arbour, Duncan" userId="f8c76c83-f09a-4702-8a60-e00215c8b89f" providerId="ADAL" clId="{3C2ECAFF-E1B8-9A4F-86CA-E73868E84495}" dt="2024-08-25T10:36:18.595" v="732" actId="20577"/>
         <pc:sldMkLst>
           <pc:docMk/>
           <pc:sldMk cId="1101563866" sldId="2124817324"/>
@@ -215,6 +217,180 @@
           </ac:spMkLst>
         </pc:spChg>
       </pc:sldChg>
+      <pc:sldMasterChg chg="addSp delSp modSp mod">
+        <pc:chgData name="Arbour, Duncan" userId="f8c76c83-f09a-4702-8a60-e00215c8b89f" providerId="ADAL" clId="{3C2ECAFF-E1B8-9A4F-86CA-E73868E84495}" dt="2024-08-25T10:24:18.522" v="719" actId="20577"/>
+        <pc:sldMasterMkLst>
+          <pc:docMk/>
+          <pc:sldMasterMk cId="1552088819" sldId="2147484720"/>
+        </pc:sldMasterMkLst>
+        <pc:spChg chg="add mod">
+          <ac:chgData name="Arbour, Duncan" userId="f8c76c83-f09a-4702-8a60-e00215c8b89f" providerId="ADAL" clId="{3C2ECAFF-E1B8-9A4F-86CA-E73868E84495}" dt="2024-08-25T10:23:47.585" v="714"/>
+          <ac:spMkLst>
+            <pc:docMk/>
+            <pc:sldMasterMk cId="1552088819" sldId="2147484720"/>
+            <ac:spMk id="2" creationId="{00A0DF0A-3CF6-27A7-E4E6-782FA06CD032}"/>
+          </ac:spMkLst>
+        </pc:spChg>
+        <pc:spChg chg="add mod">
+          <ac:chgData name="Arbour, Duncan" userId="f8c76c83-f09a-4702-8a60-e00215c8b89f" providerId="ADAL" clId="{3C2ECAFF-E1B8-9A4F-86CA-E73868E84495}" dt="2024-08-25T10:23:47.585" v="714"/>
+          <ac:spMkLst>
+            <pc:docMk/>
+            <pc:sldMasterMk cId="1552088819" sldId="2147484720"/>
+            <ac:spMk id="3" creationId="{4DD4EC34-C0BD-357F-AAB1-5314E2EFC9A9}"/>
+          </ac:spMkLst>
+        </pc:spChg>
+        <pc:spChg chg="add mod">
+          <ac:chgData name="Arbour, Duncan" userId="f8c76c83-f09a-4702-8a60-e00215c8b89f" providerId="ADAL" clId="{3C2ECAFF-E1B8-9A4F-86CA-E73868E84495}" dt="2024-08-25T10:23:47.585" v="714"/>
+          <ac:spMkLst>
+            <pc:docMk/>
+            <pc:sldMasterMk cId="1552088819" sldId="2147484720"/>
+            <ac:spMk id="4" creationId="{099577D0-97FB-1572-9536-5D14099F2EE7}"/>
+          </ac:spMkLst>
+        </pc:spChg>
+        <pc:spChg chg="add del mod">
+          <ac:chgData name="Arbour, Duncan" userId="f8c76c83-f09a-4702-8a60-e00215c8b89f" providerId="ADAL" clId="{3C2ECAFF-E1B8-9A4F-86CA-E73868E84495}" dt="2024-08-25T10:24:09.886" v="717" actId="478"/>
+          <ac:spMkLst>
+            <pc:docMk/>
+            <pc:sldMasterMk cId="1552088819" sldId="2147484720"/>
+            <ac:spMk id="5" creationId="{9ABF5A00-8C1F-6412-578B-87E46388D883}"/>
+          </ac:spMkLst>
+        </pc:spChg>
+        <pc:spChg chg="add mod">
+          <ac:chgData name="Arbour, Duncan" userId="f8c76c83-f09a-4702-8a60-e00215c8b89f" providerId="ADAL" clId="{3C2ECAFF-E1B8-9A4F-86CA-E73868E84495}" dt="2024-08-25T10:23:47.585" v="714"/>
+          <ac:spMkLst>
+            <pc:docMk/>
+            <pc:sldMasterMk cId="1552088819" sldId="2147484720"/>
+            <ac:spMk id="8" creationId="{600B1FC4-44C0-45A7-5C9E-5B81EF499521}"/>
+          </ac:spMkLst>
+        </pc:spChg>
+        <pc:spChg chg="add mod">
+          <ac:chgData name="Arbour, Duncan" userId="f8c76c83-f09a-4702-8a60-e00215c8b89f" providerId="ADAL" clId="{3C2ECAFF-E1B8-9A4F-86CA-E73868E84495}" dt="2024-08-25T10:24:18.522" v="719" actId="20577"/>
+          <ac:spMkLst>
+            <pc:docMk/>
+            <pc:sldMasterMk cId="1552088819" sldId="2147484720"/>
+            <ac:spMk id="9" creationId="{B75003BD-1F49-DB6E-9BE1-ADE9B03B56D0}"/>
+          </ac:spMkLst>
+        </pc:spChg>
+        <pc:spChg chg="add mod">
+          <ac:chgData name="Arbour, Duncan" userId="f8c76c83-f09a-4702-8a60-e00215c8b89f" providerId="ADAL" clId="{3C2ECAFF-E1B8-9A4F-86CA-E73868E84495}" dt="2024-08-25T10:23:47.585" v="714"/>
+          <ac:spMkLst>
+            <pc:docMk/>
+            <pc:sldMasterMk cId="1552088819" sldId="2147484720"/>
+            <ac:spMk id="10" creationId="{F4D9A45A-D5EE-5940-B5ED-9EDD9DBF6001}"/>
+          </ac:spMkLst>
+        </pc:spChg>
+        <pc:cxnChg chg="add mod">
+          <ac:chgData name="Arbour, Duncan" userId="f8c76c83-f09a-4702-8a60-e00215c8b89f" providerId="ADAL" clId="{3C2ECAFF-E1B8-9A4F-86CA-E73868E84495}" dt="2024-08-25T10:23:47.585" v="714"/>
+          <ac:cxnSpMkLst>
+            <pc:docMk/>
+            <pc:sldMasterMk cId="1552088819" sldId="2147484720"/>
+            <ac:cxnSpMk id="6" creationId="{D8407B93-9020-8005-1495-07F8179B7C5F}"/>
+          </ac:cxnSpMkLst>
+        </pc:cxnChg>
+        <pc:cxnChg chg="add mod">
+          <ac:chgData name="Arbour, Duncan" userId="f8c76c83-f09a-4702-8a60-e00215c8b89f" providerId="ADAL" clId="{3C2ECAFF-E1B8-9A4F-86CA-E73868E84495}" dt="2024-08-25T10:23:47.585" v="714"/>
+          <ac:cxnSpMkLst>
+            <pc:docMk/>
+            <pc:sldMasterMk cId="1552088819" sldId="2147484720"/>
+            <ac:cxnSpMk id="7" creationId="{84D04895-9C23-AEE8-83EA-B49A0D440ABF}"/>
+          </ac:cxnSpMkLst>
+        </pc:cxnChg>
+      </pc:sldMasterChg>
+      <pc:sldMasterChg chg="new mod addSldLayout">
+        <pc:chgData name="Arbour, Duncan" userId="f8c76c83-f09a-4702-8a60-e00215c8b89f" providerId="ADAL" clId="{3C2ECAFF-E1B8-9A4F-86CA-E73868E84495}" dt="2024-08-25T10:23:39.522" v="713" actId="6938"/>
+        <pc:sldMasterMkLst>
+          <pc:docMk/>
+          <pc:sldMasterMk cId="131788798" sldId="2147484723"/>
+        </pc:sldMasterMkLst>
+        <pc:sldLayoutChg chg="new replId">
+          <pc:chgData name="Arbour, Duncan" userId="f8c76c83-f09a-4702-8a60-e00215c8b89f" providerId="ADAL" clId="{3C2ECAFF-E1B8-9A4F-86CA-E73868E84495}" dt="2024-08-25T10:23:39.522" v="713" actId="6938"/>
+          <pc:sldLayoutMkLst>
+            <pc:docMk/>
+            <pc:sldMasterMk cId="131788798" sldId="2147484723"/>
+            <pc:sldLayoutMk cId="2818741901" sldId="2147484724"/>
+          </pc:sldLayoutMkLst>
+        </pc:sldLayoutChg>
+        <pc:sldLayoutChg chg="new replId">
+          <pc:chgData name="Arbour, Duncan" userId="f8c76c83-f09a-4702-8a60-e00215c8b89f" providerId="ADAL" clId="{3C2ECAFF-E1B8-9A4F-86CA-E73868E84495}" dt="2024-08-25T10:23:39.522" v="713" actId="6938"/>
+          <pc:sldLayoutMkLst>
+            <pc:docMk/>
+            <pc:sldMasterMk cId="131788798" sldId="2147484723"/>
+            <pc:sldLayoutMk cId="3146723179" sldId="2147484725"/>
+          </pc:sldLayoutMkLst>
+        </pc:sldLayoutChg>
+        <pc:sldLayoutChg chg="new replId">
+          <pc:chgData name="Arbour, Duncan" userId="f8c76c83-f09a-4702-8a60-e00215c8b89f" providerId="ADAL" clId="{3C2ECAFF-E1B8-9A4F-86CA-E73868E84495}" dt="2024-08-25T10:23:39.522" v="713" actId="6938"/>
+          <pc:sldLayoutMkLst>
+            <pc:docMk/>
+            <pc:sldMasterMk cId="131788798" sldId="2147484723"/>
+            <pc:sldLayoutMk cId="356423968" sldId="2147484726"/>
+          </pc:sldLayoutMkLst>
+        </pc:sldLayoutChg>
+        <pc:sldLayoutChg chg="new replId">
+          <pc:chgData name="Arbour, Duncan" userId="f8c76c83-f09a-4702-8a60-e00215c8b89f" providerId="ADAL" clId="{3C2ECAFF-E1B8-9A4F-86CA-E73868E84495}" dt="2024-08-25T10:23:39.522" v="713" actId="6938"/>
+          <pc:sldLayoutMkLst>
+            <pc:docMk/>
+            <pc:sldMasterMk cId="131788798" sldId="2147484723"/>
+            <pc:sldLayoutMk cId="1399016895" sldId="2147484727"/>
+          </pc:sldLayoutMkLst>
+        </pc:sldLayoutChg>
+        <pc:sldLayoutChg chg="new replId">
+          <pc:chgData name="Arbour, Duncan" userId="f8c76c83-f09a-4702-8a60-e00215c8b89f" providerId="ADAL" clId="{3C2ECAFF-E1B8-9A4F-86CA-E73868E84495}" dt="2024-08-25T10:23:39.522" v="713" actId="6938"/>
+          <pc:sldLayoutMkLst>
+            <pc:docMk/>
+            <pc:sldMasterMk cId="131788798" sldId="2147484723"/>
+            <pc:sldLayoutMk cId="2055930000" sldId="2147484728"/>
+          </pc:sldLayoutMkLst>
+        </pc:sldLayoutChg>
+        <pc:sldLayoutChg chg="new replId">
+          <pc:chgData name="Arbour, Duncan" userId="f8c76c83-f09a-4702-8a60-e00215c8b89f" providerId="ADAL" clId="{3C2ECAFF-E1B8-9A4F-86CA-E73868E84495}" dt="2024-08-25T10:23:39.522" v="713" actId="6938"/>
+          <pc:sldLayoutMkLst>
+            <pc:docMk/>
+            <pc:sldMasterMk cId="131788798" sldId="2147484723"/>
+            <pc:sldLayoutMk cId="1550530448" sldId="2147484729"/>
+          </pc:sldLayoutMkLst>
+        </pc:sldLayoutChg>
+        <pc:sldLayoutChg chg="new replId">
+          <pc:chgData name="Arbour, Duncan" userId="f8c76c83-f09a-4702-8a60-e00215c8b89f" providerId="ADAL" clId="{3C2ECAFF-E1B8-9A4F-86CA-E73868E84495}" dt="2024-08-25T10:23:39.522" v="713" actId="6938"/>
+          <pc:sldLayoutMkLst>
+            <pc:docMk/>
+            <pc:sldMasterMk cId="131788798" sldId="2147484723"/>
+            <pc:sldLayoutMk cId="976650761" sldId="2147484730"/>
+          </pc:sldLayoutMkLst>
+        </pc:sldLayoutChg>
+        <pc:sldLayoutChg chg="new replId">
+          <pc:chgData name="Arbour, Duncan" userId="f8c76c83-f09a-4702-8a60-e00215c8b89f" providerId="ADAL" clId="{3C2ECAFF-E1B8-9A4F-86CA-E73868E84495}" dt="2024-08-25T10:23:39.522" v="713" actId="6938"/>
+          <pc:sldLayoutMkLst>
+            <pc:docMk/>
+            <pc:sldMasterMk cId="131788798" sldId="2147484723"/>
+            <pc:sldLayoutMk cId="2680153824" sldId="2147484731"/>
+          </pc:sldLayoutMkLst>
+        </pc:sldLayoutChg>
+        <pc:sldLayoutChg chg="new replId">
+          <pc:chgData name="Arbour, Duncan" userId="f8c76c83-f09a-4702-8a60-e00215c8b89f" providerId="ADAL" clId="{3C2ECAFF-E1B8-9A4F-86CA-E73868E84495}" dt="2024-08-25T10:23:39.522" v="713" actId="6938"/>
+          <pc:sldLayoutMkLst>
+            <pc:docMk/>
+            <pc:sldMasterMk cId="131788798" sldId="2147484723"/>
+            <pc:sldLayoutMk cId="3628125136" sldId="2147484732"/>
+          </pc:sldLayoutMkLst>
+        </pc:sldLayoutChg>
+        <pc:sldLayoutChg chg="new replId">
+          <pc:chgData name="Arbour, Duncan" userId="f8c76c83-f09a-4702-8a60-e00215c8b89f" providerId="ADAL" clId="{3C2ECAFF-E1B8-9A4F-86CA-E73868E84495}" dt="2024-08-25T10:23:39.522" v="713" actId="6938"/>
+          <pc:sldLayoutMkLst>
+            <pc:docMk/>
+            <pc:sldMasterMk cId="131788798" sldId="2147484723"/>
+            <pc:sldLayoutMk cId="15857825" sldId="2147484733"/>
+          </pc:sldLayoutMkLst>
+        </pc:sldLayoutChg>
+        <pc:sldLayoutChg chg="new replId">
+          <pc:chgData name="Arbour, Duncan" userId="f8c76c83-f09a-4702-8a60-e00215c8b89f" providerId="ADAL" clId="{3C2ECAFF-E1B8-9A4F-86CA-E73868E84495}" dt="2024-08-25T10:23:39.522" v="713" actId="6938"/>
+          <pc:sldLayoutMkLst>
+            <pc:docMk/>
+            <pc:sldMasterMk cId="131788798" sldId="2147484723"/>
+            <pc:sldLayoutMk cId="1448672792" sldId="2147484734"/>
+          </pc:sldLayoutMkLst>
+        </pc:sldLayoutChg>
+      </pc:sldMasterChg>
     </pc:docChg>
   </pc:docChgLst>
 </pc:chgInfo>
@@ -613,6 +789,377 @@
           <a:bodyPr/>
           <a:lstStyle/>
           <a:p>
+            <a:r>
+              <a:rPr lang="en-GB" sz="1800" dirty="0" err="1">
+                <a:solidFill>
+                  <a:schemeClr val="accent2"/>
+                </a:solidFill>
+                <a:latin typeface="Calibri" panose="020F0502020204030204" pitchFamily="34" charset="0"/>
+                <a:ea typeface="Calibri" panose="020F0502020204030204" pitchFamily="34" charset="0"/>
+                <a:cs typeface="Calibri" panose="020F0502020204030204" pitchFamily="34" charset="0"/>
+              </a:rPr>
+              <a:t>Persona_name</a:t>
+            </a:r>
+            <a:endParaRPr lang="en-GB" sz="1800" dirty="0">
+              <a:solidFill>
+                <a:schemeClr val="accent2"/>
+              </a:solidFill>
+              <a:effectLst/>
+              <a:latin typeface="Calibri" panose="020F0502020204030204" pitchFamily="34" charset="0"/>
+              <a:ea typeface="Calibri" panose="020F0502020204030204" pitchFamily="34" charset="0"/>
+              <a:cs typeface="Calibri" panose="020F0502020204030204" pitchFamily="34" charset="0"/>
+            </a:endParaRPr>
+          </a:p>
+          <a:p>
+            <a:r>
+              <a:rPr lang="en-GB" sz="1800" dirty="0" err="1">
+                <a:solidFill>
+                  <a:schemeClr val="accent2"/>
+                </a:solidFill>
+                <a:effectLst/>
+                <a:latin typeface="Calibri" panose="020F0502020204030204" pitchFamily="34" charset="0"/>
+                <a:ea typeface="Calibri" panose="020F0502020204030204" pitchFamily="34" charset="0"/>
+                <a:cs typeface="Calibri" panose="020F0502020204030204" pitchFamily="34" charset="0"/>
+              </a:rPr>
+              <a:t>Persona_age</a:t>
+            </a:r>
+            <a:endParaRPr lang="en-GB" sz="1800" dirty="0">
+              <a:solidFill>
+                <a:schemeClr val="accent2"/>
+              </a:solidFill>
+              <a:effectLst/>
+              <a:latin typeface="Calibri" panose="020F0502020204030204" pitchFamily="34" charset="0"/>
+              <a:ea typeface="Calibri" panose="020F0502020204030204" pitchFamily="34" charset="0"/>
+              <a:cs typeface="Calibri" panose="020F0502020204030204" pitchFamily="34" charset="0"/>
+            </a:endParaRPr>
+          </a:p>
+          <a:p>
+            <a:r>
+              <a:rPr lang="en-GB" sz="1800" dirty="0" err="1">
+                <a:solidFill>
+                  <a:schemeClr val="accent2"/>
+                </a:solidFill>
+                <a:effectLst/>
+                <a:latin typeface="Calibri" panose="020F0502020204030204" pitchFamily="34" charset="0"/>
+                <a:ea typeface="Calibri" panose="020F0502020204030204" pitchFamily="34" charset="0"/>
+                <a:cs typeface="Calibri" panose="020F0502020204030204" pitchFamily="34" charset="0"/>
+              </a:rPr>
+              <a:t>Persona_location</a:t>
+            </a:r>
+            <a:endParaRPr lang="en-GB" sz="1800" dirty="0">
+              <a:solidFill>
+                <a:schemeClr val="accent2"/>
+              </a:solidFill>
+              <a:effectLst/>
+              <a:latin typeface="Calibri" panose="020F0502020204030204" pitchFamily="34" charset="0"/>
+              <a:ea typeface="Calibri" panose="020F0502020204030204" pitchFamily="34" charset="0"/>
+              <a:cs typeface="Calibri" panose="020F0502020204030204" pitchFamily="34" charset="0"/>
+            </a:endParaRPr>
+          </a:p>
+          <a:p>
+            <a:r>
+              <a:rPr lang="en-GB" sz="1800" dirty="0" err="1">
+                <a:solidFill>
+                  <a:schemeClr val="accent2"/>
+                </a:solidFill>
+                <a:effectLst/>
+                <a:latin typeface="Calibri" panose="020F0502020204030204" pitchFamily="34" charset="0"/>
+                <a:ea typeface="Calibri" panose="020F0502020204030204" pitchFamily="34" charset="0"/>
+                <a:cs typeface="Calibri" panose="020F0502020204030204" pitchFamily="34" charset="0"/>
+              </a:rPr>
+              <a:t>Persona_occupation</a:t>
+            </a:r>
+            <a:endParaRPr lang="en-GB" sz="1800" dirty="0">
+              <a:solidFill>
+                <a:schemeClr val="accent2"/>
+              </a:solidFill>
+              <a:effectLst/>
+              <a:latin typeface="Calibri" panose="020F0502020204030204" pitchFamily="34" charset="0"/>
+              <a:ea typeface="Calibri" panose="020F0502020204030204" pitchFamily="34" charset="0"/>
+              <a:cs typeface="Calibri" panose="020F0502020204030204" pitchFamily="34" charset="0"/>
+            </a:endParaRPr>
+          </a:p>
+          <a:p>
+            <a:r>
+              <a:rPr lang="en-GB" sz="1800" dirty="0" err="1">
+                <a:solidFill>
+                  <a:schemeClr val="accent2"/>
+                </a:solidFill>
+                <a:latin typeface="Calibri" panose="020F0502020204030204" pitchFamily="34" charset="0"/>
+                <a:ea typeface="Calibri" panose="020F0502020204030204" pitchFamily="34" charset="0"/>
+                <a:cs typeface="Calibri" panose="020F0502020204030204" pitchFamily="34" charset="0"/>
+              </a:rPr>
+              <a:t>Persona_relationships</a:t>
+            </a:r>
+            <a:endParaRPr lang="en-GB" sz="1800" dirty="0">
+              <a:solidFill>
+                <a:schemeClr val="accent2"/>
+              </a:solidFill>
+              <a:latin typeface="Calibri" panose="020F0502020204030204" pitchFamily="34" charset="0"/>
+              <a:ea typeface="Calibri" panose="020F0502020204030204" pitchFamily="34" charset="0"/>
+              <a:cs typeface="Calibri" panose="020F0502020204030204" pitchFamily="34" charset="0"/>
+            </a:endParaRPr>
+          </a:p>
+          <a:p>
+            <a:pPr marL="0" marR="0" lvl="0" indent="0" algn="l" defTabSz="609493" rtl="0" eaLnBrk="1" fontAlgn="auto" latinLnBrk="0" hangingPunct="1">
+              <a:lnSpc>
+                <a:spcPct val="100000"/>
+              </a:lnSpc>
+              <a:spcBef>
+                <a:spcPts val="0"/>
+              </a:spcBef>
+              <a:spcAft>
+                <a:spcPts val="0"/>
+              </a:spcAft>
+              <a:buClrTx/>
+              <a:buSzTx/>
+              <a:buFontTx/>
+              <a:buNone/>
+              <a:tabLst/>
+              <a:defRPr/>
+            </a:pPr>
+            <a:r>
+              <a:rPr lang="en-GB" sz="1800" b="0" i="0" dirty="0" err="1">
+                <a:solidFill>
+                  <a:schemeClr val="accent2"/>
+                </a:solidFill>
+                <a:effectLst/>
+                <a:latin typeface="Calibri" panose="020F0502020204030204" pitchFamily="34" charset="0"/>
+                <a:cs typeface="Calibri" panose="020F0502020204030204" pitchFamily="34" charset="0"/>
+              </a:rPr>
+              <a:t>Persona_mindset</a:t>
+            </a:r>
+            <a:endParaRPr lang="en-GB" sz="1800" b="0" i="0" dirty="0">
+              <a:solidFill>
+                <a:schemeClr val="accent2"/>
+              </a:solidFill>
+              <a:effectLst/>
+              <a:latin typeface="Calibri" panose="020F0502020204030204" pitchFamily="34" charset="0"/>
+              <a:cs typeface="Calibri" panose="020F0502020204030204" pitchFamily="34" charset="0"/>
+            </a:endParaRPr>
+          </a:p>
+          <a:p>
+            <a:pPr marL="0" marR="0" lvl="0" indent="0" algn="l" defTabSz="609493" rtl="0" eaLnBrk="1" fontAlgn="auto" latinLnBrk="0" hangingPunct="1">
+              <a:lnSpc>
+                <a:spcPct val="100000"/>
+              </a:lnSpc>
+              <a:spcBef>
+                <a:spcPts val="0"/>
+              </a:spcBef>
+              <a:spcAft>
+                <a:spcPts val="0"/>
+              </a:spcAft>
+              <a:buClrTx/>
+              <a:buSzTx/>
+              <a:buFontTx/>
+              <a:buNone/>
+              <a:tabLst/>
+              <a:defRPr/>
+            </a:pPr>
+            <a:r>
+              <a:rPr lang="en-GB" sz="1800" kern="100" dirty="0" err="1">
+                <a:solidFill>
+                  <a:schemeClr val="accent2"/>
+                </a:solidFill>
+                <a:effectLst/>
+                <a:latin typeface="Calibri" panose="020F0502020204030204" pitchFamily="34" charset="0"/>
+                <a:ea typeface="Calibri" panose="020F0502020204030204" pitchFamily="34" charset="0"/>
+                <a:cs typeface="Times New Roman" panose="02020603050405020304" pitchFamily="18" charset="0"/>
+              </a:rPr>
+              <a:t>Persona_unmet_needs</a:t>
+            </a:r>
+            <a:endParaRPr lang="en-GB" sz="1800" kern="100" dirty="0">
+              <a:solidFill>
+                <a:schemeClr val="accent2"/>
+              </a:solidFill>
+              <a:effectLst/>
+              <a:latin typeface="Calibri" panose="020F0502020204030204" pitchFamily="34" charset="0"/>
+              <a:ea typeface="Calibri" panose="020F0502020204030204" pitchFamily="34" charset="0"/>
+              <a:cs typeface="Times New Roman" panose="02020603050405020304" pitchFamily="18" charset="0"/>
+            </a:endParaRPr>
+          </a:p>
+          <a:p>
+            <a:pPr lvl="0">
+              <a:buSzPts val="1000"/>
+              <a:tabLst>
+                <a:tab pos="457200" algn="l"/>
+              </a:tabLst>
+            </a:pPr>
+            <a:r>
+              <a:rPr lang="en-GB" sz="1800" kern="0" dirty="0" err="1">
+                <a:solidFill>
+                  <a:schemeClr val="accent2"/>
+                </a:solidFill>
+                <a:effectLst/>
+                <a:latin typeface="Calibri" panose="020F0502020204030204" pitchFamily="34" charset="0"/>
+                <a:ea typeface="Times New Roman" panose="02020603050405020304" pitchFamily="18" charset="0"/>
+                <a:cs typeface="Calibri" panose="020F0502020204030204" pitchFamily="34" charset="0"/>
+              </a:rPr>
+              <a:t>Persona_pain_points</a:t>
+            </a:r>
+            <a:br>
+              <a:rPr lang="en-GB" sz="700" dirty="0"/>
+            </a:br>
+            <a:endParaRPr lang="en-GB" sz="700" dirty="0">
+              <a:solidFill>
+                <a:schemeClr val="accent2"/>
+              </a:solidFill>
+              <a:latin typeface="Arial" panose="020B0604020202020204" pitchFamily="34" charset="0"/>
+              <a:cs typeface="Arial" panose="020B0604020202020204" pitchFamily="34" charset="0"/>
+            </a:endParaRPr>
+          </a:p>
+          <a:p>
+            <a:pPr marL="0" marR="0" lvl="0" indent="0" algn="l" defTabSz="609493" rtl="0" eaLnBrk="1" fontAlgn="auto" latinLnBrk="0" hangingPunct="1">
+              <a:lnSpc>
+                <a:spcPct val="100000"/>
+              </a:lnSpc>
+              <a:spcBef>
+                <a:spcPts val="0"/>
+              </a:spcBef>
+              <a:spcAft>
+                <a:spcPts val="0"/>
+              </a:spcAft>
+              <a:buClrTx/>
+              <a:buSzTx/>
+              <a:buFontTx/>
+              <a:buNone/>
+              <a:tabLst/>
+              <a:defRPr/>
+            </a:pPr>
+            <a:endParaRPr lang="en-GB" sz="1800" kern="100" dirty="0">
+              <a:solidFill>
+                <a:schemeClr val="accent2"/>
+              </a:solidFill>
+              <a:effectLst/>
+              <a:latin typeface="Calibri" panose="020F0502020204030204" pitchFamily="34" charset="0"/>
+              <a:ea typeface="Calibri" panose="020F0502020204030204" pitchFamily="34" charset="0"/>
+              <a:cs typeface="Times New Roman" panose="02020603050405020304" pitchFamily="18" charset="0"/>
+            </a:endParaRPr>
+          </a:p>
+          <a:p>
+            <a:endParaRPr lang="en-GB" sz="1800" b="1" dirty="0">
+              <a:solidFill>
+                <a:schemeClr val="accent2"/>
+              </a:solidFill>
+              <a:effectLst/>
+              <a:latin typeface="Calibri" panose="020F0502020204030204" pitchFamily="34" charset="0"/>
+              <a:ea typeface="Calibri" panose="020F0502020204030204" pitchFamily="34" charset="0"/>
+              <a:cs typeface="Calibri" panose="020F0502020204030204" pitchFamily="34" charset="0"/>
+            </a:endParaRPr>
+          </a:p>
+          <a:p>
+            <a:pPr marL="0" marR="0" lvl="0" indent="0" algn="l" defTabSz="609493" rtl="0" eaLnBrk="1" fontAlgn="auto" latinLnBrk="0" hangingPunct="1">
+              <a:lnSpc>
+                <a:spcPct val="100000"/>
+              </a:lnSpc>
+              <a:spcBef>
+                <a:spcPts val="0"/>
+              </a:spcBef>
+              <a:spcAft>
+                <a:spcPts val="0"/>
+              </a:spcAft>
+              <a:buClrTx/>
+              <a:buSzTx/>
+              <a:buFontTx/>
+              <a:buNone/>
+              <a:tabLst/>
+              <a:defRPr/>
+            </a:pPr>
+            <a:endParaRPr lang="en-GB" sz="1800" b="1" dirty="0">
+              <a:solidFill>
+                <a:schemeClr val="accent2"/>
+              </a:solidFill>
+              <a:effectLst/>
+              <a:latin typeface="Calibri" panose="020F0502020204030204" pitchFamily="34" charset="0"/>
+              <a:ea typeface="Calibri" panose="020F0502020204030204" pitchFamily="34" charset="0"/>
+              <a:cs typeface="Calibri" panose="020F0502020204030204" pitchFamily="34" charset="0"/>
+            </a:endParaRPr>
+          </a:p>
+          <a:p>
+            <a:pPr marL="0" marR="0" lvl="0" indent="0" algn="l" defTabSz="609493" rtl="0" eaLnBrk="1" fontAlgn="auto" latinLnBrk="0" hangingPunct="1">
+              <a:lnSpc>
+                <a:spcPct val="100000"/>
+              </a:lnSpc>
+              <a:spcBef>
+                <a:spcPts val="0"/>
+              </a:spcBef>
+              <a:spcAft>
+                <a:spcPts val="0"/>
+              </a:spcAft>
+              <a:buClrTx/>
+              <a:buSzTx/>
+              <a:buFontTx/>
+              <a:buNone/>
+              <a:tabLst/>
+              <a:defRPr/>
+            </a:pPr>
+            <a:endParaRPr lang="en-GB" sz="1800" dirty="0">
+              <a:solidFill>
+                <a:schemeClr val="accent2"/>
+              </a:solidFill>
+              <a:effectLst/>
+              <a:latin typeface="Calibri" panose="020F0502020204030204" pitchFamily="34" charset="0"/>
+              <a:ea typeface="Calibri" panose="020F0502020204030204" pitchFamily="34" charset="0"/>
+              <a:cs typeface="Calibri" panose="020F0502020204030204" pitchFamily="34" charset="0"/>
+            </a:endParaRPr>
+          </a:p>
+          <a:p>
+            <a:pPr marL="0" marR="0" lvl="0" indent="0" algn="l" defTabSz="609493" rtl="0" eaLnBrk="1" fontAlgn="auto" latinLnBrk="0" hangingPunct="1">
+              <a:lnSpc>
+                <a:spcPct val="100000"/>
+              </a:lnSpc>
+              <a:spcBef>
+                <a:spcPts val="0"/>
+              </a:spcBef>
+              <a:spcAft>
+                <a:spcPts val="0"/>
+              </a:spcAft>
+              <a:buClrTx/>
+              <a:buSzTx/>
+              <a:buFontTx/>
+              <a:buNone/>
+              <a:tabLst/>
+              <a:defRPr/>
+            </a:pPr>
+            <a:endParaRPr lang="en-GB" sz="1800" dirty="0">
+              <a:solidFill>
+                <a:schemeClr val="accent2"/>
+              </a:solidFill>
+              <a:effectLst/>
+              <a:latin typeface="Calibri" panose="020F0502020204030204" pitchFamily="34" charset="0"/>
+              <a:ea typeface="Calibri" panose="020F0502020204030204" pitchFamily="34" charset="0"/>
+              <a:cs typeface="Calibri" panose="020F0502020204030204" pitchFamily="34" charset="0"/>
+            </a:endParaRPr>
+          </a:p>
+          <a:p>
+            <a:pPr marL="0" marR="0" lvl="0" indent="0" algn="l" defTabSz="609493" rtl="0" eaLnBrk="1" fontAlgn="auto" latinLnBrk="0" hangingPunct="1">
+              <a:lnSpc>
+                <a:spcPct val="100000"/>
+              </a:lnSpc>
+              <a:spcBef>
+                <a:spcPts val="0"/>
+              </a:spcBef>
+              <a:spcAft>
+                <a:spcPts val="0"/>
+              </a:spcAft>
+              <a:buClrTx/>
+              <a:buSzTx/>
+              <a:buFontTx/>
+              <a:buNone/>
+              <a:tabLst/>
+              <a:defRPr/>
+            </a:pPr>
+            <a:endParaRPr lang="en-GB" sz="1800" dirty="0">
+              <a:solidFill>
+                <a:schemeClr val="accent2"/>
+              </a:solidFill>
+              <a:effectLst/>
+              <a:latin typeface="Calibri" panose="020F0502020204030204" pitchFamily="34" charset="0"/>
+              <a:ea typeface="Calibri" panose="020F0502020204030204" pitchFamily="34" charset="0"/>
+              <a:cs typeface="Calibri" panose="020F0502020204030204" pitchFamily="34" charset="0"/>
+            </a:endParaRPr>
+          </a:p>
+          <a:p>
             <a:endParaRPr lang="en-GB" sz="1800" dirty="0">
               <a:effectLst/>
               <a:latin typeface="Times New Roman" panose="02020603050405020304" pitchFamily="18" charset="0"/>
@@ -933,6 +1480,662 @@
           <a:chExt cx="0" cy="0"/>
         </a:xfrm>
       </p:grpSpPr>
+      <p:sp>
+        <p:nvSpPr>
+          <p:cNvPr id="2" name="Rectangle 1">
+            <a:extLst>
+              <a:ext uri="{FF2B5EF4-FFF2-40B4-BE49-F238E27FC236}">
+                <a16:creationId xmlns:a16="http://schemas.microsoft.com/office/drawing/2014/main" id="{00A0DF0A-3CF6-27A7-E4E6-782FA06CD032}"/>
+              </a:ext>
+            </a:extLst>
+          </p:cNvPr>
+          <p:cNvSpPr/>
+          <p:nvPr userDrawn="1"/>
+        </p:nvSpPr>
+        <p:spPr>
+          <a:xfrm>
+            <a:off x="361456" y="1033275"/>
+            <a:ext cx="1637465" cy="1638000"/>
+          </a:xfrm>
+          <a:prstGeom prst="rect">
+            <a:avLst/>
+          </a:prstGeom>
+          <a:noFill/>
+          <a:ln>
+            <a:solidFill>
+              <a:schemeClr val="bg2"/>
+            </a:solidFill>
+          </a:ln>
+          <a:effectLst/>
+        </p:spPr>
+        <p:style>
+          <a:lnRef idx="1">
+            <a:schemeClr val="accent1"/>
+          </a:lnRef>
+          <a:fillRef idx="3">
+            <a:schemeClr val="accent1"/>
+          </a:fillRef>
+          <a:effectRef idx="2">
+            <a:schemeClr val="accent1"/>
+          </a:effectRef>
+          <a:fontRef idx="minor">
+            <a:schemeClr val="lt1"/>
+          </a:fontRef>
+        </p:style>
+        <p:txBody>
+          <a:bodyPr lIns="0" tIns="0" rIns="0" bIns="0" rtlCol="0" anchor="ctr">
+            <a:normAutofit/>
+          </a:bodyPr>
+          <a:lstStyle/>
+          <a:p>
+            <a:pPr algn="ctr"/>
+            <a:endParaRPr lang="en-GB" dirty="0" err="1">
+              <a:solidFill>
+                <a:schemeClr val="tx2"/>
+              </a:solidFill>
+            </a:endParaRPr>
+          </a:p>
+        </p:txBody>
+      </p:sp>
+      <p:sp>
+        <p:nvSpPr>
+          <p:cNvPr id="3" name="TextBox 2">
+            <a:extLst>
+              <a:ext uri="{FF2B5EF4-FFF2-40B4-BE49-F238E27FC236}">
+                <a16:creationId xmlns:a16="http://schemas.microsoft.com/office/drawing/2014/main" id="{4DD4EC34-C0BD-357F-AAB1-5314E2EFC9A9}"/>
+              </a:ext>
+            </a:extLst>
+          </p:cNvPr>
+          <p:cNvSpPr txBox="1"/>
+          <p:nvPr userDrawn="1"/>
+        </p:nvSpPr>
+        <p:spPr>
+          <a:xfrm>
+            <a:off x="8258142" y="884141"/>
+            <a:ext cx="3569227" cy="738664"/>
+          </a:xfrm>
+          <a:prstGeom prst="rect">
+            <a:avLst/>
+          </a:prstGeom>
+          <a:noFill/>
+          <a:ln>
+            <a:noFill/>
+          </a:ln>
+        </p:spPr>
+        <p:txBody>
+          <a:bodyPr wrap="square" rtlCol="0">
+            <a:spAutoFit/>
+          </a:bodyPr>
+          <a:lstStyle/>
+          <a:p>
+            <a:r>
+              <a:rPr lang="en-GB" sz="1600" b="1" dirty="0">
+                <a:solidFill>
+                  <a:schemeClr val="bg1"/>
+                </a:solidFill>
+              </a:rPr>
+              <a:t>Pain-points and frustrations:</a:t>
+            </a:r>
+          </a:p>
+          <a:p>
+            <a:endParaRPr lang="en-GB" sz="600" b="1" dirty="0">
+              <a:solidFill>
+                <a:schemeClr val="accent4"/>
+              </a:solidFill>
+            </a:endParaRPr>
+          </a:p>
+          <a:p>
+            <a:pPr lvl="0">
+              <a:buSzPts val="1000"/>
+              <a:tabLst>
+                <a:tab pos="457200" algn="l"/>
+              </a:tabLst>
+            </a:pPr>
+            <a:r>
+              <a:rPr lang="en-GB" sz="1200" kern="0" dirty="0" err="1">
+                <a:solidFill>
+                  <a:schemeClr val="accent2"/>
+                </a:solidFill>
+                <a:effectLst/>
+                <a:latin typeface="Calibri" panose="020F0502020204030204" pitchFamily="34" charset="0"/>
+                <a:ea typeface="Times New Roman" panose="02020603050405020304" pitchFamily="18" charset="0"/>
+                <a:cs typeface="Calibri" panose="020F0502020204030204" pitchFamily="34" charset="0"/>
+              </a:rPr>
+              <a:t>Persona_pain_points</a:t>
+            </a:r>
+            <a:endParaRPr lang="en-GB" sz="1200" b="1" kern="100" dirty="0">
+              <a:solidFill>
+                <a:schemeClr val="accent2"/>
+              </a:solidFill>
+              <a:effectLst/>
+              <a:latin typeface="Calibri" panose="020F0502020204030204" pitchFamily="34" charset="0"/>
+              <a:ea typeface="Calibri" panose="020F0502020204030204" pitchFamily="34" charset="0"/>
+              <a:cs typeface="Calibri" panose="020F0502020204030204" pitchFamily="34" charset="0"/>
+            </a:endParaRPr>
+          </a:p>
+          <a:p>
+            <a:pPr marL="171450" indent="-171450">
+              <a:buClr>
+                <a:schemeClr val="bg1"/>
+              </a:buClr>
+              <a:buFont typeface="Arial" panose="020B0604020202020204" pitchFamily="34" charset="0"/>
+              <a:buChar char="•"/>
+            </a:pPr>
+            <a:br>
+              <a:rPr lang="en-GB" sz="400" dirty="0"/>
+            </a:br>
+            <a:endParaRPr lang="en-GB" sz="400" dirty="0">
+              <a:solidFill>
+                <a:schemeClr val="accent2"/>
+              </a:solidFill>
+              <a:latin typeface="Arial" panose="020B0604020202020204" pitchFamily="34" charset="0"/>
+              <a:cs typeface="Arial" panose="020B0604020202020204" pitchFamily="34" charset="0"/>
+            </a:endParaRPr>
+          </a:p>
+        </p:txBody>
+      </p:sp>
+      <p:sp>
+        <p:nvSpPr>
+          <p:cNvPr id="4" name="TextBox 3">
+            <a:extLst>
+              <a:ext uri="{FF2B5EF4-FFF2-40B4-BE49-F238E27FC236}">
+                <a16:creationId xmlns:a16="http://schemas.microsoft.com/office/drawing/2014/main" id="{099577D0-97FB-1572-9536-5D14099F2EE7}"/>
+              </a:ext>
+            </a:extLst>
+          </p:cNvPr>
+          <p:cNvSpPr txBox="1"/>
+          <p:nvPr userDrawn="1"/>
+        </p:nvSpPr>
+        <p:spPr>
+          <a:xfrm>
+            <a:off x="4357008" y="884141"/>
+            <a:ext cx="3661831" cy="800219"/>
+          </a:xfrm>
+          <a:prstGeom prst="rect">
+            <a:avLst/>
+          </a:prstGeom>
+          <a:noFill/>
+          <a:ln>
+            <a:noFill/>
+          </a:ln>
+        </p:spPr>
+        <p:txBody>
+          <a:bodyPr wrap="square" rtlCol="0">
+            <a:spAutoFit/>
+          </a:bodyPr>
+          <a:lstStyle/>
+          <a:p>
+            <a:r>
+              <a:rPr lang="en-GB" sz="1600" b="1" dirty="0">
+                <a:solidFill>
+                  <a:schemeClr val="bg1"/>
+                </a:solidFill>
+              </a:rPr>
+              <a:t>Unmet needs:</a:t>
+            </a:r>
+          </a:p>
+          <a:p>
+            <a:pPr algn="just" defTabSz="609358">
+              <a:defRPr/>
+            </a:pPr>
+            <a:endParaRPr lang="en-US" sz="600" dirty="0">
+              <a:solidFill>
+                <a:srgbClr val="000000"/>
+              </a:solidFill>
+              <a:latin typeface="Arial" panose="020B0604020202020204" pitchFamily="34" charset="0"/>
+              <a:cs typeface="Arial" panose="020B0604020202020204" pitchFamily="34" charset="0"/>
+            </a:endParaRPr>
+          </a:p>
+          <a:p>
+            <a:r>
+              <a:rPr lang="en-GB" sz="1200" kern="100" dirty="0" err="1">
+                <a:solidFill>
+                  <a:schemeClr val="accent2"/>
+                </a:solidFill>
+                <a:effectLst/>
+                <a:latin typeface="Calibri" panose="020F0502020204030204" pitchFamily="34" charset="0"/>
+                <a:ea typeface="Calibri" panose="020F0502020204030204" pitchFamily="34" charset="0"/>
+                <a:cs typeface="Times New Roman" panose="02020603050405020304" pitchFamily="18" charset="0"/>
+              </a:rPr>
+              <a:t>Persona_unmet_needs</a:t>
+            </a:r>
+            <a:endParaRPr lang="en-GB" sz="1200" kern="100" dirty="0">
+              <a:solidFill>
+                <a:schemeClr val="accent2"/>
+              </a:solidFill>
+              <a:effectLst/>
+              <a:latin typeface="Calibri" panose="020F0502020204030204" pitchFamily="34" charset="0"/>
+              <a:ea typeface="Calibri" panose="020F0502020204030204" pitchFamily="34" charset="0"/>
+              <a:cs typeface="Times New Roman" panose="02020603050405020304" pitchFamily="18" charset="0"/>
+            </a:endParaRPr>
+          </a:p>
+          <a:p>
+            <a:endParaRPr lang="en-GB" sz="1200" dirty="0"/>
+          </a:p>
+        </p:txBody>
+      </p:sp>
+      <p:cxnSp>
+        <p:nvCxnSpPr>
+          <p:cNvPr id="6" name="Straight Connector 5">
+            <a:extLst>
+              <a:ext uri="{FF2B5EF4-FFF2-40B4-BE49-F238E27FC236}">
+                <a16:creationId xmlns:a16="http://schemas.microsoft.com/office/drawing/2014/main" id="{D8407B93-9020-8005-1495-07F8179B7C5F}"/>
+              </a:ext>
+            </a:extLst>
+          </p:cNvPr>
+          <p:cNvCxnSpPr>
+            <a:cxnSpLocks/>
+          </p:cNvCxnSpPr>
+          <p:nvPr userDrawn="1"/>
+        </p:nvCxnSpPr>
+        <p:spPr>
+          <a:xfrm>
+            <a:off x="4213671" y="959705"/>
+            <a:ext cx="0" cy="5125787"/>
+          </a:xfrm>
+          <a:prstGeom prst="line">
+            <a:avLst/>
+          </a:prstGeom>
+          <a:ln w="9525">
+            <a:solidFill>
+              <a:schemeClr val="accent6"/>
+            </a:solidFill>
+            <a:prstDash val="sysDot"/>
+          </a:ln>
+          <a:effectLst/>
+        </p:spPr>
+        <p:style>
+          <a:lnRef idx="2">
+            <a:schemeClr val="accent1"/>
+          </a:lnRef>
+          <a:fillRef idx="0">
+            <a:schemeClr val="accent1"/>
+          </a:fillRef>
+          <a:effectRef idx="1">
+            <a:schemeClr val="accent1"/>
+          </a:effectRef>
+          <a:fontRef idx="minor">
+            <a:schemeClr val="tx1"/>
+          </a:fontRef>
+        </p:style>
+      </p:cxnSp>
+      <p:cxnSp>
+        <p:nvCxnSpPr>
+          <p:cNvPr id="7" name="Straight Connector 6">
+            <a:extLst>
+              <a:ext uri="{FF2B5EF4-FFF2-40B4-BE49-F238E27FC236}">
+                <a16:creationId xmlns:a16="http://schemas.microsoft.com/office/drawing/2014/main" id="{84D04895-9C23-AEE8-83EA-B49A0D440ABF}"/>
+              </a:ext>
+            </a:extLst>
+          </p:cNvPr>
+          <p:cNvCxnSpPr>
+            <a:cxnSpLocks/>
+          </p:cNvCxnSpPr>
+          <p:nvPr userDrawn="1"/>
+        </p:nvCxnSpPr>
+        <p:spPr>
+          <a:xfrm>
+            <a:off x="8088257" y="959705"/>
+            <a:ext cx="0" cy="5125787"/>
+          </a:xfrm>
+          <a:prstGeom prst="line">
+            <a:avLst/>
+          </a:prstGeom>
+          <a:ln w="9525">
+            <a:solidFill>
+              <a:schemeClr val="accent6"/>
+            </a:solidFill>
+            <a:prstDash val="sysDot"/>
+          </a:ln>
+          <a:effectLst/>
+        </p:spPr>
+        <p:style>
+          <a:lnRef idx="2">
+            <a:schemeClr val="accent1"/>
+          </a:lnRef>
+          <a:fillRef idx="0">
+            <a:schemeClr val="accent1"/>
+          </a:fillRef>
+          <a:effectRef idx="1">
+            <a:schemeClr val="accent1"/>
+          </a:effectRef>
+          <a:fontRef idx="minor">
+            <a:schemeClr val="tx1"/>
+          </a:fontRef>
+        </p:style>
+      </p:cxnSp>
+      <p:sp>
+        <p:nvSpPr>
+          <p:cNvPr id="8" name="TextBox 7">
+            <a:extLst>
+              <a:ext uri="{FF2B5EF4-FFF2-40B4-BE49-F238E27FC236}">
+                <a16:creationId xmlns:a16="http://schemas.microsoft.com/office/drawing/2014/main" id="{600B1FC4-44C0-45A7-5C9E-5B81EF499521}"/>
+              </a:ext>
+            </a:extLst>
+          </p:cNvPr>
+          <p:cNvSpPr txBox="1"/>
+          <p:nvPr userDrawn="1"/>
+        </p:nvSpPr>
+        <p:spPr>
+          <a:xfrm>
+            <a:off x="2073591" y="963653"/>
+            <a:ext cx="2026970" cy="1446550"/>
+          </a:xfrm>
+          <a:prstGeom prst="rect">
+            <a:avLst/>
+          </a:prstGeom>
+          <a:noFill/>
+          <a:ln>
+            <a:noFill/>
+          </a:ln>
+        </p:spPr>
+        <p:txBody>
+          <a:bodyPr wrap="square" rtlCol="0">
+            <a:spAutoFit/>
+          </a:bodyPr>
+          <a:lstStyle/>
+          <a:p>
+            <a:r>
+              <a:rPr lang="en-GB" sz="1200" b="1" dirty="0">
+                <a:solidFill>
+                  <a:schemeClr val="accent2"/>
+                </a:solidFill>
+                <a:effectLst/>
+                <a:latin typeface="Calibri" panose="020F0502020204030204" pitchFamily="34" charset="0"/>
+                <a:ea typeface="Calibri" panose="020F0502020204030204" pitchFamily="34" charset="0"/>
+                <a:cs typeface="Calibri" panose="020F0502020204030204" pitchFamily="34" charset="0"/>
+              </a:rPr>
+              <a:t>Name:</a:t>
+            </a:r>
+            <a:r>
+              <a:rPr lang="en-GB" sz="1200" dirty="0">
+                <a:solidFill>
+                  <a:schemeClr val="accent2"/>
+                </a:solidFill>
+                <a:effectLst/>
+                <a:latin typeface="Calibri" panose="020F0502020204030204" pitchFamily="34" charset="0"/>
+                <a:ea typeface="Calibri" panose="020F0502020204030204" pitchFamily="34" charset="0"/>
+                <a:cs typeface="Calibri" panose="020F0502020204030204" pitchFamily="34" charset="0"/>
+              </a:rPr>
+              <a:t> </a:t>
+            </a:r>
+            <a:r>
+              <a:rPr lang="en-GB" sz="1200" dirty="0" err="1">
+                <a:solidFill>
+                  <a:schemeClr val="accent2"/>
+                </a:solidFill>
+                <a:latin typeface="Calibri" panose="020F0502020204030204" pitchFamily="34" charset="0"/>
+                <a:ea typeface="Calibri" panose="020F0502020204030204" pitchFamily="34" charset="0"/>
+                <a:cs typeface="Calibri" panose="020F0502020204030204" pitchFamily="34" charset="0"/>
+              </a:rPr>
+              <a:t>Persona_name</a:t>
+            </a:r>
+            <a:endParaRPr lang="en-GB" sz="1200" dirty="0">
+              <a:solidFill>
+                <a:schemeClr val="accent2"/>
+              </a:solidFill>
+              <a:effectLst/>
+              <a:latin typeface="Calibri" panose="020F0502020204030204" pitchFamily="34" charset="0"/>
+              <a:ea typeface="Calibri" panose="020F0502020204030204" pitchFamily="34" charset="0"/>
+              <a:cs typeface="Calibri" panose="020F0502020204030204" pitchFamily="34" charset="0"/>
+            </a:endParaRPr>
+          </a:p>
+          <a:p>
+            <a:r>
+              <a:rPr lang="en-GB" sz="1200" b="1" dirty="0">
+                <a:solidFill>
+                  <a:schemeClr val="accent2"/>
+                </a:solidFill>
+                <a:effectLst/>
+                <a:latin typeface="Calibri" panose="020F0502020204030204" pitchFamily="34" charset="0"/>
+                <a:ea typeface="Calibri" panose="020F0502020204030204" pitchFamily="34" charset="0"/>
+                <a:cs typeface="Calibri" panose="020F0502020204030204" pitchFamily="34" charset="0"/>
+              </a:rPr>
+              <a:t>Age:</a:t>
+            </a:r>
+            <a:r>
+              <a:rPr lang="en-GB" sz="1200" dirty="0">
+                <a:solidFill>
+                  <a:schemeClr val="accent2"/>
+                </a:solidFill>
+                <a:effectLst/>
+                <a:latin typeface="Calibri" panose="020F0502020204030204" pitchFamily="34" charset="0"/>
+                <a:ea typeface="Calibri" panose="020F0502020204030204" pitchFamily="34" charset="0"/>
+                <a:cs typeface="Calibri" panose="020F0502020204030204" pitchFamily="34" charset="0"/>
+              </a:rPr>
+              <a:t> </a:t>
+            </a:r>
+            <a:r>
+              <a:rPr lang="en-GB" sz="1200" dirty="0" err="1">
+                <a:solidFill>
+                  <a:schemeClr val="accent2"/>
+                </a:solidFill>
+                <a:effectLst/>
+                <a:latin typeface="Calibri" panose="020F0502020204030204" pitchFamily="34" charset="0"/>
+                <a:ea typeface="Calibri" panose="020F0502020204030204" pitchFamily="34" charset="0"/>
+                <a:cs typeface="Calibri" panose="020F0502020204030204" pitchFamily="34" charset="0"/>
+              </a:rPr>
+              <a:t>Persona_age</a:t>
+            </a:r>
+            <a:endParaRPr lang="en-GB" sz="1200" dirty="0">
+              <a:solidFill>
+                <a:schemeClr val="accent2"/>
+              </a:solidFill>
+              <a:effectLst/>
+              <a:latin typeface="Calibri" panose="020F0502020204030204" pitchFamily="34" charset="0"/>
+              <a:ea typeface="Calibri" panose="020F0502020204030204" pitchFamily="34" charset="0"/>
+              <a:cs typeface="Calibri" panose="020F0502020204030204" pitchFamily="34" charset="0"/>
+            </a:endParaRPr>
+          </a:p>
+          <a:p>
+            <a:r>
+              <a:rPr lang="en-GB" sz="1200" b="1" dirty="0">
+                <a:solidFill>
+                  <a:schemeClr val="accent2"/>
+                </a:solidFill>
+                <a:effectLst/>
+                <a:latin typeface="Calibri" panose="020F0502020204030204" pitchFamily="34" charset="0"/>
+                <a:ea typeface="Calibri" panose="020F0502020204030204" pitchFamily="34" charset="0"/>
+                <a:cs typeface="Calibri" panose="020F0502020204030204" pitchFamily="34" charset="0"/>
+              </a:rPr>
+              <a:t>Location: </a:t>
+            </a:r>
+            <a:r>
+              <a:rPr lang="en-GB" sz="1200" dirty="0" err="1">
+                <a:solidFill>
+                  <a:schemeClr val="accent2"/>
+                </a:solidFill>
+                <a:effectLst/>
+                <a:latin typeface="Calibri" panose="020F0502020204030204" pitchFamily="34" charset="0"/>
+                <a:ea typeface="Calibri" panose="020F0502020204030204" pitchFamily="34" charset="0"/>
+                <a:cs typeface="Calibri" panose="020F0502020204030204" pitchFamily="34" charset="0"/>
+              </a:rPr>
+              <a:t>Persona_location</a:t>
+            </a:r>
+            <a:endParaRPr lang="en-GB" sz="1200" dirty="0">
+              <a:solidFill>
+                <a:schemeClr val="accent2"/>
+              </a:solidFill>
+              <a:effectLst/>
+              <a:latin typeface="Calibri" panose="020F0502020204030204" pitchFamily="34" charset="0"/>
+              <a:ea typeface="Calibri" panose="020F0502020204030204" pitchFamily="34" charset="0"/>
+              <a:cs typeface="Calibri" panose="020F0502020204030204" pitchFamily="34" charset="0"/>
+            </a:endParaRPr>
+          </a:p>
+          <a:p>
+            <a:r>
+              <a:rPr lang="en-GB" sz="1200" b="1" dirty="0">
+                <a:solidFill>
+                  <a:schemeClr val="accent2"/>
+                </a:solidFill>
+                <a:effectLst/>
+                <a:latin typeface="Calibri" panose="020F0502020204030204" pitchFamily="34" charset="0"/>
+                <a:ea typeface="Calibri" panose="020F0502020204030204" pitchFamily="34" charset="0"/>
+                <a:cs typeface="Calibri" panose="020F0502020204030204" pitchFamily="34" charset="0"/>
+              </a:rPr>
+              <a:t>Occupation:</a:t>
+            </a:r>
+            <a:r>
+              <a:rPr lang="en-GB" sz="1200" dirty="0">
+                <a:solidFill>
+                  <a:schemeClr val="accent2"/>
+                </a:solidFill>
+                <a:effectLst/>
+                <a:latin typeface="Calibri" panose="020F0502020204030204" pitchFamily="34" charset="0"/>
+                <a:ea typeface="Calibri" panose="020F0502020204030204" pitchFamily="34" charset="0"/>
+                <a:cs typeface="Calibri" panose="020F0502020204030204" pitchFamily="34" charset="0"/>
+              </a:rPr>
+              <a:t> </a:t>
+            </a:r>
+            <a:r>
+              <a:rPr lang="en-GB" sz="1200" dirty="0" err="1">
+                <a:solidFill>
+                  <a:schemeClr val="accent2"/>
+                </a:solidFill>
+                <a:effectLst/>
+                <a:latin typeface="Calibri" panose="020F0502020204030204" pitchFamily="34" charset="0"/>
+                <a:ea typeface="Calibri" panose="020F0502020204030204" pitchFamily="34" charset="0"/>
+                <a:cs typeface="Calibri" panose="020F0502020204030204" pitchFamily="34" charset="0"/>
+              </a:rPr>
+              <a:t>Persona_occupation</a:t>
+            </a:r>
+            <a:endParaRPr lang="en-GB" sz="1200" dirty="0">
+              <a:solidFill>
+                <a:schemeClr val="accent2"/>
+              </a:solidFill>
+              <a:effectLst/>
+              <a:latin typeface="Calibri" panose="020F0502020204030204" pitchFamily="34" charset="0"/>
+              <a:ea typeface="Calibri" panose="020F0502020204030204" pitchFamily="34" charset="0"/>
+              <a:cs typeface="Calibri" panose="020F0502020204030204" pitchFamily="34" charset="0"/>
+            </a:endParaRPr>
+          </a:p>
+          <a:p>
+            <a:r>
+              <a:rPr lang="en-GB" sz="1200" b="1" dirty="0">
+                <a:solidFill>
+                  <a:schemeClr val="accent2"/>
+                </a:solidFill>
+                <a:latin typeface="Calibri" panose="020F0502020204030204" pitchFamily="34" charset="0"/>
+                <a:ea typeface="Calibri" panose="020F0502020204030204" pitchFamily="34" charset="0"/>
+                <a:cs typeface="Calibri" panose="020F0502020204030204" pitchFamily="34" charset="0"/>
+              </a:rPr>
+              <a:t>Relationships: </a:t>
+            </a:r>
+            <a:r>
+              <a:rPr lang="en-GB" sz="1200" dirty="0" err="1">
+                <a:solidFill>
+                  <a:schemeClr val="accent2"/>
+                </a:solidFill>
+                <a:latin typeface="Calibri" panose="020F0502020204030204" pitchFamily="34" charset="0"/>
+                <a:ea typeface="Calibri" panose="020F0502020204030204" pitchFamily="34" charset="0"/>
+                <a:cs typeface="Calibri" panose="020F0502020204030204" pitchFamily="34" charset="0"/>
+              </a:rPr>
+              <a:t>Persona_relationships</a:t>
+            </a:r>
+            <a:endParaRPr lang="en-GB" sz="1200" b="1" dirty="0">
+              <a:solidFill>
+                <a:schemeClr val="accent2"/>
+              </a:solidFill>
+              <a:effectLst/>
+              <a:latin typeface="Calibri" panose="020F0502020204030204" pitchFamily="34" charset="0"/>
+              <a:ea typeface="Calibri" panose="020F0502020204030204" pitchFamily="34" charset="0"/>
+              <a:cs typeface="Calibri" panose="020F0502020204030204" pitchFamily="34" charset="0"/>
+            </a:endParaRPr>
+          </a:p>
+          <a:p>
+            <a:endParaRPr lang="en-GB" sz="400" dirty="0">
+              <a:solidFill>
+                <a:schemeClr val="accent2"/>
+              </a:solidFill>
+              <a:effectLst/>
+              <a:latin typeface="Calibri" panose="020F0502020204030204" pitchFamily="34" charset="0"/>
+              <a:ea typeface="Calibri" panose="020F0502020204030204" pitchFamily="34" charset="0"/>
+              <a:cs typeface="Calibri" panose="020F0502020204030204" pitchFamily="34" charset="0"/>
+            </a:endParaRPr>
+          </a:p>
+        </p:txBody>
+      </p:sp>
+      <p:sp>
+        <p:nvSpPr>
+          <p:cNvPr id="9" name="TextBox 8">
+            <a:extLst>
+              <a:ext uri="{FF2B5EF4-FFF2-40B4-BE49-F238E27FC236}">
+                <a16:creationId xmlns:a16="http://schemas.microsoft.com/office/drawing/2014/main" id="{B75003BD-1F49-DB6E-9BE1-ADE9B03B56D0}"/>
+              </a:ext>
+            </a:extLst>
+          </p:cNvPr>
+          <p:cNvSpPr txBox="1"/>
+          <p:nvPr userDrawn="1"/>
+        </p:nvSpPr>
+        <p:spPr>
+          <a:xfrm>
+            <a:off x="260585" y="2754893"/>
+            <a:ext cx="3953085" cy="430887"/>
+          </a:xfrm>
+          <a:prstGeom prst="rect">
+            <a:avLst/>
+          </a:prstGeom>
+          <a:noFill/>
+          <a:ln>
+            <a:noFill/>
+          </a:ln>
+        </p:spPr>
+        <p:txBody>
+          <a:bodyPr wrap="square" rtlCol="0">
+            <a:spAutoFit/>
+          </a:bodyPr>
+          <a:lstStyle/>
+          <a:p>
+            <a:endParaRPr lang="en-GB" sz="600" dirty="0"/>
+          </a:p>
+          <a:p>
+            <a:r>
+              <a:rPr lang="en-GB" sz="1600" b="1" dirty="0">
+                <a:solidFill>
+                  <a:schemeClr val="bg1"/>
+                </a:solidFill>
+              </a:rPr>
+              <a:t>Mindset: </a:t>
+            </a:r>
+          </a:p>
+        </p:txBody>
+      </p:sp>
+      <p:sp>
+        <p:nvSpPr>
+          <p:cNvPr id="10" name="TextBox 9">
+            <a:extLst>
+              <a:ext uri="{FF2B5EF4-FFF2-40B4-BE49-F238E27FC236}">
+                <a16:creationId xmlns:a16="http://schemas.microsoft.com/office/drawing/2014/main" id="{F4D9A45A-D5EE-5940-B5ED-9EDD9DBF6001}"/>
+              </a:ext>
+            </a:extLst>
+          </p:cNvPr>
+          <p:cNvSpPr txBox="1"/>
+          <p:nvPr userDrawn="1"/>
+        </p:nvSpPr>
+        <p:spPr>
+          <a:xfrm>
+            <a:off x="361456" y="1033275"/>
+            <a:ext cx="1568799" cy="271418"/>
+          </a:xfrm>
+          <a:prstGeom prst="rect">
+            <a:avLst/>
+          </a:prstGeom>
+          <a:noFill/>
+        </p:spPr>
+        <p:txBody>
+          <a:bodyPr wrap="square" rtlCol="0">
+            <a:spAutoFit/>
+          </a:bodyPr>
+          <a:lstStyle/>
+          <a:p>
+            <a:r>
+              <a:rPr lang="en-GB" sz="1100" dirty="0" err="1"/>
+              <a:t>Image_prompt</a:t>
+            </a:r>
+            <a:endParaRPr lang="en-GB" sz="1100" dirty="0"/>
+          </a:p>
+        </p:txBody>
+      </p:sp>
     </p:spTree>
     <p:extLst>
       <p:ext uri="{BB962C8B-B14F-4D97-AF65-F5344CB8AC3E}">
@@ -1184,6 +2387,561 @@
       </a:lvl8pPr>
       <a:lvl9pPr marL="4874118" algn="l" defTabSz="609265" rtl="0" eaLnBrk="1" latinLnBrk="0" hangingPunct="1">
         <a:defRPr sz="2398" kern="1200">
+          <a:solidFill>
+            <a:schemeClr val="tx1"/>
+          </a:solidFill>
+          <a:latin typeface="+mn-lt"/>
+          <a:ea typeface="+mn-ea"/>
+          <a:cs typeface="+mn-cs"/>
+        </a:defRPr>
+      </a:lvl9pPr>
+    </p:otherStyle>
+  </p:txStyles>
+</p:sldMaster>
+</file>
+
+<file path=ppt/slideMasters/slideMaster2.xml><?xml version="1.0" encoding="utf-8"?>
+<p:sldMaster xmlns:a="http://schemas.openxmlformats.org/drawingml/2006/main" xmlns:r="http://schemas.openxmlformats.org/officeDocument/2006/relationships" xmlns:p="http://schemas.openxmlformats.org/presentationml/2006/main" preserve="1">
+  <p:cSld>
+    <p:bg>
+      <p:bgRef idx="1001">
+        <a:schemeClr val="bg1"/>
+      </p:bgRef>
+    </p:bg>
+    <p:spTree>
+      <p:nvGrpSpPr>
+        <p:cNvPr id="1" name=""/>
+        <p:cNvGrpSpPr/>
+        <p:nvPr/>
+      </p:nvGrpSpPr>
+      <p:grpSpPr>
+        <a:xfrm>
+          <a:off x="0" y="0"/>
+          <a:ext cx="0" cy="0"/>
+          <a:chOff x="0" y="0"/>
+          <a:chExt cx="0" cy="0"/>
+        </a:xfrm>
+      </p:grpSpPr>
+      <p:sp>
+        <p:nvSpPr>
+          <p:cNvPr id="2" name="Title Placeholder 1">
+            <a:extLst>
+              <a:ext uri="{FF2B5EF4-FFF2-40B4-BE49-F238E27FC236}">
+                <a16:creationId xmlns:a16="http://schemas.microsoft.com/office/drawing/2014/main" id="{B732CF50-066D-2DCC-8A6D-EF95DC7396BE}"/>
+              </a:ext>
+            </a:extLst>
+          </p:cNvPr>
+          <p:cNvSpPr>
+            <a:spLocks noGrp="1"/>
+          </p:cNvSpPr>
+          <p:nvPr>
+            <p:ph type="title"/>
+          </p:nvPr>
+        </p:nvSpPr>
+        <p:spPr>
+          <a:xfrm>
+            <a:off x="838200" y="365125"/>
+            <a:ext cx="10512425" cy="1325563"/>
+          </a:xfrm>
+          <a:prstGeom prst="rect">
+            <a:avLst/>
+          </a:prstGeom>
+        </p:spPr>
+        <p:txBody>
+          <a:bodyPr vert="horz" lIns="91440" tIns="45720" rIns="91440" bIns="45720" rtlCol="0" anchor="ctr">
+            <a:normAutofit/>
+          </a:bodyPr>
+          <a:lstStyle/>
+          <a:p>
+            <a:r>
+              <a:rPr lang="en-GB"/>
+              <a:t>Click to edit Master title style</a:t>
+            </a:r>
+          </a:p>
+        </p:txBody>
+      </p:sp>
+      <p:sp>
+        <p:nvSpPr>
+          <p:cNvPr id="3" name="Text Placeholder 2">
+            <a:extLst>
+              <a:ext uri="{FF2B5EF4-FFF2-40B4-BE49-F238E27FC236}">
+                <a16:creationId xmlns:a16="http://schemas.microsoft.com/office/drawing/2014/main" id="{1BCC8610-DB1C-0D93-351E-9D4133191E56}"/>
+              </a:ext>
+            </a:extLst>
+          </p:cNvPr>
+          <p:cNvSpPr>
+            <a:spLocks noGrp="1"/>
+          </p:cNvSpPr>
+          <p:nvPr>
+            <p:ph type="body" idx="1"/>
+          </p:nvPr>
+        </p:nvSpPr>
+        <p:spPr>
+          <a:xfrm>
+            <a:off x="838200" y="1825625"/>
+            <a:ext cx="10512425" cy="4351338"/>
+          </a:xfrm>
+          <a:prstGeom prst="rect">
+            <a:avLst/>
+          </a:prstGeom>
+        </p:spPr>
+        <p:txBody>
+          <a:bodyPr vert="horz" lIns="91440" tIns="45720" rIns="91440" bIns="45720" rtlCol="0">
+            <a:normAutofit/>
+          </a:bodyPr>
+          <a:lstStyle/>
+          <a:p>
+            <a:pPr lvl="0"/>
+            <a:r>
+              <a:rPr lang="en-GB"/>
+              <a:t>Click to edit Master text styles</a:t>
+            </a:r>
+          </a:p>
+          <a:p>
+            <a:pPr lvl="1"/>
+            <a:r>
+              <a:rPr lang="en-GB"/>
+              <a:t>Second level</a:t>
+            </a:r>
+          </a:p>
+          <a:p>
+            <a:pPr lvl="2"/>
+            <a:r>
+              <a:rPr lang="en-GB"/>
+              <a:t>Third level</a:t>
+            </a:r>
+          </a:p>
+          <a:p>
+            <a:pPr lvl="3"/>
+            <a:r>
+              <a:rPr lang="en-GB"/>
+              <a:t>Fourth level</a:t>
+            </a:r>
+          </a:p>
+          <a:p>
+            <a:pPr lvl="4"/>
+            <a:r>
+              <a:rPr lang="en-GB"/>
+              <a:t>Fifth level</a:t>
+            </a:r>
+          </a:p>
+        </p:txBody>
+      </p:sp>
+      <p:sp>
+        <p:nvSpPr>
+          <p:cNvPr id="4" name="Date Placeholder 3">
+            <a:extLst>
+              <a:ext uri="{FF2B5EF4-FFF2-40B4-BE49-F238E27FC236}">
+                <a16:creationId xmlns:a16="http://schemas.microsoft.com/office/drawing/2014/main" id="{7C1DD0F4-18A9-4396-D0D4-54D6F5FF95DC}"/>
+              </a:ext>
+            </a:extLst>
+          </p:cNvPr>
+          <p:cNvSpPr>
+            <a:spLocks noGrp="1"/>
+          </p:cNvSpPr>
+          <p:nvPr>
+            <p:ph type="dt" sz="half" idx="2"/>
+          </p:nvPr>
+        </p:nvSpPr>
+        <p:spPr>
+          <a:xfrm>
+            <a:off x="838200" y="6356350"/>
+            <a:ext cx="2741613" cy="365125"/>
+          </a:xfrm>
+          <a:prstGeom prst="rect">
+            <a:avLst/>
+          </a:prstGeom>
+        </p:spPr>
+        <p:txBody>
+          <a:bodyPr vert="horz" lIns="91440" tIns="45720" rIns="91440" bIns="45720" rtlCol="0" anchor="ctr"/>
+          <a:lstStyle>
+            <a:lvl1pPr algn="l">
+              <a:defRPr sz="1200">
+                <a:solidFill>
+                  <a:schemeClr val="tx1">
+                    <a:tint val="82000"/>
+                  </a:schemeClr>
+                </a:solidFill>
+              </a:defRPr>
+            </a:lvl1pPr>
+          </a:lstStyle>
+          <a:p>
+            <a:fld id="{7A45EE8E-4AA8-D849-9090-E8C66407B40A}" type="datetimeFigureOut">
+              <a:rPr lang="en-GB" smtClean="0"/>
+              <a:t>25/08/2024</a:t>
+            </a:fld>
+            <a:endParaRPr lang="en-GB"/>
+          </a:p>
+        </p:txBody>
+      </p:sp>
+      <p:sp>
+        <p:nvSpPr>
+          <p:cNvPr id="5" name="Footer Placeholder 4">
+            <a:extLst>
+              <a:ext uri="{FF2B5EF4-FFF2-40B4-BE49-F238E27FC236}">
+                <a16:creationId xmlns:a16="http://schemas.microsoft.com/office/drawing/2014/main" id="{625BFDA8-AAB9-E361-2744-F400A35183BA}"/>
+              </a:ext>
+            </a:extLst>
+          </p:cNvPr>
+          <p:cNvSpPr>
+            <a:spLocks noGrp="1"/>
+          </p:cNvSpPr>
+          <p:nvPr>
+            <p:ph type="ftr" sz="quarter" idx="3"/>
+          </p:nvPr>
+        </p:nvSpPr>
+        <p:spPr>
+          <a:xfrm>
+            <a:off x="4037013" y="6356350"/>
+            <a:ext cx="4114800" cy="365125"/>
+          </a:xfrm>
+          <a:prstGeom prst="rect">
+            <a:avLst/>
+          </a:prstGeom>
+        </p:spPr>
+        <p:txBody>
+          <a:bodyPr vert="horz" lIns="91440" tIns="45720" rIns="91440" bIns="45720" rtlCol="0" anchor="ctr"/>
+          <a:lstStyle>
+            <a:lvl1pPr algn="ctr">
+              <a:defRPr sz="1200">
+                <a:solidFill>
+                  <a:schemeClr val="tx1">
+                    <a:tint val="82000"/>
+                  </a:schemeClr>
+                </a:solidFill>
+              </a:defRPr>
+            </a:lvl1pPr>
+          </a:lstStyle>
+          <a:p>
+            <a:endParaRPr lang="en-GB"/>
+          </a:p>
+        </p:txBody>
+      </p:sp>
+      <p:sp>
+        <p:nvSpPr>
+          <p:cNvPr id="6" name="Slide Number Placeholder 5">
+            <a:extLst>
+              <a:ext uri="{FF2B5EF4-FFF2-40B4-BE49-F238E27FC236}">
+                <a16:creationId xmlns:a16="http://schemas.microsoft.com/office/drawing/2014/main" id="{5F6E0D1C-DCC5-01B8-0949-F4AA45AE2715}"/>
+              </a:ext>
+            </a:extLst>
+          </p:cNvPr>
+          <p:cNvSpPr>
+            <a:spLocks noGrp="1"/>
+          </p:cNvSpPr>
+          <p:nvPr>
+            <p:ph type="sldNum" sz="quarter" idx="4"/>
+          </p:nvPr>
+        </p:nvSpPr>
+        <p:spPr>
+          <a:xfrm>
+            <a:off x="8609013" y="6356350"/>
+            <a:ext cx="2741612" cy="365125"/>
+          </a:xfrm>
+          <a:prstGeom prst="rect">
+            <a:avLst/>
+          </a:prstGeom>
+        </p:spPr>
+        <p:txBody>
+          <a:bodyPr vert="horz" lIns="91440" tIns="45720" rIns="91440" bIns="45720" rtlCol="0" anchor="ctr"/>
+          <a:lstStyle>
+            <a:lvl1pPr algn="r">
+              <a:defRPr sz="1200">
+                <a:solidFill>
+                  <a:schemeClr val="tx1">
+                    <a:tint val="82000"/>
+                  </a:schemeClr>
+                </a:solidFill>
+              </a:defRPr>
+            </a:lvl1pPr>
+          </a:lstStyle>
+          <a:p>
+            <a:fld id="{E7E2E2C8-4CB7-7049-BE48-9BAADBED21B9}" type="slidenum">
+              <a:rPr lang="en-GB" smtClean="0"/>
+              <a:t>‹#›</a:t>
+            </a:fld>
+            <a:endParaRPr lang="en-GB"/>
+          </a:p>
+        </p:txBody>
+      </p:sp>
+    </p:spTree>
+    <p:extLst>
+      <p:ext uri="{BB962C8B-B14F-4D97-AF65-F5344CB8AC3E}">
+        <p14:creationId xmlns:p14="http://schemas.microsoft.com/office/powerpoint/2010/main" val="131788798"/>
+      </p:ext>
+    </p:extLst>
+  </p:cSld>
+  <p:clrMap bg1="lt1" tx1="dk1" bg2="lt2" tx2="dk2" accent1="accent1" accent2="accent2" accent3="accent3" accent4="accent4" accent5="accent5" accent6="accent6" hlink="hlink" folHlink="folHlink"/>
+  <p:txStyles>
+    <p:titleStyle>
+      <a:lvl1pPr algn="l" defTabSz="914400" rtl="0" eaLnBrk="1" latinLnBrk="0" hangingPunct="1">
+        <a:lnSpc>
+          <a:spcPct val="90000"/>
+        </a:lnSpc>
+        <a:spcBef>
+          <a:spcPct val="0"/>
+        </a:spcBef>
+        <a:buNone/>
+        <a:defRPr sz="4400" kern="1200">
+          <a:solidFill>
+            <a:schemeClr val="tx1"/>
+          </a:solidFill>
+          <a:latin typeface="+mj-lt"/>
+          <a:ea typeface="+mj-ea"/>
+          <a:cs typeface="+mj-cs"/>
+        </a:defRPr>
+      </a:lvl1pPr>
+    </p:titleStyle>
+    <p:bodyStyle>
+      <a:lvl1pPr marL="228600" indent="-228600" algn="l" defTabSz="914400" rtl="0" eaLnBrk="1" latinLnBrk="0" hangingPunct="1">
+        <a:lnSpc>
+          <a:spcPct val="90000"/>
+        </a:lnSpc>
+        <a:spcBef>
+          <a:spcPts val="1000"/>
+        </a:spcBef>
+        <a:buFont typeface="Arial" panose="020B0604020202020204" pitchFamily="34" charset="0"/>
+        <a:buChar char="•"/>
+        <a:defRPr sz="2800" kern="1200">
+          <a:solidFill>
+            <a:schemeClr val="tx1"/>
+          </a:solidFill>
+          <a:latin typeface="+mn-lt"/>
+          <a:ea typeface="+mn-ea"/>
+          <a:cs typeface="+mn-cs"/>
+        </a:defRPr>
+      </a:lvl1pPr>
+      <a:lvl2pPr marL="685800" indent="-228600" algn="l" defTabSz="914400" rtl="0" eaLnBrk="1" latinLnBrk="0" hangingPunct="1">
+        <a:lnSpc>
+          <a:spcPct val="90000"/>
+        </a:lnSpc>
+        <a:spcBef>
+          <a:spcPts val="500"/>
+        </a:spcBef>
+        <a:buFont typeface="Arial" panose="020B0604020202020204" pitchFamily="34" charset="0"/>
+        <a:buChar char="•"/>
+        <a:defRPr sz="2400" kern="1200">
+          <a:solidFill>
+            <a:schemeClr val="tx1"/>
+          </a:solidFill>
+          <a:latin typeface="+mn-lt"/>
+          <a:ea typeface="+mn-ea"/>
+          <a:cs typeface="+mn-cs"/>
+        </a:defRPr>
+      </a:lvl2pPr>
+      <a:lvl3pPr marL="1143000" indent="-228600" algn="l" defTabSz="914400" rtl="0" eaLnBrk="1" latinLnBrk="0" hangingPunct="1">
+        <a:lnSpc>
+          <a:spcPct val="90000"/>
+        </a:lnSpc>
+        <a:spcBef>
+          <a:spcPts val="500"/>
+        </a:spcBef>
+        <a:buFont typeface="Arial" panose="020B0604020202020204" pitchFamily="34" charset="0"/>
+        <a:buChar char="•"/>
+        <a:defRPr sz="2000" kern="1200">
+          <a:solidFill>
+            <a:schemeClr val="tx1"/>
+          </a:solidFill>
+          <a:latin typeface="+mn-lt"/>
+          <a:ea typeface="+mn-ea"/>
+          <a:cs typeface="+mn-cs"/>
+        </a:defRPr>
+      </a:lvl3pPr>
+      <a:lvl4pPr marL="1600200" indent="-228600" algn="l" defTabSz="914400" rtl="0" eaLnBrk="1" latinLnBrk="0" hangingPunct="1">
+        <a:lnSpc>
+          <a:spcPct val="90000"/>
+        </a:lnSpc>
+        <a:spcBef>
+          <a:spcPts val="500"/>
+        </a:spcBef>
+        <a:buFont typeface="Arial" panose="020B0604020202020204" pitchFamily="34" charset="0"/>
+        <a:buChar char="•"/>
+        <a:defRPr sz="1800" kern="1200">
+          <a:solidFill>
+            <a:schemeClr val="tx1"/>
+          </a:solidFill>
+          <a:latin typeface="+mn-lt"/>
+          <a:ea typeface="+mn-ea"/>
+          <a:cs typeface="+mn-cs"/>
+        </a:defRPr>
+      </a:lvl4pPr>
+      <a:lvl5pPr marL="2057400" indent="-228600" algn="l" defTabSz="914400" rtl="0" eaLnBrk="1" latinLnBrk="0" hangingPunct="1">
+        <a:lnSpc>
+          <a:spcPct val="90000"/>
+        </a:lnSpc>
+        <a:spcBef>
+          <a:spcPts val="500"/>
+        </a:spcBef>
+        <a:buFont typeface="Arial" panose="020B0604020202020204" pitchFamily="34" charset="0"/>
+        <a:buChar char="•"/>
+        <a:defRPr sz="1800" kern="1200">
+          <a:solidFill>
+            <a:schemeClr val="tx1"/>
+          </a:solidFill>
+          <a:latin typeface="+mn-lt"/>
+          <a:ea typeface="+mn-ea"/>
+          <a:cs typeface="+mn-cs"/>
+        </a:defRPr>
+      </a:lvl5pPr>
+      <a:lvl6pPr marL="2514600" indent="-228600" algn="l" defTabSz="914400" rtl="0" eaLnBrk="1" latinLnBrk="0" hangingPunct="1">
+        <a:lnSpc>
+          <a:spcPct val="90000"/>
+        </a:lnSpc>
+        <a:spcBef>
+          <a:spcPts val="500"/>
+        </a:spcBef>
+        <a:buFont typeface="Arial" panose="020B0604020202020204" pitchFamily="34" charset="0"/>
+        <a:buChar char="•"/>
+        <a:defRPr sz="1800" kern="1200">
+          <a:solidFill>
+            <a:schemeClr val="tx1"/>
+          </a:solidFill>
+          <a:latin typeface="+mn-lt"/>
+          <a:ea typeface="+mn-ea"/>
+          <a:cs typeface="+mn-cs"/>
+        </a:defRPr>
+      </a:lvl6pPr>
+      <a:lvl7pPr marL="2971800" indent="-228600" algn="l" defTabSz="914400" rtl="0" eaLnBrk="1" latinLnBrk="0" hangingPunct="1">
+        <a:lnSpc>
+          <a:spcPct val="90000"/>
+        </a:lnSpc>
+        <a:spcBef>
+          <a:spcPts val="500"/>
+        </a:spcBef>
+        <a:buFont typeface="Arial" panose="020B0604020202020204" pitchFamily="34" charset="0"/>
+        <a:buChar char="•"/>
+        <a:defRPr sz="1800" kern="1200">
+          <a:solidFill>
+            <a:schemeClr val="tx1"/>
+          </a:solidFill>
+          <a:latin typeface="+mn-lt"/>
+          <a:ea typeface="+mn-ea"/>
+          <a:cs typeface="+mn-cs"/>
+        </a:defRPr>
+      </a:lvl7pPr>
+      <a:lvl8pPr marL="3429000" indent="-228600" algn="l" defTabSz="914400" rtl="0" eaLnBrk="1" latinLnBrk="0" hangingPunct="1">
+        <a:lnSpc>
+          <a:spcPct val="90000"/>
+        </a:lnSpc>
+        <a:spcBef>
+          <a:spcPts val="500"/>
+        </a:spcBef>
+        <a:buFont typeface="Arial" panose="020B0604020202020204" pitchFamily="34" charset="0"/>
+        <a:buChar char="•"/>
+        <a:defRPr sz="1800" kern="1200">
+          <a:solidFill>
+            <a:schemeClr val="tx1"/>
+          </a:solidFill>
+          <a:latin typeface="+mn-lt"/>
+          <a:ea typeface="+mn-ea"/>
+          <a:cs typeface="+mn-cs"/>
+        </a:defRPr>
+      </a:lvl8pPr>
+      <a:lvl9pPr marL="3886200" indent="-228600" algn="l" defTabSz="914400" rtl="0" eaLnBrk="1" latinLnBrk="0" hangingPunct="1">
+        <a:lnSpc>
+          <a:spcPct val="90000"/>
+        </a:lnSpc>
+        <a:spcBef>
+          <a:spcPts val="500"/>
+        </a:spcBef>
+        <a:buFont typeface="Arial" panose="020B0604020202020204" pitchFamily="34" charset="0"/>
+        <a:buChar char="•"/>
+        <a:defRPr sz="1800" kern="1200">
+          <a:solidFill>
+            <a:schemeClr val="tx1"/>
+          </a:solidFill>
+          <a:latin typeface="+mn-lt"/>
+          <a:ea typeface="+mn-ea"/>
+          <a:cs typeface="+mn-cs"/>
+        </a:defRPr>
+      </a:lvl9pPr>
+    </p:bodyStyle>
+    <p:otherStyle>
+      <a:defPPr>
+        <a:defRPr lang="en-US"/>
+      </a:defPPr>
+      <a:lvl1pPr marL="0" algn="l" defTabSz="914400" rtl="0" eaLnBrk="1" latinLnBrk="0" hangingPunct="1">
+        <a:defRPr sz="1800" kern="1200">
+          <a:solidFill>
+            <a:schemeClr val="tx1"/>
+          </a:solidFill>
+          <a:latin typeface="+mn-lt"/>
+          <a:ea typeface="+mn-ea"/>
+          <a:cs typeface="+mn-cs"/>
+        </a:defRPr>
+      </a:lvl1pPr>
+      <a:lvl2pPr marL="457200" algn="l" defTabSz="914400" rtl="0" eaLnBrk="1" latinLnBrk="0" hangingPunct="1">
+        <a:defRPr sz="1800" kern="1200">
+          <a:solidFill>
+            <a:schemeClr val="tx1"/>
+          </a:solidFill>
+          <a:latin typeface="+mn-lt"/>
+          <a:ea typeface="+mn-ea"/>
+          <a:cs typeface="+mn-cs"/>
+        </a:defRPr>
+      </a:lvl2pPr>
+      <a:lvl3pPr marL="914400" algn="l" defTabSz="914400" rtl="0" eaLnBrk="1" latinLnBrk="0" hangingPunct="1">
+        <a:defRPr sz="1800" kern="1200">
+          <a:solidFill>
+            <a:schemeClr val="tx1"/>
+          </a:solidFill>
+          <a:latin typeface="+mn-lt"/>
+          <a:ea typeface="+mn-ea"/>
+          <a:cs typeface="+mn-cs"/>
+        </a:defRPr>
+      </a:lvl3pPr>
+      <a:lvl4pPr marL="1371600" algn="l" defTabSz="914400" rtl="0" eaLnBrk="1" latinLnBrk="0" hangingPunct="1">
+        <a:defRPr sz="1800" kern="1200">
+          <a:solidFill>
+            <a:schemeClr val="tx1"/>
+          </a:solidFill>
+          <a:latin typeface="+mn-lt"/>
+          <a:ea typeface="+mn-ea"/>
+          <a:cs typeface="+mn-cs"/>
+        </a:defRPr>
+      </a:lvl4pPr>
+      <a:lvl5pPr marL="1828800" algn="l" defTabSz="914400" rtl="0" eaLnBrk="1" latinLnBrk="0" hangingPunct="1">
+        <a:defRPr sz="1800" kern="1200">
+          <a:solidFill>
+            <a:schemeClr val="tx1"/>
+          </a:solidFill>
+          <a:latin typeface="+mn-lt"/>
+          <a:ea typeface="+mn-ea"/>
+          <a:cs typeface="+mn-cs"/>
+        </a:defRPr>
+      </a:lvl5pPr>
+      <a:lvl6pPr marL="2286000" algn="l" defTabSz="914400" rtl="0" eaLnBrk="1" latinLnBrk="0" hangingPunct="1">
+        <a:defRPr sz="1800" kern="1200">
+          <a:solidFill>
+            <a:schemeClr val="tx1"/>
+          </a:solidFill>
+          <a:latin typeface="+mn-lt"/>
+          <a:ea typeface="+mn-ea"/>
+          <a:cs typeface="+mn-cs"/>
+        </a:defRPr>
+      </a:lvl6pPr>
+      <a:lvl7pPr marL="2743200" algn="l" defTabSz="914400" rtl="0" eaLnBrk="1" latinLnBrk="0" hangingPunct="1">
+        <a:defRPr sz="1800" kern="1200">
+          <a:solidFill>
+            <a:schemeClr val="tx1"/>
+          </a:solidFill>
+          <a:latin typeface="+mn-lt"/>
+          <a:ea typeface="+mn-ea"/>
+          <a:cs typeface="+mn-cs"/>
+        </a:defRPr>
+      </a:lvl7pPr>
+      <a:lvl8pPr marL="3200400" algn="l" defTabSz="914400" rtl="0" eaLnBrk="1" latinLnBrk="0" hangingPunct="1">
+        <a:defRPr sz="1800" kern="1200">
+          <a:solidFill>
+            <a:schemeClr val="tx1"/>
+          </a:solidFill>
+          <a:latin typeface="+mn-lt"/>
+          <a:ea typeface="+mn-ea"/>
+          <a:cs typeface="+mn-cs"/>
+        </a:defRPr>
+      </a:lvl8pPr>
+      <a:lvl9pPr marL="3657600" algn="l" defTabSz="914400" rtl="0" eaLnBrk="1" latinLnBrk="0" hangingPunct="1">
+        <a:defRPr sz="1800" kern="1200">
           <a:solidFill>
             <a:schemeClr val="tx1"/>
           </a:solidFill>
@@ -2292,6 +4050,321 @@
 </file>
 
 <file path=ppt/theme/theme2.xml><?xml version="1.0" encoding="utf-8"?>
+<a:theme xmlns:a="http://schemas.openxmlformats.org/drawingml/2006/main" name="Custom Design">
+  <a:themeElements>
+    <a:clrScheme name="Office">
+      <a:dk1>
+        <a:sysClr val="windowText" lastClr="000000"/>
+      </a:dk1>
+      <a:lt1>
+        <a:sysClr val="window" lastClr="FFFFFF"/>
+      </a:lt1>
+      <a:dk2>
+        <a:srgbClr val="0E2841"/>
+      </a:dk2>
+      <a:lt2>
+        <a:srgbClr val="E8E8E8"/>
+      </a:lt2>
+      <a:accent1>
+        <a:srgbClr val="156082"/>
+      </a:accent1>
+      <a:accent2>
+        <a:srgbClr val="E97132"/>
+      </a:accent2>
+      <a:accent3>
+        <a:srgbClr val="196B24"/>
+      </a:accent3>
+      <a:accent4>
+        <a:srgbClr val="0F9ED5"/>
+      </a:accent4>
+      <a:accent5>
+        <a:srgbClr val="A02B93"/>
+      </a:accent5>
+      <a:accent6>
+        <a:srgbClr val="4EA72E"/>
+      </a:accent6>
+      <a:hlink>
+        <a:srgbClr val="467886"/>
+      </a:hlink>
+      <a:folHlink>
+        <a:srgbClr val="96607D"/>
+      </a:folHlink>
+    </a:clrScheme>
+    <a:fontScheme name="Office">
+      <a:majorFont>
+        <a:latin typeface="Aptos Display" panose="02110004020202020204"/>
+        <a:ea typeface=""/>
+        <a:cs typeface=""/>
+        <a:font script="Jpan" typeface="游ゴシック Light"/>
+        <a:font script="Hang" typeface="맑은 고딕"/>
+        <a:font script="Hans" typeface="等线 Light"/>
+        <a:font script="Hant" typeface="新細明體"/>
+        <a:font script="Arab" typeface="Times New Roman"/>
+        <a:font script="Hebr" typeface="Times New Roman"/>
+        <a:font script="Thai" typeface="Angsana New"/>
+        <a:font script="Ethi" typeface="Nyala"/>
+        <a:font script="Beng" typeface="Vrinda"/>
+        <a:font script="Gujr" typeface="Shruti"/>
+        <a:font script="Khmr" typeface="MoolBoran"/>
+        <a:font script="Knda" typeface="Tunga"/>
+        <a:font script="Guru" typeface="Raavi"/>
+        <a:font script="Cans" typeface="Euphemia"/>
+        <a:font script="Cher" typeface="Plantagenet Cherokee"/>
+        <a:font script="Yiii" typeface="Microsoft Yi Baiti"/>
+        <a:font script="Tibt" typeface="Microsoft Himalaya"/>
+        <a:font script="Thaa" typeface="MV Boli"/>
+        <a:font script="Deva" typeface="Mangal"/>
+        <a:font script="Telu" typeface="Gautami"/>
+        <a:font script="Taml" typeface="Latha"/>
+        <a:font script="Syrc" typeface="Estrangelo Edessa"/>
+        <a:font script="Orya" typeface="Kalinga"/>
+        <a:font script="Mlym" typeface="Kartika"/>
+        <a:font script="Laoo" typeface="DokChampa"/>
+        <a:font script="Sinh" typeface="Iskoola Pota"/>
+        <a:font script="Mong" typeface="Mongolian Baiti"/>
+        <a:font script="Viet" typeface="Times New Roman"/>
+        <a:font script="Uigh" typeface="Microsoft Uighur"/>
+        <a:font script="Geor" typeface="Sylfaen"/>
+        <a:font script="Armn" typeface="Arial"/>
+        <a:font script="Bugi" typeface="Leelawadee UI"/>
+        <a:font script="Bopo" typeface="Microsoft JhengHei"/>
+        <a:font script="Java" typeface="Javanese Text"/>
+        <a:font script="Lisu" typeface="Segoe UI"/>
+        <a:font script="Mymr" typeface="Myanmar Text"/>
+        <a:font script="Nkoo" typeface="Ebrima"/>
+        <a:font script="Olck" typeface="Nirmala UI"/>
+        <a:font script="Osma" typeface="Ebrima"/>
+        <a:font script="Phag" typeface="Phagspa"/>
+        <a:font script="Syrn" typeface="Estrangelo Edessa"/>
+        <a:font script="Syrj" typeface="Estrangelo Edessa"/>
+        <a:font script="Syre" typeface="Estrangelo Edessa"/>
+        <a:font script="Sora" typeface="Nirmala UI"/>
+        <a:font script="Tale" typeface="Microsoft Tai Le"/>
+        <a:font script="Talu" typeface="Microsoft New Tai Lue"/>
+        <a:font script="Tfng" typeface="Ebrima"/>
+      </a:majorFont>
+      <a:minorFont>
+        <a:latin typeface="Aptos" panose="02110004020202020204"/>
+        <a:ea typeface=""/>
+        <a:cs typeface=""/>
+        <a:font script="Jpan" typeface="游ゴシック"/>
+        <a:font script="Hang" typeface="맑은 고딕"/>
+        <a:font script="Hans" typeface="等线"/>
+        <a:font script="Hant" typeface="新細明體"/>
+        <a:font script="Arab" typeface="Arial"/>
+        <a:font script="Hebr" typeface="Arial"/>
+        <a:font script="Thai" typeface="Cordia New"/>
+        <a:font script="Ethi" typeface="Nyala"/>
+        <a:font script="Beng" typeface="Vrinda"/>
+        <a:font script="Gujr" typeface="Shruti"/>
+        <a:font script="Khmr" typeface="DaunPenh"/>
+        <a:font script="Knda" typeface="Tunga"/>
+        <a:font script="Guru" typeface="Raavi"/>
+        <a:font script="Cans" typeface="Euphemia"/>
+        <a:font script="Cher" typeface="Plantagenet Cherokee"/>
+        <a:font script="Yiii" typeface="Microsoft Yi Baiti"/>
+        <a:font script="Tibt" typeface="Microsoft Himalaya"/>
+        <a:font script="Thaa" typeface="MV Boli"/>
+        <a:font script="Deva" typeface="Mangal"/>
+        <a:font script="Telu" typeface="Gautami"/>
+        <a:font script="Taml" typeface="Latha"/>
+        <a:font script="Syrc" typeface="Estrangelo Edessa"/>
+        <a:font script="Orya" typeface="Kalinga"/>
+        <a:font script="Mlym" typeface="Kartika"/>
+        <a:font script="Laoo" typeface="DokChampa"/>
+        <a:font script="Sinh" typeface="Iskoola Pota"/>
+        <a:font script="Mong" typeface="Mongolian Baiti"/>
+        <a:font script="Viet" typeface="Arial"/>
+        <a:font script="Uigh" typeface="Microsoft Uighur"/>
+        <a:font script="Geor" typeface="Sylfaen"/>
+        <a:font script="Armn" typeface="Arial"/>
+        <a:font script="Bugi" typeface="Leelawadee UI"/>
+        <a:font script="Bopo" typeface="Microsoft JhengHei"/>
+        <a:font script="Java" typeface="Javanese Text"/>
+        <a:font script="Lisu" typeface="Segoe UI"/>
+        <a:font script="Mymr" typeface="Myanmar Text"/>
+        <a:font script="Nkoo" typeface="Ebrima"/>
+        <a:font script="Olck" typeface="Nirmala UI"/>
+        <a:font script="Osma" typeface="Ebrima"/>
+        <a:font script="Phag" typeface="Phagspa"/>
+        <a:font script="Syrn" typeface="Estrangelo Edessa"/>
+        <a:font script="Syrj" typeface="Estrangelo Edessa"/>
+        <a:font script="Syre" typeface="Estrangelo Edessa"/>
+        <a:font script="Sora" typeface="Nirmala UI"/>
+        <a:font script="Tale" typeface="Microsoft Tai Le"/>
+        <a:font script="Talu" typeface="Microsoft New Tai Lue"/>
+        <a:font script="Tfng" typeface="Ebrima"/>
+      </a:minorFont>
+    </a:fontScheme>
+    <a:fmtScheme name="Office">
+      <a:fillStyleLst>
+        <a:solidFill>
+          <a:schemeClr val="phClr"/>
+        </a:solidFill>
+        <a:gradFill rotWithShape="1">
+          <a:gsLst>
+            <a:gs pos="0">
+              <a:schemeClr val="phClr">
+                <a:lumMod val="110000"/>
+                <a:satMod val="105000"/>
+                <a:tint val="67000"/>
+              </a:schemeClr>
+            </a:gs>
+            <a:gs pos="50000">
+              <a:schemeClr val="phClr">
+                <a:lumMod val="105000"/>
+                <a:satMod val="103000"/>
+                <a:tint val="73000"/>
+              </a:schemeClr>
+            </a:gs>
+            <a:gs pos="100000">
+              <a:schemeClr val="phClr">
+                <a:lumMod val="105000"/>
+                <a:satMod val="109000"/>
+                <a:tint val="81000"/>
+              </a:schemeClr>
+            </a:gs>
+          </a:gsLst>
+          <a:lin ang="5400000" scaled="0"/>
+        </a:gradFill>
+        <a:gradFill rotWithShape="1">
+          <a:gsLst>
+            <a:gs pos="0">
+              <a:schemeClr val="phClr">
+                <a:satMod val="103000"/>
+                <a:lumMod val="102000"/>
+                <a:tint val="94000"/>
+              </a:schemeClr>
+            </a:gs>
+            <a:gs pos="50000">
+              <a:schemeClr val="phClr">
+                <a:satMod val="110000"/>
+                <a:lumMod val="100000"/>
+                <a:shade val="100000"/>
+              </a:schemeClr>
+            </a:gs>
+            <a:gs pos="100000">
+              <a:schemeClr val="phClr">
+                <a:lumMod val="99000"/>
+                <a:satMod val="120000"/>
+                <a:shade val="78000"/>
+              </a:schemeClr>
+            </a:gs>
+          </a:gsLst>
+          <a:lin ang="5400000" scaled="0"/>
+        </a:gradFill>
+      </a:fillStyleLst>
+      <a:lnStyleLst>
+        <a:ln w="12700" cap="flat" cmpd="sng" algn="ctr">
+          <a:solidFill>
+            <a:schemeClr val="phClr"/>
+          </a:solidFill>
+          <a:prstDash val="solid"/>
+          <a:miter lim="800000"/>
+        </a:ln>
+        <a:ln w="19050" cap="flat" cmpd="sng" algn="ctr">
+          <a:solidFill>
+            <a:schemeClr val="phClr"/>
+          </a:solidFill>
+          <a:prstDash val="solid"/>
+          <a:miter lim="800000"/>
+        </a:ln>
+        <a:ln w="25400" cap="flat" cmpd="sng" algn="ctr">
+          <a:solidFill>
+            <a:schemeClr val="phClr"/>
+          </a:solidFill>
+          <a:prstDash val="solid"/>
+          <a:miter lim="800000"/>
+        </a:ln>
+      </a:lnStyleLst>
+      <a:effectStyleLst>
+        <a:effectStyle>
+          <a:effectLst/>
+        </a:effectStyle>
+        <a:effectStyle>
+          <a:effectLst/>
+        </a:effectStyle>
+        <a:effectStyle>
+          <a:effectLst>
+            <a:outerShdw blurRad="57150" dist="19050" dir="5400000" algn="ctr" rotWithShape="0">
+              <a:srgbClr val="000000">
+                <a:alpha val="63000"/>
+              </a:srgbClr>
+            </a:outerShdw>
+          </a:effectLst>
+        </a:effectStyle>
+      </a:effectStyleLst>
+      <a:bgFillStyleLst>
+        <a:solidFill>
+          <a:schemeClr val="phClr"/>
+        </a:solidFill>
+        <a:solidFill>
+          <a:schemeClr val="phClr">
+            <a:tint val="95000"/>
+            <a:satMod val="170000"/>
+          </a:schemeClr>
+        </a:solidFill>
+        <a:gradFill rotWithShape="1">
+          <a:gsLst>
+            <a:gs pos="0">
+              <a:schemeClr val="phClr">
+                <a:tint val="93000"/>
+                <a:satMod val="150000"/>
+                <a:shade val="98000"/>
+                <a:lumMod val="102000"/>
+              </a:schemeClr>
+            </a:gs>
+            <a:gs pos="50000">
+              <a:schemeClr val="phClr">
+                <a:tint val="98000"/>
+                <a:satMod val="130000"/>
+                <a:shade val="90000"/>
+                <a:lumMod val="103000"/>
+              </a:schemeClr>
+            </a:gs>
+            <a:gs pos="100000">
+              <a:schemeClr val="phClr">
+                <a:shade val="63000"/>
+                <a:satMod val="120000"/>
+              </a:schemeClr>
+            </a:gs>
+          </a:gsLst>
+          <a:lin ang="5400000" scaled="0"/>
+        </a:gradFill>
+      </a:bgFillStyleLst>
+    </a:fmtScheme>
+  </a:themeElements>
+  <a:objectDefaults>
+    <a:lnDef>
+      <a:spPr/>
+      <a:bodyPr/>
+      <a:lstStyle/>
+      <a:style>
+        <a:lnRef idx="2">
+          <a:schemeClr val="accent1"/>
+        </a:lnRef>
+        <a:fillRef idx="0">
+          <a:schemeClr val="accent1"/>
+        </a:fillRef>
+        <a:effectRef idx="1">
+          <a:schemeClr val="accent1"/>
+        </a:effectRef>
+        <a:fontRef idx="minor">
+          <a:schemeClr val="tx1"/>
+        </a:fontRef>
+      </a:style>
+    </a:lnDef>
+  </a:objectDefaults>
+  <a:extraClrSchemeLst/>
+  <a:extLst>
+    <a:ext uri="{05A4C25C-085E-4340-85A3-A5531E510DB2}">
+      <thm15:themeFamily xmlns:thm15="http://schemas.microsoft.com/office/thememl/2012/main" name="Office Theme" id="{2E142A2C-CD16-42D6-873A-C26D2A0506FA}" vid="{1BDDFF52-6CD6-40A5-AB3C-68EB2F1E4D0A}"/>
+    </a:ext>
+  </a:extLst>
+</a:theme>
+</file>
+
+<file path=ppt/theme/theme3.xml><?xml version="1.0" encoding="utf-8"?>
 <a:theme xmlns:a="http://schemas.openxmlformats.org/drawingml/2006/main" name="Office Theme">
   <a:themeElements>
     <a:clrScheme name="Office">

--- a/Persona_template.pptx
+++ b/Persona_template.pptx
@@ -9,7 +9,7 @@
     <p:notesMasterId r:id="rId4"/>
   </p:notesMasterIdLst>
   <p:sldIdLst>
-    <p:sldId id="2124817324" r:id="rId3"/>
+    <p:sldId id="2124817325" r:id="rId3"/>
   </p:sldIdLst>
   <p:sldSz cx="12188825" cy="6858000"/>
   <p:notesSz cx="6858000" cy="9144000"/>
@@ -187,8 +187,7 @@
 <file path=ppt/revisionInfo.xml><?xml version="1.0" encoding="utf-8"?>
 <p1510:revInfo xmlns:a="http://schemas.openxmlformats.org/drawingml/2006/main" xmlns:r="http://schemas.openxmlformats.org/officeDocument/2006/relationships" xmlns:p1510="http://schemas.microsoft.com/office/powerpoint/2015/10/main">
   <p1510:revLst>
-    <p1510:client id="{24303964-DA9E-B947-8858-165C7D3AA38A}" v="5" dt="2024-08-25T06:56:14.991"/>
-    <p1510:client id="{3C2ECAFF-E1B8-9A4F-86CA-E73868E84495}" v="1" dt="2024-08-25T10:23:47.585"/>
+    <p1510:client id="{67D13D8E-CF8E-0E45-9D45-F0F8E01BD2DD}" v="22" dt="2024-08-25T10:43:41.940"/>
   </p1510:revLst>
 </p1510:revInfo>
 </file>
@@ -196,200 +195,81 @@
 <file path=ppt/changesInfos/changesInfo1.xml><?xml version="1.0" encoding="utf-8"?>
 <pc:chgInfo xmlns:a="http://schemas.openxmlformats.org/drawingml/2006/main" xmlns:r="http://schemas.openxmlformats.org/officeDocument/2006/relationships" xmlns:ac="http://schemas.microsoft.com/office/drawing/2013/main/command" xmlns:pc="http://schemas.microsoft.com/office/powerpoint/2013/main/command">
   <pc:docChgLst>
-    <pc:chgData name="Arbour, Duncan" userId="f8c76c83-f09a-4702-8a60-e00215c8b89f" providerId="ADAL" clId="{3C2ECAFF-E1B8-9A4F-86CA-E73868E84495}"/>
-    <pc:docChg chg="undo custSel modSld addMainMaster modMainMaster">
-      <pc:chgData name="Arbour, Duncan" userId="f8c76c83-f09a-4702-8a60-e00215c8b89f" providerId="ADAL" clId="{3C2ECAFF-E1B8-9A4F-86CA-E73868E84495}" dt="2024-08-25T10:36:18.595" v="732" actId="20577"/>
+    <pc:chgData name="Arbour, Duncan" userId="f8c76c83-f09a-4702-8a60-e00215c8b89f" providerId="ADAL" clId="{3A096E5F-2BEB-4542-B21C-F620833EE570}"/>
+    <pc:docChg chg="modSld modMainMaster">
+      <pc:chgData name="Arbour, Duncan" userId="f8c76c83-f09a-4702-8a60-e00215c8b89f" providerId="ADAL" clId="{3A096E5F-2BEB-4542-B21C-F620833EE570}" dt="2024-08-25T11:11:22.156" v="93" actId="20577"/>
       <pc:docMkLst>
         <pc:docMk/>
       </pc:docMkLst>
-      <pc:sldChg chg="modSp mod modNotesTx">
-        <pc:chgData name="Arbour, Duncan" userId="f8c76c83-f09a-4702-8a60-e00215c8b89f" providerId="ADAL" clId="{3C2ECAFF-E1B8-9A4F-86CA-E73868E84495}" dt="2024-08-25T10:36:18.595" v="732" actId="20577"/>
+      <pc:sldChg chg="modSp mod">
+        <pc:chgData name="Arbour, Duncan" userId="f8c76c83-f09a-4702-8a60-e00215c8b89f" providerId="ADAL" clId="{3A096E5F-2BEB-4542-B21C-F620833EE570}" dt="2024-08-25T11:11:22.156" v="93" actId="20577"/>
         <pc:sldMkLst>
           <pc:docMk/>
-          <pc:sldMk cId="1101563866" sldId="2124817324"/>
+          <pc:sldMk cId="4040681455" sldId="2124817325"/>
         </pc:sldMkLst>
         <pc:spChg chg="mod">
-          <ac:chgData name="Arbour, Duncan" userId="f8c76c83-f09a-4702-8a60-e00215c8b89f" providerId="ADAL" clId="{3C2ECAFF-E1B8-9A4F-86CA-E73868E84495}" dt="2024-08-25T09:59:29.609" v="11" actId="20577"/>
+          <ac:chgData name="Arbour, Duncan" userId="f8c76c83-f09a-4702-8a60-e00215c8b89f" providerId="ADAL" clId="{3A096E5F-2BEB-4542-B21C-F620833EE570}" dt="2024-08-25T10:49:27.719" v="64" actId="1036"/>
           <ac:spMkLst>
             <pc:docMk/>
-            <pc:sldMk cId="1101563866" sldId="2124817324"/>
-            <ac:spMk id="2" creationId="{D037966B-53E5-A94D-BD41-AB5566565BEF}"/>
+            <pc:sldMk cId="4040681455" sldId="2124817325"/>
+            <ac:spMk id="5" creationId="{F8FCC046-9B7C-AECF-69D3-9FF636CFDFB4}"/>
+          </ac:spMkLst>
+        </pc:spChg>
+        <pc:spChg chg="mod">
+          <ac:chgData name="Arbour, Duncan" userId="f8c76c83-f09a-4702-8a60-e00215c8b89f" providerId="ADAL" clId="{3A096E5F-2BEB-4542-B21C-F620833EE570}" dt="2024-08-25T10:49:22.620" v="60" actId="1036"/>
+          <ac:spMkLst>
+            <pc:docMk/>
+            <pc:sldMk cId="4040681455" sldId="2124817325"/>
+            <ac:spMk id="6" creationId="{6B329B34-4FAF-8F4E-C025-C47D29419048}"/>
+          </ac:spMkLst>
+        </pc:spChg>
+        <pc:spChg chg="mod">
+          <ac:chgData name="Arbour, Duncan" userId="f8c76c83-f09a-4702-8a60-e00215c8b89f" providerId="ADAL" clId="{3A096E5F-2BEB-4542-B21C-F620833EE570}" dt="2024-08-25T11:11:10.278" v="74" actId="1036"/>
+          <ac:spMkLst>
+            <pc:docMk/>
+            <pc:sldMk cId="4040681455" sldId="2124817325"/>
+            <ac:spMk id="7" creationId="{48C55D70-E22C-49BD-06D6-677561706B9C}"/>
+          </ac:spMkLst>
+        </pc:spChg>
+        <pc:spChg chg="mod">
+          <ac:chgData name="Arbour, Duncan" userId="f8c76c83-f09a-4702-8a60-e00215c8b89f" providerId="ADAL" clId="{3A096E5F-2BEB-4542-B21C-F620833EE570}" dt="2024-08-25T10:49:02.078" v="36" actId="1036"/>
+          <ac:spMkLst>
+            <pc:docMk/>
+            <pc:sldMk cId="4040681455" sldId="2124817325"/>
+            <ac:spMk id="8" creationId="{328ACF5A-9358-8923-E6E5-844732D10480}"/>
+          </ac:spMkLst>
+        </pc:spChg>
+        <pc:spChg chg="mod">
+          <ac:chgData name="Arbour, Duncan" userId="f8c76c83-f09a-4702-8a60-e00215c8b89f" providerId="ADAL" clId="{3A096E5F-2BEB-4542-B21C-F620833EE570}" dt="2024-08-25T10:48:54.258" v="19" actId="1035"/>
+          <ac:spMkLst>
+            <pc:docMk/>
+            <pc:sldMk cId="4040681455" sldId="2124817325"/>
+            <ac:spMk id="9" creationId="{4F9BEC47-8304-4BF7-220B-46FD8E195A1B}"/>
+          </ac:spMkLst>
+        </pc:spChg>
+        <pc:spChg chg="mod">
+          <ac:chgData name="Arbour, Duncan" userId="f8c76c83-f09a-4702-8a60-e00215c8b89f" providerId="ADAL" clId="{3A096E5F-2BEB-4542-B21C-F620833EE570}" dt="2024-08-25T11:11:22.156" v="93" actId="20577"/>
+          <ac:spMkLst>
+            <pc:docMk/>
+            <pc:sldMk cId="4040681455" sldId="2124817325"/>
+            <ac:spMk id="10" creationId="{BDBAAB95-1C21-1F39-6F6A-EDFCF3264BB8}"/>
           </ac:spMkLst>
         </pc:spChg>
       </pc:sldChg>
-      <pc:sldMasterChg chg="addSp delSp modSp mod">
-        <pc:chgData name="Arbour, Duncan" userId="f8c76c83-f09a-4702-8a60-e00215c8b89f" providerId="ADAL" clId="{3C2ECAFF-E1B8-9A4F-86CA-E73868E84495}" dt="2024-08-25T10:24:18.522" v="719" actId="20577"/>
+      <pc:sldMasterChg chg="modSp mod">
+        <pc:chgData name="Arbour, Duncan" userId="f8c76c83-f09a-4702-8a60-e00215c8b89f" providerId="ADAL" clId="{3A096E5F-2BEB-4542-B21C-F620833EE570}" dt="2024-08-25T10:48:20.528" v="7" actId="255"/>
         <pc:sldMasterMkLst>
           <pc:docMk/>
           <pc:sldMasterMk cId="1552088819" sldId="2147484720"/>
         </pc:sldMasterMkLst>
-        <pc:spChg chg="add mod">
-          <ac:chgData name="Arbour, Duncan" userId="f8c76c83-f09a-4702-8a60-e00215c8b89f" providerId="ADAL" clId="{3C2ECAFF-E1B8-9A4F-86CA-E73868E84495}" dt="2024-08-25T10:23:47.585" v="714"/>
-          <ac:spMkLst>
-            <pc:docMk/>
-            <pc:sldMasterMk cId="1552088819" sldId="2147484720"/>
-            <ac:spMk id="2" creationId="{00A0DF0A-3CF6-27A7-E4E6-782FA06CD032}"/>
-          </ac:spMkLst>
-        </pc:spChg>
-        <pc:spChg chg="add mod">
-          <ac:chgData name="Arbour, Duncan" userId="f8c76c83-f09a-4702-8a60-e00215c8b89f" providerId="ADAL" clId="{3C2ECAFF-E1B8-9A4F-86CA-E73868E84495}" dt="2024-08-25T10:23:47.585" v="714"/>
-          <ac:spMkLst>
-            <pc:docMk/>
-            <pc:sldMasterMk cId="1552088819" sldId="2147484720"/>
-            <ac:spMk id="3" creationId="{4DD4EC34-C0BD-357F-AAB1-5314E2EFC9A9}"/>
-          </ac:spMkLst>
-        </pc:spChg>
-        <pc:spChg chg="add mod">
-          <ac:chgData name="Arbour, Duncan" userId="f8c76c83-f09a-4702-8a60-e00215c8b89f" providerId="ADAL" clId="{3C2ECAFF-E1B8-9A4F-86CA-E73868E84495}" dt="2024-08-25T10:23:47.585" v="714"/>
-          <ac:spMkLst>
-            <pc:docMk/>
-            <pc:sldMasterMk cId="1552088819" sldId="2147484720"/>
-            <ac:spMk id="4" creationId="{099577D0-97FB-1572-9536-5D14099F2EE7}"/>
-          </ac:spMkLst>
-        </pc:spChg>
-        <pc:spChg chg="add del mod">
-          <ac:chgData name="Arbour, Duncan" userId="f8c76c83-f09a-4702-8a60-e00215c8b89f" providerId="ADAL" clId="{3C2ECAFF-E1B8-9A4F-86CA-E73868E84495}" dt="2024-08-25T10:24:09.886" v="717" actId="478"/>
-          <ac:spMkLst>
-            <pc:docMk/>
-            <pc:sldMasterMk cId="1552088819" sldId="2147484720"/>
-            <ac:spMk id="5" creationId="{9ABF5A00-8C1F-6412-578B-87E46388D883}"/>
-          </ac:spMkLst>
-        </pc:spChg>
-        <pc:spChg chg="add mod">
-          <ac:chgData name="Arbour, Duncan" userId="f8c76c83-f09a-4702-8a60-e00215c8b89f" providerId="ADAL" clId="{3C2ECAFF-E1B8-9A4F-86CA-E73868E84495}" dt="2024-08-25T10:23:47.585" v="714"/>
+        <pc:spChg chg="mod">
+          <ac:chgData name="Arbour, Duncan" userId="f8c76c83-f09a-4702-8a60-e00215c8b89f" providerId="ADAL" clId="{3A096E5F-2BEB-4542-B21C-F620833EE570}" dt="2024-08-25T10:48:20.528" v="7" actId="255"/>
           <ac:spMkLst>
             <pc:docMk/>
             <pc:sldMasterMk cId="1552088819" sldId="2147484720"/>
             <ac:spMk id="8" creationId="{600B1FC4-44C0-45A7-5C9E-5B81EF499521}"/>
           </ac:spMkLst>
         </pc:spChg>
-        <pc:spChg chg="add mod">
-          <ac:chgData name="Arbour, Duncan" userId="f8c76c83-f09a-4702-8a60-e00215c8b89f" providerId="ADAL" clId="{3C2ECAFF-E1B8-9A4F-86CA-E73868E84495}" dt="2024-08-25T10:24:18.522" v="719" actId="20577"/>
-          <ac:spMkLst>
-            <pc:docMk/>
-            <pc:sldMasterMk cId="1552088819" sldId="2147484720"/>
-            <ac:spMk id="9" creationId="{B75003BD-1F49-DB6E-9BE1-ADE9B03B56D0}"/>
-          </ac:spMkLst>
-        </pc:spChg>
-        <pc:spChg chg="add mod">
-          <ac:chgData name="Arbour, Duncan" userId="f8c76c83-f09a-4702-8a60-e00215c8b89f" providerId="ADAL" clId="{3C2ECAFF-E1B8-9A4F-86CA-E73868E84495}" dt="2024-08-25T10:23:47.585" v="714"/>
-          <ac:spMkLst>
-            <pc:docMk/>
-            <pc:sldMasterMk cId="1552088819" sldId="2147484720"/>
-            <ac:spMk id="10" creationId="{F4D9A45A-D5EE-5940-B5ED-9EDD9DBF6001}"/>
-          </ac:spMkLst>
-        </pc:spChg>
-        <pc:cxnChg chg="add mod">
-          <ac:chgData name="Arbour, Duncan" userId="f8c76c83-f09a-4702-8a60-e00215c8b89f" providerId="ADAL" clId="{3C2ECAFF-E1B8-9A4F-86CA-E73868E84495}" dt="2024-08-25T10:23:47.585" v="714"/>
-          <ac:cxnSpMkLst>
-            <pc:docMk/>
-            <pc:sldMasterMk cId="1552088819" sldId="2147484720"/>
-            <ac:cxnSpMk id="6" creationId="{D8407B93-9020-8005-1495-07F8179B7C5F}"/>
-          </ac:cxnSpMkLst>
-        </pc:cxnChg>
-        <pc:cxnChg chg="add mod">
-          <ac:chgData name="Arbour, Duncan" userId="f8c76c83-f09a-4702-8a60-e00215c8b89f" providerId="ADAL" clId="{3C2ECAFF-E1B8-9A4F-86CA-E73868E84495}" dt="2024-08-25T10:23:47.585" v="714"/>
-          <ac:cxnSpMkLst>
-            <pc:docMk/>
-            <pc:sldMasterMk cId="1552088819" sldId="2147484720"/>
-            <ac:cxnSpMk id="7" creationId="{84D04895-9C23-AEE8-83EA-B49A0D440ABF}"/>
-          </ac:cxnSpMkLst>
-        </pc:cxnChg>
-      </pc:sldMasterChg>
-      <pc:sldMasterChg chg="new mod addSldLayout">
-        <pc:chgData name="Arbour, Duncan" userId="f8c76c83-f09a-4702-8a60-e00215c8b89f" providerId="ADAL" clId="{3C2ECAFF-E1B8-9A4F-86CA-E73868E84495}" dt="2024-08-25T10:23:39.522" v="713" actId="6938"/>
-        <pc:sldMasterMkLst>
-          <pc:docMk/>
-          <pc:sldMasterMk cId="131788798" sldId="2147484723"/>
-        </pc:sldMasterMkLst>
-        <pc:sldLayoutChg chg="new replId">
-          <pc:chgData name="Arbour, Duncan" userId="f8c76c83-f09a-4702-8a60-e00215c8b89f" providerId="ADAL" clId="{3C2ECAFF-E1B8-9A4F-86CA-E73868E84495}" dt="2024-08-25T10:23:39.522" v="713" actId="6938"/>
-          <pc:sldLayoutMkLst>
-            <pc:docMk/>
-            <pc:sldMasterMk cId="131788798" sldId="2147484723"/>
-            <pc:sldLayoutMk cId="2818741901" sldId="2147484724"/>
-          </pc:sldLayoutMkLst>
-        </pc:sldLayoutChg>
-        <pc:sldLayoutChg chg="new replId">
-          <pc:chgData name="Arbour, Duncan" userId="f8c76c83-f09a-4702-8a60-e00215c8b89f" providerId="ADAL" clId="{3C2ECAFF-E1B8-9A4F-86CA-E73868E84495}" dt="2024-08-25T10:23:39.522" v="713" actId="6938"/>
-          <pc:sldLayoutMkLst>
-            <pc:docMk/>
-            <pc:sldMasterMk cId="131788798" sldId="2147484723"/>
-            <pc:sldLayoutMk cId="3146723179" sldId="2147484725"/>
-          </pc:sldLayoutMkLst>
-        </pc:sldLayoutChg>
-        <pc:sldLayoutChg chg="new replId">
-          <pc:chgData name="Arbour, Duncan" userId="f8c76c83-f09a-4702-8a60-e00215c8b89f" providerId="ADAL" clId="{3C2ECAFF-E1B8-9A4F-86CA-E73868E84495}" dt="2024-08-25T10:23:39.522" v="713" actId="6938"/>
-          <pc:sldLayoutMkLst>
-            <pc:docMk/>
-            <pc:sldMasterMk cId="131788798" sldId="2147484723"/>
-            <pc:sldLayoutMk cId="356423968" sldId="2147484726"/>
-          </pc:sldLayoutMkLst>
-        </pc:sldLayoutChg>
-        <pc:sldLayoutChg chg="new replId">
-          <pc:chgData name="Arbour, Duncan" userId="f8c76c83-f09a-4702-8a60-e00215c8b89f" providerId="ADAL" clId="{3C2ECAFF-E1B8-9A4F-86CA-E73868E84495}" dt="2024-08-25T10:23:39.522" v="713" actId="6938"/>
-          <pc:sldLayoutMkLst>
-            <pc:docMk/>
-            <pc:sldMasterMk cId="131788798" sldId="2147484723"/>
-            <pc:sldLayoutMk cId="1399016895" sldId="2147484727"/>
-          </pc:sldLayoutMkLst>
-        </pc:sldLayoutChg>
-        <pc:sldLayoutChg chg="new replId">
-          <pc:chgData name="Arbour, Duncan" userId="f8c76c83-f09a-4702-8a60-e00215c8b89f" providerId="ADAL" clId="{3C2ECAFF-E1B8-9A4F-86CA-E73868E84495}" dt="2024-08-25T10:23:39.522" v="713" actId="6938"/>
-          <pc:sldLayoutMkLst>
-            <pc:docMk/>
-            <pc:sldMasterMk cId="131788798" sldId="2147484723"/>
-            <pc:sldLayoutMk cId="2055930000" sldId="2147484728"/>
-          </pc:sldLayoutMkLst>
-        </pc:sldLayoutChg>
-        <pc:sldLayoutChg chg="new replId">
-          <pc:chgData name="Arbour, Duncan" userId="f8c76c83-f09a-4702-8a60-e00215c8b89f" providerId="ADAL" clId="{3C2ECAFF-E1B8-9A4F-86CA-E73868E84495}" dt="2024-08-25T10:23:39.522" v="713" actId="6938"/>
-          <pc:sldLayoutMkLst>
-            <pc:docMk/>
-            <pc:sldMasterMk cId="131788798" sldId="2147484723"/>
-            <pc:sldLayoutMk cId="1550530448" sldId="2147484729"/>
-          </pc:sldLayoutMkLst>
-        </pc:sldLayoutChg>
-        <pc:sldLayoutChg chg="new replId">
-          <pc:chgData name="Arbour, Duncan" userId="f8c76c83-f09a-4702-8a60-e00215c8b89f" providerId="ADAL" clId="{3C2ECAFF-E1B8-9A4F-86CA-E73868E84495}" dt="2024-08-25T10:23:39.522" v="713" actId="6938"/>
-          <pc:sldLayoutMkLst>
-            <pc:docMk/>
-            <pc:sldMasterMk cId="131788798" sldId="2147484723"/>
-            <pc:sldLayoutMk cId="976650761" sldId="2147484730"/>
-          </pc:sldLayoutMkLst>
-        </pc:sldLayoutChg>
-        <pc:sldLayoutChg chg="new replId">
-          <pc:chgData name="Arbour, Duncan" userId="f8c76c83-f09a-4702-8a60-e00215c8b89f" providerId="ADAL" clId="{3C2ECAFF-E1B8-9A4F-86CA-E73868E84495}" dt="2024-08-25T10:23:39.522" v="713" actId="6938"/>
-          <pc:sldLayoutMkLst>
-            <pc:docMk/>
-            <pc:sldMasterMk cId="131788798" sldId="2147484723"/>
-            <pc:sldLayoutMk cId="2680153824" sldId="2147484731"/>
-          </pc:sldLayoutMkLst>
-        </pc:sldLayoutChg>
-        <pc:sldLayoutChg chg="new replId">
-          <pc:chgData name="Arbour, Duncan" userId="f8c76c83-f09a-4702-8a60-e00215c8b89f" providerId="ADAL" clId="{3C2ECAFF-E1B8-9A4F-86CA-E73868E84495}" dt="2024-08-25T10:23:39.522" v="713" actId="6938"/>
-          <pc:sldLayoutMkLst>
-            <pc:docMk/>
-            <pc:sldMasterMk cId="131788798" sldId="2147484723"/>
-            <pc:sldLayoutMk cId="3628125136" sldId="2147484732"/>
-          </pc:sldLayoutMkLst>
-        </pc:sldLayoutChg>
-        <pc:sldLayoutChg chg="new replId">
-          <pc:chgData name="Arbour, Duncan" userId="f8c76c83-f09a-4702-8a60-e00215c8b89f" providerId="ADAL" clId="{3C2ECAFF-E1B8-9A4F-86CA-E73868E84495}" dt="2024-08-25T10:23:39.522" v="713" actId="6938"/>
-          <pc:sldLayoutMkLst>
-            <pc:docMk/>
-            <pc:sldMasterMk cId="131788798" sldId="2147484723"/>
-            <pc:sldLayoutMk cId="15857825" sldId="2147484733"/>
-          </pc:sldLayoutMkLst>
-        </pc:sldLayoutChg>
-        <pc:sldLayoutChg chg="new replId">
-          <pc:chgData name="Arbour, Duncan" userId="f8c76c83-f09a-4702-8a60-e00215c8b89f" providerId="ADAL" clId="{3C2ECAFF-E1B8-9A4F-86CA-E73868E84495}" dt="2024-08-25T10:23:39.522" v="713" actId="6938"/>
-          <pc:sldLayoutMkLst>
-            <pc:docMk/>
-            <pc:sldMasterMk cId="131788798" sldId="2147484723"/>
-            <pc:sldLayoutMk cId="1448672792" sldId="2147484734"/>
-          </pc:sldLayoutMkLst>
-        </pc:sldLayoutChg>
       </pc:sldMasterChg>
     </pc:docChg>
   </pc:docChgLst>
@@ -789,218 +669,10 @@
           <a:bodyPr/>
           <a:lstStyle/>
           <a:p>
-            <a:r>
-              <a:rPr lang="en-GB" sz="1800" dirty="0" err="1">
-                <a:solidFill>
-                  <a:schemeClr val="accent2"/>
-                </a:solidFill>
-                <a:latin typeface="Calibri" panose="020F0502020204030204" pitchFamily="34" charset="0"/>
-                <a:ea typeface="Calibri" panose="020F0502020204030204" pitchFamily="34" charset="0"/>
-                <a:cs typeface="Calibri" panose="020F0502020204030204" pitchFamily="34" charset="0"/>
-              </a:rPr>
-              <a:t>Persona_name</a:t>
-            </a:r>
-            <a:endParaRPr lang="en-GB" sz="1800" dirty="0">
-              <a:solidFill>
-                <a:schemeClr val="accent2"/>
-              </a:solidFill>
-              <a:effectLst/>
-              <a:latin typeface="Calibri" panose="020F0502020204030204" pitchFamily="34" charset="0"/>
-              <a:ea typeface="Calibri" panose="020F0502020204030204" pitchFamily="34" charset="0"/>
-              <a:cs typeface="Calibri" panose="020F0502020204030204" pitchFamily="34" charset="0"/>
-            </a:endParaRPr>
-          </a:p>
-          <a:p>
-            <a:r>
-              <a:rPr lang="en-GB" sz="1800" dirty="0" err="1">
-                <a:solidFill>
-                  <a:schemeClr val="accent2"/>
-                </a:solidFill>
-                <a:effectLst/>
-                <a:latin typeface="Calibri" panose="020F0502020204030204" pitchFamily="34" charset="0"/>
-                <a:ea typeface="Calibri" panose="020F0502020204030204" pitchFamily="34" charset="0"/>
-                <a:cs typeface="Calibri" panose="020F0502020204030204" pitchFamily="34" charset="0"/>
-              </a:rPr>
-              <a:t>Persona_age</a:t>
-            </a:r>
-            <a:endParaRPr lang="en-GB" sz="1800" dirty="0">
-              <a:solidFill>
-                <a:schemeClr val="accent2"/>
-              </a:solidFill>
-              <a:effectLst/>
-              <a:latin typeface="Calibri" panose="020F0502020204030204" pitchFamily="34" charset="0"/>
-              <a:ea typeface="Calibri" panose="020F0502020204030204" pitchFamily="34" charset="0"/>
-              <a:cs typeface="Calibri" panose="020F0502020204030204" pitchFamily="34" charset="0"/>
-            </a:endParaRPr>
-          </a:p>
-          <a:p>
-            <a:r>
-              <a:rPr lang="en-GB" sz="1800" dirty="0" err="1">
-                <a:solidFill>
-                  <a:schemeClr val="accent2"/>
-                </a:solidFill>
-                <a:effectLst/>
-                <a:latin typeface="Calibri" panose="020F0502020204030204" pitchFamily="34" charset="0"/>
-                <a:ea typeface="Calibri" panose="020F0502020204030204" pitchFamily="34" charset="0"/>
-                <a:cs typeface="Calibri" panose="020F0502020204030204" pitchFamily="34" charset="0"/>
-              </a:rPr>
-              <a:t>Persona_location</a:t>
-            </a:r>
-            <a:endParaRPr lang="en-GB" sz="1800" dirty="0">
-              <a:solidFill>
-                <a:schemeClr val="accent2"/>
-              </a:solidFill>
-              <a:effectLst/>
-              <a:latin typeface="Calibri" panose="020F0502020204030204" pitchFamily="34" charset="0"/>
-              <a:ea typeface="Calibri" panose="020F0502020204030204" pitchFamily="34" charset="0"/>
-              <a:cs typeface="Calibri" panose="020F0502020204030204" pitchFamily="34" charset="0"/>
-            </a:endParaRPr>
-          </a:p>
-          <a:p>
-            <a:r>
-              <a:rPr lang="en-GB" sz="1800" dirty="0" err="1">
-                <a:solidFill>
-                  <a:schemeClr val="accent2"/>
-                </a:solidFill>
-                <a:effectLst/>
-                <a:latin typeface="Calibri" panose="020F0502020204030204" pitchFamily="34" charset="0"/>
-                <a:ea typeface="Calibri" panose="020F0502020204030204" pitchFamily="34" charset="0"/>
-                <a:cs typeface="Calibri" panose="020F0502020204030204" pitchFamily="34" charset="0"/>
-              </a:rPr>
-              <a:t>Persona_occupation</a:t>
-            </a:r>
-            <a:endParaRPr lang="en-GB" sz="1800" dirty="0">
-              <a:solidFill>
-                <a:schemeClr val="accent2"/>
-              </a:solidFill>
-              <a:effectLst/>
-              <a:latin typeface="Calibri" panose="020F0502020204030204" pitchFamily="34" charset="0"/>
-              <a:ea typeface="Calibri" panose="020F0502020204030204" pitchFamily="34" charset="0"/>
-              <a:cs typeface="Calibri" panose="020F0502020204030204" pitchFamily="34" charset="0"/>
-            </a:endParaRPr>
-          </a:p>
-          <a:p>
-            <a:r>
-              <a:rPr lang="en-GB" sz="1800" dirty="0" err="1">
-                <a:solidFill>
-                  <a:schemeClr val="accent2"/>
-                </a:solidFill>
-                <a:latin typeface="Calibri" panose="020F0502020204030204" pitchFamily="34" charset="0"/>
-                <a:ea typeface="Calibri" panose="020F0502020204030204" pitchFamily="34" charset="0"/>
-                <a:cs typeface="Calibri" panose="020F0502020204030204" pitchFamily="34" charset="0"/>
-              </a:rPr>
-              <a:t>Persona_relationships</a:t>
-            </a:r>
-            <a:endParaRPr lang="en-GB" sz="1800" dirty="0">
-              <a:solidFill>
-                <a:schemeClr val="accent2"/>
-              </a:solidFill>
-              <a:latin typeface="Calibri" panose="020F0502020204030204" pitchFamily="34" charset="0"/>
-              <a:ea typeface="Calibri" panose="020F0502020204030204" pitchFamily="34" charset="0"/>
-              <a:cs typeface="Calibri" panose="020F0502020204030204" pitchFamily="34" charset="0"/>
-            </a:endParaRPr>
-          </a:p>
-          <a:p>
-            <a:pPr marL="0" marR="0" lvl="0" indent="0" algn="l" defTabSz="609493" rtl="0" eaLnBrk="1" fontAlgn="auto" latinLnBrk="0" hangingPunct="1">
-              <a:lnSpc>
-                <a:spcPct val="100000"/>
-              </a:lnSpc>
-              <a:spcBef>
-                <a:spcPts val="0"/>
-              </a:spcBef>
-              <a:spcAft>
-                <a:spcPts val="0"/>
-              </a:spcAft>
-              <a:buClrTx/>
-              <a:buSzTx/>
-              <a:buFontTx/>
-              <a:buNone/>
-              <a:tabLst/>
-              <a:defRPr/>
-            </a:pPr>
-            <a:r>
-              <a:rPr lang="en-GB" sz="1800" b="0" i="0" dirty="0" err="1">
-                <a:solidFill>
-                  <a:schemeClr val="accent2"/>
-                </a:solidFill>
-                <a:effectLst/>
-                <a:latin typeface="Calibri" panose="020F0502020204030204" pitchFamily="34" charset="0"/>
-                <a:cs typeface="Calibri" panose="020F0502020204030204" pitchFamily="34" charset="0"/>
-              </a:rPr>
-              <a:t>Persona_mindset</a:t>
-            </a:r>
-            <a:endParaRPr lang="en-GB" sz="1800" b="0" i="0" dirty="0">
-              <a:solidFill>
-                <a:schemeClr val="accent2"/>
-              </a:solidFill>
-              <a:effectLst/>
-              <a:latin typeface="Calibri" panose="020F0502020204030204" pitchFamily="34" charset="0"/>
-              <a:cs typeface="Calibri" panose="020F0502020204030204" pitchFamily="34" charset="0"/>
-            </a:endParaRPr>
-          </a:p>
-          <a:p>
-            <a:pPr marL="0" marR="0" lvl="0" indent="0" algn="l" defTabSz="609493" rtl="0" eaLnBrk="1" fontAlgn="auto" latinLnBrk="0" hangingPunct="1">
-              <a:lnSpc>
-                <a:spcPct val="100000"/>
-              </a:lnSpc>
-              <a:spcBef>
-                <a:spcPts val="0"/>
-              </a:spcBef>
-              <a:spcAft>
-                <a:spcPts val="0"/>
-              </a:spcAft>
-              <a:buClrTx/>
-              <a:buSzTx/>
-              <a:buFontTx/>
-              <a:buNone/>
-              <a:tabLst/>
-              <a:defRPr/>
-            </a:pPr>
-            <a:r>
-              <a:rPr lang="en-GB" sz="1800" kern="100" dirty="0" err="1">
-                <a:solidFill>
-                  <a:schemeClr val="accent2"/>
-                </a:solidFill>
-                <a:effectLst/>
-                <a:latin typeface="Calibri" panose="020F0502020204030204" pitchFamily="34" charset="0"/>
-                <a:ea typeface="Calibri" panose="020F0502020204030204" pitchFamily="34" charset="0"/>
-                <a:cs typeface="Times New Roman" panose="02020603050405020304" pitchFamily="18" charset="0"/>
-              </a:rPr>
-              <a:t>Persona_unmet_needs</a:t>
-            </a:r>
-            <a:endParaRPr lang="en-GB" sz="1800" kern="100" dirty="0">
-              <a:solidFill>
-                <a:schemeClr val="accent2"/>
-              </a:solidFill>
-              <a:effectLst/>
-              <a:latin typeface="Calibri" panose="020F0502020204030204" pitchFamily="34" charset="0"/>
-              <a:ea typeface="Calibri" panose="020F0502020204030204" pitchFamily="34" charset="0"/>
-              <a:cs typeface="Times New Roman" panose="02020603050405020304" pitchFamily="18" charset="0"/>
-            </a:endParaRPr>
-          </a:p>
-          <a:p>
-            <a:pPr lvl="0">
-              <a:buSzPts val="1000"/>
-              <a:tabLst>
-                <a:tab pos="457200" algn="l"/>
-              </a:tabLst>
-            </a:pPr>
-            <a:r>
-              <a:rPr lang="en-GB" sz="1800" kern="0" dirty="0" err="1">
-                <a:solidFill>
-                  <a:schemeClr val="accent2"/>
-                </a:solidFill>
-                <a:effectLst/>
-                <a:latin typeface="Calibri" panose="020F0502020204030204" pitchFamily="34" charset="0"/>
-                <a:ea typeface="Times New Roman" panose="02020603050405020304" pitchFamily="18" charset="0"/>
-                <a:cs typeface="Calibri" panose="020F0502020204030204" pitchFamily="34" charset="0"/>
-              </a:rPr>
-              <a:t>Persona_pain_points</a:t>
-            </a:r>
             <a:br>
-              <a:rPr lang="en-GB" sz="700" dirty="0"/>
+              <a:rPr lang="en-GB" sz="600" dirty="0"/>
             </a:br>
-            <a:endParaRPr lang="en-GB" sz="700" dirty="0">
+            <a:endParaRPr lang="en-GB" sz="600" dirty="0">
               <a:solidFill>
                 <a:schemeClr val="accent2"/>
               </a:solidFill>
@@ -1009,162 +681,7 @@
             </a:endParaRPr>
           </a:p>
           <a:p>
-            <a:pPr marL="0" marR="0" lvl="0" indent="0" algn="l" defTabSz="609493" rtl="0" eaLnBrk="1" fontAlgn="auto" latinLnBrk="0" hangingPunct="1">
-              <a:lnSpc>
-                <a:spcPct val="100000"/>
-              </a:lnSpc>
-              <a:spcBef>
-                <a:spcPts val="0"/>
-              </a:spcBef>
-              <a:spcAft>
-                <a:spcPts val="0"/>
-              </a:spcAft>
-              <a:buClrTx/>
-              <a:buSzTx/>
-              <a:buFontTx/>
-              <a:buNone/>
-              <a:tabLst/>
-              <a:defRPr/>
-            </a:pPr>
-            <a:endParaRPr lang="en-GB" sz="1800" kern="100" dirty="0">
-              <a:solidFill>
-                <a:schemeClr val="accent2"/>
-              </a:solidFill>
-              <a:effectLst/>
-              <a:latin typeface="Calibri" panose="020F0502020204030204" pitchFamily="34" charset="0"/>
-              <a:ea typeface="Calibri" panose="020F0502020204030204" pitchFamily="34" charset="0"/>
-              <a:cs typeface="Times New Roman" panose="02020603050405020304" pitchFamily="18" charset="0"/>
-            </a:endParaRPr>
-          </a:p>
-          <a:p>
-            <a:endParaRPr lang="en-GB" sz="1800" b="1" dirty="0">
-              <a:solidFill>
-                <a:schemeClr val="accent2"/>
-              </a:solidFill>
-              <a:effectLst/>
-              <a:latin typeface="Calibri" panose="020F0502020204030204" pitchFamily="34" charset="0"/>
-              <a:ea typeface="Calibri" panose="020F0502020204030204" pitchFamily="34" charset="0"/>
-              <a:cs typeface="Calibri" panose="020F0502020204030204" pitchFamily="34" charset="0"/>
-            </a:endParaRPr>
-          </a:p>
-          <a:p>
-            <a:pPr marL="0" marR="0" lvl="0" indent="0" algn="l" defTabSz="609493" rtl="0" eaLnBrk="1" fontAlgn="auto" latinLnBrk="0" hangingPunct="1">
-              <a:lnSpc>
-                <a:spcPct val="100000"/>
-              </a:lnSpc>
-              <a:spcBef>
-                <a:spcPts val="0"/>
-              </a:spcBef>
-              <a:spcAft>
-                <a:spcPts val="0"/>
-              </a:spcAft>
-              <a:buClrTx/>
-              <a:buSzTx/>
-              <a:buFontTx/>
-              <a:buNone/>
-              <a:tabLst/>
-              <a:defRPr/>
-            </a:pPr>
-            <a:endParaRPr lang="en-GB" sz="1800" b="1" dirty="0">
-              <a:solidFill>
-                <a:schemeClr val="accent2"/>
-              </a:solidFill>
-              <a:effectLst/>
-              <a:latin typeface="Calibri" panose="020F0502020204030204" pitchFamily="34" charset="0"/>
-              <a:ea typeface="Calibri" panose="020F0502020204030204" pitchFamily="34" charset="0"/>
-              <a:cs typeface="Calibri" panose="020F0502020204030204" pitchFamily="34" charset="0"/>
-            </a:endParaRPr>
-          </a:p>
-          <a:p>
-            <a:pPr marL="0" marR="0" lvl="0" indent="0" algn="l" defTabSz="609493" rtl="0" eaLnBrk="1" fontAlgn="auto" latinLnBrk="0" hangingPunct="1">
-              <a:lnSpc>
-                <a:spcPct val="100000"/>
-              </a:lnSpc>
-              <a:spcBef>
-                <a:spcPts val="0"/>
-              </a:spcBef>
-              <a:spcAft>
-                <a:spcPts val="0"/>
-              </a:spcAft>
-              <a:buClrTx/>
-              <a:buSzTx/>
-              <a:buFontTx/>
-              <a:buNone/>
-              <a:tabLst/>
-              <a:defRPr/>
-            </a:pPr>
-            <a:endParaRPr lang="en-GB" sz="1800" dirty="0">
-              <a:solidFill>
-                <a:schemeClr val="accent2"/>
-              </a:solidFill>
-              <a:effectLst/>
-              <a:latin typeface="Calibri" panose="020F0502020204030204" pitchFamily="34" charset="0"/>
-              <a:ea typeface="Calibri" panose="020F0502020204030204" pitchFamily="34" charset="0"/>
-              <a:cs typeface="Calibri" panose="020F0502020204030204" pitchFamily="34" charset="0"/>
-            </a:endParaRPr>
-          </a:p>
-          <a:p>
-            <a:pPr marL="0" marR="0" lvl="0" indent="0" algn="l" defTabSz="609493" rtl="0" eaLnBrk="1" fontAlgn="auto" latinLnBrk="0" hangingPunct="1">
-              <a:lnSpc>
-                <a:spcPct val="100000"/>
-              </a:lnSpc>
-              <a:spcBef>
-                <a:spcPts val="0"/>
-              </a:spcBef>
-              <a:spcAft>
-                <a:spcPts val="0"/>
-              </a:spcAft>
-              <a:buClrTx/>
-              <a:buSzTx/>
-              <a:buFontTx/>
-              <a:buNone/>
-              <a:tabLst/>
-              <a:defRPr/>
-            </a:pPr>
-            <a:endParaRPr lang="en-GB" sz="1800" dirty="0">
-              <a:solidFill>
-                <a:schemeClr val="accent2"/>
-              </a:solidFill>
-              <a:effectLst/>
-              <a:latin typeface="Calibri" panose="020F0502020204030204" pitchFamily="34" charset="0"/>
-              <a:ea typeface="Calibri" panose="020F0502020204030204" pitchFamily="34" charset="0"/>
-              <a:cs typeface="Calibri" panose="020F0502020204030204" pitchFamily="34" charset="0"/>
-            </a:endParaRPr>
-          </a:p>
-          <a:p>
-            <a:pPr marL="0" marR="0" lvl="0" indent="0" algn="l" defTabSz="609493" rtl="0" eaLnBrk="1" fontAlgn="auto" latinLnBrk="0" hangingPunct="1">
-              <a:lnSpc>
-                <a:spcPct val="100000"/>
-              </a:lnSpc>
-              <a:spcBef>
-                <a:spcPts val="0"/>
-              </a:spcBef>
-              <a:spcAft>
-                <a:spcPts val="0"/>
-              </a:spcAft>
-              <a:buClrTx/>
-              <a:buSzTx/>
-              <a:buFontTx/>
-              <a:buNone/>
-              <a:tabLst/>
-              <a:defRPr/>
-            </a:pPr>
-            <a:endParaRPr lang="en-GB" sz="1800" dirty="0">
-              <a:solidFill>
-                <a:schemeClr val="accent2"/>
-              </a:solidFill>
-              <a:effectLst/>
-              <a:latin typeface="Calibri" panose="020F0502020204030204" pitchFamily="34" charset="0"/>
-              <a:ea typeface="Calibri" panose="020F0502020204030204" pitchFamily="34" charset="0"/>
-              <a:cs typeface="Calibri" panose="020F0502020204030204" pitchFamily="34" charset="0"/>
-            </a:endParaRPr>
-          </a:p>
-          <a:p>
-            <a:endParaRPr lang="en-GB" sz="1800" dirty="0">
-              <a:effectLst/>
-              <a:latin typeface="Times New Roman" panose="02020603050405020304" pitchFamily="18" charset="0"/>
-              <a:ea typeface="Times New Roman" panose="02020603050405020304" pitchFamily="18" charset="0"/>
-            </a:endParaRPr>
+            <a:endParaRPr lang="en-GB" dirty="0"/>
           </a:p>
         </p:txBody>
       </p:sp>
@@ -1194,7 +711,7 @@
     </p:spTree>
     <p:extLst>
       <p:ext uri="{BB962C8B-B14F-4D97-AF65-F5344CB8AC3E}">
-        <p14:creationId xmlns:p14="http://schemas.microsoft.com/office/powerpoint/2010/main" val="455160157"/>
+        <p14:creationId xmlns:p14="http://schemas.microsoft.com/office/powerpoint/2010/main" val="2335302401"/>
       </p:ext>
     </p:extLst>
   </p:cSld>
@@ -1205,7 +722,7 @@
 </file>
 
 <file path=ppt/slideLayouts/slideLayout1.xml><?xml version="1.0" encoding="utf-8"?>
-<p:sldLayout xmlns:a="http://schemas.openxmlformats.org/drawingml/2006/main" xmlns:r="http://schemas.openxmlformats.org/officeDocument/2006/relationships" xmlns:p="http://schemas.openxmlformats.org/presentationml/2006/main" type="obj" preserve="1">
+<p:sldLayout xmlns:a="http://schemas.openxmlformats.org/drawingml/2006/main" xmlns:r="http://schemas.openxmlformats.org/officeDocument/2006/relationships" xmlns:p="http://schemas.openxmlformats.org/presentationml/2006/main" preserve="1" userDrawn="1">
   <p:cSld name="Content Slide, 1 Column">
     <p:spTree>
       <p:nvGrpSpPr>
@@ -1260,176 +777,6 @@
             <a:r>
               <a:rPr lang="en-US" dirty="0"/>
               <a:t>Click to edit header (Arial Bold 20 </a:t>
-            </a:r>
-            <a:r>
-              <a:rPr lang="en-US" dirty="0" err="1"/>
-              <a:t>pt</a:t>
-            </a:r>
-            <a:r>
-              <a:rPr lang="en-US" dirty="0"/>
-              <a:t>, black)</a:t>
-            </a:r>
-          </a:p>
-        </p:txBody>
-      </p:sp>
-      <p:sp>
-        <p:nvSpPr>
-          <p:cNvPr id="3" name="Content Placeholder 2"/>
-          <p:cNvSpPr>
-            <a:spLocks noGrp="1"/>
-          </p:cNvSpPr>
-          <p:nvPr>
-            <p:ph idx="1" hasCustomPrompt="1"/>
-          </p:nvPr>
-        </p:nvSpPr>
-        <p:spPr>
-          <a:xfrm>
-            <a:off x="487768" y="1341889"/>
-            <a:ext cx="11189980" cy="4412875"/>
-          </a:xfrm>
-          <a:prstGeom prst="rect">
-            <a:avLst/>
-          </a:prstGeom>
-        </p:spPr>
-        <p:txBody>
-          <a:bodyPr lIns="0" tIns="0" rIns="0" bIns="0"/>
-          <a:lstStyle>
-            <a:lvl1pPr marL="150201" indent="-150201">
-              <a:lnSpc>
-                <a:spcPct val="110000"/>
-              </a:lnSpc>
-              <a:spcBef>
-                <a:spcPts val="533"/>
-              </a:spcBef>
-              <a:buSzPct val="75000"/>
-              <a:defRPr sz="2132">
-                <a:solidFill>
-                  <a:schemeClr val="tx1"/>
-                </a:solidFill>
-              </a:defRPr>
-            </a:lvl1pPr>
-            <a:lvl2pPr marL="459065" indent="-154433">
-              <a:lnSpc>
-                <a:spcPct val="110000"/>
-              </a:lnSpc>
-              <a:spcBef>
-                <a:spcPts val="400"/>
-              </a:spcBef>
-              <a:buSzPct val="75000"/>
-              <a:defRPr sz="1865">
-                <a:solidFill>
-                  <a:schemeClr val="tx1"/>
-                </a:solidFill>
-              </a:defRPr>
-            </a:lvl2pPr>
-            <a:lvl3pPr marL="759466" indent="-150201">
-              <a:lnSpc>
-                <a:spcPct val="110000"/>
-              </a:lnSpc>
-              <a:spcBef>
-                <a:spcPts val="400"/>
-              </a:spcBef>
-              <a:buSzPct val="75000"/>
-              <a:defRPr sz="1600">
-                <a:solidFill>
-                  <a:schemeClr val="tx1"/>
-                </a:solidFill>
-              </a:defRPr>
-            </a:lvl3pPr>
-            <a:lvl4pPr marL="1068329" indent="-154433">
-              <a:lnSpc>
-                <a:spcPct val="110000"/>
-              </a:lnSpc>
-              <a:spcBef>
-                <a:spcPts val="333"/>
-              </a:spcBef>
-              <a:buSzPct val="75000"/>
-              <a:defRPr sz="1466">
-                <a:solidFill>
-                  <a:schemeClr val="tx1"/>
-                </a:solidFill>
-              </a:defRPr>
-            </a:lvl4pPr>
-            <a:lvl5pPr marL="1368731" indent="-150201">
-              <a:lnSpc>
-                <a:spcPct val="110000"/>
-              </a:lnSpc>
-              <a:spcBef>
-                <a:spcPts val="267"/>
-              </a:spcBef>
-              <a:buSzPct val="75000"/>
-              <a:defRPr sz="1200">
-                <a:solidFill>
-                  <a:schemeClr val="tx1"/>
-                </a:solidFill>
-              </a:defRPr>
-            </a:lvl5pPr>
-          </a:lstStyle>
-          <a:p>
-            <a:pPr lvl="0"/>
-            <a:r>
-              <a:rPr lang="en-US" dirty="0"/>
-              <a:t>Click to edit master text styles (Arial 18 </a:t>
-            </a:r>
-            <a:r>
-              <a:rPr lang="en-US" dirty="0" err="1"/>
-              <a:t>pt</a:t>
-            </a:r>
-            <a:r>
-              <a:rPr lang="en-US" dirty="0"/>
-              <a:t>, black)</a:t>
-            </a:r>
-          </a:p>
-          <a:p>
-            <a:pPr lvl="1"/>
-            <a:r>
-              <a:rPr lang="en-US" dirty="0"/>
-              <a:t>Second level (Arial 16 </a:t>
-            </a:r>
-            <a:r>
-              <a:rPr lang="en-US" dirty="0" err="1"/>
-              <a:t>pt</a:t>
-            </a:r>
-            <a:r>
-              <a:rPr lang="en-US" dirty="0"/>
-              <a:t>, black)</a:t>
-            </a:r>
-          </a:p>
-          <a:p>
-            <a:pPr lvl="2"/>
-            <a:r>
-              <a:rPr lang="en-US" dirty="0"/>
-              <a:t>Third level (Arial 14 </a:t>
-            </a:r>
-            <a:r>
-              <a:rPr lang="en-US" dirty="0" err="1"/>
-              <a:t>pt</a:t>
-            </a:r>
-            <a:r>
-              <a:rPr lang="en-US" dirty="0"/>
-              <a:t>, black)</a:t>
-            </a:r>
-          </a:p>
-          <a:p>
-            <a:pPr lvl="3"/>
-            <a:r>
-              <a:rPr lang="en-US" dirty="0"/>
-              <a:t>Fourth level (Arial 12 </a:t>
-            </a:r>
-            <a:r>
-              <a:rPr lang="en-US" dirty="0" err="1"/>
-              <a:t>pt</a:t>
-            </a:r>
-            <a:r>
-              <a:rPr lang="en-US" dirty="0"/>
-              <a:t>, black)</a:t>
-            </a:r>
-          </a:p>
-          <a:p>
-            <a:pPr lvl="4"/>
-            <a:r>
-              <a:rPr lang="en-US" dirty="0"/>
-              <a:t>Fifth level (Arial 10 </a:t>
             </a:r>
             <a:r>
               <a:rPr lang="en-US" dirty="0" err="1"/>
@@ -1552,7 +899,7 @@
         <p:spPr>
           <a:xfrm>
             <a:off x="8258142" y="884141"/>
-            <a:ext cx="3569227" cy="738664"/>
+            <a:ext cx="3569227" cy="461665"/>
           </a:xfrm>
           <a:prstGeom prst="rect">
             <a:avLst/>
@@ -1578,49 +925,6 @@
             </a:r>
           </a:p>
           <a:p>
-            <a:endParaRPr lang="en-GB" sz="600" b="1" dirty="0">
-              <a:solidFill>
-                <a:schemeClr val="accent4"/>
-              </a:solidFill>
-            </a:endParaRPr>
-          </a:p>
-          <a:p>
-            <a:pPr lvl="0">
-              <a:buSzPts val="1000"/>
-              <a:tabLst>
-                <a:tab pos="457200" algn="l"/>
-              </a:tabLst>
-            </a:pPr>
-            <a:r>
-              <a:rPr lang="en-GB" sz="1200" kern="0" dirty="0" err="1">
-                <a:solidFill>
-                  <a:schemeClr val="accent2"/>
-                </a:solidFill>
-                <a:effectLst/>
-                <a:latin typeface="Calibri" panose="020F0502020204030204" pitchFamily="34" charset="0"/>
-                <a:ea typeface="Times New Roman" panose="02020603050405020304" pitchFamily="18" charset="0"/>
-                <a:cs typeface="Calibri" panose="020F0502020204030204" pitchFamily="34" charset="0"/>
-              </a:rPr>
-              <a:t>Persona_pain_points</a:t>
-            </a:r>
-            <a:endParaRPr lang="en-GB" sz="1200" b="1" kern="100" dirty="0">
-              <a:solidFill>
-                <a:schemeClr val="accent2"/>
-              </a:solidFill>
-              <a:effectLst/>
-              <a:latin typeface="Calibri" panose="020F0502020204030204" pitchFamily="34" charset="0"/>
-              <a:ea typeface="Calibri" panose="020F0502020204030204" pitchFamily="34" charset="0"/>
-              <a:cs typeface="Calibri" panose="020F0502020204030204" pitchFamily="34" charset="0"/>
-            </a:endParaRPr>
-          </a:p>
-          <a:p>
-            <a:pPr marL="171450" indent="-171450">
-              <a:buClr>
-                <a:schemeClr val="bg1"/>
-              </a:buClr>
-              <a:buFont typeface="Arial" panose="020B0604020202020204" pitchFamily="34" charset="0"/>
-              <a:buChar char="•"/>
-            </a:pPr>
             <a:br>
               <a:rPr lang="en-GB" sz="400" dirty="0"/>
             </a:br>
@@ -1649,7 +953,7 @@
         <p:spPr>
           <a:xfrm>
             <a:off x="4357008" y="884141"/>
-            <a:ext cx="3661831" cy="800219"/>
+            <a:ext cx="3661831" cy="584775"/>
           </a:xfrm>
           <a:prstGeom prst="rect">
             <a:avLst/>
@@ -1673,12 +977,7 @@
               </a:rPr>
               <a:t>Unmet needs:</a:t>
             </a:r>
-          </a:p>
-          <a:p>
-            <a:pPr algn="just" defTabSz="609358">
-              <a:defRPr/>
-            </a:pPr>
-            <a:endParaRPr lang="en-US" sz="600" dirty="0">
+            <a:endParaRPr lang="en-US" sz="600" b="1" dirty="0">
               <a:solidFill>
                 <a:srgbClr val="000000"/>
               </a:solidFill>
@@ -1687,30 +986,11 @@
             </a:endParaRPr>
           </a:p>
           <a:p>
-            <a:r>
-              <a:rPr lang="en-GB" sz="1200" kern="100" dirty="0" err="1">
-                <a:solidFill>
-                  <a:schemeClr val="accent2"/>
-                </a:solidFill>
-                <a:effectLst/>
-                <a:latin typeface="Calibri" panose="020F0502020204030204" pitchFamily="34" charset="0"/>
-                <a:ea typeface="Calibri" panose="020F0502020204030204" pitchFamily="34" charset="0"/>
-                <a:cs typeface="Times New Roman" panose="02020603050405020304" pitchFamily="18" charset="0"/>
-              </a:rPr>
-              <a:t>Persona_unmet_needs</a:t>
-            </a:r>
-            <a:endParaRPr lang="en-GB" sz="1200" kern="100" dirty="0">
+            <a:endParaRPr lang="en-GB" sz="1600" b="1" dirty="0">
               <a:solidFill>
-                <a:schemeClr val="accent2"/>
+                <a:schemeClr val="bg1"/>
               </a:solidFill>
-              <a:effectLst/>
-              <a:latin typeface="Calibri" panose="020F0502020204030204" pitchFamily="34" charset="0"/>
-              <a:ea typeface="Calibri" panose="020F0502020204030204" pitchFamily="34" charset="0"/>
-              <a:cs typeface="Times New Roman" panose="02020603050405020304" pitchFamily="18" charset="0"/>
             </a:endParaRPr>
-          </a:p>
-          <a:p>
-            <a:endParaRPr lang="en-GB" sz="1200" dirty="0"/>
           </a:p>
         </p:txBody>
       </p:sp>
@@ -1738,7 +1018,9 @@
           </a:prstGeom>
           <a:ln w="9525">
             <a:solidFill>
-              <a:schemeClr val="accent6"/>
+              <a:schemeClr val="bg2">
+                <a:lumMod val="90000"/>
+              </a:schemeClr>
             </a:solidFill>
             <a:prstDash val="sysDot"/>
           </a:ln>
@@ -1783,7 +1065,9 @@
           </a:prstGeom>
           <a:ln w="9525">
             <a:solidFill>
-              <a:schemeClr val="accent6"/>
+              <a:schemeClr val="bg2">
+                <a:lumMod val="90000"/>
+              </a:schemeClr>
             </a:solidFill>
             <a:prstDash val="sysDot"/>
           </a:ln>
@@ -1819,7 +1103,7 @@
         <p:spPr>
           <a:xfrm>
             <a:off x="2073591" y="963653"/>
-            <a:ext cx="2026970" cy="1446550"/>
+            <a:ext cx="2026970" cy="1384995"/>
           </a:xfrm>
           <a:prstGeom prst="rect">
             <a:avLst/>
@@ -1859,18 +1143,9 @@
               </a:rPr>
               <a:t> </a:t>
             </a:r>
-            <a:r>
-              <a:rPr lang="en-GB" sz="1200" dirty="0" err="1">
-                <a:solidFill>
-                  <a:schemeClr val="accent2"/>
-                </a:solidFill>
-                <a:latin typeface="Calibri" panose="020F0502020204030204" pitchFamily="34" charset="0"/>
-                <a:ea typeface="Calibri" panose="020F0502020204030204" pitchFamily="34" charset="0"/>
-                <a:cs typeface="Calibri" panose="020F0502020204030204" pitchFamily="34" charset="0"/>
-              </a:rPr>
-              <a:t>Persona_name</a:t>
-            </a:r>
-            <a:endParaRPr lang="en-GB" sz="1200" dirty="0">
+          </a:p>
+          <a:p>
+            <a:endParaRPr lang="en-GB" sz="600" dirty="0">
               <a:solidFill>
                 <a:schemeClr val="accent2"/>
               </a:solidFill>
@@ -1905,19 +1180,9 @@
               </a:rPr>
               <a:t> </a:t>
             </a:r>
-            <a:r>
-              <a:rPr lang="en-GB" sz="1200" dirty="0" err="1">
-                <a:solidFill>
-                  <a:schemeClr val="accent2"/>
-                </a:solidFill>
-                <a:effectLst/>
-                <a:latin typeface="Calibri" panose="020F0502020204030204" pitchFamily="34" charset="0"/>
-                <a:ea typeface="Calibri" panose="020F0502020204030204" pitchFamily="34" charset="0"/>
-                <a:cs typeface="Calibri" panose="020F0502020204030204" pitchFamily="34" charset="0"/>
-              </a:rPr>
-              <a:t>Persona_age</a:t>
-            </a:r>
-            <a:endParaRPr lang="en-GB" sz="1200" dirty="0">
+          </a:p>
+          <a:p>
+            <a:endParaRPr lang="en-GB" sz="600" dirty="0">
               <a:solidFill>
                 <a:schemeClr val="accent2"/>
               </a:solidFill>
@@ -1940,19 +1205,9 @@
               </a:rPr>
               <a:t>Location: </a:t>
             </a:r>
-            <a:r>
-              <a:rPr lang="en-GB" sz="1200" dirty="0" err="1">
-                <a:solidFill>
-                  <a:schemeClr val="accent2"/>
-                </a:solidFill>
-                <a:effectLst/>
-                <a:latin typeface="Calibri" panose="020F0502020204030204" pitchFamily="34" charset="0"/>
-                <a:ea typeface="Calibri" panose="020F0502020204030204" pitchFamily="34" charset="0"/>
-                <a:cs typeface="Calibri" panose="020F0502020204030204" pitchFamily="34" charset="0"/>
-              </a:rPr>
-              <a:t>Persona_location</a:t>
-            </a:r>
-            <a:endParaRPr lang="en-GB" sz="1200" dirty="0">
+          </a:p>
+          <a:p>
+            <a:endParaRPr lang="en-GB" sz="600" dirty="0">
               <a:solidFill>
                 <a:schemeClr val="accent2"/>
               </a:solidFill>
@@ -1987,19 +1242,9 @@
               </a:rPr>
               <a:t> </a:t>
             </a:r>
-            <a:r>
-              <a:rPr lang="en-GB" sz="1200" dirty="0" err="1">
-                <a:solidFill>
-                  <a:schemeClr val="accent2"/>
-                </a:solidFill>
-                <a:effectLst/>
-                <a:latin typeface="Calibri" panose="020F0502020204030204" pitchFamily="34" charset="0"/>
-                <a:ea typeface="Calibri" panose="020F0502020204030204" pitchFamily="34" charset="0"/>
-                <a:cs typeface="Calibri" panose="020F0502020204030204" pitchFamily="34" charset="0"/>
-              </a:rPr>
-              <a:t>Persona_occupation</a:t>
-            </a:r>
-            <a:endParaRPr lang="en-GB" sz="1200" dirty="0">
+          </a:p>
+          <a:p>
+            <a:endParaRPr lang="en-GB" sz="600" dirty="0">
               <a:solidFill>
                 <a:schemeClr val="accent2"/>
               </a:solidFill>
@@ -2019,30 +1264,8 @@
                 <a:ea typeface="Calibri" panose="020F0502020204030204" pitchFamily="34" charset="0"/>
                 <a:cs typeface="Calibri" panose="020F0502020204030204" pitchFamily="34" charset="0"/>
               </a:rPr>
-              <a:t>Relationships: </a:t>
+              <a:t>Relationships:</a:t>
             </a:r>
-            <a:r>
-              <a:rPr lang="en-GB" sz="1200" dirty="0" err="1">
-                <a:solidFill>
-                  <a:schemeClr val="accent2"/>
-                </a:solidFill>
-                <a:latin typeface="Calibri" panose="020F0502020204030204" pitchFamily="34" charset="0"/>
-                <a:ea typeface="Calibri" panose="020F0502020204030204" pitchFamily="34" charset="0"/>
-                <a:cs typeface="Calibri" panose="020F0502020204030204" pitchFamily="34" charset="0"/>
-              </a:rPr>
-              <a:t>Persona_relationships</a:t>
-            </a:r>
-            <a:endParaRPr lang="en-GB" sz="1200" b="1" dirty="0">
-              <a:solidFill>
-                <a:schemeClr val="accent2"/>
-              </a:solidFill>
-              <a:effectLst/>
-              <a:latin typeface="Calibri" panose="020F0502020204030204" pitchFamily="34" charset="0"/>
-              <a:ea typeface="Calibri" panose="020F0502020204030204" pitchFamily="34" charset="0"/>
-              <a:cs typeface="Calibri" panose="020F0502020204030204" pitchFamily="34" charset="0"/>
-            </a:endParaRPr>
-          </a:p>
-          <a:p>
             <a:endParaRPr lang="en-GB" sz="400" dirty="0">
               <a:solidFill>
                 <a:schemeClr val="accent2"/>
@@ -2424,246 +1647,127 @@
       </p:grpSpPr>
       <p:sp>
         <p:nvSpPr>
-          <p:cNvPr id="2" name="Title Placeholder 1">
+          <p:cNvPr id="7" name="Title 1">
             <a:extLst>
               <a:ext uri="{FF2B5EF4-FFF2-40B4-BE49-F238E27FC236}">
-                <a16:creationId xmlns:a16="http://schemas.microsoft.com/office/drawing/2014/main" id="{B732CF50-066D-2DCC-8A6D-EF95DC7396BE}"/>
+                <a16:creationId xmlns:a16="http://schemas.microsoft.com/office/drawing/2014/main" id="{2E4089D1-EB69-16BB-ED58-2C55106A659F}"/>
               </a:ext>
             </a:extLst>
           </p:cNvPr>
-          <p:cNvSpPr>
-            <a:spLocks noGrp="1"/>
+          <p:cNvSpPr txBox="1">
+            <a:spLocks/>
           </p:cNvSpPr>
-          <p:nvPr>
-            <p:ph type="title"/>
-          </p:nvPr>
+          <p:nvPr userDrawn="1"/>
         </p:nvSpPr>
         <p:spPr>
           <a:xfrm>
-            <a:off x="838200" y="365125"/>
-            <a:ext cx="10512425" cy="1325563"/>
+            <a:off x="487767" y="118875"/>
+            <a:ext cx="11204324" cy="914400"/>
           </a:xfrm>
           <a:prstGeom prst="rect">
             <a:avLst/>
           </a:prstGeom>
         </p:spPr>
         <p:txBody>
-          <a:bodyPr vert="horz" lIns="91440" tIns="45720" rIns="91440" bIns="45720" rtlCol="0" anchor="ctr">
-            <a:normAutofit/>
+          <a:bodyPr lIns="0" tIns="0" rIns="0" bIns="0" anchor="ctr" anchorCtr="0">
+            <a:noAutofit/>
           </a:bodyPr>
-          <a:lstStyle/>
+          <a:lstStyle>
+            <a:lvl1pPr algn="l" defTabSz="914400" rtl="0" eaLnBrk="1" latinLnBrk="0" hangingPunct="1">
+              <a:lnSpc>
+                <a:spcPct val="85000"/>
+              </a:lnSpc>
+              <a:spcBef>
+                <a:spcPct val="0"/>
+              </a:spcBef>
+              <a:buNone/>
+              <a:defRPr sz="2665" b="1" kern="1200" spc="-120" baseline="0">
+                <a:solidFill>
+                  <a:schemeClr val="bg1"/>
+                </a:solidFill>
+                <a:latin typeface="+mj-lt"/>
+                <a:ea typeface="+mj-ea"/>
+                <a:cs typeface="+mj-cs"/>
+              </a:defRPr>
+            </a:lvl1pPr>
+          </a:lstStyle>
           <a:p>
             <a:r>
-              <a:rPr lang="en-GB"/>
-              <a:t>Click to edit Master title style</a:t>
+              <a:rPr lang="en-US"/>
+              <a:t>Click to edit header (Arial Bold 20 pt, black)</a:t>
             </a:r>
+            <a:endParaRPr lang="en-US" dirty="0"/>
           </a:p>
         </p:txBody>
       </p:sp>
-      <p:sp>
-        <p:nvSpPr>
-          <p:cNvPr id="3" name="Text Placeholder 2">
+      <p:cxnSp>
+        <p:nvCxnSpPr>
+          <p:cNvPr id="13" name="Straight Connector 12">
             <a:extLst>
               <a:ext uri="{FF2B5EF4-FFF2-40B4-BE49-F238E27FC236}">
-                <a16:creationId xmlns:a16="http://schemas.microsoft.com/office/drawing/2014/main" id="{1BCC8610-DB1C-0D93-351E-9D4133191E56}"/>
+                <a16:creationId xmlns:a16="http://schemas.microsoft.com/office/drawing/2014/main" id="{363F88C3-2F11-2759-130E-6A00B2ED5D7B}"/>
               </a:ext>
             </a:extLst>
           </p:cNvPr>
-          <p:cNvSpPr>
-            <a:spLocks noGrp="1"/>
-          </p:cNvSpPr>
-          <p:nvPr>
-            <p:ph type="body" idx="1"/>
-          </p:nvPr>
-        </p:nvSpPr>
+          <p:cNvCxnSpPr>
+            <a:cxnSpLocks/>
+          </p:cNvCxnSpPr>
+          <p:nvPr userDrawn="1"/>
+        </p:nvCxnSpPr>
         <p:spPr>
           <a:xfrm>
-            <a:off x="838200" y="1825625"/>
-            <a:ext cx="10512425" cy="4351338"/>
+            <a:off x="4213671" y="959705"/>
+            <a:ext cx="0" cy="5125787"/>
           </a:xfrm>
-          <a:prstGeom prst="rect">
+          <a:prstGeom prst="line">
             <a:avLst/>
           </a:prstGeom>
+          <a:noFill/>
+          <a:ln w="9525" cap="flat" cmpd="sng" algn="ctr">
+            <a:solidFill>
+              <a:schemeClr val="bg2">
+                <a:lumMod val="90000"/>
+              </a:schemeClr>
+            </a:solidFill>
+            <a:prstDash val="sysDot"/>
+          </a:ln>
+          <a:effectLst/>
         </p:spPr>
-        <p:txBody>
-          <a:bodyPr vert="horz" lIns="91440" tIns="45720" rIns="91440" bIns="45720" rtlCol="0">
-            <a:normAutofit/>
-          </a:bodyPr>
-          <a:lstStyle/>
-          <a:p>
-            <a:pPr lvl="0"/>
-            <a:r>
-              <a:rPr lang="en-GB"/>
-              <a:t>Click to edit Master text styles</a:t>
-            </a:r>
-          </a:p>
-          <a:p>
-            <a:pPr lvl="1"/>
-            <a:r>
-              <a:rPr lang="en-GB"/>
-              <a:t>Second level</a:t>
-            </a:r>
-          </a:p>
-          <a:p>
-            <a:pPr lvl="2"/>
-            <a:r>
-              <a:rPr lang="en-GB"/>
-              <a:t>Third level</a:t>
-            </a:r>
-          </a:p>
-          <a:p>
-            <a:pPr lvl="3"/>
-            <a:r>
-              <a:rPr lang="en-GB"/>
-              <a:t>Fourth level</a:t>
-            </a:r>
-          </a:p>
-          <a:p>
-            <a:pPr lvl="4"/>
-            <a:r>
-              <a:rPr lang="en-GB"/>
-              <a:t>Fifth level</a:t>
-            </a:r>
-          </a:p>
-        </p:txBody>
-      </p:sp>
-      <p:sp>
-        <p:nvSpPr>
-          <p:cNvPr id="4" name="Date Placeholder 3">
+      </p:cxnSp>
+      <p:cxnSp>
+        <p:nvCxnSpPr>
+          <p:cNvPr id="14" name="Straight Connector 13">
             <a:extLst>
               <a:ext uri="{FF2B5EF4-FFF2-40B4-BE49-F238E27FC236}">
-                <a16:creationId xmlns:a16="http://schemas.microsoft.com/office/drawing/2014/main" id="{7C1DD0F4-18A9-4396-D0D4-54D6F5FF95DC}"/>
+                <a16:creationId xmlns:a16="http://schemas.microsoft.com/office/drawing/2014/main" id="{5C99A441-07BF-2062-96F1-1B9CAD47C9F5}"/>
               </a:ext>
             </a:extLst>
           </p:cNvPr>
-          <p:cNvSpPr>
-            <a:spLocks noGrp="1"/>
-          </p:cNvSpPr>
-          <p:nvPr>
-            <p:ph type="dt" sz="half" idx="2"/>
-          </p:nvPr>
-        </p:nvSpPr>
+          <p:cNvCxnSpPr>
+            <a:cxnSpLocks/>
+          </p:cNvCxnSpPr>
+          <p:nvPr userDrawn="1"/>
+        </p:nvCxnSpPr>
         <p:spPr>
           <a:xfrm>
-            <a:off x="838200" y="6356350"/>
-            <a:ext cx="2741613" cy="365125"/>
+            <a:off x="8088257" y="959705"/>
+            <a:ext cx="0" cy="5125787"/>
           </a:xfrm>
-          <a:prstGeom prst="rect">
+          <a:prstGeom prst="line">
             <a:avLst/>
           </a:prstGeom>
+          <a:noFill/>
+          <a:ln w="9525" cap="flat" cmpd="sng" algn="ctr">
+            <a:solidFill>
+              <a:schemeClr val="bg2">
+                <a:lumMod val="90000"/>
+              </a:schemeClr>
+            </a:solidFill>
+            <a:prstDash val="sysDot"/>
+          </a:ln>
+          <a:effectLst/>
         </p:spPr>
-        <p:txBody>
-          <a:bodyPr vert="horz" lIns="91440" tIns="45720" rIns="91440" bIns="45720" rtlCol="0" anchor="ctr"/>
-          <a:lstStyle>
-            <a:lvl1pPr algn="l">
-              <a:defRPr sz="1200">
-                <a:solidFill>
-                  <a:schemeClr val="tx1">
-                    <a:tint val="82000"/>
-                  </a:schemeClr>
-                </a:solidFill>
-              </a:defRPr>
-            </a:lvl1pPr>
-          </a:lstStyle>
-          <a:p>
-            <a:fld id="{7A45EE8E-4AA8-D849-9090-E8C66407B40A}" type="datetimeFigureOut">
-              <a:rPr lang="en-GB" smtClean="0"/>
-              <a:t>25/08/2024</a:t>
-            </a:fld>
-            <a:endParaRPr lang="en-GB"/>
-          </a:p>
-        </p:txBody>
-      </p:sp>
-      <p:sp>
-        <p:nvSpPr>
-          <p:cNvPr id="5" name="Footer Placeholder 4">
-            <a:extLst>
-              <a:ext uri="{FF2B5EF4-FFF2-40B4-BE49-F238E27FC236}">
-                <a16:creationId xmlns:a16="http://schemas.microsoft.com/office/drawing/2014/main" id="{625BFDA8-AAB9-E361-2744-F400A35183BA}"/>
-              </a:ext>
-            </a:extLst>
-          </p:cNvPr>
-          <p:cNvSpPr>
-            <a:spLocks noGrp="1"/>
-          </p:cNvSpPr>
-          <p:nvPr>
-            <p:ph type="ftr" sz="quarter" idx="3"/>
-          </p:nvPr>
-        </p:nvSpPr>
-        <p:spPr>
-          <a:xfrm>
-            <a:off x="4037013" y="6356350"/>
-            <a:ext cx="4114800" cy="365125"/>
-          </a:xfrm>
-          <a:prstGeom prst="rect">
-            <a:avLst/>
-          </a:prstGeom>
-        </p:spPr>
-        <p:txBody>
-          <a:bodyPr vert="horz" lIns="91440" tIns="45720" rIns="91440" bIns="45720" rtlCol="0" anchor="ctr"/>
-          <a:lstStyle>
-            <a:lvl1pPr algn="ctr">
-              <a:defRPr sz="1200">
-                <a:solidFill>
-                  <a:schemeClr val="tx1">
-                    <a:tint val="82000"/>
-                  </a:schemeClr>
-                </a:solidFill>
-              </a:defRPr>
-            </a:lvl1pPr>
-          </a:lstStyle>
-          <a:p>
-            <a:endParaRPr lang="en-GB"/>
-          </a:p>
-        </p:txBody>
-      </p:sp>
-      <p:sp>
-        <p:nvSpPr>
-          <p:cNvPr id="6" name="Slide Number Placeholder 5">
-            <a:extLst>
-              <a:ext uri="{FF2B5EF4-FFF2-40B4-BE49-F238E27FC236}">
-                <a16:creationId xmlns:a16="http://schemas.microsoft.com/office/drawing/2014/main" id="{5F6E0D1C-DCC5-01B8-0949-F4AA45AE2715}"/>
-              </a:ext>
-            </a:extLst>
-          </p:cNvPr>
-          <p:cNvSpPr>
-            <a:spLocks noGrp="1"/>
-          </p:cNvSpPr>
-          <p:nvPr>
-            <p:ph type="sldNum" sz="quarter" idx="4"/>
-          </p:nvPr>
-        </p:nvSpPr>
-        <p:spPr>
-          <a:xfrm>
-            <a:off x="8609013" y="6356350"/>
-            <a:ext cx="2741612" cy="365125"/>
-          </a:xfrm>
-          <a:prstGeom prst="rect">
-            <a:avLst/>
-          </a:prstGeom>
-        </p:spPr>
-        <p:txBody>
-          <a:bodyPr vert="horz" lIns="91440" tIns="45720" rIns="91440" bIns="45720" rtlCol="0" anchor="ctr"/>
-          <a:lstStyle>
-            <a:lvl1pPr algn="r">
-              <a:defRPr sz="1200">
-                <a:solidFill>
-                  <a:schemeClr val="tx1">
-                    <a:tint val="82000"/>
-                  </a:schemeClr>
-                </a:solidFill>
-              </a:defRPr>
-            </a:lvl1pPr>
-          </a:lstStyle>
-          <a:p>
-            <a:fld id="{E7E2E2C8-4CB7-7049-BE48-9BAADBED21B9}" type="slidenum">
-              <a:rPr lang="en-GB" smtClean="0"/>
-              <a:t>‹#›</a:t>
-            </a:fld>
-            <a:endParaRPr lang="en-GB"/>
-          </a:p>
-        </p:txBody>
-      </p:sp>
+      </p:cxnSp>
     </p:spTree>
     <p:extLst>
       <p:ext uri="{BB962C8B-B14F-4D97-AF65-F5344CB8AC3E}">
@@ -2974,244 +2078,10 @@
       </p:grpSpPr>
       <p:sp>
         <p:nvSpPr>
-          <p:cNvPr id="6" name="Rectangle 5">
-            <a:extLst>
-              <a:ext uri="{FF2B5EF4-FFF2-40B4-BE49-F238E27FC236}">
-                <a16:creationId xmlns:a16="http://schemas.microsoft.com/office/drawing/2014/main" id="{2C723050-D450-D15E-178A-FEACB8C7E325}"/>
-              </a:ext>
-            </a:extLst>
-          </p:cNvPr>
-          <p:cNvSpPr/>
-          <p:nvPr/>
-        </p:nvSpPr>
-        <p:spPr>
-          <a:xfrm>
-            <a:off x="361456" y="1033275"/>
-            <a:ext cx="1637465" cy="1638000"/>
-          </a:xfrm>
-          <a:prstGeom prst="rect">
-            <a:avLst/>
-          </a:prstGeom>
-          <a:noFill/>
-          <a:ln>
-            <a:solidFill>
-              <a:schemeClr val="bg2"/>
-            </a:solidFill>
-          </a:ln>
-          <a:effectLst/>
-        </p:spPr>
-        <p:style>
-          <a:lnRef idx="1">
-            <a:schemeClr val="accent1"/>
-          </a:lnRef>
-          <a:fillRef idx="3">
-            <a:schemeClr val="accent1"/>
-          </a:fillRef>
-          <a:effectRef idx="2">
-            <a:schemeClr val="accent1"/>
-          </a:effectRef>
-          <a:fontRef idx="minor">
-            <a:schemeClr val="lt1"/>
-          </a:fontRef>
-        </p:style>
-        <p:txBody>
-          <a:bodyPr lIns="0" tIns="0" rIns="0" bIns="0" rtlCol="0" anchor="ctr">
-            <a:normAutofit/>
-          </a:bodyPr>
-          <a:lstStyle/>
-          <a:p>
-            <a:pPr algn="ctr"/>
-            <a:endParaRPr lang="en-GB" dirty="0" err="1">
-              <a:solidFill>
-                <a:schemeClr val="tx2"/>
-              </a:solidFill>
-            </a:endParaRPr>
-          </a:p>
-        </p:txBody>
-      </p:sp>
-      <p:sp>
-        <p:nvSpPr>
-          <p:cNvPr id="47" name="TextBox 46">
-            <a:extLst>
-              <a:ext uri="{FF2B5EF4-FFF2-40B4-BE49-F238E27FC236}">
-                <a16:creationId xmlns:a16="http://schemas.microsoft.com/office/drawing/2014/main" id="{A99E3FA3-B253-244B-9DA2-052CF8783420}"/>
-              </a:ext>
-            </a:extLst>
-          </p:cNvPr>
-          <p:cNvSpPr txBox="1"/>
-          <p:nvPr/>
-        </p:nvSpPr>
-        <p:spPr>
-          <a:xfrm>
-            <a:off x="8258142" y="884141"/>
-            <a:ext cx="3569227" cy="738664"/>
-          </a:xfrm>
-          <a:prstGeom prst="rect">
-            <a:avLst/>
-          </a:prstGeom>
-          <a:noFill/>
-          <a:ln>
-            <a:noFill/>
-          </a:ln>
-        </p:spPr>
-        <p:txBody>
-          <a:bodyPr wrap="square" rtlCol="0">
-            <a:spAutoFit/>
-          </a:bodyPr>
-          <a:lstStyle/>
-          <a:p>
-            <a:r>
-              <a:rPr lang="en-GB" sz="1600" b="1" dirty="0">
-                <a:solidFill>
-                  <a:schemeClr val="bg1"/>
-                </a:solidFill>
-              </a:rPr>
-              <a:t>Pain-points and frustrations:</a:t>
-            </a:r>
-          </a:p>
-          <a:p>
-            <a:endParaRPr lang="en-GB" sz="600" b="1" dirty="0">
-              <a:solidFill>
-                <a:schemeClr val="accent4"/>
-              </a:solidFill>
-            </a:endParaRPr>
-          </a:p>
-          <a:p>
-            <a:pPr lvl="0">
-              <a:buSzPts val="1000"/>
-              <a:tabLst>
-                <a:tab pos="457200" algn="l"/>
-              </a:tabLst>
-            </a:pPr>
-            <a:r>
-              <a:rPr lang="en-GB" sz="1200" kern="0" dirty="0" err="1">
-                <a:solidFill>
-                  <a:schemeClr val="accent2"/>
-                </a:solidFill>
-                <a:effectLst/>
-                <a:latin typeface="Calibri" panose="020F0502020204030204" pitchFamily="34" charset="0"/>
-                <a:ea typeface="Times New Roman" panose="02020603050405020304" pitchFamily="18" charset="0"/>
-                <a:cs typeface="Calibri" panose="020F0502020204030204" pitchFamily="34" charset="0"/>
-              </a:rPr>
-              <a:t>Persona_pain_points</a:t>
-            </a:r>
-            <a:endParaRPr lang="en-GB" sz="1200" b="1" kern="100" dirty="0">
-              <a:solidFill>
-                <a:schemeClr val="accent2"/>
-              </a:solidFill>
-              <a:effectLst/>
-              <a:latin typeface="Calibri" panose="020F0502020204030204" pitchFamily="34" charset="0"/>
-              <a:ea typeface="Calibri" panose="020F0502020204030204" pitchFamily="34" charset="0"/>
-              <a:cs typeface="Calibri" panose="020F0502020204030204" pitchFamily="34" charset="0"/>
-            </a:endParaRPr>
-          </a:p>
-          <a:p>
-            <a:pPr marL="171450" indent="-171450">
-              <a:buClr>
-                <a:schemeClr val="bg1"/>
-              </a:buClr>
-              <a:buFont typeface="Arial" panose="020B0604020202020204" pitchFamily="34" charset="0"/>
-              <a:buChar char="•"/>
-            </a:pPr>
-            <a:br>
-              <a:rPr lang="en-GB" sz="400" dirty="0"/>
-            </a:br>
-            <a:endParaRPr lang="en-GB" sz="400" dirty="0">
-              <a:solidFill>
-                <a:schemeClr val="accent2"/>
-              </a:solidFill>
-              <a:latin typeface="Arial" panose="020B0604020202020204" pitchFamily="34" charset="0"/>
-              <a:cs typeface="Arial" panose="020B0604020202020204" pitchFamily="34" charset="0"/>
-            </a:endParaRPr>
-          </a:p>
-        </p:txBody>
-      </p:sp>
-      <p:sp>
-        <p:nvSpPr>
-          <p:cNvPr id="46" name="TextBox 45">
-            <a:extLst>
-              <a:ext uri="{FF2B5EF4-FFF2-40B4-BE49-F238E27FC236}">
-                <a16:creationId xmlns:a16="http://schemas.microsoft.com/office/drawing/2014/main" id="{3D6F976F-8EBE-5840-8378-C1F6C07C002E}"/>
-              </a:ext>
-            </a:extLst>
-          </p:cNvPr>
-          <p:cNvSpPr txBox="1"/>
-          <p:nvPr/>
-        </p:nvSpPr>
-        <p:spPr>
-          <a:xfrm>
-            <a:off x="4357008" y="884141"/>
-            <a:ext cx="3661831" cy="800219"/>
-          </a:xfrm>
-          <a:prstGeom prst="rect">
-            <a:avLst/>
-          </a:prstGeom>
-          <a:noFill/>
-          <a:ln>
-            <a:noFill/>
-          </a:ln>
-        </p:spPr>
-        <p:txBody>
-          <a:bodyPr wrap="square" rtlCol="0">
-            <a:spAutoFit/>
-          </a:bodyPr>
-          <a:lstStyle/>
-          <a:p>
-            <a:r>
-              <a:rPr lang="en-GB" sz="1600" b="1" dirty="0">
-                <a:solidFill>
-                  <a:schemeClr val="bg1"/>
-                </a:solidFill>
-              </a:rPr>
-              <a:t>Unmet needs:</a:t>
-            </a:r>
-          </a:p>
-          <a:p>
-            <a:pPr algn="just" defTabSz="609358">
-              <a:defRPr/>
-            </a:pPr>
-            <a:endParaRPr lang="en-US" sz="600" dirty="0">
-              <a:solidFill>
-                <a:srgbClr val="000000"/>
-              </a:solidFill>
-              <a:latin typeface="Arial" panose="020B0604020202020204" pitchFamily="34" charset="0"/>
-              <a:cs typeface="Arial" panose="020B0604020202020204" pitchFamily="34" charset="0"/>
-            </a:endParaRPr>
-          </a:p>
-          <a:p>
-            <a:r>
-              <a:rPr lang="en-GB" sz="1200" kern="100" dirty="0" err="1">
-                <a:solidFill>
-                  <a:schemeClr val="accent2"/>
-                </a:solidFill>
-                <a:effectLst/>
-                <a:latin typeface="Calibri" panose="020F0502020204030204" pitchFamily="34" charset="0"/>
-                <a:ea typeface="Calibri" panose="020F0502020204030204" pitchFamily="34" charset="0"/>
-                <a:cs typeface="Times New Roman" panose="02020603050405020304" pitchFamily="18" charset="0"/>
-              </a:rPr>
-              <a:t>Persona_unmet_needs</a:t>
-            </a:r>
-            <a:endParaRPr lang="en-GB" sz="1200" kern="100" dirty="0">
-              <a:solidFill>
-                <a:schemeClr val="accent2"/>
-              </a:solidFill>
-              <a:effectLst/>
-              <a:latin typeface="Calibri" panose="020F0502020204030204" pitchFamily="34" charset="0"/>
-              <a:ea typeface="Calibri" panose="020F0502020204030204" pitchFamily="34" charset="0"/>
-              <a:cs typeface="Times New Roman" panose="02020603050405020304" pitchFamily="18" charset="0"/>
-            </a:endParaRPr>
-          </a:p>
-          <a:p>
-            <a:endParaRPr lang="en-GB" sz="1200" dirty="0"/>
-          </a:p>
-        </p:txBody>
-      </p:sp>
-      <p:sp>
-        <p:nvSpPr>
           <p:cNvPr id="2" name="Title 1">
             <a:extLst>
               <a:ext uri="{FF2B5EF4-FFF2-40B4-BE49-F238E27FC236}">
-                <a16:creationId xmlns:a16="http://schemas.microsoft.com/office/drawing/2014/main" id="{D037966B-53E5-A94D-BD41-AB5566565BEF}"/>
+                <a16:creationId xmlns:a16="http://schemas.microsoft.com/office/drawing/2014/main" id="{09D75B50-EBEC-C16B-23DC-B222A906AD28}"/>
               </a:ext>
             </a:extLst>
           </p:cNvPr>
@@ -3235,102 +2105,12 @@
           </a:p>
         </p:txBody>
       </p:sp>
-      <p:cxnSp>
-        <p:nvCxnSpPr>
-          <p:cNvPr id="42" name="Straight Connector 41">
+      <p:sp>
+        <p:nvSpPr>
+          <p:cNvPr id="5" name="TextBox 4">
             <a:extLst>
               <a:ext uri="{FF2B5EF4-FFF2-40B4-BE49-F238E27FC236}">
-                <a16:creationId xmlns:a16="http://schemas.microsoft.com/office/drawing/2014/main" id="{B89B16BC-3F99-4441-82AC-43031144F899}"/>
-              </a:ext>
-            </a:extLst>
-          </p:cNvPr>
-          <p:cNvCxnSpPr>
-            <a:cxnSpLocks/>
-          </p:cNvCxnSpPr>
-          <p:nvPr/>
-        </p:nvCxnSpPr>
-        <p:spPr>
-          <a:xfrm>
-            <a:off x="4213671" y="959705"/>
-            <a:ext cx="0" cy="5125787"/>
-          </a:xfrm>
-          <a:prstGeom prst="line">
-            <a:avLst/>
-          </a:prstGeom>
-          <a:ln w="9525">
-            <a:solidFill>
-              <a:schemeClr val="accent6"/>
-            </a:solidFill>
-            <a:prstDash val="sysDot"/>
-          </a:ln>
-          <a:effectLst/>
-        </p:spPr>
-        <p:style>
-          <a:lnRef idx="2">
-            <a:schemeClr val="accent1"/>
-          </a:lnRef>
-          <a:fillRef idx="0">
-            <a:schemeClr val="accent1"/>
-          </a:fillRef>
-          <a:effectRef idx="1">
-            <a:schemeClr val="accent1"/>
-          </a:effectRef>
-          <a:fontRef idx="minor">
-            <a:schemeClr val="tx1"/>
-          </a:fontRef>
-        </p:style>
-      </p:cxnSp>
-      <p:cxnSp>
-        <p:nvCxnSpPr>
-          <p:cNvPr id="43" name="Straight Connector 42">
-            <a:extLst>
-              <a:ext uri="{FF2B5EF4-FFF2-40B4-BE49-F238E27FC236}">
-                <a16:creationId xmlns:a16="http://schemas.microsoft.com/office/drawing/2014/main" id="{98B231FE-9CD0-C341-A36E-B5C6807BDBFD}"/>
-              </a:ext>
-            </a:extLst>
-          </p:cNvPr>
-          <p:cNvCxnSpPr>
-            <a:cxnSpLocks/>
-          </p:cNvCxnSpPr>
-          <p:nvPr/>
-        </p:nvCxnSpPr>
-        <p:spPr>
-          <a:xfrm>
-            <a:off x="8088257" y="959705"/>
-            <a:ext cx="0" cy="5125787"/>
-          </a:xfrm>
-          <a:prstGeom prst="line">
-            <a:avLst/>
-          </a:prstGeom>
-          <a:ln w="9525">
-            <a:solidFill>
-              <a:schemeClr val="accent6"/>
-            </a:solidFill>
-            <a:prstDash val="sysDot"/>
-          </a:ln>
-          <a:effectLst/>
-        </p:spPr>
-        <p:style>
-          <a:lnRef idx="2">
-            <a:schemeClr val="accent1"/>
-          </a:lnRef>
-          <a:fillRef idx="0">
-            <a:schemeClr val="accent1"/>
-          </a:fillRef>
-          <a:effectRef idx="1">
-            <a:schemeClr val="accent1"/>
-          </a:effectRef>
-          <a:fontRef idx="minor">
-            <a:schemeClr val="tx1"/>
-          </a:fontRef>
-        </p:style>
-      </p:cxnSp>
-      <p:sp>
-        <p:nvSpPr>
-          <p:cNvPr id="44" name="TextBox 43">
-            <a:extLst>
-              <a:ext uri="{FF2B5EF4-FFF2-40B4-BE49-F238E27FC236}">
-                <a16:creationId xmlns:a16="http://schemas.microsoft.com/office/drawing/2014/main" id="{A99F9928-6345-9241-BB31-947AF135B00E}"/>
+                <a16:creationId xmlns:a16="http://schemas.microsoft.com/office/drawing/2014/main" id="{F8FCC046-9B7C-AECF-69D3-9FF636CFDFB4}"/>
               </a:ext>
             </a:extLst>
           </p:cNvPr>
@@ -3339,338 +2119,8 @@
         </p:nvSpPr>
         <p:spPr>
           <a:xfrm>
-            <a:off x="2073591" y="963653"/>
-            <a:ext cx="2026970" cy="1446550"/>
-          </a:xfrm>
-          <a:prstGeom prst="rect">
-            <a:avLst/>
-          </a:prstGeom>
-          <a:noFill/>
-          <a:ln>
-            <a:noFill/>
-          </a:ln>
-        </p:spPr>
-        <p:txBody>
-          <a:bodyPr wrap="square" rtlCol="0">
-            <a:spAutoFit/>
-          </a:bodyPr>
-          <a:lstStyle/>
-          <a:p>
-            <a:r>
-              <a:rPr lang="en-GB" sz="1200" b="1" dirty="0">
-                <a:solidFill>
-                  <a:schemeClr val="accent2"/>
-                </a:solidFill>
-                <a:effectLst/>
-                <a:latin typeface="Calibri" panose="020F0502020204030204" pitchFamily="34" charset="0"/>
-                <a:ea typeface="Calibri" panose="020F0502020204030204" pitchFamily="34" charset="0"/>
-                <a:cs typeface="Calibri" panose="020F0502020204030204" pitchFamily="34" charset="0"/>
-              </a:rPr>
-              <a:t>Name:</a:t>
-            </a:r>
-            <a:r>
-              <a:rPr lang="en-GB" sz="1200" dirty="0">
-                <a:solidFill>
-                  <a:schemeClr val="accent2"/>
-                </a:solidFill>
-                <a:effectLst/>
-                <a:latin typeface="Calibri" panose="020F0502020204030204" pitchFamily="34" charset="0"/>
-                <a:ea typeface="Calibri" panose="020F0502020204030204" pitchFamily="34" charset="0"/>
-                <a:cs typeface="Calibri" panose="020F0502020204030204" pitchFamily="34" charset="0"/>
-              </a:rPr>
-              <a:t> </a:t>
-            </a:r>
-            <a:r>
-              <a:rPr lang="en-GB" sz="1200" dirty="0" err="1">
-                <a:solidFill>
-                  <a:schemeClr val="accent2"/>
-                </a:solidFill>
-                <a:latin typeface="Calibri" panose="020F0502020204030204" pitchFamily="34" charset="0"/>
-                <a:ea typeface="Calibri" panose="020F0502020204030204" pitchFamily="34" charset="0"/>
-                <a:cs typeface="Calibri" panose="020F0502020204030204" pitchFamily="34" charset="0"/>
-              </a:rPr>
-              <a:t>Persona_name</a:t>
-            </a:r>
-            <a:endParaRPr lang="en-GB" sz="1200" dirty="0">
-              <a:solidFill>
-                <a:schemeClr val="accent2"/>
-              </a:solidFill>
-              <a:effectLst/>
-              <a:latin typeface="Calibri" panose="020F0502020204030204" pitchFamily="34" charset="0"/>
-              <a:ea typeface="Calibri" panose="020F0502020204030204" pitchFamily="34" charset="0"/>
-              <a:cs typeface="Calibri" panose="020F0502020204030204" pitchFamily="34" charset="0"/>
-            </a:endParaRPr>
-          </a:p>
-          <a:p>
-            <a:r>
-              <a:rPr lang="en-GB" sz="1200" b="1" dirty="0">
-                <a:solidFill>
-                  <a:schemeClr val="accent2"/>
-                </a:solidFill>
-                <a:effectLst/>
-                <a:latin typeface="Calibri" panose="020F0502020204030204" pitchFamily="34" charset="0"/>
-                <a:ea typeface="Calibri" panose="020F0502020204030204" pitchFamily="34" charset="0"/>
-                <a:cs typeface="Calibri" panose="020F0502020204030204" pitchFamily="34" charset="0"/>
-              </a:rPr>
-              <a:t>Age:</a:t>
-            </a:r>
-            <a:r>
-              <a:rPr lang="en-GB" sz="1200" dirty="0">
-                <a:solidFill>
-                  <a:schemeClr val="accent2"/>
-                </a:solidFill>
-                <a:effectLst/>
-                <a:latin typeface="Calibri" panose="020F0502020204030204" pitchFamily="34" charset="0"/>
-                <a:ea typeface="Calibri" panose="020F0502020204030204" pitchFamily="34" charset="0"/>
-                <a:cs typeface="Calibri" panose="020F0502020204030204" pitchFamily="34" charset="0"/>
-              </a:rPr>
-              <a:t> </a:t>
-            </a:r>
-            <a:r>
-              <a:rPr lang="en-GB" sz="1200" dirty="0" err="1">
-                <a:solidFill>
-                  <a:schemeClr val="accent2"/>
-                </a:solidFill>
-                <a:effectLst/>
-                <a:latin typeface="Calibri" panose="020F0502020204030204" pitchFamily="34" charset="0"/>
-                <a:ea typeface="Calibri" panose="020F0502020204030204" pitchFamily="34" charset="0"/>
-                <a:cs typeface="Calibri" panose="020F0502020204030204" pitchFamily="34" charset="0"/>
-              </a:rPr>
-              <a:t>Persona_age</a:t>
-            </a:r>
-            <a:endParaRPr lang="en-GB" sz="1200" dirty="0">
-              <a:solidFill>
-                <a:schemeClr val="accent2"/>
-              </a:solidFill>
-              <a:effectLst/>
-              <a:latin typeface="Calibri" panose="020F0502020204030204" pitchFamily="34" charset="0"/>
-              <a:ea typeface="Calibri" panose="020F0502020204030204" pitchFamily="34" charset="0"/>
-              <a:cs typeface="Calibri" panose="020F0502020204030204" pitchFamily="34" charset="0"/>
-            </a:endParaRPr>
-          </a:p>
-          <a:p>
-            <a:r>
-              <a:rPr lang="en-GB" sz="1200" b="1" dirty="0">
-                <a:solidFill>
-                  <a:schemeClr val="accent2"/>
-                </a:solidFill>
-                <a:effectLst/>
-                <a:latin typeface="Calibri" panose="020F0502020204030204" pitchFamily="34" charset="0"/>
-                <a:ea typeface="Calibri" panose="020F0502020204030204" pitchFamily="34" charset="0"/>
-                <a:cs typeface="Calibri" panose="020F0502020204030204" pitchFamily="34" charset="0"/>
-              </a:rPr>
-              <a:t>Location: </a:t>
-            </a:r>
-            <a:r>
-              <a:rPr lang="en-GB" sz="1200" dirty="0" err="1">
-                <a:solidFill>
-                  <a:schemeClr val="accent2"/>
-                </a:solidFill>
-                <a:effectLst/>
-                <a:latin typeface="Calibri" panose="020F0502020204030204" pitchFamily="34" charset="0"/>
-                <a:ea typeface="Calibri" panose="020F0502020204030204" pitchFamily="34" charset="0"/>
-                <a:cs typeface="Calibri" panose="020F0502020204030204" pitchFamily="34" charset="0"/>
-              </a:rPr>
-              <a:t>Persona_location</a:t>
-            </a:r>
-            <a:endParaRPr lang="en-GB" sz="1200" dirty="0">
-              <a:solidFill>
-                <a:schemeClr val="accent2"/>
-              </a:solidFill>
-              <a:effectLst/>
-              <a:latin typeface="Calibri" panose="020F0502020204030204" pitchFamily="34" charset="0"/>
-              <a:ea typeface="Calibri" panose="020F0502020204030204" pitchFamily="34" charset="0"/>
-              <a:cs typeface="Calibri" panose="020F0502020204030204" pitchFamily="34" charset="0"/>
-            </a:endParaRPr>
-          </a:p>
-          <a:p>
-            <a:r>
-              <a:rPr lang="en-GB" sz="1200" b="1" dirty="0">
-                <a:solidFill>
-                  <a:schemeClr val="accent2"/>
-                </a:solidFill>
-                <a:effectLst/>
-                <a:latin typeface="Calibri" panose="020F0502020204030204" pitchFamily="34" charset="0"/>
-                <a:ea typeface="Calibri" panose="020F0502020204030204" pitchFamily="34" charset="0"/>
-                <a:cs typeface="Calibri" panose="020F0502020204030204" pitchFamily="34" charset="0"/>
-              </a:rPr>
-              <a:t>Occupation:</a:t>
-            </a:r>
-            <a:r>
-              <a:rPr lang="en-GB" sz="1200" dirty="0">
-                <a:solidFill>
-                  <a:schemeClr val="accent2"/>
-                </a:solidFill>
-                <a:effectLst/>
-                <a:latin typeface="Calibri" panose="020F0502020204030204" pitchFamily="34" charset="0"/>
-                <a:ea typeface="Calibri" panose="020F0502020204030204" pitchFamily="34" charset="0"/>
-                <a:cs typeface="Calibri" panose="020F0502020204030204" pitchFamily="34" charset="0"/>
-              </a:rPr>
-              <a:t> </a:t>
-            </a:r>
-            <a:r>
-              <a:rPr lang="en-GB" sz="1200" dirty="0" err="1">
-                <a:solidFill>
-                  <a:schemeClr val="accent2"/>
-                </a:solidFill>
-                <a:effectLst/>
-                <a:latin typeface="Calibri" panose="020F0502020204030204" pitchFamily="34" charset="0"/>
-                <a:ea typeface="Calibri" panose="020F0502020204030204" pitchFamily="34" charset="0"/>
-                <a:cs typeface="Calibri" panose="020F0502020204030204" pitchFamily="34" charset="0"/>
-              </a:rPr>
-              <a:t>Persona_occupation</a:t>
-            </a:r>
-            <a:endParaRPr lang="en-GB" sz="1200" dirty="0">
-              <a:solidFill>
-                <a:schemeClr val="accent2"/>
-              </a:solidFill>
-              <a:effectLst/>
-              <a:latin typeface="Calibri" panose="020F0502020204030204" pitchFamily="34" charset="0"/>
-              <a:ea typeface="Calibri" panose="020F0502020204030204" pitchFamily="34" charset="0"/>
-              <a:cs typeface="Calibri" panose="020F0502020204030204" pitchFamily="34" charset="0"/>
-            </a:endParaRPr>
-          </a:p>
-          <a:p>
-            <a:r>
-              <a:rPr lang="en-GB" sz="1200" b="1" dirty="0">
-                <a:solidFill>
-                  <a:schemeClr val="accent2"/>
-                </a:solidFill>
-                <a:latin typeface="Calibri" panose="020F0502020204030204" pitchFamily="34" charset="0"/>
-                <a:ea typeface="Calibri" panose="020F0502020204030204" pitchFamily="34" charset="0"/>
-                <a:cs typeface="Calibri" panose="020F0502020204030204" pitchFamily="34" charset="0"/>
-              </a:rPr>
-              <a:t>Relationships: </a:t>
-            </a:r>
-            <a:r>
-              <a:rPr lang="en-GB" sz="1200" dirty="0" err="1">
-                <a:solidFill>
-                  <a:schemeClr val="accent2"/>
-                </a:solidFill>
-                <a:latin typeface="Calibri" panose="020F0502020204030204" pitchFamily="34" charset="0"/>
-                <a:ea typeface="Calibri" panose="020F0502020204030204" pitchFamily="34" charset="0"/>
-                <a:cs typeface="Calibri" panose="020F0502020204030204" pitchFamily="34" charset="0"/>
-              </a:rPr>
-              <a:t>Persona_relationships</a:t>
-            </a:r>
-            <a:endParaRPr lang="en-GB" sz="1200" b="1" dirty="0">
-              <a:solidFill>
-                <a:schemeClr val="accent2"/>
-              </a:solidFill>
-              <a:effectLst/>
-              <a:latin typeface="Calibri" panose="020F0502020204030204" pitchFamily="34" charset="0"/>
-              <a:ea typeface="Calibri" panose="020F0502020204030204" pitchFamily="34" charset="0"/>
-              <a:cs typeface="Calibri" panose="020F0502020204030204" pitchFamily="34" charset="0"/>
-            </a:endParaRPr>
-          </a:p>
-          <a:p>
-            <a:endParaRPr lang="en-GB" sz="400" dirty="0">
-              <a:solidFill>
-                <a:schemeClr val="accent2"/>
-              </a:solidFill>
-              <a:effectLst/>
-              <a:latin typeface="Calibri" panose="020F0502020204030204" pitchFamily="34" charset="0"/>
-              <a:ea typeface="Calibri" panose="020F0502020204030204" pitchFamily="34" charset="0"/>
-              <a:cs typeface="Calibri" panose="020F0502020204030204" pitchFamily="34" charset="0"/>
-            </a:endParaRPr>
-          </a:p>
-        </p:txBody>
-      </p:sp>
-      <p:sp>
-        <p:nvSpPr>
-          <p:cNvPr id="3" name="TextBox 2">
-            <a:extLst>
-              <a:ext uri="{FF2B5EF4-FFF2-40B4-BE49-F238E27FC236}">
-                <a16:creationId xmlns:a16="http://schemas.microsoft.com/office/drawing/2014/main" id="{2440B462-A5B2-DBE2-9E01-95CAC30239E3}"/>
-              </a:ext>
-            </a:extLst>
-          </p:cNvPr>
-          <p:cNvSpPr txBox="1"/>
-          <p:nvPr/>
-        </p:nvSpPr>
-        <p:spPr>
-          <a:xfrm>
-            <a:off x="260585" y="2754893"/>
-            <a:ext cx="3953085" cy="707886"/>
-          </a:xfrm>
-          <a:prstGeom prst="rect">
-            <a:avLst/>
-          </a:prstGeom>
-          <a:noFill/>
-          <a:ln>
-            <a:noFill/>
-          </a:ln>
-        </p:spPr>
-        <p:txBody>
-          <a:bodyPr wrap="square" rtlCol="0">
-            <a:spAutoFit/>
-          </a:bodyPr>
-          <a:lstStyle/>
-          <a:p>
-            <a:endParaRPr lang="en-GB" sz="600" dirty="0"/>
-          </a:p>
-          <a:p>
-            <a:r>
-              <a:rPr lang="en-GB" sz="1600" b="1" dirty="0">
-                <a:solidFill>
-                  <a:schemeClr val="bg1"/>
-                </a:solidFill>
-              </a:rPr>
-              <a:t>Mindset: </a:t>
-            </a:r>
-          </a:p>
-          <a:p>
-            <a:pPr>
-              <a:buClr>
-                <a:schemeClr val="accent1"/>
-              </a:buClr>
-            </a:pPr>
-            <a:endParaRPr lang="en-GB" sz="600" dirty="0">
-              <a:solidFill>
-                <a:srgbClr val="7030A0"/>
-              </a:solidFill>
-            </a:endParaRPr>
-          </a:p>
-          <a:p>
-            <a:pPr algn="l"/>
-            <a:r>
-              <a:rPr lang="en-GB" sz="1200" b="0" i="0" dirty="0" err="1">
-                <a:solidFill>
-                  <a:schemeClr val="accent2"/>
-                </a:solidFill>
-                <a:effectLst/>
-                <a:latin typeface="Calibri" panose="020F0502020204030204" pitchFamily="34" charset="0"/>
-                <a:cs typeface="Calibri" panose="020F0502020204030204" pitchFamily="34" charset="0"/>
-              </a:rPr>
-              <a:t>Persona_mindset</a:t>
-            </a:r>
-            <a:endParaRPr lang="en-GB" sz="1200" b="0" i="0" dirty="0">
-              <a:solidFill>
-                <a:schemeClr val="accent2"/>
-              </a:solidFill>
-              <a:effectLst/>
-              <a:latin typeface="Calibri" panose="020F0502020204030204" pitchFamily="34" charset="0"/>
-              <a:cs typeface="Calibri" panose="020F0502020204030204" pitchFamily="34" charset="0"/>
-            </a:endParaRPr>
-          </a:p>
-        </p:txBody>
-      </p:sp>
-      <p:sp>
-        <p:nvSpPr>
-          <p:cNvPr id="7" name="TextBox 6">
-            <a:extLst>
-              <a:ext uri="{FF2B5EF4-FFF2-40B4-BE49-F238E27FC236}">
-                <a16:creationId xmlns:a16="http://schemas.microsoft.com/office/drawing/2014/main" id="{70283A94-15DA-AE6C-7A64-43E9DB7AE348}"/>
-              </a:ext>
-            </a:extLst>
-          </p:cNvPr>
-          <p:cNvSpPr txBox="1"/>
-          <p:nvPr/>
-        </p:nvSpPr>
-        <p:spPr>
-          <a:xfrm>
-            <a:off x="361456" y="1033275"/>
-            <a:ext cx="1568799" cy="271418"/>
+            <a:off x="2532262" y="962547"/>
+            <a:ext cx="1566099" cy="276999"/>
           </a:xfrm>
           <a:prstGeom prst="rect">
             <a:avLst/>
@@ -3684,17 +2134,385 @@
           <a:lstStyle/>
           <a:p>
             <a:r>
-              <a:rPr lang="en-GB" sz="1100" dirty="0" err="1"/>
-              <a:t>Image_prompt</a:t>
+              <a:rPr lang="en-GB" sz="1200" dirty="0" err="1">
+                <a:solidFill>
+                  <a:schemeClr val="accent2"/>
+                </a:solidFill>
+                <a:latin typeface="Calibri" panose="020F0502020204030204" pitchFamily="34" charset="0"/>
+                <a:cs typeface="Calibri" panose="020F0502020204030204" pitchFamily="34" charset="0"/>
+              </a:rPr>
+              <a:t>Persona_name</a:t>
             </a:r>
-            <a:endParaRPr lang="en-GB" sz="1100" dirty="0"/>
+            <a:endParaRPr lang="en-GB" sz="1200" dirty="0">
+              <a:solidFill>
+                <a:schemeClr val="accent2"/>
+              </a:solidFill>
+              <a:latin typeface="Calibri" panose="020F0502020204030204" pitchFamily="34" charset="0"/>
+              <a:cs typeface="Calibri" panose="020F0502020204030204" pitchFamily="34" charset="0"/>
+            </a:endParaRPr>
+          </a:p>
+        </p:txBody>
+      </p:sp>
+      <p:sp>
+        <p:nvSpPr>
+          <p:cNvPr id="6" name="TextBox 5">
+            <a:extLst>
+              <a:ext uri="{FF2B5EF4-FFF2-40B4-BE49-F238E27FC236}">
+                <a16:creationId xmlns:a16="http://schemas.microsoft.com/office/drawing/2014/main" id="{6B329B34-4FAF-8F4E-C025-C47D29419048}"/>
+              </a:ext>
+            </a:extLst>
+          </p:cNvPr>
+          <p:cNvSpPr txBox="1"/>
+          <p:nvPr/>
+        </p:nvSpPr>
+        <p:spPr>
+          <a:xfrm>
+            <a:off x="2383451" y="1224771"/>
+            <a:ext cx="1566099" cy="276999"/>
+          </a:xfrm>
+          <a:prstGeom prst="rect">
+            <a:avLst/>
+          </a:prstGeom>
+          <a:noFill/>
+        </p:spPr>
+        <p:txBody>
+          <a:bodyPr wrap="square" rtlCol="0">
+            <a:spAutoFit/>
+          </a:bodyPr>
+          <a:lstStyle/>
+          <a:p>
+            <a:r>
+              <a:rPr lang="en-GB" sz="1200" dirty="0" err="1">
+                <a:solidFill>
+                  <a:schemeClr val="accent2"/>
+                </a:solidFill>
+                <a:latin typeface="Calibri" panose="020F0502020204030204" pitchFamily="34" charset="0"/>
+                <a:cs typeface="Calibri" panose="020F0502020204030204" pitchFamily="34" charset="0"/>
+              </a:rPr>
+              <a:t>Persona_age</a:t>
+            </a:r>
+            <a:endParaRPr lang="en-GB" sz="1200" dirty="0">
+              <a:solidFill>
+                <a:schemeClr val="accent2"/>
+              </a:solidFill>
+              <a:latin typeface="Calibri" panose="020F0502020204030204" pitchFamily="34" charset="0"/>
+              <a:cs typeface="Calibri" panose="020F0502020204030204" pitchFamily="34" charset="0"/>
+            </a:endParaRPr>
+          </a:p>
+        </p:txBody>
+      </p:sp>
+      <p:sp>
+        <p:nvSpPr>
+          <p:cNvPr id="7" name="TextBox 6">
+            <a:extLst>
+              <a:ext uri="{FF2B5EF4-FFF2-40B4-BE49-F238E27FC236}">
+                <a16:creationId xmlns:a16="http://schemas.microsoft.com/office/drawing/2014/main" id="{48C55D70-E22C-49BD-06D6-677561706B9C}"/>
+              </a:ext>
+            </a:extLst>
+          </p:cNvPr>
+          <p:cNvSpPr txBox="1"/>
+          <p:nvPr/>
+        </p:nvSpPr>
+        <p:spPr>
+          <a:xfrm>
+            <a:off x="2674161" y="1516850"/>
+            <a:ext cx="1566099" cy="276999"/>
+          </a:xfrm>
+          <a:prstGeom prst="rect">
+            <a:avLst/>
+          </a:prstGeom>
+          <a:noFill/>
+        </p:spPr>
+        <p:txBody>
+          <a:bodyPr wrap="square" rtlCol="0">
+            <a:spAutoFit/>
+          </a:bodyPr>
+          <a:lstStyle/>
+          <a:p>
+            <a:r>
+              <a:rPr lang="en-GB" sz="1200" dirty="0" err="1">
+                <a:solidFill>
+                  <a:schemeClr val="accent2"/>
+                </a:solidFill>
+                <a:latin typeface="Calibri" panose="020F0502020204030204" pitchFamily="34" charset="0"/>
+                <a:cs typeface="Calibri" panose="020F0502020204030204" pitchFamily="34" charset="0"/>
+              </a:rPr>
+              <a:t>Persona_location</a:t>
+            </a:r>
+            <a:endParaRPr lang="en-GB" sz="1200" dirty="0">
+              <a:solidFill>
+                <a:schemeClr val="accent2"/>
+              </a:solidFill>
+              <a:latin typeface="Calibri" panose="020F0502020204030204" pitchFamily="34" charset="0"/>
+              <a:cs typeface="Calibri" panose="020F0502020204030204" pitchFamily="34" charset="0"/>
+            </a:endParaRPr>
+          </a:p>
+        </p:txBody>
+      </p:sp>
+      <p:sp>
+        <p:nvSpPr>
+          <p:cNvPr id="8" name="TextBox 7">
+            <a:extLst>
+              <a:ext uri="{FF2B5EF4-FFF2-40B4-BE49-F238E27FC236}">
+                <a16:creationId xmlns:a16="http://schemas.microsoft.com/office/drawing/2014/main" id="{328ACF5A-9358-8923-E6E5-844732D10480}"/>
+              </a:ext>
+            </a:extLst>
+          </p:cNvPr>
+          <p:cNvSpPr txBox="1"/>
+          <p:nvPr/>
+        </p:nvSpPr>
+        <p:spPr>
+          <a:xfrm>
+            <a:off x="2856872" y="1779076"/>
+            <a:ext cx="1492843" cy="276999"/>
+          </a:xfrm>
+          <a:prstGeom prst="rect">
+            <a:avLst/>
+          </a:prstGeom>
+          <a:noFill/>
+        </p:spPr>
+        <p:txBody>
+          <a:bodyPr wrap="square" rtlCol="0">
+            <a:spAutoFit/>
+          </a:bodyPr>
+          <a:lstStyle/>
+          <a:p>
+            <a:r>
+              <a:rPr lang="en-GB" sz="1200" dirty="0" err="1">
+                <a:solidFill>
+                  <a:schemeClr val="accent2"/>
+                </a:solidFill>
+                <a:latin typeface="Calibri" panose="020F0502020204030204" pitchFamily="34" charset="0"/>
+                <a:cs typeface="Calibri" panose="020F0502020204030204" pitchFamily="34" charset="0"/>
+              </a:rPr>
+              <a:t>Persona_occupation</a:t>
+            </a:r>
+            <a:endParaRPr lang="en-GB" sz="1200" dirty="0">
+              <a:solidFill>
+                <a:schemeClr val="accent2"/>
+              </a:solidFill>
+              <a:latin typeface="Calibri" panose="020F0502020204030204" pitchFamily="34" charset="0"/>
+              <a:cs typeface="Calibri" panose="020F0502020204030204" pitchFamily="34" charset="0"/>
+            </a:endParaRPr>
+          </a:p>
+        </p:txBody>
+      </p:sp>
+      <p:sp>
+        <p:nvSpPr>
+          <p:cNvPr id="9" name="TextBox 8">
+            <a:extLst>
+              <a:ext uri="{FF2B5EF4-FFF2-40B4-BE49-F238E27FC236}">
+                <a16:creationId xmlns:a16="http://schemas.microsoft.com/office/drawing/2014/main" id="{4F9BEC47-8304-4BF7-220B-46FD8E195A1B}"/>
+              </a:ext>
+            </a:extLst>
+          </p:cNvPr>
+          <p:cNvSpPr txBox="1"/>
+          <p:nvPr/>
+        </p:nvSpPr>
+        <p:spPr>
+          <a:xfrm>
+            <a:off x="2072322" y="2218784"/>
+            <a:ext cx="1648611" cy="276999"/>
+          </a:xfrm>
+          <a:prstGeom prst="rect">
+            <a:avLst/>
+          </a:prstGeom>
+          <a:noFill/>
+        </p:spPr>
+        <p:txBody>
+          <a:bodyPr wrap="square" rtlCol="0">
+            <a:spAutoFit/>
+          </a:bodyPr>
+          <a:lstStyle/>
+          <a:p>
+            <a:r>
+              <a:rPr lang="en-GB" sz="1200" dirty="0" err="1">
+                <a:solidFill>
+                  <a:schemeClr val="accent2"/>
+                </a:solidFill>
+                <a:latin typeface="Calibri" panose="020F0502020204030204" pitchFamily="34" charset="0"/>
+                <a:cs typeface="Calibri" panose="020F0502020204030204" pitchFamily="34" charset="0"/>
+              </a:rPr>
+              <a:t>Persona_relationships</a:t>
+            </a:r>
+            <a:endParaRPr lang="en-GB" sz="1200" dirty="0">
+              <a:solidFill>
+                <a:schemeClr val="accent2"/>
+              </a:solidFill>
+              <a:latin typeface="Calibri" panose="020F0502020204030204" pitchFamily="34" charset="0"/>
+              <a:cs typeface="Calibri" panose="020F0502020204030204" pitchFamily="34" charset="0"/>
+            </a:endParaRPr>
+          </a:p>
+        </p:txBody>
+      </p:sp>
+      <p:sp>
+        <p:nvSpPr>
+          <p:cNvPr id="10" name="TextBox 9">
+            <a:extLst>
+              <a:ext uri="{FF2B5EF4-FFF2-40B4-BE49-F238E27FC236}">
+                <a16:creationId xmlns:a16="http://schemas.microsoft.com/office/drawing/2014/main" id="{BDBAAB95-1C21-1F39-6F6A-EDFCF3264BB8}"/>
+              </a:ext>
+            </a:extLst>
+          </p:cNvPr>
+          <p:cNvSpPr txBox="1"/>
+          <p:nvPr/>
+        </p:nvSpPr>
+        <p:spPr>
+          <a:xfrm>
+            <a:off x="261862" y="3086789"/>
+            <a:ext cx="3911035" cy="276999"/>
+          </a:xfrm>
+          <a:prstGeom prst="rect">
+            <a:avLst/>
+          </a:prstGeom>
+          <a:noFill/>
+        </p:spPr>
+        <p:txBody>
+          <a:bodyPr wrap="square" rtlCol="0">
+            <a:spAutoFit/>
+          </a:bodyPr>
+          <a:lstStyle/>
+          <a:p>
+            <a:r>
+              <a:rPr lang="en-GB" sz="1200" dirty="0" err="1">
+                <a:solidFill>
+                  <a:schemeClr val="accent2"/>
+                </a:solidFill>
+                <a:latin typeface="Calibri" panose="020F0502020204030204" pitchFamily="34" charset="0"/>
+                <a:cs typeface="Calibri" panose="020F0502020204030204" pitchFamily="34" charset="0"/>
+              </a:rPr>
+              <a:t>State_</a:t>
+            </a:r>
+            <a:r>
+              <a:rPr lang="en-GB" sz="1200" err="1">
+                <a:solidFill>
+                  <a:schemeClr val="accent2"/>
+                </a:solidFill>
+                <a:latin typeface="Calibri" panose="020F0502020204030204" pitchFamily="34" charset="0"/>
+                <a:cs typeface="Calibri" panose="020F0502020204030204" pitchFamily="34" charset="0"/>
+              </a:rPr>
+              <a:t>of</a:t>
+            </a:r>
+            <a:r>
+              <a:rPr lang="en-GB" sz="1200">
+                <a:solidFill>
+                  <a:schemeClr val="accent2"/>
+                </a:solidFill>
+                <a:latin typeface="Calibri" panose="020F0502020204030204" pitchFamily="34" charset="0"/>
+                <a:cs typeface="Calibri" panose="020F0502020204030204" pitchFamily="34" charset="0"/>
+              </a:rPr>
+              <a:t>_mind</a:t>
+            </a:r>
+            <a:endParaRPr lang="en-GB" sz="1200" dirty="0">
+              <a:solidFill>
+                <a:schemeClr val="accent2"/>
+              </a:solidFill>
+              <a:latin typeface="Calibri" panose="020F0502020204030204" pitchFamily="34" charset="0"/>
+              <a:cs typeface="Calibri" panose="020F0502020204030204" pitchFamily="34" charset="0"/>
+            </a:endParaRPr>
+          </a:p>
+        </p:txBody>
+      </p:sp>
+      <p:sp>
+        <p:nvSpPr>
+          <p:cNvPr id="11" name="TextBox 10">
+            <a:extLst>
+              <a:ext uri="{FF2B5EF4-FFF2-40B4-BE49-F238E27FC236}">
+                <a16:creationId xmlns:a16="http://schemas.microsoft.com/office/drawing/2014/main" id="{44178D20-68EA-C5CF-895F-3572AEC05E5B}"/>
+              </a:ext>
+            </a:extLst>
+          </p:cNvPr>
+          <p:cNvSpPr txBox="1"/>
+          <p:nvPr/>
+        </p:nvSpPr>
+        <p:spPr>
+          <a:xfrm>
+            <a:off x="4375819" y="1135155"/>
+            <a:ext cx="3572747" cy="287103"/>
+          </a:xfrm>
+          <a:prstGeom prst="rect">
+            <a:avLst/>
+          </a:prstGeom>
+          <a:noFill/>
+        </p:spPr>
+        <p:txBody>
+          <a:bodyPr wrap="square" rtlCol="0">
+            <a:spAutoFit/>
+          </a:bodyPr>
+          <a:lstStyle/>
+          <a:p>
+            <a:r>
+              <a:rPr lang="en-GB" sz="1200" dirty="0" err="1">
+                <a:solidFill>
+                  <a:schemeClr val="accent2"/>
+                </a:solidFill>
+                <a:latin typeface="Calibri" panose="020F0502020204030204" pitchFamily="34" charset="0"/>
+                <a:cs typeface="Calibri" panose="020F0502020204030204" pitchFamily="34" charset="0"/>
+              </a:rPr>
+              <a:t>Persona_unmet_needs</a:t>
+            </a:r>
+            <a:endParaRPr lang="en-GB" sz="1200" dirty="0">
+              <a:solidFill>
+                <a:schemeClr val="accent2"/>
+              </a:solidFill>
+              <a:latin typeface="Calibri" panose="020F0502020204030204" pitchFamily="34" charset="0"/>
+              <a:cs typeface="Calibri" panose="020F0502020204030204" pitchFamily="34" charset="0"/>
+            </a:endParaRPr>
+          </a:p>
+        </p:txBody>
+      </p:sp>
+      <p:sp>
+        <p:nvSpPr>
+          <p:cNvPr id="12" name="TextBox 11">
+            <a:extLst>
+              <a:ext uri="{FF2B5EF4-FFF2-40B4-BE49-F238E27FC236}">
+                <a16:creationId xmlns:a16="http://schemas.microsoft.com/office/drawing/2014/main" id="{F9D90B32-42E3-D744-6B70-E31435FA9093}"/>
+              </a:ext>
+            </a:extLst>
+          </p:cNvPr>
+          <p:cNvSpPr txBox="1"/>
+          <p:nvPr/>
+        </p:nvSpPr>
+        <p:spPr>
+          <a:xfrm>
+            <a:off x="8282508" y="1135155"/>
+            <a:ext cx="3572747" cy="287103"/>
+          </a:xfrm>
+          <a:prstGeom prst="rect">
+            <a:avLst/>
+          </a:prstGeom>
+          <a:noFill/>
+        </p:spPr>
+        <p:txBody>
+          <a:bodyPr wrap="square" rtlCol="0">
+            <a:spAutoFit/>
+          </a:bodyPr>
+          <a:lstStyle/>
+          <a:p>
+            <a:r>
+              <a:rPr lang="en-GB" sz="1200" dirty="0" err="1">
+                <a:solidFill>
+                  <a:schemeClr val="accent2"/>
+                </a:solidFill>
+                <a:latin typeface="Calibri" panose="020F0502020204030204" pitchFamily="34" charset="0"/>
+                <a:cs typeface="Calibri" panose="020F0502020204030204" pitchFamily="34" charset="0"/>
+              </a:rPr>
+              <a:t>Persona_pain_points</a:t>
+            </a:r>
+            <a:endParaRPr lang="en-GB" sz="1200" dirty="0">
+              <a:solidFill>
+                <a:schemeClr val="accent2"/>
+              </a:solidFill>
+              <a:latin typeface="Calibri" panose="020F0502020204030204" pitchFamily="34" charset="0"/>
+              <a:cs typeface="Calibri" panose="020F0502020204030204" pitchFamily="34" charset="0"/>
+            </a:endParaRPr>
           </a:p>
         </p:txBody>
       </p:sp>
     </p:spTree>
     <p:extLst>
       <p:ext uri="{BB962C8B-B14F-4D97-AF65-F5344CB8AC3E}">
-        <p14:creationId xmlns:p14="http://schemas.microsoft.com/office/powerpoint/2010/main" val="1101563866"/>
+        <p14:creationId xmlns:p14="http://schemas.microsoft.com/office/powerpoint/2010/main" val="4040681455"/>
       </p:ext>
     </p:extLst>
   </p:cSld>

--- a/Persona_template.pptx
+++ b/Persona_template.pptx
@@ -187,6 +187,7 @@
 <file path=ppt/revisionInfo.xml><?xml version="1.0" encoding="utf-8"?>
 <p1510:revInfo xmlns:a="http://schemas.openxmlformats.org/drawingml/2006/main" xmlns:r="http://schemas.openxmlformats.org/officeDocument/2006/relationships" xmlns:p1510="http://schemas.microsoft.com/office/powerpoint/2015/10/main">
   <p1510:revLst>
+    <p1510:client id="{3A096E5F-2BEB-4542-B21C-F620833EE570}" v="2" dt="2024-08-25T11:26:29.676"/>
     <p1510:client id="{67D13D8E-CF8E-0E45-9D45-F0F8E01BD2DD}" v="22" dt="2024-08-25T10:43:41.940"/>
   </p1510:revLst>
 </p1510:revInfo>
@@ -196,13 +197,13 @@
 <pc:chgInfo xmlns:a="http://schemas.openxmlformats.org/drawingml/2006/main" xmlns:r="http://schemas.openxmlformats.org/officeDocument/2006/relationships" xmlns:ac="http://schemas.microsoft.com/office/drawing/2013/main/command" xmlns:pc="http://schemas.microsoft.com/office/powerpoint/2013/main/command">
   <pc:docChgLst>
     <pc:chgData name="Arbour, Duncan" userId="f8c76c83-f09a-4702-8a60-e00215c8b89f" providerId="ADAL" clId="{3A096E5F-2BEB-4542-B21C-F620833EE570}"/>
-    <pc:docChg chg="modSld modMainMaster">
-      <pc:chgData name="Arbour, Duncan" userId="f8c76c83-f09a-4702-8a60-e00215c8b89f" providerId="ADAL" clId="{3A096E5F-2BEB-4542-B21C-F620833EE570}" dt="2024-08-25T11:11:22.156" v="93" actId="20577"/>
+    <pc:docChg chg="custSel modSld modMainMaster">
+      <pc:chgData name="Arbour, Duncan" userId="f8c76c83-f09a-4702-8a60-e00215c8b89f" providerId="ADAL" clId="{3A096E5F-2BEB-4542-B21C-F620833EE570}" dt="2024-08-25T11:26:29.676" v="104"/>
       <pc:docMkLst>
         <pc:docMk/>
       </pc:docMkLst>
       <pc:sldChg chg="modSp mod">
-        <pc:chgData name="Arbour, Duncan" userId="f8c76c83-f09a-4702-8a60-e00215c8b89f" providerId="ADAL" clId="{3A096E5F-2BEB-4542-B21C-F620833EE570}" dt="2024-08-25T11:11:22.156" v="93" actId="20577"/>
+        <pc:chgData name="Arbour, Duncan" userId="f8c76c83-f09a-4702-8a60-e00215c8b89f" providerId="ADAL" clId="{3A096E5F-2BEB-4542-B21C-F620833EE570}" dt="2024-08-25T11:25:09.705" v="100" actId="1035"/>
         <pc:sldMkLst>
           <pc:docMk/>
           <pc:sldMk cId="4040681455" sldId="2124817325"/>
@@ -216,7 +217,7 @@
           </ac:spMkLst>
         </pc:spChg>
         <pc:spChg chg="mod">
-          <ac:chgData name="Arbour, Duncan" userId="f8c76c83-f09a-4702-8a60-e00215c8b89f" providerId="ADAL" clId="{3A096E5F-2BEB-4542-B21C-F620833EE570}" dt="2024-08-25T10:49:22.620" v="60" actId="1036"/>
+          <ac:chgData name="Arbour, Duncan" userId="f8c76c83-f09a-4702-8a60-e00215c8b89f" providerId="ADAL" clId="{3A096E5F-2BEB-4542-B21C-F620833EE570}" dt="2024-08-25T11:25:09.705" v="100" actId="1035"/>
           <ac:spMkLst>
             <pc:docMk/>
             <pc:sldMk cId="4040681455" sldId="2124817325"/>
@@ -224,7 +225,7 @@
           </ac:spMkLst>
         </pc:spChg>
         <pc:spChg chg="mod">
-          <ac:chgData name="Arbour, Duncan" userId="f8c76c83-f09a-4702-8a60-e00215c8b89f" providerId="ADAL" clId="{3A096E5F-2BEB-4542-B21C-F620833EE570}" dt="2024-08-25T11:11:10.278" v="74" actId="1036"/>
+          <ac:chgData name="Arbour, Duncan" userId="f8c76c83-f09a-4702-8a60-e00215c8b89f" providerId="ADAL" clId="{3A096E5F-2BEB-4542-B21C-F620833EE570}" dt="2024-08-25T11:24:58.519" v="94" actId="1035"/>
           <ac:spMkLst>
             <pc:docMk/>
             <pc:sldMk cId="4040681455" sldId="2124817325"/>
@@ -232,7 +233,7 @@
           </ac:spMkLst>
         </pc:spChg>
         <pc:spChg chg="mod">
-          <ac:chgData name="Arbour, Duncan" userId="f8c76c83-f09a-4702-8a60-e00215c8b89f" providerId="ADAL" clId="{3A096E5F-2BEB-4542-B21C-F620833EE570}" dt="2024-08-25T10:49:02.078" v="36" actId="1036"/>
+          <ac:chgData name="Arbour, Duncan" userId="f8c76c83-f09a-4702-8a60-e00215c8b89f" providerId="ADAL" clId="{3A096E5F-2BEB-4542-B21C-F620833EE570}" dt="2024-08-25T11:25:03.086" v="95" actId="1036"/>
           <ac:spMkLst>
             <pc:docMk/>
             <pc:sldMk cId="4040681455" sldId="2124817325"/>
@@ -256,12 +257,28 @@
           </ac:spMkLst>
         </pc:spChg>
       </pc:sldChg>
-      <pc:sldMasterChg chg="modSp mod">
-        <pc:chgData name="Arbour, Duncan" userId="f8c76c83-f09a-4702-8a60-e00215c8b89f" providerId="ADAL" clId="{3A096E5F-2BEB-4542-B21C-F620833EE570}" dt="2024-08-25T10:48:20.528" v="7" actId="255"/>
+      <pc:sldMasterChg chg="addSp delSp modSp mod modSldLayout">
+        <pc:chgData name="Arbour, Duncan" userId="f8c76c83-f09a-4702-8a60-e00215c8b89f" providerId="ADAL" clId="{3A096E5F-2BEB-4542-B21C-F620833EE570}" dt="2024-08-25T11:26:29.676" v="104"/>
         <pc:sldMasterMkLst>
           <pc:docMk/>
           <pc:sldMasterMk cId="1552088819" sldId="2147484720"/>
         </pc:sldMasterMkLst>
+        <pc:spChg chg="del">
+          <ac:chgData name="Arbour, Duncan" userId="f8c76c83-f09a-4702-8a60-e00215c8b89f" providerId="ADAL" clId="{3A096E5F-2BEB-4542-B21C-F620833EE570}" dt="2024-08-25T11:26:06.821" v="102" actId="478"/>
+          <ac:spMkLst>
+            <pc:docMk/>
+            <pc:sldMasterMk cId="1552088819" sldId="2147484720"/>
+            <ac:spMk id="2" creationId="{00A0DF0A-3CF6-27A7-E4E6-782FA06CD032}"/>
+          </ac:spMkLst>
+        </pc:spChg>
+        <pc:spChg chg="add mod">
+          <ac:chgData name="Arbour, Duncan" userId="f8c76c83-f09a-4702-8a60-e00215c8b89f" providerId="ADAL" clId="{3A096E5F-2BEB-4542-B21C-F620833EE570}" dt="2024-08-25T11:26:29.676" v="104"/>
+          <ac:spMkLst>
+            <pc:docMk/>
+            <pc:sldMasterMk cId="1552088819" sldId="2147484720"/>
+            <ac:spMk id="5" creationId="{45DB60A0-BCF0-0EFE-E812-51735AEF36A7}"/>
+          </ac:spMkLst>
+        </pc:spChg>
         <pc:spChg chg="mod">
           <ac:chgData name="Arbour, Duncan" userId="f8c76c83-f09a-4702-8a60-e00215c8b89f" providerId="ADAL" clId="{3A096E5F-2BEB-4542-B21C-F620833EE570}" dt="2024-08-25T10:48:20.528" v="7" actId="255"/>
           <ac:spMkLst>
@@ -270,6 +287,31 @@
             <ac:spMk id="8" creationId="{600B1FC4-44C0-45A7-5C9E-5B81EF499521}"/>
           </ac:spMkLst>
         </pc:spChg>
+        <pc:spChg chg="del">
+          <ac:chgData name="Arbour, Duncan" userId="f8c76c83-f09a-4702-8a60-e00215c8b89f" providerId="ADAL" clId="{3A096E5F-2BEB-4542-B21C-F620833EE570}" dt="2024-08-25T11:25:36.975" v="101" actId="478"/>
+          <ac:spMkLst>
+            <pc:docMk/>
+            <pc:sldMasterMk cId="1552088819" sldId="2147484720"/>
+            <ac:spMk id="10" creationId="{F4D9A45A-D5EE-5940-B5ED-9EDD9DBF6001}"/>
+          </ac:spMkLst>
+        </pc:spChg>
+        <pc:sldLayoutChg chg="addSp modSp">
+          <pc:chgData name="Arbour, Duncan" userId="f8c76c83-f09a-4702-8a60-e00215c8b89f" providerId="ADAL" clId="{3A096E5F-2BEB-4542-B21C-F620833EE570}" dt="2024-08-25T11:26:09.536" v="103"/>
+          <pc:sldLayoutMkLst>
+            <pc:docMk/>
+            <pc:sldMasterMk cId="1552088819" sldId="2147484720"/>
+            <pc:sldLayoutMk cId="3015777350" sldId="2147484722"/>
+          </pc:sldLayoutMkLst>
+          <pc:spChg chg="add mod">
+            <ac:chgData name="Arbour, Duncan" userId="f8c76c83-f09a-4702-8a60-e00215c8b89f" providerId="ADAL" clId="{3A096E5F-2BEB-4542-B21C-F620833EE570}" dt="2024-08-25T11:26:09.536" v="103"/>
+            <ac:spMkLst>
+              <pc:docMk/>
+              <pc:sldMasterMk cId="1552088819" sldId="2147484720"/>
+              <pc:sldLayoutMk cId="3015777350" sldId="2147484722"/>
+              <ac:spMk id="3" creationId="{7BB73234-96EC-058C-BE88-627D1B5D25A5}"/>
+            </ac:spMkLst>
+          </pc:spChg>
+        </pc:sldLayoutChg>
       </pc:sldMasterChg>
     </pc:docChg>
   </pc:docChgLst>
@@ -789,50 +831,12 @@
           </a:p>
         </p:txBody>
       </p:sp>
-    </p:spTree>
-    <p:extLst>
-      <p:ext uri="{BB962C8B-B14F-4D97-AF65-F5344CB8AC3E}">
-        <p14:creationId xmlns:p14="http://schemas.microsoft.com/office/powerpoint/2010/main" val="3015777350"/>
-      </p:ext>
-    </p:extLst>
-  </p:cSld>
-  <p:clrMapOvr>
-    <a:masterClrMapping/>
-  </p:clrMapOvr>
-</p:sldLayout>
-</file>
-
-<file path=ppt/slideMasters/slideMaster1.xml><?xml version="1.0" encoding="utf-8"?>
-<p:sldMaster xmlns:a="http://schemas.openxmlformats.org/drawingml/2006/main" xmlns:r="http://schemas.openxmlformats.org/officeDocument/2006/relationships" xmlns:p="http://schemas.openxmlformats.org/presentationml/2006/main" preserve="1">
-  <p:cSld>
-    <p:bg>
-      <p:bgPr>
-        <a:solidFill>
-          <a:schemeClr val="tx2"/>
-        </a:solidFill>
-        <a:effectLst/>
-      </p:bgPr>
-    </p:bg>
-    <p:spTree>
-      <p:nvGrpSpPr>
-        <p:cNvPr id="1" name=""/>
-        <p:cNvGrpSpPr/>
-        <p:nvPr/>
-      </p:nvGrpSpPr>
-      <p:grpSpPr>
-        <a:xfrm>
-          <a:off x="0" y="0"/>
-          <a:ext cx="0" cy="0"/>
-          <a:chOff x="0" y="0"/>
-          <a:chExt cx="0" cy="0"/>
-        </a:xfrm>
-      </p:grpSpPr>
       <p:sp>
         <p:nvSpPr>
-          <p:cNvPr id="2" name="Rectangle 1">
+          <p:cNvPr id="3" name="Rectangle 2">
             <a:extLst>
               <a:ext uri="{FF2B5EF4-FFF2-40B4-BE49-F238E27FC236}">
-                <a16:creationId xmlns:a16="http://schemas.microsoft.com/office/drawing/2014/main" id="{00A0DF0A-3CF6-27A7-E4E6-782FA06CD032}"/>
+                <a16:creationId xmlns:a16="http://schemas.microsoft.com/office/drawing/2014/main" id="{7BB73234-96EC-058C-BE88-627D1B5D25A5}"/>
               </a:ext>
             </a:extLst>
           </p:cNvPr>
@@ -884,6 +888,44 @@
           </a:p>
         </p:txBody>
       </p:sp>
+    </p:spTree>
+    <p:extLst>
+      <p:ext uri="{BB962C8B-B14F-4D97-AF65-F5344CB8AC3E}">
+        <p14:creationId xmlns:p14="http://schemas.microsoft.com/office/powerpoint/2010/main" val="3015777350"/>
+      </p:ext>
+    </p:extLst>
+  </p:cSld>
+  <p:clrMapOvr>
+    <a:masterClrMapping/>
+  </p:clrMapOvr>
+</p:sldLayout>
+</file>
+
+<file path=ppt/slideMasters/slideMaster1.xml><?xml version="1.0" encoding="utf-8"?>
+<p:sldMaster xmlns:a="http://schemas.openxmlformats.org/drawingml/2006/main" xmlns:r="http://schemas.openxmlformats.org/officeDocument/2006/relationships" xmlns:p="http://schemas.openxmlformats.org/presentationml/2006/main" preserve="1">
+  <p:cSld>
+    <p:bg>
+      <p:bgPr>
+        <a:solidFill>
+          <a:schemeClr val="tx2"/>
+        </a:solidFill>
+        <a:effectLst/>
+      </p:bgPr>
+    </p:bg>
+    <p:spTree>
+      <p:nvGrpSpPr>
+        <p:cNvPr id="1" name=""/>
+        <p:cNvGrpSpPr/>
+        <p:nvPr/>
+      </p:nvGrpSpPr>
+      <p:grpSpPr>
+        <a:xfrm>
+          <a:off x="0" y="0"/>
+          <a:ext cx="0" cy="0"/>
+          <a:chOff x="0" y="0"/>
+          <a:chExt cx="0" cy="0"/>
+        </a:xfrm>
+      </p:grpSpPr>
       <p:sp>
         <p:nvSpPr>
           <p:cNvPr id="3" name="TextBox 2">
@@ -1325,37 +1367,58 @@
       </p:sp>
       <p:sp>
         <p:nvSpPr>
-          <p:cNvPr id="10" name="TextBox 9">
+          <p:cNvPr id="5" name="Rectangle 4">
             <a:extLst>
               <a:ext uri="{FF2B5EF4-FFF2-40B4-BE49-F238E27FC236}">
-                <a16:creationId xmlns:a16="http://schemas.microsoft.com/office/drawing/2014/main" id="{F4D9A45A-D5EE-5940-B5ED-9EDD9DBF6001}"/>
+                <a16:creationId xmlns:a16="http://schemas.microsoft.com/office/drawing/2014/main" id="{45DB60A0-BCF0-0EFE-E812-51735AEF36A7}"/>
               </a:ext>
             </a:extLst>
           </p:cNvPr>
-          <p:cNvSpPr txBox="1"/>
+          <p:cNvSpPr/>
           <p:nvPr userDrawn="1"/>
         </p:nvSpPr>
         <p:spPr>
           <a:xfrm>
             <a:off x="361456" y="1033275"/>
-            <a:ext cx="1568799" cy="271418"/>
+            <a:ext cx="1637465" cy="1638000"/>
           </a:xfrm>
           <a:prstGeom prst="rect">
             <a:avLst/>
           </a:prstGeom>
           <a:noFill/>
+          <a:ln>
+            <a:solidFill>
+              <a:schemeClr val="bg2"/>
+            </a:solidFill>
+          </a:ln>
+          <a:effectLst/>
         </p:spPr>
+        <p:style>
+          <a:lnRef idx="1">
+            <a:schemeClr val="accent1"/>
+          </a:lnRef>
+          <a:fillRef idx="3">
+            <a:schemeClr val="accent1"/>
+          </a:fillRef>
+          <a:effectRef idx="2">
+            <a:schemeClr val="accent1"/>
+          </a:effectRef>
+          <a:fontRef idx="minor">
+            <a:schemeClr val="lt1"/>
+          </a:fontRef>
+        </p:style>
         <p:txBody>
-          <a:bodyPr wrap="square" rtlCol="0">
-            <a:spAutoFit/>
+          <a:bodyPr lIns="0" tIns="0" rIns="0" bIns="0" rtlCol="0" anchor="ctr">
+            <a:normAutofit/>
           </a:bodyPr>
           <a:lstStyle/>
           <a:p>
-            <a:r>
-              <a:rPr lang="en-GB" sz="1100" dirty="0" err="1"/>
-              <a:t>Image_prompt</a:t>
-            </a:r>
-            <a:endParaRPr lang="en-GB" sz="1100" dirty="0"/>
+            <a:pPr algn="ctr"/>
+            <a:endParaRPr lang="en-GB" dirty="0" err="1">
+              <a:solidFill>
+                <a:schemeClr val="tx2"/>
+              </a:solidFill>
+            </a:endParaRPr>
           </a:p>
         </p:txBody>
       </p:sp>
@@ -2167,7 +2230,7 @@
         </p:nvSpPr>
         <p:spPr>
           <a:xfrm>
-            <a:off x="2383451" y="1224771"/>
+            <a:off x="2383451" y="1235571"/>
             <a:ext cx="1566099" cy="276999"/>
           </a:xfrm>
           <a:prstGeom prst="rect">
@@ -2215,7 +2278,7 @@
         </p:nvSpPr>
         <p:spPr>
           <a:xfrm>
-            <a:off x="2674161" y="1516850"/>
+            <a:off x="2674161" y="1513250"/>
             <a:ext cx="1566099" cy="276999"/>
           </a:xfrm>
           <a:prstGeom prst="rect">
@@ -2263,7 +2326,7 @@
         </p:nvSpPr>
         <p:spPr>
           <a:xfrm>
-            <a:off x="2856872" y="1779076"/>
+            <a:off x="2856872" y="1782676"/>
             <a:ext cx="1492843" cy="276999"/>
           </a:xfrm>
           <a:prstGeom prst="rect">

--- a/Persona_template.pptx
+++ b/Persona_template.pptx
@@ -187,7 +187,7 @@
 <file path=ppt/revisionInfo.xml><?xml version="1.0" encoding="utf-8"?>
 <p1510:revInfo xmlns:a="http://schemas.openxmlformats.org/drawingml/2006/main" xmlns:r="http://schemas.openxmlformats.org/officeDocument/2006/relationships" xmlns:p1510="http://schemas.microsoft.com/office/powerpoint/2015/10/main">
   <p1510:revLst>
-    <p1510:client id="{3A096E5F-2BEB-4542-B21C-F620833EE570}" v="2" dt="2024-08-25T11:26:29.676"/>
+    <p1510:client id="{3A096E5F-2BEB-4542-B21C-F620833EE570}" v="3" dt="2024-08-25T11:53:02.343"/>
     <p1510:client id="{67D13D8E-CF8E-0E45-9D45-F0F8E01BD2DD}" v="22" dt="2024-08-25T10:43:41.940"/>
   </p1510:revLst>
 </p1510:revInfo>
@@ -198,16 +198,24 @@
   <pc:docChgLst>
     <pc:chgData name="Arbour, Duncan" userId="f8c76c83-f09a-4702-8a60-e00215c8b89f" providerId="ADAL" clId="{3A096E5F-2BEB-4542-B21C-F620833EE570}"/>
     <pc:docChg chg="custSel modSld modMainMaster">
-      <pc:chgData name="Arbour, Duncan" userId="f8c76c83-f09a-4702-8a60-e00215c8b89f" providerId="ADAL" clId="{3A096E5F-2BEB-4542-B21C-F620833EE570}" dt="2024-08-25T11:26:29.676" v="104"/>
+      <pc:chgData name="Arbour, Duncan" userId="f8c76c83-f09a-4702-8a60-e00215c8b89f" providerId="ADAL" clId="{3A096E5F-2BEB-4542-B21C-F620833EE570}" dt="2024-08-25T11:53:02.343" v="107"/>
       <pc:docMkLst>
         <pc:docMk/>
       </pc:docMkLst>
-      <pc:sldChg chg="modSp mod">
-        <pc:chgData name="Arbour, Duncan" userId="f8c76c83-f09a-4702-8a60-e00215c8b89f" providerId="ADAL" clId="{3A096E5F-2BEB-4542-B21C-F620833EE570}" dt="2024-08-25T11:25:09.705" v="100" actId="1035"/>
+      <pc:sldChg chg="addSp modSp mod">
+        <pc:chgData name="Arbour, Duncan" userId="f8c76c83-f09a-4702-8a60-e00215c8b89f" providerId="ADAL" clId="{3A096E5F-2BEB-4542-B21C-F620833EE570}" dt="2024-08-25T11:53:02.343" v="107"/>
         <pc:sldMkLst>
           <pc:docMk/>
           <pc:sldMk cId="4040681455" sldId="2124817325"/>
         </pc:sldMkLst>
+        <pc:spChg chg="add mod">
+          <ac:chgData name="Arbour, Duncan" userId="f8c76c83-f09a-4702-8a60-e00215c8b89f" providerId="ADAL" clId="{3A096E5F-2BEB-4542-B21C-F620833EE570}" dt="2024-08-25T11:53:02.343" v="107"/>
+          <ac:spMkLst>
+            <pc:docMk/>
+            <pc:sldMk cId="4040681455" sldId="2124817325"/>
+            <ac:spMk id="3" creationId="{9580ABBD-F7B2-AB70-5C08-BEE70741F957}"/>
+          </ac:spMkLst>
+        </pc:spChg>
         <pc:spChg chg="mod">
           <ac:chgData name="Arbour, Duncan" userId="f8c76c83-f09a-4702-8a60-e00215c8b89f" providerId="ADAL" clId="{3A096E5F-2BEB-4542-B21C-F620833EE570}" dt="2024-08-25T10:49:27.719" v="64" actId="1036"/>
           <ac:spMkLst>
@@ -258,7 +266,7 @@
         </pc:spChg>
       </pc:sldChg>
       <pc:sldMasterChg chg="addSp delSp modSp mod modSldLayout">
-        <pc:chgData name="Arbour, Duncan" userId="f8c76c83-f09a-4702-8a60-e00215c8b89f" providerId="ADAL" clId="{3A096E5F-2BEB-4542-B21C-F620833EE570}" dt="2024-08-25T11:26:29.676" v="104"/>
+        <pc:chgData name="Arbour, Duncan" userId="f8c76c83-f09a-4702-8a60-e00215c8b89f" providerId="ADAL" clId="{3A096E5F-2BEB-4542-B21C-F620833EE570}" dt="2024-08-25T11:52:59.272" v="106" actId="478"/>
         <pc:sldMasterMkLst>
           <pc:docMk/>
           <pc:sldMasterMk cId="1552088819" sldId="2147484720"/>
@@ -271,8 +279,8 @@
             <ac:spMk id="2" creationId="{00A0DF0A-3CF6-27A7-E4E6-782FA06CD032}"/>
           </ac:spMkLst>
         </pc:spChg>
-        <pc:spChg chg="add mod">
-          <ac:chgData name="Arbour, Duncan" userId="f8c76c83-f09a-4702-8a60-e00215c8b89f" providerId="ADAL" clId="{3A096E5F-2BEB-4542-B21C-F620833EE570}" dt="2024-08-25T11:26:29.676" v="104"/>
+        <pc:spChg chg="add del mod">
+          <ac:chgData name="Arbour, Duncan" userId="f8c76c83-f09a-4702-8a60-e00215c8b89f" providerId="ADAL" clId="{3A096E5F-2BEB-4542-B21C-F620833EE570}" dt="2024-08-25T11:52:59.272" v="106" actId="478"/>
           <ac:spMkLst>
             <pc:docMk/>
             <pc:sldMasterMk cId="1552088819" sldId="2147484720"/>
@@ -295,15 +303,15 @@
             <ac:spMk id="10" creationId="{F4D9A45A-D5EE-5940-B5ED-9EDD9DBF6001}"/>
           </ac:spMkLst>
         </pc:spChg>
-        <pc:sldLayoutChg chg="addSp modSp">
-          <pc:chgData name="Arbour, Duncan" userId="f8c76c83-f09a-4702-8a60-e00215c8b89f" providerId="ADAL" clId="{3A096E5F-2BEB-4542-B21C-F620833EE570}" dt="2024-08-25T11:26:09.536" v="103"/>
+        <pc:sldLayoutChg chg="addSp delSp modSp mod">
+          <pc:chgData name="Arbour, Duncan" userId="f8c76c83-f09a-4702-8a60-e00215c8b89f" providerId="ADAL" clId="{3A096E5F-2BEB-4542-B21C-F620833EE570}" dt="2024-08-25T11:52:53.174" v="105" actId="478"/>
           <pc:sldLayoutMkLst>
             <pc:docMk/>
             <pc:sldMasterMk cId="1552088819" sldId="2147484720"/>
             <pc:sldLayoutMk cId="3015777350" sldId="2147484722"/>
           </pc:sldLayoutMkLst>
-          <pc:spChg chg="add mod">
-            <ac:chgData name="Arbour, Duncan" userId="f8c76c83-f09a-4702-8a60-e00215c8b89f" providerId="ADAL" clId="{3A096E5F-2BEB-4542-B21C-F620833EE570}" dt="2024-08-25T11:26:09.536" v="103"/>
+          <pc:spChg chg="add del mod">
+            <ac:chgData name="Arbour, Duncan" userId="f8c76c83-f09a-4702-8a60-e00215c8b89f" providerId="ADAL" clId="{3A096E5F-2BEB-4542-B21C-F620833EE570}" dt="2024-08-25T11:52:53.174" v="105" actId="478"/>
             <ac:spMkLst>
               <pc:docMk/>
               <pc:sldMasterMk cId="1552088819" sldId="2147484720"/>
@@ -831,63 +839,6 @@
           </a:p>
         </p:txBody>
       </p:sp>
-      <p:sp>
-        <p:nvSpPr>
-          <p:cNvPr id="3" name="Rectangle 2">
-            <a:extLst>
-              <a:ext uri="{FF2B5EF4-FFF2-40B4-BE49-F238E27FC236}">
-                <a16:creationId xmlns:a16="http://schemas.microsoft.com/office/drawing/2014/main" id="{7BB73234-96EC-058C-BE88-627D1B5D25A5}"/>
-              </a:ext>
-            </a:extLst>
-          </p:cNvPr>
-          <p:cNvSpPr/>
-          <p:nvPr userDrawn="1"/>
-        </p:nvSpPr>
-        <p:spPr>
-          <a:xfrm>
-            <a:off x="361456" y="1033275"/>
-            <a:ext cx="1637465" cy="1638000"/>
-          </a:xfrm>
-          <a:prstGeom prst="rect">
-            <a:avLst/>
-          </a:prstGeom>
-          <a:noFill/>
-          <a:ln>
-            <a:solidFill>
-              <a:schemeClr val="bg2"/>
-            </a:solidFill>
-          </a:ln>
-          <a:effectLst/>
-        </p:spPr>
-        <p:style>
-          <a:lnRef idx="1">
-            <a:schemeClr val="accent1"/>
-          </a:lnRef>
-          <a:fillRef idx="3">
-            <a:schemeClr val="accent1"/>
-          </a:fillRef>
-          <a:effectRef idx="2">
-            <a:schemeClr val="accent1"/>
-          </a:effectRef>
-          <a:fontRef idx="minor">
-            <a:schemeClr val="lt1"/>
-          </a:fontRef>
-        </p:style>
-        <p:txBody>
-          <a:bodyPr lIns="0" tIns="0" rIns="0" bIns="0" rtlCol="0" anchor="ctr">
-            <a:normAutofit/>
-          </a:bodyPr>
-          <a:lstStyle/>
-          <a:p>
-            <a:pPr algn="ctr"/>
-            <a:endParaRPr lang="en-GB" dirty="0" err="1">
-              <a:solidFill>
-                <a:schemeClr val="tx2"/>
-              </a:solidFill>
-            </a:endParaRPr>
-          </a:p>
-        </p:txBody>
-      </p:sp>
     </p:spTree>
     <p:extLst>
       <p:ext uri="{BB962C8B-B14F-4D97-AF65-F5344CB8AC3E}">
@@ -1362,63 +1313,6 @@
               </a:rPr>
               <a:t>Mindset: </a:t>
             </a:r>
-          </a:p>
-        </p:txBody>
-      </p:sp>
-      <p:sp>
-        <p:nvSpPr>
-          <p:cNvPr id="5" name="Rectangle 4">
-            <a:extLst>
-              <a:ext uri="{FF2B5EF4-FFF2-40B4-BE49-F238E27FC236}">
-                <a16:creationId xmlns:a16="http://schemas.microsoft.com/office/drawing/2014/main" id="{45DB60A0-BCF0-0EFE-E812-51735AEF36A7}"/>
-              </a:ext>
-            </a:extLst>
-          </p:cNvPr>
-          <p:cNvSpPr/>
-          <p:nvPr userDrawn="1"/>
-        </p:nvSpPr>
-        <p:spPr>
-          <a:xfrm>
-            <a:off x="361456" y="1033275"/>
-            <a:ext cx="1637465" cy="1638000"/>
-          </a:xfrm>
-          <a:prstGeom prst="rect">
-            <a:avLst/>
-          </a:prstGeom>
-          <a:noFill/>
-          <a:ln>
-            <a:solidFill>
-              <a:schemeClr val="bg2"/>
-            </a:solidFill>
-          </a:ln>
-          <a:effectLst/>
-        </p:spPr>
-        <p:style>
-          <a:lnRef idx="1">
-            <a:schemeClr val="accent1"/>
-          </a:lnRef>
-          <a:fillRef idx="3">
-            <a:schemeClr val="accent1"/>
-          </a:fillRef>
-          <a:effectRef idx="2">
-            <a:schemeClr val="accent1"/>
-          </a:effectRef>
-          <a:fontRef idx="minor">
-            <a:schemeClr val="lt1"/>
-          </a:fontRef>
-        </p:style>
-        <p:txBody>
-          <a:bodyPr lIns="0" tIns="0" rIns="0" bIns="0" rtlCol="0" anchor="ctr">
-            <a:normAutofit/>
-          </a:bodyPr>
-          <a:lstStyle/>
-          <a:p>
-            <a:pPr algn="ctr"/>
-            <a:endParaRPr lang="en-GB" dirty="0" err="1">
-              <a:solidFill>
-                <a:schemeClr val="tx2"/>
-              </a:solidFill>
-            </a:endParaRPr>
           </a:p>
         </p:txBody>
       </p:sp>
@@ -2568,6 +2462,63 @@
               </a:solidFill>
               <a:latin typeface="Calibri" panose="020F0502020204030204" pitchFamily="34" charset="0"/>
               <a:cs typeface="Calibri" panose="020F0502020204030204" pitchFamily="34" charset="0"/>
+            </a:endParaRPr>
+          </a:p>
+        </p:txBody>
+      </p:sp>
+      <p:sp>
+        <p:nvSpPr>
+          <p:cNvPr id="3" name="Rectangle 2">
+            <a:extLst>
+              <a:ext uri="{FF2B5EF4-FFF2-40B4-BE49-F238E27FC236}">
+                <a16:creationId xmlns:a16="http://schemas.microsoft.com/office/drawing/2014/main" id="{9580ABBD-F7B2-AB70-5C08-BEE70741F957}"/>
+              </a:ext>
+            </a:extLst>
+          </p:cNvPr>
+          <p:cNvSpPr/>
+          <p:nvPr/>
+        </p:nvSpPr>
+        <p:spPr>
+          <a:xfrm>
+            <a:off x="361456" y="1033275"/>
+            <a:ext cx="1637465" cy="1638000"/>
+          </a:xfrm>
+          <a:prstGeom prst="rect">
+            <a:avLst/>
+          </a:prstGeom>
+          <a:noFill/>
+          <a:ln>
+            <a:solidFill>
+              <a:schemeClr val="bg2"/>
+            </a:solidFill>
+          </a:ln>
+          <a:effectLst/>
+        </p:spPr>
+        <p:style>
+          <a:lnRef idx="1">
+            <a:schemeClr val="accent1"/>
+          </a:lnRef>
+          <a:fillRef idx="3">
+            <a:schemeClr val="accent1"/>
+          </a:fillRef>
+          <a:effectRef idx="2">
+            <a:schemeClr val="accent1"/>
+          </a:effectRef>
+          <a:fontRef idx="minor">
+            <a:schemeClr val="lt1"/>
+          </a:fontRef>
+        </p:style>
+        <p:txBody>
+          <a:bodyPr lIns="0" tIns="0" rIns="0" bIns="0" rtlCol="0" anchor="ctr">
+            <a:normAutofit/>
+          </a:bodyPr>
+          <a:lstStyle/>
+          <a:p>
+            <a:pPr algn="ctr"/>
+            <a:endParaRPr lang="en-GB" dirty="0" err="1">
+              <a:solidFill>
+                <a:schemeClr val="tx2"/>
+              </a:solidFill>
             </a:endParaRPr>
           </a:p>
         </p:txBody>

--- a/Persona_template.pptx
+++ b/Persona_template.pptx
@@ -198,12 +198,12 @@
   <pc:docChgLst>
     <pc:chgData name="Arbour, Duncan" userId="f8c76c83-f09a-4702-8a60-e00215c8b89f" providerId="ADAL" clId="{3A096E5F-2BEB-4542-B21C-F620833EE570}"/>
     <pc:docChg chg="custSel modSld modMainMaster">
-      <pc:chgData name="Arbour, Duncan" userId="f8c76c83-f09a-4702-8a60-e00215c8b89f" providerId="ADAL" clId="{3A096E5F-2BEB-4542-B21C-F620833EE570}" dt="2024-08-25T11:53:02.343" v="107"/>
+      <pc:chgData name="Arbour, Duncan" userId="f8c76c83-f09a-4702-8a60-e00215c8b89f" providerId="ADAL" clId="{3A096E5F-2BEB-4542-B21C-F620833EE570}" dt="2024-08-26T06:02:22.523" v="162" actId="1035"/>
       <pc:docMkLst>
         <pc:docMk/>
       </pc:docMkLst>
       <pc:sldChg chg="addSp modSp mod">
-        <pc:chgData name="Arbour, Duncan" userId="f8c76c83-f09a-4702-8a60-e00215c8b89f" providerId="ADAL" clId="{3A096E5F-2BEB-4542-B21C-F620833EE570}" dt="2024-08-25T11:53:02.343" v="107"/>
+        <pc:chgData name="Arbour, Duncan" userId="f8c76c83-f09a-4702-8a60-e00215c8b89f" providerId="ADAL" clId="{3A096E5F-2BEB-4542-B21C-F620833EE570}" dt="2024-08-26T06:02:22.523" v="162" actId="1035"/>
         <pc:sldMkLst>
           <pc:docMk/>
           <pc:sldMk cId="4040681455" sldId="2124817325"/>
@@ -225,7 +225,7 @@
           </ac:spMkLst>
         </pc:spChg>
         <pc:spChg chg="mod">
-          <ac:chgData name="Arbour, Duncan" userId="f8c76c83-f09a-4702-8a60-e00215c8b89f" providerId="ADAL" clId="{3A096E5F-2BEB-4542-B21C-F620833EE570}" dt="2024-08-25T11:25:09.705" v="100" actId="1035"/>
+          <ac:chgData name="Arbour, Duncan" userId="f8c76c83-f09a-4702-8a60-e00215c8b89f" providerId="ADAL" clId="{3A096E5F-2BEB-4542-B21C-F620833EE570}" dt="2024-08-26T06:00:54.560" v="120" actId="1036"/>
           <ac:spMkLst>
             <pc:docMk/>
             <pc:sldMk cId="4040681455" sldId="2124817325"/>
@@ -233,7 +233,7 @@
           </ac:spMkLst>
         </pc:spChg>
         <pc:spChg chg="mod">
-          <ac:chgData name="Arbour, Duncan" userId="f8c76c83-f09a-4702-8a60-e00215c8b89f" providerId="ADAL" clId="{3A096E5F-2BEB-4542-B21C-F620833EE570}" dt="2024-08-25T11:24:58.519" v="94" actId="1035"/>
+          <ac:chgData name="Arbour, Duncan" userId="f8c76c83-f09a-4702-8a60-e00215c8b89f" providerId="ADAL" clId="{3A096E5F-2BEB-4542-B21C-F620833EE570}" dt="2024-08-26T06:01:10.206" v="133" actId="1036"/>
           <ac:spMkLst>
             <pc:docMk/>
             <pc:sldMk cId="4040681455" sldId="2124817325"/>
@@ -241,7 +241,7 @@
           </ac:spMkLst>
         </pc:spChg>
         <pc:spChg chg="mod">
-          <ac:chgData name="Arbour, Duncan" userId="f8c76c83-f09a-4702-8a60-e00215c8b89f" providerId="ADAL" clId="{3A096E5F-2BEB-4542-B21C-F620833EE570}" dt="2024-08-25T11:25:03.086" v="95" actId="1036"/>
+          <ac:chgData name="Arbour, Duncan" userId="f8c76c83-f09a-4702-8a60-e00215c8b89f" providerId="ADAL" clId="{3A096E5F-2BEB-4542-B21C-F620833EE570}" dt="2024-08-26T06:01:28.755" v="156" actId="1037"/>
           <ac:spMkLst>
             <pc:docMk/>
             <pc:sldMk cId="4040681455" sldId="2124817325"/>
@@ -249,7 +249,7 @@
           </ac:spMkLst>
         </pc:spChg>
         <pc:spChg chg="mod">
-          <ac:chgData name="Arbour, Duncan" userId="f8c76c83-f09a-4702-8a60-e00215c8b89f" providerId="ADAL" clId="{3A096E5F-2BEB-4542-B21C-F620833EE570}" dt="2024-08-25T10:48:54.258" v="19" actId="1035"/>
+          <ac:chgData name="Arbour, Duncan" userId="f8c76c83-f09a-4702-8a60-e00215c8b89f" providerId="ADAL" clId="{3A096E5F-2BEB-4542-B21C-F620833EE570}" dt="2024-08-26T06:02:22.523" v="162" actId="1035"/>
           <ac:spMkLst>
             <pc:docMk/>
             <pc:sldMk cId="4040681455" sldId="2124817325"/>
@@ -266,7 +266,7 @@
         </pc:spChg>
       </pc:sldChg>
       <pc:sldMasterChg chg="addSp delSp modSp mod modSldLayout">
-        <pc:chgData name="Arbour, Duncan" userId="f8c76c83-f09a-4702-8a60-e00215c8b89f" providerId="ADAL" clId="{3A096E5F-2BEB-4542-B21C-F620833EE570}" dt="2024-08-25T11:52:59.272" v="106" actId="478"/>
+        <pc:chgData name="Arbour, Duncan" userId="f8c76c83-f09a-4702-8a60-e00215c8b89f" providerId="ADAL" clId="{3A096E5F-2BEB-4542-B21C-F620833EE570}" dt="2024-08-26T06:02:10.166" v="158" actId="403"/>
         <pc:sldMasterMkLst>
           <pc:docMk/>
           <pc:sldMasterMk cId="1552088819" sldId="2147484720"/>
@@ -288,7 +288,7 @@
           </ac:spMkLst>
         </pc:spChg>
         <pc:spChg chg="mod">
-          <ac:chgData name="Arbour, Duncan" userId="f8c76c83-f09a-4702-8a60-e00215c8b89f" providerId="ADAL" clId="{3A096E5F-2BEB-4542-B21C-F620833EE570}" dt="2024-08-25T10:48:20.528" v="7" actId="255"/>
+          <ac:chgData name="Arbour, Duncan" userId="f8c76c83-f09a-4702-8a60-e00215c8b89f" providerId="ADAL" clId="{3A096E5F-2BEB-4542-B21C-F620833EE570}" dt="2024-08-26T06:02:10.166" v="158" actId="403"/>
           <ac:spMkLst>
             <pc:docMk/>
             <pc:sldMasterMk cId="1552088819" sldId="2147484720"/>
@@ -408,7 +408,7 @@
           <a:p>
             <a:fld id="{4CDF1217-D7A3-A142-8B17-A4CFF57C0D82}" type="datetimeFigureOut">
               <a:rPr lang="en-US" smtClean="0"/>
-              <a:t>8/25/24</a:t>
+              <a:t>8/26/24</a:t>
             </a:fld>
             <a:endParaRPr lang="en-US" dirty="0"/>
           </a:p>
@@ -1096,7 +1096,7 @@
         <p:spPr>
           <a:xfrm>
             <a:off x="2073591" y="963653"/>
-            <a:ext cx="2026970" cy="1384995"/>
+            <a:ext cx="2026970" cy="1354217"/>
           </a:xfrm>
           <a:prstGeom prst="rect">
             <a:avLst/>
@@ -1138,7 +1138,7 @@
             </a:r>
           </a:p>
           <a:p>
-            <a:endParaRPr lang="en-GB" sz="600" dirty="0">
+            <a:endParaRPr lang="en-GB" sz="200" dirty="0">
               <a:solidFill>
                 <a:schemeClr val="accent2"/>
               </a:solidFill>
@@ -1175,7 +1175,7 @@
             </a:r>
           </a:p>
           <a:p>
-            <a:endParaRPr lang="en-GB" sz="600" dirty="0">
+            <a:endParaRPr lang="en-GB" sz="200" dirty="0">
               <a:solidFill>
                 <a:schemeClr val="accent2"/>
               </a:solidFill>
@@ -1200,7 +1200,7 @@
             </a:r>
           </a:p>
           <a:p>
-            <a:endParaRPr lang="en-GB" sz="600" dirty="0">
+            <a:endParaRPr lang="en-GB" sz="200" dirty="0">
               <a:solidFill>
                 <a:schemeClr val="accent2"/>
               </a:solidFill>
@@ -1237,7 +1237,18 @@
             </a:r>
           </a:p>
           <a:p>
-            <a:endParaRPr lang="en-GB" sz="600" dirty="0">
+            <a:endParaRPr lang="en-GB" sz="700" dirty="0">
+              <a:solidFill>
+                <a:schemeClr val="accent2"/>
+              </a:solidFill>
+              <a:effectLst/>
+              <a:latin typeface="Calibri" panose="020F0502020204030204" pitchFamily="34" charset="0"/>
+              <a:ea typeface="Calibri" panose="020F0502020204030204" pitchFamily="34" charset="0"/>
+              <a:cs typeface="Calibri" panose="020F0502020204030204" pitchFamily="34" charset="0"/>
+            </a:endParaRPr>
+          </a:p>
+          <a:p>
+            <a:endParaRPr lang="en-GB" sz="900" dirty="0">
               <a:solidFill>
                 <a:schemeClr val="accent2"/>
               </a:solidFill>
@@ -2124,7 +2135,7 @@
         </p:nvSpPr>
         <p:spPr>
           <a:xfrm>
-            <a:off x="2383451" y="1235571"/>
+            <a:off x="2383451" y="1182563"/>
             <a:ext cx="1566099" cy="276999"/>
           </a:xfrm>
           <a:prstGeom prst="rect">
@@ -2172,7 +2183,7 @@
         </p:nvSpPr>
         <p:spPr>
           <a:xfrm>
-            <a:off x="2674161" y="1513250"/>
+            <a:off x="2674161" y="1393982"/>
             <a:ext cx="1566099" cy="276999"/>
           </a:xfrm>
           <a:prstGeom prst="rect">
@@ -2220,7 +2231,7 @@
         </p:nvSpPr>
         <p:spPr>
           <a:xfrm>
-            <a:off x="2856872" y="1782676"/>
+            <a:off x="2061741" y="1742920"/>
             <a:ext cx="1492843" cy="276999"/>
           </a:xfrm>
           <a:prstGeom prst="rect">
@@ -2268,7 +2279,7 @@
         </p:nvSpPr>
         <p:spPr>
           <a:xfrm>
-            <a:off x="2072322" y="2218784"/>
+            <a:off x="2072322" y="2165776"/>
             <a:ext cx="1648611" cy="276999"/>
           </a:xfrm>
           <a:prstGeom prst="rect">

--- a/Persona_template.pptx
+++ b/Persona_template.pptx
@@ -198,12 +198,12 @@
   <pc:docChgLst>
     <pc:chgData name="Arbour, Duncan" userId="f8c76c83-f09a-4702-8a60-e00215c8b89f" providerId="ADAL" clId="{3A096E5F-2BEB-4542-B21C-F620833EE570}"/>
     <pc:docChg chg="custSel modSld modMainMaster">
-      <pc:chgData name="Arbour, Duncan" userId="f8c76c83-f09a-4702-8a60-e00215c8b89f" providerId="ADAL" clId="{3A096E5F-2BEB-4542-B21C-F620833EE570}" dt="2024-08-26T06:02:22.523" v="162" actId="1035"/>
+      <pc:chgData name="Arbour, Duncan" userId="f8c76c83-f09a-4702-8a60-e00215c8b89f" providerId="ADAL" clId="{3A096E5F-2BEB-4542-B21C-F620833EE570}" dt="2024-08-26T10:00:25.235" v="164" actId="14100"/>
       <pc:docMkLst>
         <pc:docMk/>
       </pc:docMkLst>
       <pc:sldChg chg="addSp modSp mod">
-        <pc:chgData name="Arbour, Duncan" userId="f8c76c83-f09a-4702-8a60-e00215c8b89f" providerId="ADAL" clId="{3A096E5F-2BEB-4542-B21C-F620833EE570}" dt="2024-08-26T06:02:22.523" v="162" actId="1035"/>
+        <pc:chgData name="Arbour, Duncan" userId="f8c76c83-f09a-4702-8a60-e00215c8b89f" providerId="ADAL" clId="{3A096E5F-2BEB-4542-B21C-F620833EE570}" dt="2024-08-26T10:00:25.235" v="164" actId="14100"/>
         <pc:sldMkLst>
           <pc:docMk/>
           <pc:sldMk cId="4040681455" sldId="2124817325"/>
@@ -241,7 +241,7 @@
           </ac:spMkLst>
         </pc:spChg>
         <pc:spChg chg="mod">
-          <ac:chgData name="Arbour, Duncan" userId="f8c76c83-f09a-4702-8a60-e00215c8b89f" providerId="ADAL" clId="{3A096E5F-2BEB-4542-B21C-F620833EE570}" dt="2024-08-26T06:01:28.755" v="156" actId="1037"/>
+          <ac:chgData name="Arbour, Duncan" userId="f8c76c83-f09a-4702-8a60-e00215c8b89f" providerId="ADAL" clId="{3A096E5F-2BEB-4542-B21C-F620833EE570}" dt="2024-08-26T10:00:25.235" v="164" actId="14100"/>
           <ac:spMkLst>
             <pc:docMk/>
             <pc:sldMk cId="4040681455" sldId="2124817325"/>
@@ -2231,8 +2231,8 @@
         </p:nvSpPr>
         <p:spPr>
           <a:xfrm>
-            <a:off x="2061741" y="1742920"/>
-            <a:ext cx="1492843" cy="276999"/>
+            <a:off x="2061740" y="1742920"/>
+            <a:ext cx="2178519" cy="276999"/>
           </a:xfrm>
           <a:prstGeom prst="rect">
             <a:avLst/>

--- a/Persona_template.pptx
+++ b/Persona_template.pptx
@@ -9,7 +9,7 @@
     <p:notesMasterId r:id="rId4"/>
   </p:notesMasterIdLst>
   <p:sldIdLst>
-    <p:sldId id="2124817325" r:id="rId3"/>
+    <p:sldId id="2124817326" r:id="rId3"/>
   </p:sldIdLst>
   <p:sldSz cx="12188825" cy="6858000"/>
   <p:notesSz cx="6858000" cy="9144000"/>
@@ -187,8 +187,8 @@
 <file path=ppt/revisionInfo.xml><?xml version="1.0" encoding="utf-8"?>
 <p1510:revInfo xmlns:a="http://schemas.openxmlformats.org/drawingml/2006/main" xmlns:r="http://schemas.openxmlformats.org/officeDocument/2006/relationships" xmlns:p1510="http://schemas.microsoft.com/office/powerpoint/2015/10/main">
   <p1510:revLst>
-    <p1510:client id="{3A096E5F-2BEB-4542-B21C-F620833EE570}" v="3" dt="2024-08-25T11:53:02.343"/>
-    <p1510:client id="{67D13D8E-CF8E-0E45-9D45-F0F8E01BD2DD}" v="22" dt="2024-08-25T10:43:41.940"/>
+    <p1510:client id="{3A096E5F-2BEB-4542-B21C-F620833EE570}" v="13" dt="2024-08-26T12:17:51.239"/>
+    <p1510:client id="{DFAF9EDC-05B8-D346-8E3E-7081EC974C8B}" v="2" dt="2024-08-26T15:21:36.726"/>
   </p1510:revLst>
 </p1510:revInfo>
 </file>
@@ -196,127 +196,63 @@
 <file path=ppt/changesInfos/changesInfo1.xml><?xml version="1.0" encoding="utf-8"?>
 <pc:chgInfo xmlns:a="http://schemas.openxmlformats.org/drawingml/2006/main" xmlns:r="http://schemas.openxmlformats.org/officeDocument/2006/relationships" xmlns:ac="http://schemas.microsoft.com/office/drawing/2013/main/command" xmlns:pc="http://schemas.microsoft.com/office/powerpoint/2013/main/command">
   <pc:docChgLst>
-    <pc:chgData name="Arbour, Duncan" userId="f8c76c83-f09a-4702-8a60-e00215c8b89f" providerId="ADAL" clId="{3A096E5F-2BEB-4542-B21C-F620833EE570}"/>
+    <pc:chgData name="Arbour, Duncan" userId="f8c76c83-f09a-4702-8a60-e00215c8b89f" providerId="ADAL" clId="{DFAF9EDC-05B8-D346-8E3E-7081EC974C8B}"/>
     <pc:docChg chg="custSel modSld modMainMaster">
-      <pc:chgData name="Arbour, Duncan" userId="f8c76c83-f09a-4702-8a60-e00215c8b89f" providerId="ADAL" clId="{3A096E5F-2BEB-4542-B21C-F620833EE570}" dt="2024-08-26T10:00:25.235" v="164" actId="14100"/>
+      <pc:chgData name="Arbour, Duncan" userId="f8c76c83-f09a-4702-8a60-e00215c8b89f" providerId="ADAL" clId="{DFAF9EDC-05B8-D346-8E3E-7081EC974C8B}" dt="2024-08-26T15:22:32.719" v="2" actId="700"/>
       <pc:docMkLst>
         <pc:docMk/>
       </pc:docMkLst>
-      <pc:sldChg chg="addSp modSp mod">
-        <pc:chgData name="Arbour, Duncan" userId="f8c76c83-f09a-4702-8a60-e00215c8b89f" providerId="ADAL" clId="{3A096E5F-2BEB-4542-B21C-F620833EE570}" dt="2024-08-26T10:00:25.235" v="164" actId="14100"/>
+      <pc:sldChg chg="addSp delSp modSp mod chgLayout">
+        <pc:chgData name="Arbour, Duncan" userId="f8c76c83-f09a-4702-8a60-e00215c8b89f" providerId="ADAL" clId="{DFAF9EDC-05B8-D346-8E3E-7081EC974C8B}" dt="2024-08-26T15:22:32.719" v="2" actId="700"/>
         <pc:sldMkLst>
           <pc:docMk/>
-          <pc:sldMk cId="4040681455" sldId="2124817325"/>
+          <pc:sldMk cId="2630289941" sldId="2124817326"/>
         </pc:sldMkLst>
-        <pc:spChg chg="add mod">
-          <ac:chgData name="Arbour, Duncan" userId="f8c76c83-f09a-4702-8a60-e00215c8b89f" providerId="ADAL" clId="{3A096E5F-2BEB-4542-B21C-F620833EE570}" dt="2024-08-25T11:53:02.343" v="107"/>
+        <pc:spChg chg="add mod ord">
+          <ac:chgData name="Arbour, Duncan" userId="f8c76c83-f09a-4702-8a60-e00215c8b89f" providerId="ADAL" clId="{DFAF9EDC-05B8-D346-8E3E-7081EC974C8B}" dt="2024-08-26T15:22:32.719" v="2" actId="700"/>
           <ac:spMkLst>
             <pc:docMk/>
-            <pc:sldMk cId="4040681455" sldId="2124817325"/>
-            <ac:spMk id="3" creationId="{9580ABBD-F7B2-AB70-5C08-BEE70741F957}"/>
+            <pc:sldMk cId="2630289941" sldId="2124817326"/>
+            <ac:spMk id="2" creationId="{944BE91B-EBEA-7ADF-82AD-E334A38A5DA6}"/>
           </ac:spMkLst>
         </pc:spChg>
-        <pc:spChg chg="mod">
-          <ac:chgData name="Arbour, Duncan" userId="f8c76c83-f09a-4702-8a60-e00215c8b89f" providerId="ADAL" clId="{3A096E5F-2BEB-4542-B21C-F620833EE570}" dt="2024-08-25T10:49:27.719" v="64" actId="1036"/>
+        <pc:spChg chg="del">
+          <ac:chgData name="Arbour, Duncan" userId="f8c76c83-f09a-4702-8a60-e00215c8b89f" providerId="ADAL" clId="{DFAF9EDC-05B8-D346-8E3E-7081EC974C8B}" dt="2024-08-26T15:21:00.443" v="0" actId="478"/>
           <ac:spMkLst>
             <pc:docMk/>
-            <pc:sldMk cId="4040681455" sldId="2124817325"/>
-            <ac:spMk id="5" creationId="{F8FCC046-9B7C-AECF-69D3-9FF636CFDFB4}"/>
+            <pc:sldMk cId="2630289941" sldId="2124817326"/>
+            <ac:spMk id="3" creationId="{7E2ADD5D-C586-2708-2BF8-BE09845D7133}"/>
           </ac:spMkLst>
         </pc:spChg>
-        <pc:spChg chg="mod">
-          <ac:chgData name="Arbour, Duncan" userId="f8c76c83-f09a-4702-8a60-e00215c8b89f" providerId="ADAL" clId="{3A096E5F-2BEB-4542-B21C-F620833EE570}" dt="2024-08-26T06:00:54.560" v="120" actId="1036"/>
+        <pc:spChg chg="mod ord">
+          <ac:chgData name="Arbour, Duncan" userId="f8c76c83-f09a-4702-8a60-e00215c8b89f" providerId="ADAL" clId="{DFAF9EDC-05B8-D346-8E3E-7081EC974C8B}" dt="2024-08-26T15:22:32.719" v="2" actId="700"/>
           <ac:spMkLst>
             <pc:docMk/>
-            <pc:sldMk cId="4040681455" sldId="2124817325"/>
-            <ac:spMk id="6" creationId="{6B329B34-4FAF-8F4E-C025-C47D29419048}"/>
-          </ac:spMkLst>
-        </pc:spChg>
-        <pc:spChg chg="mod">
-          <ac:chgData name="Arbour, Duncan" userId="f8c76c83-f09a-4702-8a60-e00215c8b89f" providerId="ADAL" clId="{3A096E5F-2BEB-4542-B21C-F620833EE570}" dt="2024-08-26T06:01:10.206" v="133" actId="1036"/>
-          <ac:spMkLst>
-            <pc:docMk/>
-            <pc:sldMk cId="4040681455" sldId="2124817325"/>
-            <ac:spMk id="7" creationId="{48C55D70-E22C-49BD-06D6-677561706B9C}"/>
-          </ac:spMkLst>
-        </pc:spChg>
-        <pc:spChg chg="mod">
-          <ac:chgData name="Arbour, Duncan" userId="f8c76c83-f09a-4702-8a60-e00215c8b89f" providerId="ADAL" clId="{3A096E5F-2BEB-4542-B21C-F620833EE570}" dt="2024-08-26T10:00:25.235" v="164" actId="14100"/>
-          <ac:spMkLst>
-            <pc:docMk/>
-            <pc:sldMk cId="4040681455" sldId="2124817325"/>
-            <ac:spMk id="8" creationId="{328ACF5A-9358-8923-E6E5-844732D10480}"/>
-          </ac:spMkLst>
-        </pc:spChg>
-        <pc:spChg chg="mod">
-          <ac:chgData name="Arbour, Duncan" userId="f8c76c83-f09a-4702-8a60-e00215c8b89f" providerId="ADAL" clId="{3A096E5F-2BEB-4542-B21C-F620833EE570}" dt="2024-08-26T06:02:22.523" v="162" actId="1035"/>
-          <ac:spMkLst>
-            <pc:docMk/>
-            <pc:sldMk cId="4040681455" sldId="2124817325"/>
-            <ac:spMk id="9" creationId="{4F9BEC47-8304-4BF7-220B-46FD8E195A1B}"/>
-          </ac:spMkLst>
-        </pc:spChg>
-        <pc:spChg chg="mod">
-          <ac:chgData name="Arbour, Duncan" userId="f8c76c83-f09a-4702-8a60-e00215c8b89f" providerId="ADAL" clId="{3A096E5F-2BEB-4542-B21C-F620833EE570}" dt="2024-08-25T11:11:22.156" v="93" actId="20577"/>
-          <ac:spMkLst>
-            <pc:docMk/>
-            <pc:sldMk cId="4040681455" sldId="2124817325"/>
-            <ac:spMk id="10" creationId="{BDBAAB95-1C21-1F39-6F6A-EDFCF3264BB8}"/>
+            <pc:sldMk cId="2630289941" sldId="2124817326"/>
+            <ac:spMk id="4" creationId="{063EB3E1-2A8E-BD9A-3521-3A197167871C}"/>
           </ac:spMkLst>
         </pc:spChg>
       </pc:sldChg>
-      <pc:sldMasterChg chg="addSp delSp modSp mod modSldLayout">
-        <pc:chgData name="Arbour, Duncan" userId="f8c76c83-f09a-4702-8a60-e00215c8b89f" providerId="ADAL" clId="{3A096E5F-2BEB-4542-B21C-F620833EE570}" dt="2024-08-26T06:02:10.166" v="158" actId="403"/>
+      <pc:sldMasterChg chg="modSldLayout">
+        <pc:chgData name="Arbour, Duncan" userId="f8c76c83-f09a-4702-8a60-e00215c8b89f" providerId="ADAL" clId="{DFAF9EDC-05B8-D346-8E3E-7081EC974C8B}" dt="2024-08-26T15:21:26.350" v="1" actId="692"/>
         <pc:sldMasterMkLst>
           <pc:docMk/>
           <pc:sldMasterMk cId="1552088819" sldId="2147484720"/>
         </pc:sldMasterMkLst>
-        <pc:spChg chg="del">
-          <ac:chgData name="Arbour, Duncan" userId="f8c76c83-f09a-4702-8a60-e00215c8b89f" providerId="ADAL" clId="{3A096E5F-2BEB-4542-B21C-F620833EE570}" dt="2024-08-25T11:26:06.821" v="102" actId="478"/>
-          <ac:spMkLst>
-            <pc:docMk/>
-            <pc:sldMasterMk cId="1552088819" sldId="2147484720"/>
-            <ac:spMk id="2" creationId="{00A0DF0A-3CF6-27A7-E4E6-782FA06CD032}"/>
-          </ac:spMkLst>
-        </pc:spChg>
-        <pc:spChg chg="add del mod">
-          <ac:chgData name="Arbour, Duncan" userId="f8c76c83-f09a-4702-8a60-e00215c8b89f" providerId="ADAL" clId="{3A096E5F-2BEB-4542-B21C-F620833EE570}" dt="2024-08-25T11:52:59.272" v="106" actId="478"/>
-          <ac:spMkLst>
-            <pc:docMk/>
-            <pc:sldMasterMk cId="1552088819" sldId="2147484720"/>
-            <ac:spMk id="5" creationId="{45DB60A0-BCF0-0EFE-E812-51735AEF36A7}"/>
-          </ac:spMkLst>
-        </pc:spChg>
-        <pc:spChg chg="mod">
-          <ac:chgData name="Arbour, Duncan" userId="f8c76c83-f09a-4702-8a60-e00215c8b89f" providerId="ADAL" clId="{3A096E5F-2BEB-4542-B21C-F620833EE570}" dt="2024-08-26T06:02:10.166" v="158" actId="403"/>
-          <ac:spMkLst>
-            <pc:docMk/>
-            <pc:sldMasterMk cId="1552088819" sldId="2147484720"/>
-            <ac:spMk id="8" creationId="{600B1FC4-44C0-45A7-5C9E-5B81EF499521}"/>
-          </ac:spMkLst>
-        </pc:spChg>
-        <pc:spChg chg="del">
-          <ac:chgData name="Arbour, Duncan" userId="f8c76c83-f09a-4702-8a60-e00215c8b89f" providerId="ADAL" clId="{3A096E5F-2BEB-4542-B21C-F620833EE570}" dt="2024-08-25T11:25:36.975" v="101" actId="478"/>
-          <ac:spMkLst>
-            <pc:docMk/>
-            <pc:sldMasterMk cId="1552088819" sldId="2147484720"/>
-            <ac:spMk id="10" creationId="{F4D9A45A-D5EE-5940-B5ED-9EDD9DBF6001}"/>
-          </ac:spMkLst>
-        </pc:spChg>
-        <pc:sldLayoutChg chg="addSp delSp modSp mod">
-          <pc:chgData name="Arbour, Duncan" userId="f8c76c83-f09a-4702-8a60-e00215c8b89f" providerId="ADAL" clId="{3A096E5F-2BEB-4542-B21C-F620833EE570}" dt="2024-08-25T11:52:53.174" v="105" actId="478"/>
+        <pc:sldLayoutChg chg="modSp mod">
+          <pc:chgData name="Arbour, Duncan" userId="f8c76c83-f09a-4702-8a60-e00215c8b89f" providerId="ADAL" clId="{DFAF9EDC-05B8-D346-8E3E-7081EC974C8B}" dt="2024-08-26T15:21:26.350" v="1" actId="692"/>
           <pc:sldLayoutMkLst>
             <pc:docMk/>
             <pc:sldMasterMk cId="1552088819" sldId="2147484720"/>
             <pc:sldLayoutMk cId="3015777350" sldId="2147484722"/>
           </pc:sldLayoutMkLst>
-          <pc:spChg chg="add del mod">
-            <ac:chgData name="Arbour, Duncan" userId="f8c76c83-f09a-4702-8a60-e00215c8b89f" providerId="ADAL" clId="{3A096E5F-2BEB-4542-B21C-F620833EE570}" dt="2024-08-25T11:52:53.174" v="105" actId="478"/>
+          <pc:spChg chg="mod">
+            <ac:chgData name="Arbour, Duncan" userId="f8c76c83-f09a-4702-8a60-e00215c8b89f" providerId="ADAL" clId="{DFAF9EDC-05B8-D346-8E3E-7081EC974C8B}" dt="2024-08-26T15:21:26.350" v="1" actId="692"/>
             <ac:spMkLst>
               <pc:docMk/>
               <pc:sldMasterMk cId="1552088819" sldId="2147484720"/>
               <pc:sldLayoutMk cId="3015777350" sldId="2147484722"/>
-              <ac:spMk id="3" creationId="{7BB73234-96EC-058C-BE88-627D1B5D25A5}"/>
+              <ac:spMk id="4" creationId="{D6309535-C181-ED4A-0FFA-8DD3472245E8}"/>
             </ac:spMkLst>
           </pc:spChg>
         </pc:sldLayoutChg>
@@ -675,102 +611,6 @@
 </p:notesMaster>
 </file>
 
-<file path=ppt/notesSlides/notesSlide1.xml><?xml version="1.0" encoding="utf-8"?>
-<p:notes xmlns:a="http://schemas.openxmlformats.org/drawingml/2006/main" xmlns:r="http://schemas.openxmlformats.org/officeDocument/2006/relationships" xmlns:p="http://schemas.openxmlformats.org/presentationml/2006/main">
-  <p:cSld>
-    <p:spTree>
-      <p:nvGrpSpPr>
-        <p:cNvPr id="1" name=""/>
-        <p:cNvGrpSpPr/>
-        <p:nvPr/>
-      </p:nvGrpSpPr>
-      <p:grpSpPr>
-        <a:xfrm>
-          <a:off x="0" y="0"/>
-          <a:ext cx="0" cy="0"/>
-          <a:chOff x="0" y="0"/>
-          <a:chExt cx="0" cy="0"/>
-        </a:xfrm>
-      </p:grpSpPr>
-      <p:sp>
-        <p:nvSpPr>
-          <p:cNvPr id="2" name="Slide Image Placeholder 1"/>
-          <p:cNvSpPr>
-            <a:spLocks noGrp="1" noRot="1" noChangeAspect="1"/>
-          </p:cNvSpPr>
-          <p:nvPr>
-            <p:ph type="sldImg"/>
-          </p:nvPr>
-        </p:nvSpPr>
-        <p:spPr/>
-      </p:sp>
-      <p:sp>
-        <p:nvSpPr>
-          <p:cNvPr id="3" name="Notes Placeholder 2"/>
-          <p:cNvSpPr>
-            <a:spLocks noGrp="1"/>
-          </p:cNvSpPr>
-          <p:nvPr>
-            <p:ph type="body" idx="1"/>
-          </p:nvPr>
-        </p:nvSpPr>
-        <p:spPr/>
-        <p:txBody>
-          <a:bodyPr/>
-          <a:lstStyle/>
-          <a:p>
-            <a:br>
-              <a:rPr lang="en-GB" sz="600" dirty="0"/>
-            </a:br>
-            <a:endParaRPr lang="en-GB" sz="600" dirty="0">
-              <a:solidFill>
-                <a:schemeClr val="accent2"/>
-              </a:solidFill>
-              <a:latin typeface="Arial" panose="020B0604020202020204" pitchFamily="34" charset="0"/>
-              <a:cs typeface="Arial" panose="020B0604020202020204" pitchFamily="34" charset="0"/>
-            </a:endParaRPr>
-          </a:p>
-          <a:p>
-            <a:endParaRPr lang="en-GB" dirty="0"/>
-          </a:p>
-        </p:txBody>
-      </p:sp>
-      <p:sp>
-        <p:nvSpPr>
-          <p:cNvPr id="4" name="Slide Number Placeholder 3"/>
-          <p:cNvSpPr>
-            <a:spLocks noGrp="1"/>
-          </p:cNvSpPr>
-          <p:nvPr>
-            <p:ph type="sldNum" sz="quarter" idx="5"/>
-          </p:nvPr>
-        </p:nvSpPr>
-        <p:spPr/>
-        <p:txBody>
-          <a:bodyPr/>
-          <a:lstStyle/>
-          <a:p>
-            <a:fld id="{E48E721A-00FE-6747-863C-C15498854AF9}" type="slidenum">
-              <a:rPr lang="en-US" smtClean="0"/>
-              <a:t>1</a:t>
-            </a:fld>
-            <a:endParaRPr lang="en-US" dirty="0"/>
-          </a:p>
-        </p:txBody>
-      </p:sp>
-    </p:spTree>
-    <p:extLst>
-      <p:ext uri="{BB962C8B-B14F-4D97-AF65-F5344CB8AC3E}">
-        <p14:creationId xmlns:p14="http://schemas.microsoft.com/office/powerpoint/2010/main" val="2335302401"/>
-      </p:ext>
-    </p:extLst>
-  </p:cSld>
-  <p:clrMapOvr>
-    <a:masterClrMapping/>
-  </p:clrMapOvr>
-</p:notes>
-</file>
-
 <file path=ppt/slideLayouts/slideLayout1.xml><?xml version="1.0" encoding="utf-8"?>
 <p:sldLayout xmlns:a="http://schemas.openxmlformats.org/drawingml/2006/main" xmlns:r="http://schemas.openxmlformats.org/officeDocument/2006/relationships" xmlns:p="http://schemas.openxmlformats.org/presentationml/2006/main" preserve="1" userDrawn="1">
   <p:cSld name="Content Slide, 1 Column">
@@ -836,6 +676,51 @@
               <a:rPr lang="en-US" dirty="0"/>
               <a:t>, black)</a:t>
             </a:r>
+          </a:p>
+        </p:txBody>
+      </p:sp>
+      <p:sp>
+        <p:nvSpPr>
+          <p:cNvPr id="4" name="Picture Placeholder 3">
+            <a:extLst>
+              <a:ext uri="{FF2B5EF4-FFF2-40B4-BE49-F238E27FC236}">
+                <a16:creationId xmlns:a16="http://schemas.microsoft.com/office/drawing/2014/main" id="{D6309535-C181-ED4A-0FFA-8DD3472245E8}"/>
+              </a:ext>
+            </a:extLst>
+          </p:cNvPr>
+          <p:cNvSpPr>
+            <a:spLocks noGrp="1"/>
+          </p:cNvSpPr>
+          <p:nvPr>
+            <p:ph type="pic" sz="quarter" idx="10"/>
+          </p:nvPr>
+        </p:nvSpPr>
+        <p:spPr>
+          <a:xfrm>
+            <a:off x="368300" y="1033462"/>
+            <a:ext cx="1599648" cy="1620286"/>
+          </a:xfrm>
+          <a:prstGeom prst="rect">
+            <a:avLst/>
+          </a:prstGeom>
+          <a:ln>
+            <a:solidFill>
+              <a:schemeClr val="bg2">
+                <a:lumMod val="90000"/>
+              </a:schemeClr>
+            </a:solidFill>
+          </a:ln>
+        </p:spPr>
+        <p:txBody>
+          <a:bodyPr/>
+          <a:lstStyle>
+            <a:lvl1pPr marL="0" indent="0">
+              <a:buNone/>
+              <a:defRPr/>
+            </a:lvl1pPr>
+          </a:lstStyle>
+          <a:p>
+            <a:endParaRPr lang="en-GB" dirty="0"/>
           </a:p>
         </p:txBody>
       </p:sp>
@@ -2046,10 +1931,10 @@
       </p:grpSpPr>
       <p:sp>
         <p:nvSpPr>
-          <p:cNvPr id="2" name="Title 1">
+          <p:cNvPr id="4" name="Title 1">
             <a:extLst>
               <a:ext uri="{FF2B5EF4-FFF2-40B4-BE49-F238E27FC236}">
-                <a16:creationId xmlns:a16="http://schemas.microsoft.com/office/drawing/2014/main" id="{09D75B50-EBEC-C16B-23DC-B222A906AD28}"/>
+                <a16:creationId xmlns:a16="http://schemas.microsoft.com/office/drawing/2014/main" id="{063EB3E1-2A8E-BD9A-3521-3A197167871C}"/>
               </a:ext>
             </a:extLst>
           </p:cNvPr>
@@ -2075,10 +1960,35 @@
       </p:sp>
       <p:sp>
         <p:nvSpPr>
+          <p:cNvPr id="2" name="Picture Placeholder 1">
+            <a:extLst>
+              <a:ext uri="{FF2B5EF4-FFF2-40B4-BE49-F238E27FC236}">
+                <a16:creationId xmlns:a16="http://schemas.microsoft.com/office/drawing/2014/main" id="{944BE91B-EBEA-7ADF-82AD-E334A38A5DA6}"/>
+              </a:ext>
+            </a:extLst>
+          </p:cNvPr>
+          <p:cNvSpPr>
+            <a:spLocks noGrp="1"/>
+          </p:cNvSpPr>
+          <p:nvPr>
+            <p:ph type="pic" sz="quarter" idx="10"/>
+          </p:nvPr>
+        </p:nvSpPr>
+        <p:spPr/>
+        <p:txBody>
+          <a:bodyPr/>
+          <a:lstStyle/>
+          <a:p>
+            <a:endParaRPr lang="en-GB"/>
+          </a:p>
+        </p:txBody>
+      </p:sp>
+      <p:sp>
+        <p:nvSpPr>
           <p:cNvPr id="5" name="TextBox 4">
             <a:extLst>
               <a:ext uri="{FF2B5EF4-FFF2-40B4-BE49-F238E27FC236}">
-                <a16:creationId xmlns:a16="http://schemas.microsoft.com/office/drawing/2014/main" id="{F8FCC046-9B7C-AECF-69D3-9FF636CFDFB4}"/>
+                <a16:creationId xmlns:a16="http://schemas.microsoft.com/office/drawing/2014/main" id="{4700E9C9-A097-1BF4-0E34-76E6A322CE56}"/>
               </a:ext>
             </a:extLst>
           </p:cNvPr>
@@ -2126,7 +2036,7 @@
           <p:cNvPr id="6" name="TextBox 5">
             <a:extLst>
               <a:ext uri="{FF2B5EF4-FFF2-40B4-BE49-F238E27FC236}">
-                <a16:creationId xmlns:a16="http://schemas.microsoft.com/office/drawing/2014/main" id="{6B329B34-4FAF-8F4E-C025-C47D29419048}"/>
+                <a16:creationId xmlns:a16="http://schemas.microsoft.com/office/drawing/2014/main" id="{1DE249F5-E8CF-6AEA-7E55-50EF99829310}"/>
               </a:ext>
             </a:extLst>
           </p:cNvPr>
@@ -2174,7 +2084,7 @@
           <p:cNvPr id="7" name="TextBox 6">
             <a:extLst>
               <a:ext uri="{FF2B5EF4-FFF2-40B4-BE49-F238E27FC236}">
-                <a16:creationId xmlns:a16="http://schemas.microsoft.com/office/drawing/2014/main" id="{48C55D70-E22C-49BD-06D6-677561706B9C}"/>
+                <a16:creationId xmlns:a16="http://schemas.microsoft.com/office/drawing/2014/main" id="{2E5EE21F-7106-62EE-62D1-CD2A7CBB4DFA}"/>
               </a:ext>
             </a:extLst>
           </p:cNvPr>
@@ -2222,7 +2132,7 @@
           <p:cNvPr id="8" name="TextBox 7">
             <a:extLst>
               <a:ext uri="{FF2B5EF4-FFF2-40B4-BE49-F238E27FC236}">
-                <a16:creationId xmlns:a16="http://schemas.microsoft.com/office/drawing/2014/main" id="{328ACF5A-9358-8923-E6E5-844732D10480}"/>
+                <a16:creationId xmlns:a16="http://schemas.microsoft.com/office/drawing/2014/main" id="{0DEEDCD8-5B53-8C89-153A-6A77A1CAF163}"/>
               </a:ext>
             </a:extLst>
           </p:cNvPr>
@@ -2270,7 +2180,7 @@
           <p:cNvPr id="9" name="TextBox 8">
             <a:extLst>
               <a:ext uri="{FF2B5EF4-FFF2-40B4-BE49-F238E27FC236}">
-                <a16:creationId xmlns:a16="http://schemas.microsoft.com/office/drawing/2014/main" id="{4F9BEC47-8304-4BF7-220B-46FD8E195A1B}"/>
+                <a16:creationId xmlns:a16="http://schemas.microsoft.com/office/drawing/2014/main" id="{B9EB075F-283A-76EE-7554-A7DF08F8E72A}"/>
               </a:ext>
             </a:extLst>
           </p:cNvPr>
@@ -2318,7 +2228,7 @@
           <p:cNvPr id="10" name="TextBox 9">
             <a:extLst>
               <a:ext uri="{FF2B5EF4-FFF2-40B4-BE49-F238E27FC236}">
-                <a16:creationId xmlns:a16="http://schemas.microsoft.com/office/drawing/2014/main" id="{BDBAAB95-1C21-1F39-6F6A-EDFCF3264BB8}"/>
+                <a16:creationId xmlns:a16="http://schemas.microsoft.com/office/drawing/2014/main" id="{CC74F28E-0042-7FB1-A247-2ECD1E8B3FAB}"/>
               </a:ext>
             </a:extLst>
           </p:cNvPr>
@@ -2349,27 +2259,7 @@
                 <a:latin typeface="Calibri" panose="020F0502020204030204" pitchFamily="34" charset="0"/>
                 <a:cs typeface="Calibri" panose="020F0502020204030204" pitchFamily="34" charset="0"/>
               </a:rPr>
-              <a:t>State_</a:t>
-            </a:r>
-            <a:r>
-              <a:rPr lang="en-GB" sz="1200" err="1">
-                <a:solidFill>
-                  <a:schemeClr val="accent2"/>
-                </a:solidFill>
-                <a:latin typeface="Calibri" panose="020F0502020204030204" pitchFamily="34" charset="0"/>
-                <a:cs typeface="Calibri" panose="020F0502020204030204" pitchFamily="34" charset="0"/>
-              </a:rPr>
-              <a:t>of</a:t>
-            </a:r>
-            <a:r>
-              <a:rPr lang="en-GB" sz="1200">
-                <a:solidFill>
-                  <a:schemeClr val="accent2"/>
-                </a:solidFill>
-                <a:latin typeface="Calibri" panose="020F0502020204030204" pitchFamily="34" charset="0"/>
-                <a:cs typeface="Calibri" panose="020F0502020204030204" pitchFamily="34" charset="0"/>
-              </a:rPr>
-              <a:t>_mind</a:t>
+              <a:t>State_of_mind</a:t>
             </a:r>
             <a:endParaRPr lang="en-GB" sz="1200" dirty="0">
               <a:solidFill>
@@ -2386,7 +2276,7 @@
           <p:cNvPr id="11" name="TextBox 10">
             <a:extLst>
               <a:ext uri="{FF2B5EF4-FFF2-40B4-BE49-F238E27FC236}">
-                <a16:creationId xmlns:a16="http://schemas.microsoft.com/office/drawing/2014/main" id="{44178D20-68EA-C5CF-895F-3572AEC05E5B}"/>
+                <a16:creationId xmlns:a16="http://schemas.microsoft.com/office/drawing/2014/main" id="{9B901899-91A7-AA66-9B55-5B59805A159F}"/>
               </a:ext>
             </a:extLst>
           </p:cNvPr>
@@ -2434,7 +2324,7 @@
           <p:cNvPr id="12" name="TextBox 11">
             <a:extLst>
               <a:ext uri="{FF2B5EF4-FFF2-40B4-BE49-F238E27FC236}">
-                <a16:creationId xmlns:a16="http://schemas.microsoft.com/office/drawing/2014/main" id="{F9D90B32-42E3-D744-6B70-E31435FA9093}"/>
+                <a16:creationId xmlns:a16="http://schemas.microsoft.com/office/drawing/2014/main" id="{CCA249EF-3450-9692-6AAB-AFC7C2C30480}"/>
               </a:ext>
             </a:extLst>
           </p:cNvPr>
@@ -2477,67 +2367,10 @@
           </a:p>
         </p:txBody>
       </p:sp>
-      <p:sp>
-        <p:nvSpPr>
-          <p:cNvPr id="3" name="Rectangle 2">
-            <a:extLst>
-              <a:ext uri="{FF2B5EF4-FFF2-40B4-BE49-F238E27FC236}">
-                <a16:creationId xmlns:a16="http://schemas.microsoft.com/office/drawing/2014/main" id="{9580ABBD-F7B2-AB70-5C08-BEE70741F957}"/>
-              </a:ext>
-            </a:extLst>
-          </p:cNvPr>
-          <p:cNvSpPr/>
-          <p:nvPr/>
-        </p:nvSpPr>
-        <p:spPr>
-          <a:xfrm>
-            <a:off x="361456" y="1033275"/>
-            <a:ext cx="1637465" cy="1638000"/>
-          </a:xfrm>
-          <a:prstGeom prst="rect">
-            <a:avLst/>
-          </a:prstGeom>
-          <a:noFill/>
-          <a:ln>
-            <a:solidFill>
-              <a:schemeClr val="bg2"/>
-            </a:solidFill>
-          </a:ln>
-          <a:effectLst/>
-        </p:spPr>
-        <p:style>
-          <a:lnRef idx="1">
-            <a:schemeClr val="accent1"/>
-          </a:lnRef>
-          <a:fillRef idx="3">
-            <a:schemeClr val="accent1"/>
-          </a:fillRef>
-          <a:effectRef idx="2">
-            <a:schemeClr val="accent1"/>
-          </a:effectRef>
-          <a:fontRef idx="minor">
-            <a:schemeClr val="lt1"/>
-          </a:fontRef>
-        </p:style>
-        <p:txBody>
-          <a:bodyPr lIns="0" tIns="0" rIns="0" bIns="0" rtlCol="0" anchor="ctr">
-            <a:normAutofit/>
-          </a:bodyPr>
-          <a:lstStyle/>
-          <a:p>
-            <a:pPr algn="ctr"/>
-            <a:endParaRPr lang="en-GB" dirty="0" err="1">
-              <a:solidFill>
-                <a:schemeClr val="tx2"/>
-              </a:solidFill>
-            </a:endParaRPr>
-          </a:p>
-        </p:txBody>
-      </p:sp>
     </p:spTree>
     <p:extLst>
       <p:ext uri="{BB962C8B-B14F-4D97-AF65-F5344CB8AC3E}">
-        <p14:creationId xmlns:p14="http://schemas.microsoft.com/office/powerpoint/2010/main" val="4040681455"/>
+        <p14:creationId xmlns:p14="http://schemas.microsoft.com/office/powerpoint/2010/main" val="2630289941"/>
       </p:ext>
     </p:extLst>
   </p:cSld>

--- a/Persona_template.pptx
+++ b/Persona_template.pptx
@@ -3,13 +3,16 @@
 <p:presentation xmlns:a="http://schemas.openxmlformats.org/drawingml/2006/main" xmlns:r="http://schemas.openxmlformats.org/officeDocument/2006/relationships" xmlns:p="http://schemas.openxmlformats.org/presentationml/2006/main" saveSubsetFonts="1" autoCompressPictures="0">
   <p:sldMasterIdLst>
     <p:sldMasterId id="2147484720" r:id="rId1"/>
-    <p:sldMasterId id="2147484723" r:id="rId2"/>
   </p:sldMasterIdLst>
   <p:notesMasterIdLst>
-    <p:notesMasterId r:id="rId4"/>
+    <p:notesMasterId r:id="rId7"/>
   </p:notesMasterIdLst>
   <p:sldIdLst>
-    <p:sldId id="2124817326" r:id="rId3"/>
+    <p:sldId id="2124817327" r:id="rId2"/>
+    <p:sldId id="2124817328" r:id="rId3"/>
+    <p:sldId id="2124817329" r:id="rId4"/>
+    <p:sldId id="2124817330" r:id="rId5"/>
+    <p:sldId id="2124817331" r:id="rId6"/>
   </p:sldIdLst>
   <p:sldSz cx="12188825" cy="6858000"/>
   <p:notesSz cx="6858000" cy="9144000"/>
@@ -344,7 +347,7 @@
           <a:p>
             <a:fld id="{4CDF1217-D7A3-A142-8B17-A4CFF57C0D82}" type="datetimeFigureOut">
               <a:rPr lang="en-US" smtClean="0"/>
-              <a:t>8/26/24</a:t>
+              <a:t>9/8/24</a:t>
             </a:fld>
             <a:endParaRPr lang="en-US" dirty="0"/>
           </a:p>
@@ -649,7 +652,7 @@
         </p:spPr>
         <p:txBody>
           <a:bodyPr lIns="0" tIns="0" rIns="0" bIns="0" anchor="ctr" anchorCtr="0">
-            <a:noAutofit/>
+            <a:normAutofit/>
           </a:bodyPr>
           <a:lstStyle>
             <a:lvl1pPr algn="l">
@@ -721,6 +724,119 @@
           </a:lstStyle>
           <a:p>
             <a:endParaRPr lang="en-GB" dirty="0"/>
+          </a:p>
+        </p:txBody>
+      </p:sp>
+      <p:sp>
+        <p:nvSpPr>
+          <p:cNvPr id="5" name="Content Placeholder 4">
+            <a:extLst>
+              <a:ext uri="{FF2B5EF4-FFF2-40B4-BE49-F238E27FC236}">
+                <a16:creationId xmlns:a16="http://schemas.microsoft.com/office/drawing/2014/main" id="{3B821211-6740-56ED-2890-8290A6A73B8F}"/>
+              </a:ext>
+            </a:extLst>
+          </p:cNvPr>
+          <p:cNvSpPr>
+            <a:spLocks noGrp="1"/>
+          </p:cNvSpPr>
+          <p:nvPr>
+            <p:ph sz="quarter" idx="11"/>
+          </p:nvPr>
+        </p:nvSpPr>
+        <p:spPr>
+          <a:xfrm>
+            <a:off x="259439" y="3102653"/>
+            <a:ext cx="3790045" cy="3632430"/>
+          </a:xfrm>
+          <a:prstGeom prst="rect">
+            <a:avLst/>
+          </a:prstGeom>
+        </p:spPr>
+        <p:txBody>
+          <a:bodyPr>
+            <a:normAutofit/>
+          </a:bodyPr>
+          <a:lstStyle>
+            <a:lvl1pPr marL="0" indent="0">
+              <a:buNone/>
+              <a:defRPr/>
+            </a:lvl1pPr>
+          </a:lstStyle>
+          <a:p>
+            <a:pPr lvl="0"/>
+            <a:endParaRPr lang="en-US" dirty="0"/>
+          </a:p>
+        </p:txBody>
+      </p:sp>
+      <p:sp>
+        <p:nvSpPr>
+          <p:cNvPr id="6" name="Content Placeholder 4">
+            <a:extLst>
+              <a:ext uri="{FF2B5EF4-FFF2-40B4-BE49-F238E27FC236}">
+                <a16:creationId xmlns:a16="http://schemas.microsoft.com/office/drawing/2014/main" id="{8E3BE5F0-09A4-5794-3447-88E560CFC183}"/>
+              </a:ext>
+            </a:extLst>
+          </p:cNvPr>
+          <p:cNvSpPr>
+            <a:spLocks noGrp="1"/>
+          </p:cNvSpPr>
+          <p:nvPr>
+            <p:ph sz="quarter" idx="12"/>
+          </p:nvPr>
+        </p:nvSpPr>
+        <p:spPr>
+          <a:xfrm>
+            <a:off x="4377696" y="1138415"/>
+            <a:ext cx="3702050" cy="5596667"/>
+          </a:xfrm>
+          <a:prstGeom prst="rect">
+            <a:avLst/>
+          </a:prstGeom>
+        </p:spPr>
+        <p:txBody>
+          <a:bodyPr>
+            <a:normAutofit/>
+          </a:bodyPr>
+          <a:lstStyle/>
+          <a:p>
+            <a:pPr lvl="0"/>
+            <a:endParaRPr lang="en-US" dirty="0"/>
+          </a:p>
+        </p:txBody>
+      </p:sp>
+      <p:sp>
+        <p:nvSpPr>
+          <p:cNvPr id="7" name="Content Placeholder 4">
+            <a:extLst>
+              <a:ext uri="{FF2B5EF4-FFF2-40B4-BE49-F238E27FC236}">
+                <a16:creationId xmlns:a16="http://schemas.microsoft.com/office/drawing/2014/main" id="{3E6ED589-846A-13A2-D3C4-45719CD94F58}"/>
+              </a:ext>
+            </a:extLst>
+          </p:cNvPr>
+          <p:cNvSpPr>
+            <a:spLocks noGrp="1"/>
+          </p:cNvSpPr>
+          <p:nvPr>
+            <p:ph sz="quarter" idx="13"/>
+          </p:nvPr>
+        </p:nvSpPr>
+        <p:spPr>
+          <a:xfrm>
+            <a:off x="8278232" y="1138415"/>
+            <a:ext cx="3702050" cy="5596667"/>
+          </a:xfrm>
+          <a:prstGeom prst="rect">
+            <a:avLst/>
+          </a:prstGeom>
+        </p:spPr>
+        <p:txBody>
+          <a:bodyPr>
+            <a:normAutofit/>
+          </a:bodyPr>
+          <a:lstStyle/>
+          <a:p>
+            <a:pPr lvl="0"/>
+            <a:endParaRPr lang="en-US" dirty="0"/>
           </a:p>
         </p:txBody>
       </p:sp>
@@ -1476,442 +1592,6 @@
 </p:sldMaster>
 </file>
 
-<file path=ppt/slideMasters/slideMaster2.xml><?xml version="1.0" encoding="utf-8"?>
-<p:sldMaster xmlns:a="http://schemas.openxmlformats.org/drawingml/2006/main" xmlns:r="http://schemas.openxmlformats.org/officeDocument/2006/relationships" xmlns:p="http://schemas.openxmlformats.org/presentationml/2006/main" preserve="1">
-  <p:cSld>
-    <p:bg>
-      <p:bgRef idx="1001">
-        <a:schemeClr val="bg1"/>
-      </p:bgRef>
-    </p:bg>
-    <p:spTree>
-      <p:nvGrpSpPr>
-        <p:cNvPr id="1" name=""/>
-        <p:cNvGrpSpPr/>
-        <p:nvPr/>
-      </p:nvGrpSpPr>
-      <p:grpSpPr>
-        <a:xfrm>
-          <a:off x="0" y="0"/>
-          <a:ext cx="0" cy="0"/>
-          <a:chOff x="0" y="0"/>
-          <a:chExt cx="0" cy="0"/>
-        </a:xfrm>
-      </p:grpSpPr>
-      <p:sp>
-        <p:nvSpPr>
-          <p:cNvPr id="7" name="Title 1">
-            <a:extLst>
-              <a:ext uri="{FF2B5EF4-FFF2-40B4-BE49-F238E27FC236}">
-                <a16:creationId xmlns:a16="http://schemas.microsoft.com/office/drawing/2014/main" id="{2E4089D1-EB69-16BB-ED58-2C55106A659F}"/>
-              </a:ext>
-            </a:extLst>
-          </p:cNvPr>
-          <p:cNvSpPr txBox="1">
-            <a:spLocks/>
-          </p:cNvSpPr>
-          <p:nvPr userDrawn="1"/>
-        </p:nvSpPr>
-        <p:spPr>
-          <a:xfrm>
-            <a:off x="487767" y="118875"/>
-            <a:ext cx="11204324" cy="914400"/>
-          </a:xfrm>
-          <a:prstGeom prst="rect">
-            <a:avLst/>
-          </a:prstGeom>
-        </p:spPr>
-        <p:txBody>
-          <a:bodyPr lIns="0" tIns="0" rIns="0" bIns="0" anchor="ctr" anchorCtr="0">
-            <a:noAutofit/>
-          </a:bodyPr>
-          <a:lstStyle>
-            <a:lvl1pPr algn="l" defTabSz="914400" rtl="0" eaLnBrk="1" latinLnBrk="0" hangingPunct="1">
-              <a:lnSpc>
-                <a:spcPct val="85000"/>
-              </a:lnSpc>
-              <a:spcBef>
-                <a:spcPct val="0"/>
-              </a:spcBef>
-              <a:buNone/>
-              <a:defRPr sz="2665" b="1" kern="1200" spc="-120" baseline="0">
-                <a:solidFill>
-                  <a:schemeClr val="bg1"/>
-                </a:solidFill>
-                <a:latin typeface="+mj-lt"/>
-                <a:ea typeface="+mj-ea"/>
-                <a:cs typeface="+mj-cs"/>
-              </a:defRPr>
-            </a:lvl1pPr>
-          </a:lstStyle>
-          <a:p>
-            <a:r>
-              <a:rPr lang="en-US"/>
-              <a:t>Click to edit header (Arial Bold 20 pt, black)</a:t>
-            </a:r>
-            <a:endParaRPr lang="en-US" dirty="0"/>
-          </a:p>
-        </p:txBody>
-      </p:sp>
-      <p:cxnSp>
-        <p:nvCxnSpPr>
-          <p:cNvPr id="13" name="Straight Connector 12">
-            <a:extLst>
-              <a:ext uri="{FF2B5EF4-FFF2-40B4-BE49-F238E27FC236}">
-                <a16:creationId xmlns:a16="http://schemas.microsoft.com/office/drawing/2014/main" id="{363F88C3-2F11-2759-130E-6A00B2ED5D7B}"/>
-              </a:ext>
-            </a:extLst>
-          </p:cNvPr>
-          <p:cNvCxnSpPr>
-            <a:cxnSpLocks/>
-          </p:cNvCxnSpPr>
-          <p:nvPr userDrawn="1"/>
-        </p:nvCxnSpPr>
-        <p:spPr>
-          <a:xfrm>
-            <a:off x="4213671" y="959705"/>
-            <a:ext cx="0" cy="5125787"/>
-          </a:xfrm>
-          <a:prstGeom prst="line">
-            <a:avLst/>
-          </a:prstGeom>
-          <a:noFill/>
-          <a:ln w="9525" cap="flat" cmpd="sng" algn="ctr">
-            <a:solidFill>
-              <a:schemeClr val="bg2">
-                <a:lumMod val="90000"/>
-              </a:schemeClr>
-            </a:solidFill>
-            <a:prstDash val="sysDot"/>
-          </a:ln>
-          <a:effectLst/>
-        </p:spPr>
-      </p:cxnSp>
-      <p:cxnSp>
-        <p:nvCxnSpPr>
-          <p:cNvPr id="14" name="Straight Connector 13">
-            <a:extLst>
-              <a:ext uri="{FF2B5EF4-FFF2-40B4-BE49-F238E27FC236}">
-                <a16:creationId xmlns:a16="http://schemas.microsoft.com/office/drawing/2014/main" id="{5C99A441-07BF-2062-96F1-1B9CAD47C9F5}"/>
-              </a:ext>
-            </a:extLst>
-          </p:cNvPr>
-          <p:cNvCxnSpPr>
-            <a:cxnSpLocks/>
-          </p:cNvCxnSpPr>
-          <p:nvPr userDrawn="1"/>
-        </p:nvCxnSpPr>
-        <p:spPr>
-          <a:xfrm>
-            <a:off x="8088257" y="959705"/>
-            <a:ext cx="0" cy="5125787"/>
-          </a:xfrm>
-          <a:prstGeom prst="line">
-            <a:avLst/>
-          </a:prstGeom>
-          <a:noFill/>
-          <a:ln w="9525" cap="flat" cmpd="sng" algn="ctr">
-            <a:solidFill>
-              <a:schemeClr val="bg2">
-                <a:lumMod val="90000"/>
-              </a:schemeClr>
-            </a:solidFill>
-            <a:prstDash val="sysDot"/>
-          </a:ln>
-          <a:effectLst/>
-        </p:spPr>
-      </p:cxnSp>
-    </p:spTree>
-    <p:extLst>
-      <p:ext uri="{BB962C8B-B14F-4D97-AF65-F5344CB8AC3E}">
-        <p14:creationId xmlns:p14="http://schemas.microsoft.com/office/powerpoint/2010/main" val="131788798"/>
-      </p:ext>
-    </p:extLst>
-  </p:cSld>
-  <p:clrMap bg1="lt1" tx1="dk1" bg2="lt2" tx2="dk2" accent1="accent1" accent2="accent2" accent3="accent3" accent4="accent4" accent5="accent5" accent6="accent6" hlink="hlink" folHlink="folHlink"/>
-  <p:txStyles>
-    <p:titleStyle>
-      <a:lvl1pPr algn="l" defTabSz="914400" rtl="0" eaLnBrk="1" latinLnBrk="0" hangingPunct="1">
-        <a:lnSpc>
-          <a:spcPct val="90000"/>
-        </a:lnSpc>
-        <a:spcBef>
-          <a:spcPct val="0"/>
-        </a:spcBef>
-        <a:buNone/>
-        <a:defRPr sz="4400" kern="1200">
-          <a:solidFill>
-            <a:schemeClr val="tx1"/>
-          </a:solidFill>
-          <a:latin typeface="+mj-lt"/>
-          <a:ea typeface="+mj-ea"/>
-          <a:cs typeface="+mj-cs"/>
-        </a:defRPr>
-      </a:lvl1pPr>
-    </p:titleStyle>
-    <p:bodyStyle>
-      <a:lvl1pPr marL="228600" indent="-228600" algn="l" defTabSz="914400" rtl="0" eaLnBrk="1" latinLnBrk="0" hangingPunct="1">
-        <a:lnSpc>
-          <a:spcPct val="90000"/>
-        </a:lnSpc>
-        <a:spcBef>
-          <a:spcPts val="1000"/>
-        </a:spcBef>
-        <a:buFont typeface="Arial" panose="020B0604020202020204" pitchFamily="34" charset="0"/>
-        <a:buChar char="•"/>
-        <a:defRPr sz="2800" kern="1200">
-          <a:solidFill>
-            <a:schemeClr val="tx1"/>
-          </a:solidFill>
-          <a:latin typeface="+mn-lt"/>
-          <a:ea typeface="+mn-ea"/>
-          <a:cs typeface="+mn-cs"/>
-        </a:defRPr>
-      </a:lvl1pPr>
-      <a:lvl2pPr marL="685800" indent="-228600" algn="l" defTabSz="914400" rtl="0" eaLnBrk="1" latinLnBrk="0" hangingPunct="1">
-        <a:lnSpc>
-          <a:spcPct val="90000"/>
-        </a:lnSpc>
-        <a:spcBef>
-          <a:spcPts val="500"/>
-        </a:spcBef>
-        <a:buFont typeface="Arial" panose="020B0604020202020204" pitchFamily="34" charset="0"/>
-        <a:buChar char="•"/>
-        <a:defRPr sz="2400" kern="1200">
-          <a:solidFill>
-            <a:schemeClr val="tx1"/>
-          </a:solidFill>
-          <a:latin typeface="+mn-lt"/>
-          <a:ea typeface="+mn-ea"/>
-          <a:cs typeface="+mn-cs"/>
-        </a:defRPr>
-      </a:lvl2pPr>
-      <a:lvl3pPr marL="1143000" indent="-228600" algn="l" defTabSz="914400" rtl="0" eaLnBrk="1" latinLnBrk="0" hangingPunct="1">
-        <a:lnSpc>
-          <a:spcPct val="90000"/>
-        </a:lnSpc>
-        <a:spcBef>
-          <a:spcPts val="500"/>
-        </a:spcBef>
-        <a:buFont typeface="Arial" panose="020B0604020202020204" pitchFamily="34" charset="0"/>
-        <a:buChar char="•"/>
-        <a:defRPr sz="2000" kern="1200">
-          <a:solidFill>
-            <a:schemeClr val="tx1"/>
-          </a:solidFill>
-          <a:latin typeface="+mn-lt"/>
-          <a:ea typeface="+mn-ea"/>
-          <a:cs typeface="+mn-cs"/>
-        </a:defRPr>
-      </a:lvl3pPr>
-      <a:lvl4pPr marL="1600200" indent="-228600" algn="l" defTabSz="914400" rtl="0" eaLnBrk="1" latinLnBrk="0" hangingPunct="1">
-        <a:lnSpc>
-          <a:spcPct val="90000"/>
-        </a:lnSpc>
-        <a:spcBef>
-          <a:spcPts val="500"/>
-        </a:spcBef>
-        <a:buFont typeface="Arial" panose="020B0604020202020204" pitchFamily="34" charset="0"/>
-        <a:buChar char="•"/>
-        <a:defRPr sz="1800" kern="1200">
-          <a:solidFill>
-            <a:schemeClr val="tx1"/>
-          </a:solidFill>
-          <a:latin typeface="+mn-lt"/>
-          <a:ea typeface="+mn-ea"/>
-          <a:cs typeface="+mn-cs"/>
-        </a:defRPr>
-      </a:lvl4pPr>
-      <a:lvl5pPr marL="2057400" indent="-228600" algn="l" defTabSz="914400" rtl="0" eaLnBrk="1" latinLnBrk="0" hangingPunct="1">
-        <a:lnSpc>
-          <a:spcPct val="90000"/>
-        </a:lnSpc>
-        <a:spcBef>
-          <a:spcPts val="500"/>
-        </a:spcBef>
-        <a:buFont typeface="Arial" panose="020B0604020202020204" pitchFamily="34" charset="0"/>
-        <a:buChar char="•"/>
-        <a:defRPr sz="1800" kern="1200">
-          <a:solidFill>
-            <a:schemeClr val="tx1"/>
-          </a:solidFill>
-          <a:latin typeface="+mn-lt"/>
-          <a:ea typeface="+mn-ea"/>
-          <a:cs typeface="+mn-cs"/>
-        </a:defRPr>
-      </a:lvl5pPr>
-      <a:lvl6pPr marL="2514600" indent="-228600" algn="l" defTabSz="914400" rtl="0" eaLnBrk="1" latinLnBrk="0" hangingPunct="1">
-        <a:lnSpc>
-          <a:spcPct val="90000"/>
-        </a:lnSpc>
-        <a:spcBef>
-          <a:spcPts val="500"/>
-        </a:spcBef>
-        <a:buFont typeface="Arial" panose="020B0604020202020204" pitchFamily="34" charset="0"/>
-        <a:buChar char="•"/>
-        <a:defRPr sz="1800" kern="1200">
-          <a:solidFill>
-            <a:schemeClr val="tx1"/>
-          </a:solidFill>
-          <a:latin typeface="+mn-lt"/>
-          <a:ea typeface="+mn-ea"/>
-          <a:cs typeface="+mn-cs"/>
-        </a:defRPr>
-      </a:lvl6pPr>
-      <a:lvl7pPr marL="2971800" indent="-228600" algn="l" defTabSz="914400" rtl="0" eaLnBrk="1" latinLnBrk="0" hangingPunct="1">
-        <a:lnSpc>
-          <a:spcPct val="90000"/>
-        </a:lnSpc>
-        <a:spcBef>
-          <a:spcPts val="500"/>
-        </a:spcBef>
-        <a:buFont typeface="Arial" panose="020B0604020202020204" pitchFamily="34" charset="0"/>
-        <a:buChar char="•"/>
-        <a:defRPr sz="1800" kern="1200">
-          <a:solidFill>
-            <a:schemeClr val="tx1"/>
-          </a:solidFill>
-          <a:latin typeface="+mn-lt"/>
-          <a:ea typeface="+mn-ea"/>
-          <a:cs typeface="+mn-cs"/>
-        </a:defRPr>
-      </a:lvl7pPr>
-      <a:lvl8pPr marL="3429000" indent="-228600" algn="l" defTabSz="914400" rtl="0" eaLnBrk="1" latinLnBrk="0" hangingPunct="1">
-        <a:lnSpc>
-          <a:spcPct val="90000"/>
-        </a:lnSpc>
-        <a:spcBef>
-          <a:spcPts val="500"/>
-        </a:spcBef>
-        <a:buFont typeface="Arial" panose="020B0604020202020204" pitchFamily="34" charset="0"/>
-        <a:buChar char="•"/>
-        <a:defRPr sz="1800" kern="1200">
-          <a:solidFill>
-            <a:schemeClr val="tx1"/>
-          </a:solidFill>
-          <a:latin typeface="+mn-lt"/>
-          <a:ea typeface="+mn-ea"/>
-          <a:cs typeface="+mn-cs"/>
-        </a:defRPr>
-      </a:lvl8pPr>
-      <a:lvl9pPr marL="3886200" indent="-228600" algn="l" defTabSz="914400" rtl="0" eaLnBrk="1" latinLnBrk="0" hangingPunct="1">
-        <a:lnSpc>
-          <a:spcPct val="90000"/>
-        </a:lnSpc>
-        <a:spcBef>
-          <a:spcPts val="500"/>
-        </a:spcBef>
-        <a:buFont typeface="Arial" panose="020B0604020202020204" pitchFamily="34" charset="0"/>
-        <a:buChar char="•"/>
-        <a:defRPr sz="1800" kern="1200">
-          <a:solidFill>
-            <a:schemeClr val="tx1"/>
-          </a:solidFill>
-          <a:latin typeface="+mn-lt"/>
-          <a:ea typeface="+mn-ea"/>
-          <a:cs typeface="+mn-cs"/>
-        </a:defRPr>
-      </a:lvl9pPr>
-    </p:bodyStyle>
-    <p:otherStyle>
-      <a:defPPr>
-        <a:defRPr lang="en-US"/>
-      </a:defPPr>
-      <a:lvl1pPr marL="0" algn="l" defTabSz="914400" rtl="0" eaLnBrk="1" latinLnBrk="0" hangingPunct="1">
-        <a:defRPr sz="1800" kern="1200">
-          <a:solidFill>
-            <a:schemeClr val="tx1"/>
-          </a:solidFill>
-          <a:latin typeface="+mn-lt"/>
-          <a:ea typeface="+mn-ea"/>
-          <a:cs typeface="+mn-cs"/>
-        </a:defRPr>
-      </a:lvl1pPr>
-      <a:lvl2pPr marL="457200" algn="l" defTabSz="914400" rtl="0" eaLnBrk="1" latinLnBrk="0" hangingPunct="1">
-        <a:defRPr sz="1800" kern="1200">
-          <a:solidFill>
-            <a:schemeClr val="tx1"/>
-          </a:solidFill>
-          <a:latin typeface="+mn-lt"/>
-          <a:ea typeface="+mn-ea"/>
-          <a:cs typeface="+mn-cs"/>
-        </a:defRPr>
-      </a:lvl2pPr>
-      <a:lvl3pPr marL="914400" algn="l" defTabSz="914400" rtl="0" eaLnBrk="1" latinLnBrk="0" hangingPunct="1">
-        <a:defRPr sz="1800" kern="1200">
-          <a:solidFill>
-            <a:schemeClr val="tx1"/>
-          </a:solidFill>
-          <a:latin typeface="+mn-lt"/>
-          <a:ea typeface="+mn-ea"/>
-          <a:cs typeface="+mn-cs"/>
-        </a:defRPr>
-      </a:lvl3pPr>
-      <a:lvl4pPr marL="1371600" algn="l" defTabSz="914400" rtl="0" eaLnBrk="1" latinLnBrk="0" hangingPunct="1">
-        <a:defRPr sz="1800" kern="1200">
-          <a:solidFill>
-            <a:schemeClr val="tx1"/>
-          </a:solidFill>
-          <a:latin typeface="+mn-lt"/>
-          <a:ea typeface="+mn-ea"/>
-          <a:cs typeface="+mn-cs"/>
-        </a:defRPr>
-      </a:lvl4pPr>
-      <a:lvl5pPr marL="1828800" algn="l" defTabSz="914400" rtl="0" eaLnBrk="1" latinLnBrk="0" hangingPunct="1">
-        <a:defRPr sz="1800" kern="1200">
-          <a:solidFill>
-            <a:schemeClr val="tx1"/>
-          </a:solidFill>
-          <a:latin typeface="+mn-lt"/>
-          <a:ea typeface="+mn-ea"/>
-          <a:cs typeface="+mn-cs"/>
-        </a:defRPr>
-      </a:lvl5pPr>
-      <a:lvl6pPr marL="2286000" algn="l" defTabSz="914400" rtl="0" eaLnBrk="1" latinLnBrk="0" hangingPunct="1">
-        <a:defRPr sz="1800" kern="1200">
-          <a:solidFill>
-            <a:schemeClr val="tx1"/>
-          </a:solidFill>
-          <a:latin typeface="+mn-lt"/>
-          <a:ea typeface="+mn-ea"/>
-          <a:cs typeface="+mn-cs"/>
-        </a:defRPr>
-      </a:lvl6pPr>
-      <a:lvl7pPr marL="2743200" algn="l" defTabSz="914400" rtl="0" eaLnBrk="1" latinLnBrk="0" hangingPunct="1">
-        <a:defRPr sz="1800" kern="1200">
-          <a:solidFill>
-            <a:schemeClr val="tx1"/>
-          </a:solidFill>
-          <a:latin typeface="+mn-lt"/>
-          <a:ea typeface="+mn-ea"/>
-          <a:cs typeface="+mn-cs"/>
-        </a:defRPr>
-      </a:lvl7pPr>
-      <a:lvl8pPr marL="3200400" algn="l" defTabSz="914400" rtl="0" eaLnBrk="1" latinLnBrk="0" hangingPunct="1">
-        <a:defRPr sz="1800" kern="1200">
-          <a:solidFill>
-            <a:schemeClr val="tx1"/>
-          </a:solidFill>
-          <a:latin typeface="+mn-lt"/>
-          <a:ea typeface="+mn-ea"/>
-          <a:cs typeface="+mn-cs"/>
-        </a:defRPr>
-      </a:lvl8pPr>
-      <a:lvl9pPr marL="3657600" algn="l" defTabSz="914400" rtl="0" eaLnBrk="1" latinLnBrk="0" hangingPunct="1">
-        <a:defRPr sz="1800" kern="1200">
-          <a:solidFill>
-            <a:schemeClr val="tx1"/>
-          </a:solidFill>
-          <a:latin typeface="+mn-lt"/>
-          <a:ea typeface="+mn-ea"/>
-          <a:cs typeface="+mn-cs"/>
-        </a:defRPr>
-      </a:lvl9pPr>
-    </p:otherStyle>
-  </p:txStyles>
-</p:sldMaster>
-</file>
-
 <file path=ppt/slides/slide1.xml><?xml version="1.0" encoding="utf-8"?>
 <p:sld xmlns:a="http://schemas.openxmlformats.org/drawingml/2006/main" xmlns:r="http://schemas.openxmlformats.org/officeDocument/2006/relationships" xmlns:p="http://schemas.openxmlformats.org/presentationml/2006/main">
   <p:cSld>
@@ -1931,10 +1611,10 @@
       </p:grpSpPr>
       <p:sp>
         <p:nvSpPr>
-          <p:cNvPr id="4" name="Title 1">
-            <a:extLst>
-              <a:ext uri="{FF2B5EF4-FFF2-40B4-BE49-F238E27FC236}">
-                <a16:creationId xmlns:a16="http://schemas.microsoft.com/office/drawing/2014/main" id="{063EB3E1-2A8E-BD9A-3521-3A197167871C}"/>
+          <p:cNvPr id="2" name="Title 1">
+            <a:extLst>
+              <a:ext uri="{FF2B5EF4-FFF2-40B4-BE49-F238E27FC236}">
+                <a16:creationId xmlns:a16="http://schemas.microsoft.com/office/drawing/2014/main" id="{808BA428-D470-5825-A761-30EAF666E252}"/>
               </a:ext>
             </a:extLst>
           </p:cNvPr>
@@ -1954,16 +1634,16 @@
               <a:rPr lang="en-GB" dirty="0" err="1"/>
               <a:t>Slide_title</a:t>
             </a:r>
-            <a:endParaRPr lang="en-GB" dirty="0"/>
-          </a:p>
-        </p:txBody>
-      </p:sp>
-      <p:sp>
-        <p:nvSpPr>
-          <p:cNvPr id="2" name="Picture Placeholder 1">
-            <a:extLst>
-              <a:ext uri="{FF2B5EF4-FFF2-40B4-BE49-F238E27FC236}">
-                <a16:creationId xmlns:a16="http://schemas.microsoft.com/office/drawing/2014/main" id="{944BE91B-EBEA-7ADF-82AD-E334A38A5DA6}"/>
+            <a:endParaRPr lang="en-US" dirty="0"/>
+          </a:p>
+        </p:txBody>
+      </p:sp>
+      <p:sp>
+        <p:nvSpPr>
+          <p:cNvPr id="3" name="Picture Placeholder 2">
+            <a:extLst>
+              <a:ext uri="{FF2B5EF4-FFF2-40B4-BE49-F238E27FC236}">
+                <a16:creationId xmlns:a16="http://schemas.microsoft.com/office/drawing/2014/main" id="{72261CC5-E2D0-2A17-508E-695CD0FAE199}"/>
               </a:ext>
             </a:extLst>
           </p:cNvPr>
@@ -1979,16 +1659,118 @@
           <a:bodyPr/>
           <a:lstStyle/>
           <a:p>
-            <a:endParaRPr lang="en-GB"/>
-          </a:p>
-        </p:txBody>
-      </p:sp>
-      <p:sp>
-        <p:nvSpPr>
-          <p:cNvPr id="5" name="TextBox 4">
-            <a:extLst>
-              <a:ext uri="{FF2B5EF4-FFF2-40B4-BE49-F238E27FC236}">
-                <a16:creationId xmlns:a16="http://schemas.microsoft.com/office/drawing/2014/main" id="{4700E9C9-A097-1BF4-0E34-76E6A322CE56}"/>
+            <a:endParaRPr lang="en-US" sz="1000" dirty="0"/>
+          </a:p>
+        </p:txBody>
+      </p:sp>
+      <p:sp>
+        <p:nvSpPr>
+          <p:cNvPr id="4" name="Content Placeholder 3">
+            <a:extLst>
+              <a:ext uri="{FF2B5EF4-FFF2-40B4-BE49-F238E27FC236}">
+                <a16:creationId xmlns:a16="http://schemas.microsoft.com/office/drawing/2014/main" id="{9703B410-2114-6D76-481B-274BC989B409}"/>
+              </a:ext>
+            </a:extLst>
+          </p:cNvPr>
+          <p:cNvSpPr>
+            <a:spLocks noGrp="1"/>
+          </p:cNvSpPr>
+          <p:nvPr>
+            <p:ph sz="quarter" idx="11"/>
+          </p:nvPr>
+        </p:nvSpPr>
+        <p:spPr/>
+        <p:txBody>
+          <a:bodyPr>
+            <a:normAutofit/>
+          </a:bodyPr>
+          <a:lstStyle/>
+          <a:p>
+            <a:pPr marL="0" indent="0">
+              <a:buNone/>
+            </a:pPr>
+            <a:r>
+              <a:rPr lang="en-US" sz="1000" dirty="0" err="1"/>
+              <a:t>State_of_mind</a:t>
+            </a:r>
+            <a:endParaRPr lang="en-US" sz="1000" dirty="0"/>
+          </a:p>
+        </p:txBody>
+      </p:sp>
+      <p:sp>
+        <p:nvSpPr>
+          <p:cNvPr id="5" name="Content Placeholder 4">
+            <a:extLst>
+              <a:ext uri="{FF2B5EF4-FFF2-40B4-BE49-F238E27FC236}">
+                <a16:creationId xmlns:a16="http://schemas.microsoft.com/office/drawing/2014/main" id="{A846382C-D1FE-6ADB-FF3E-E6157FA915D6}"/>
+              </a:ext>
+            </a:extLst>
+          </p:cNvPr>
+          <p:cNvSpPr>
+            <a:spLocks noGrp="1"/>
+          </p:cNvSpPr>
+          <p:nvPr>
+            <p:ph sz="quarter" idx="12"/>
+          </p:nvPr>
+        </p:nvSpPr>
+        <p:spPr/>
+        <p:txBody>
+          <a:bodyPr>
+            <a:normAutofit/>
+          </a:bodyPr>
+          <a:lstStyle/>
+          <a:p>
+            <a:pPr marL="0" indent="0">
+              <a:buNone/>
+            </a:pPr>
+            <a:r>
+              <a:rPr lang="en-US" sz="1000" dirty="0" err="1"/>
+              <a:t>Persona_unmet_needs</a:t>
+            </a:r>
+            <a:endParaRPr lang="en-US" sz="1000" dirty="0"/>
+          </a:p>
+        </p:txBody>
+      </p:sp>
+      <p:sp>
+        <p:nvSpPr>
+          <p:cNvPr id="6" name="Content Placeholder 5">
+            <a:extLst>
+              <a:ext uri="{FF2B5EF4-FFF2-40B4-BE49-F238E27FC236}">
+                <a16:creationId xmlns:a16="http://schemas.microsoft.com/office/drawing/2014/main" id="{DA68331F-DC3C-413F-F788-CB43F6335B1B}"/>
+              </a:ext>
+            </a:extLst>
+          </p:cNvPr>
+          <p:cNvSpPr>
+            <a:spLocks noGrp="1"/>
+          </p:cNvSpPr>
+          <p:nvPr>
+            <p:ph sz="quarter" idx="13"/>
+          </p:nvPr>
+        </p:nvSpPr>
+        <p:spPr/>
+        <p:txBody>
+          <a:bodyPr>
+            <a:normAutofit/>
+          </a:bodyPr>
+          <a:lstStyle/>
+          <a:p>
+            <a:pPr marL="0" indent="0">
+              <a:buNone/>
+            </a:pPr>
+            <a:r>
+              <a:rPr lang="en-US" sz="1000" dirty="0" err="1"/>
+              <a:t>Persona_pain_points</a:t>
+            </a:r>
+            <a:endParaRPr lang="en-US" sz="1000" dirty="0"/>
+          </a:p>
+        </p:txBody>
+      </p:sp>
+      <p:sp>
+        <p:nvSpPr>
+          <p:cNvPr id="7" name="TextBox 6">
+            <a:extLst>
+              <a:ext uri="{FF2B5EF4-FFF2-40B4-BE49-F238E27FC236}">
+                <a16:creationId xmlns:a16="http://schemas.microsoft.com/office/drawing/2014/main" id="{214F4F8C-8A97-440A-0598-E6BB6072E416}"/>
               </a:ext>
             </a:extLst>
           </p:cNvPr>
@@ -2033,10 +1815,10 @@
       </p:sp>
       <p:sp>
         <p:nvSpPr>
-          <p:cNvPr id="6" name="TextBox 5">
-            <a:extLst>
-              <a:ext uri="{FF2B5EF4-FFF2-40B4-BE49-F238E27FC236}">
-                <a16:creationId xmlns:a16="http://schemas.microsoft.com/office/drawing/2014/main" id="{1DE249F5-E8CF-6AEA-7E55-50EF99829310}"/>
+          <p:cNvPr id="8" name="TextBox 7">
+            <a:extLst>
+              <a:ext uri="{FF2B5EF4-FFF2-40B4-BE49-F238E27FC236}">
+                <a16:creationId xmlns:a16="http://schemas.microsoft.com/office/drawing/2014/main" id="{6CB095F7-005A-A419-5ED7-9099E5E396EF}"/>
               </a:ext>
             </a:extLst>
           </p:cNvPr>
@@ -2081,10 +1863,10 @@
       </p:sp>
       <p:sp>
         <p:nvSpPr>
-          <p:cNvPr id="7" name="TextBox 6">
-            <a:extLst>
-              <a:ext uri="{FF2B5EF4-FFF2-40B4-BE49-F238E27FC236}">
-                <a16:creationId xmlns:a16="http://schemas.microsoft.com/office/drawing/2014/main" id="{2E5EE21F-7106-62EE-62D1-CD2A7CBB4DFA}"/>
+          <p:cNvPr id="9" name="TextBox 8">
+            <a:extLst>
+              <a:ext uri="{FF2B5EF4-FFF2-40B4-BE49-F238E27FC236}">
+                <a16:creationId xmlns:a16="http://schemas.microsoft.com/office/drawing/2014/main" id="{8BA5D03C-C9DE-896C-B098-56ACDE87D402}"/>
               </a:ext>
             </a:extLst>
           </p:cNvPr>
@@ -2129,10 +1911,10 @@
       </p:sp>
       <p:sp>
         <p:nvSpPr>
-          <p:cNvPr id="8" name="TextBox 7">
-            <a:extLst>
-              <a:ext uri="{FF2B5EF4-FFF2-40B4-BE49-F238E27FC236}">
-                <a16:creationId xmlns:a16="http://schemas.microsoft.com/office/drawing/2014/main" id="{0DEEDCD8-5B53-8C89-153A-6A77A1CAF163}"/>
+          <p:cNvPr id="10" name="TextBox 9">
+            <a:extLst>
+              <a:ext uri="{FF2B5EF4-FFF2-40B4-BE49-F238E27FC236}">
+                <a16:creationId xmlns:a16="http://schemas.microsoft.com/office/drawing/2014/main" id="{E11F8062-D8C8-D7B8-E0BC-FA39A0385578}"/>
               </a:ext>
             </a:extLst>
           </p:cNvPr>
@@ -2177,10 +1959,10 @@
       </p:sp>
       <p:sp>
         <p:nvSpPr>
-          <p:cNvPr id="9" name="TextBox 8">
-            <a:extLst>
-              <a:ext uri="{FF2B5EF4-FFF2-40B4-BE49-F238E27FC236}">
-                <a16:creationId xmlns:a16="http://schemas.microsoft.com/office/drawing/2014/main" id="{B9EB075F-283A-76EE-7554-A7DF08F8E72A}"/>
+          <p:cNvPr id="11" name="TextBox 10">
+            <a:extLst>
+              <a:ext uri="{FF2B5EF4-FFF2-40B4-BE49-F238E27FC236}">
+                <a16:creationId xmlns:a16="http://schemas.microsoft.com/office/drawing/2014/main" id="{70FDF36B-D46C-E0C9-D893-D8A7551CF512}"/>
               </a:ext>
             </a:extLst>
           </p:cNvPr>
@@ -2223,12 +2005,198 @@
           </a:p>
         </p:txBody>
       </p:sp>
-      <p:sp>
-        <p:nvSpPr>
-          <p:cNvPr id="10" name="TextBox 9">
-            <a:extLst>
-              <a:ext uri="{FF2B5EF4-FFF2-40B4-BE49-F238E27FC236}">
-                <a16:creationId xmlns:a16="http://schemas.microsoft.com/office/drawing/2014/main" id="{CC74F28E-0042-7FB1-A247-2ECD1E8B3FAB}"/>
+    </p:spTree>
+    <p:extLst>
+      <p:ext uri="{BB962C8B-B14F-4D97-AF65-F5344CB8AC3E}">
+        <p14:creationId xmlns:p14="http://schemas.microsoft.com/office/powerpoint/2010/main" val="3080319418"/>
+      </p:ext>
+    </p:extLst>
+  </p:cSld>
+  <p:clrMapOvr>
+    <a:masterClrMapping/>
+  </p:clrMapOvr>
+</p:sld>
+</file>
+
+<file path=ppt/slides/slide2.xml><?xml version="1.0" encoding="utf-8"?>
+<p:sld xmlns:a="http://schemas.openxmlformats.org/drawingml/2006/main" xmlns:r="http://schemas.openxmlformats.org/officeDocument/2006/relationships" xmlns:p="http://schemas.openxmlformats.org/presentationml/2006/main">
+  <p:cSld>
+    <p:spTree>
+      <p:nvGrpSpPr>
+        <p:cNvPr id="1" name=""/>
+        <p:cNvGrpSpPr/>
+        <p:nvPr/>
+      </p:nvGrpSpPr>
+      <p:grpSpPr>
+        <a:xfrm>
+          <a:off x="0" y="0"/>
+          <a:ext cx="0" cy="0"/>
+          <a:chOff x="0" y="0"/>
+          <a:chExt cx="0" cy="0"/>
+        </a:xfrm>
+      </p:grpSpPr>
+      <p:sp>
+        <p:nvSpPr>
+          <p:cNvPr id="2" name="Title 1">
+            <a:extLst>
+              <a:ext uri="{FF2B5EF4-FFF2-40B4-BE49-F238E27FC236}">
+                <a16:creationId xmlns:a16="http://schemas.microsoft.com/office/drawing/2014/main" id="{808BA428-D470-5825-A761-30EAF666E252}"/>
+              </a:ext>
+            </a:extLst>
+          </p:cNvPr>
+          <p:cNvSpPr>
+            <a:spLocks noGrp="1"/>
+          </p:cNvSpPr>
+          <p:nvPr>
+            <p:ph type="title"/>
+          </p:nvPr>
+        </p:nvSpPr>
+        <p:spPr/>
+        <p:txBody>
+          <a:bodyPr/>
+          <a:lstStyle/>
+          <a:p>
+            <a:r>
+              <a:rPr lang="en-GB" dirty="0" err="1"/>
+              <a:t>Slide_title</a:t>
+            </a:r>
+            <a:endParaRPr lang="en-US" dirty="0"/>
+          </a:p>
+        </p:txBody>
+      </p:sp>
+      <p:sp>
+        <p:nvSpPr>
+          <p:cNvPr id="3" name="Picture Placeholder 2">
+            <a:extLst>
+              <a:ext uri="{FF2B5EF4-FFF2-40B4-BE49-F238E27FC236}">
+                <a16:creationId xmlns:a16="http://schemas.microsoft.com/office/drawing/2014/main" id="{72261CC5-E2D0-2A17-508E-695CD0FAE199}"/>
+              </a:ext>
+            </a:extLst>
+          </p:cNvPr>
+          <p:cNvSpPr>
+            <a:spLocks noGrp="1"/>
+          </p:cNvSpPr>
+          <p:nvPr>
+            <p:ph type="pic" sz="quarter" idx="10"/>
+          </p:nvPr>
+        </p:nvSpPr>
+        <p:spPr/>
+        <p:txBody>
+          <a:bodyPr/>
+          <a:lstStyle/>
+          <a:p>
+            <a:endParaRPr lang="en-US" sz="1000" dirty="0"/>
+          </a:p>
+        </p:txBody>
+      </p:sp>
+      <p:sp>
+        <p:nvSpPr>
+          <p:cNvPr id="4" name="Content Placeholder 3">
+            <a:extLst>
+              <a:ext uri="{FF2B5EF4-FFF2-40B4-BE49-F238E27FC236}">
+                <a16:creationId xmlns:a16="http://schemas.microsoft.com/office/drawing/2014/main" id="{9703B410-2114-6D76-481B-274BC989B409}"/>
+              </a:ext>
+            </a:extLst>
+          </p:cNvPr>
+          <p:cNvSpPr>
+            <a:spLocks noGrp="1"/>
+          </p:cNvSpPr>
+          <p:nvPr>
+            <p:ph sz="quarter" idx="11"/>
+          </p:nvPr>
+        </p:nvSpPr>
+        <p:spPr/>
+        <p:txBody>
+          <a:bodyPr>
+            <a:normAutofit/>
+          </a:bodyPr>
+          <a:lstStyle/>
+          <a:p>
+            <a:pPr marL="0" indent="0">
+              <a:buNone/>
+            </a:pPr>
+            <a:r>
+              <a:rPr lang="en-US" sz="1000" dirty="0" err="1"/>
+              <a:t>State_of_mind</a:t>
+            </a:r>
+            <a:endParaRPr lang="en-US" sz="1000" dirty="0"/>
+          </a:p>
+        </p:txBody>
+      </p:sp>
+      <p:sp>
+        <p:nvSpPr>
+          <p:cNvPr id="5" name="Content Placeholder 4">
+            <a:extLst>
+              <a:ext uri="{FF2B5EF4-FFF2-40B4-BE49-F238E27FC236}">
+                <a16:creationId xmlns:a16="http://schemas.microsoft.com/office/drawing/2014/main" id="{A846382C-D1FE-6ADB-FF3E-E6157FA915D6}"/>
+              </a:ext>
+            </a:extLst>
+          </p:cNvPr>
+          <p:cNvSpPr>
+            <a:spLocks noGrp="1"/>
+          </p:cNvSpPr>
+          <p:nvPr>
+            <p:ph sz="quarter" idx="12"/>
+          </p:nvPr>
+        </p:nvSpPr>
+        <p:spPr/>
+        <p:txBody>
+          <a:bodyPr>
+            <a:normAutofit/>
+          </a:bodyPr>
+          <a:lstStyle/>
+          <a:p>
+            <a:pPr marL="0" indent="0">
+              <a:buNone/>
+            </a:pPr>
+            <a:r>
+              <a:rPr lang="en-US" sz="1000" dirty="0" err="1"/>
+              <a:t>Persona_unmet_needs</a:t>
+            </a:r>
+            <a:endParaRPr lang="en-US" sz="1000" dirty="0"/>
+          </a:p>
+        </p:txBody>
+      </p:sp>
+      <p:sp>
+        <p:nvSpPr>
+          <p:cNvPr id="6" name="Content Placeholder 5">
+            <a:extLst>
+              <a:ext uri="{FF2B5EF4-FFF2-40B4-BE49-F238E27FC236}">
+                <a16:creationId xmlns:a16="http://schemas.microsoft.com/office/drawing/2014/main" id="{DA68331F-DC3C-413F-F788-CB43F6335B1B}"/>
+              </a:ext>
+            </a:extLst>
+          </p:cNvPr>
+          <p:cNvSpPr>
+            <a:spLocks noGrp="1"/>
+          </p:cNvSpPr>
+          <p:nvPr>
+            <p:ph sz="quarter" idx="13"/>
+          </p:nvPr>
+        </p:nvSpPr>
+        <p:spPr/>
+        <p:txBody>
+          <a:bodyPr>
+            <a:normAutofit/>
+          </a:bodyPr>
+          <a:lstStyle/>
+          <a:p>
+            <a:pPr marL="0" indent="0">
+              <a:buNone/>
+            </a:pPr>
+            <a:r>
+              <a:rPr lang="en-US" sz="1000" dirty="0" err="1"/>
+              <a:t>Persona_pain_points</a:t>
+            </a:r>
+            <a:endParaRPr lang="en-US" sz="1000" dirty="0"/>
+          </a:p>
+        </p:txBody>
+      </p:sp>
+      <p:sp>
+        <p:nvSpPr>
+          <p:cNvPr id="7" name="TextBox 6">
+            <a:extLst>
+              <a:ext uri="{FF2B5EF4-FFF2-40B4-BE49-F238E27FC236}">
+                <a16:creationId xmlns:a16="http://schemas.microsoft.com/office/drawing/2014/main" id="{214F4F8C-8A97-440A-0598-E6BB6072E416}"/>
               </a:ext>
             </a:extLst>
           </p:cNvPr>
@@ -2237,8 +2205,8 @@
         </p:nvSpPr>
         <p:spPr>
           <a:xfrm>
-            <a:off x="261862" y="3086789"/>
-            <a:ext cx="3911035" cy="276999"/>
+            <a:off x="2532262" y="962547"/>
+            <a:ext cx="1566099" cy="276999"/>
           </a:xfrm>
           <a:prstGeom prst="rect">
             <a:avLst/>
@@ -2259,7 +2227,7 @@
                 <a:latin typeface="Calibri" panose="020F0502020204030204" pitchFamily="34" charset="0"/>
                 <a:cs typeface="Calibri" panose="020F0502020204030204" pitchFamily="34" charset="0"/>
               </a:rPr>
-              <a:t>State_of_mind</a:t>
+              <a:t>Persona_name</a:t>
             </a:r>
             <a:endParaRPr lang="en-GB" sz="1200" dirty="0">
               <a:solidFill>
@@ -2273,10 +2241,10 @@
       </p:sp>
       <p:sp>
         <p:nvSpPr>
-          <p:cNvPr id="11" name="TextBox 10">
-            <a:extLst>
-              <a:ext uri="{FF2B5EF4-FFF2-40B4-BE49-F238E27FC236}">
-                <a16:creationId xmlns:a16="http://schemas.microsoft.com/office/drawing/2014/main" id="{9B901899-91A7-AA66-9B55-5B59805A159F}"/>
+          <p:cNvPr id="8" name="TextBox 7">
+            <a:extLst>
+              <a:ext uri="{FF2B5EF4-FFF2-40B4-BE49-F238E27FC236}">
+                <a16:creationId xmlns:a16="http://schemas.microsoft.com/office/drawing/2014/main" id="{6CB095F7-005A-A419-5ED7-9099E5E396EF}"/>
               </a:ext>
             </a:extLst>
           </p:cNvPr>
@@ -2285,8 +2253,8 @@
         </p:nvSpPr>
         <p:spPr>
           <a:xfrm>
-            <a:off x="4375819" y="1135155"/>
-            <a:ext cx="3572747" cy="287103"/>
+            <a:off x="2383451" y="1182563"/>
+            <a:ext cx="1566099" cy="276999"/>
           </a:xfrm>
           <a:prstGeom prst="rect">
             <a:avLst/>
@@ -2307,7 +2275,7 @@
                 <a:latin typeface="Calibri" panose="020F0502020204030204" pitchFamily="34" charset="0"/>
                 <a:cs typeface="Calibri" panose="020F0502020204030204" pitchFamily="34" charset="0"/>
               </a:rPr>
-              <a:t>Persona_unmet_needs</a:t>
+              <a:t>Persona_age</a:t>
             </a:r>
             <a:endParaRPr lang="en-GB" sz="1200" dirty="0">
               <a:solidFill>
@@ -2321,10 +2289,10 @@
       </p:sp>
       <p:sp>
         <p:nvSpPr>
-          <p:cNvPr id="12" name="TextBox 11">
-            <a:extLst>
-              <a:ext uri="{FF2B5EF4-FFF2-40B4-BE49-F238E27FC236}">
-                <a16:creationId xmlns:a16="http://schemas.microsoft.com/office/drawing/2014/main" id="{CCA249EF-3450-9692-6AAB-AFC7C2C30480}"/>
+          <p:cNvPr id="9" name="TextBox 8">
+            <a:extLst>
+              <a:ext uri="{FF2B5EF4-FFF2-40B4-BE49-F238E27FC236}">
+                <a16:creationId xmlns:a16="http://schemas.microsoft.com/office/drawing/2014/main" id="{8BA5D03C-C9DE-896C-B098-56ACDE87D402}"/>
               </a:ext>
             </a:extLst>
           </p:cNvPr>
@@ -2333,8 +2301,8 @@
         </p:nvSpPr>
         <p:spPr>
           <a:xfrm>
-            <a:off x="8282508" y="1135155"/>
-            <a:ext cx="3572747" cy="287103"/>
+            <a:off x="2674161" y="1393982"/>
+            <a:ext cx="1566099" cy="276999"/>
           </a:xfrm>
           <a:prstGeom prst="rect">
             <a:avLst/>
@@ -2355,7 +2323,7 @@
                 <a:latin typeface="Calibri" panose="020F0502020204030204" pitchFamily="34" charset="0"/>
                 <a:cs typeface="Calibri" panose="020F0502020204030204" pitchFamily="34" charset="0"/>
               </a:rPr>
-              <a:t>Persona_pain_points</a:t>
+              <a:t>Persona_location</a:t>
             </a:r>
             <a:endParaRPr lang="en-GB" sz="1200" dirty="0">
               <a:solidFill>
@@ -2367,10 +2335,1384 @@
           </a:p>
         </p:txBody>
       </p:sp>
+      <p:sp>
+        <p:nvSpPr>
+          <p:cNvPr id="10" name="TextBox 9">
+            <a:extLst>
+              <a:ext uri="{FF2B5EF4-FFF2-40B4-BE49-F238E27FC236}">
+                <a16:creationId xmlns:a16="http://schemas.microsoft.com/office/drawing/2014/main" id="{E11F8062-D8C8-D7B8-E0BC-FA39A0385578}"/>
+              </a:ext>
+            </a:extLst>
+          </p:cNvPr>
+          <p:cNvSpPr txBox="1"/>
+          <p:nvPr/>
+        </p:nvSpPr>
+        <p:spPr>
+          <a:xfrm>
+            <a:off x="2061740" y="1742920"/>
+            <a:ext cx="2178519" cy="276999"/>
+          </a:xfrm>
+          <a:prstGeom prst="rect">
+            <a:avLst/>
+          </a:prstGeom>
+          <a:noFill/>
+        </p:spPr>
+        <p:txBody>
+          <a:bodyPr wrap="square" rtlCol="0">
+            <a:spAutoFit/>
+          </a:bodyPr>
+          <a:lstStyle/>
+          <a:p>
+            <a:r>
+              <a:rPr lang="en-GB" sz="1200" dirty="0" err="1">
+                <a:solidFill>
+                  <a:schemeClr val="accent2"/>
+                </a:solidFill>
+                <a:latin typeface="Calibri" panose="020F0502020204030204" pitchFamily="34" charset="0"/>
+                <a:cs typeface="Calibri" panose="020F0502020204030204" pitchFamily="34" charset="0"/>
+              </a:rPr>
+              <a:t>Persona_occupation</a:t>
+            </a:r>
+            <a:endParaRPr lang="en-GB" sz="1200" dirty="0">
+              <a:solidFill>
+                <a:schemeClr val="accent2"/>
+              </a:solidFill>
+              <a:latin typeface="Calibri" panose="020F0502020204030204" pitchFamily="34" charset="0"/>
+              <a:cs typeface="Calibri" panose="020F0502020204030204" pitchFamily="34" charset="0"/>
+            </a:endParaRPr>
+          </a:p>
+        </p:txBody>
+      </p:sp>
+      <p:sp>
+        <p:nvSpPr>
+          <p:cNvPr id="11" name="TextBox 10">
+            <a:extLst>
+              <a:ext uri="{FF2B5EF4-FFF2-40B4-BE49-F238E27FC236}">
+                <a16:creationId xmlns:a16="http://schemas.microsoft.com/office/drawing/2014/main" id="{70FDF36B-D46C-E0C9-D893-D8A7551CF512}"/>
+              </a:ext>
+            </a:extLst>
+          </p:cNvPr>
+          <p:cNvSpPr txBox="1"/>
+          <p:nvPr/>
+        </p:nvSpPr>
+        <p:spPr>
+          <a:xfrm>
+            <a:off x="2072322" y="2165776"/>
+            <a:ext cx="1648611" cy="276999"/>
+          </a:xfrm>
+          <a:prstGeom prst="rect">
+            <a:avLst/>
+          </a:prstGeom>
+          <a:noFill/>
+        </p:spPr>
+        <p:txBody>
+          <a:bodyPr wrap="square" rtlCol="0">
+            <a:spAutoFit/>
+          </a:bodyPr>
+          <a:lstStyle/>
+          <a:p>
+            <a:r>
+              <a:rPr lang="en-GB" sz="1200" dirty="0" err="1">
+                <a:solidFill>
+                  <a:schemeClr val="accent2"/>
+                </a:solidFill>
+                <a:latin typeface="Calibri" panose="020F0502020204030204" pitchFamily="34" charset="0"/>
+                <a:cs typeface="Calibri" panose="020F0502020204030204" pitchFamily="34" charset="0"/>
+              </a:rPr>
+              <a:t>Persona_relationships</a:t>
+            </a:r>
+            <a:endParaRPr lang="en-GB" sz="1200" dirty="0">
+              <a:solidFill>
+                <a:schemeClr val="accent2"/>
+              </a:solidFill>
+              <a:latin typeface="Calibri" panose="020F0502020204030204" pitchFamily="34" charset="0"/>
+              <a:cs typeface="Calibri" panose="020F0502020204030204" pitchFamily="34" charset="0"/>
+            </a:endParaRPr>
+          </a:p>
+        </p:txBody>
+      </p:sp>
     </p:spTree>
     <p:extLst>
       <p:ext uri="{BB962C8B-B14F-4D97-AF65-F5344CB8AC3E}">
-        <p14:creationId xmlns:p14="http://schemas.microsoft.com/office/powerpoint/2010/main" val="2630289941"/>
+        <p14:creationId xmlns:p14="http://schemas.microsoft.com/office/powerpoint/2010/main" val="1263305262"/>
+      </p:ext>
+    </p:extLst>
+  </p:cSld>
+  <p:clrMapOvr>
+    <a:masterClrMapping/>
+  </p:clrMapOvr>
+</p:sld>
+</file>
+
+<file path=ppt/slides/slide3.xml><?xml version="1.0" encoding="utf-8"?>
+<p:sld xmlns:a="http://schemas.openxmlformats.org/drawingml/2006/main" xmlns:r="http://schemas.openxmlformats.org/officeDocument/2006/relationships" xmlns:p="http://schemas.openxmlformats.org/presentationml/2006/main">
+  <p:cSld>
+    <p:spTree>
+      <p:nvGrpSpPr>
+        <p:cNvPr id="1" name=""/>
+        <p:cNvGrpSpPr/>
+        <p:nvPr/>
+      </p:nvGrpSpPr>
+      <p:grpSpPr>
+        <a:xfrm>
+          <a:off x="0" y="0"/>
+          <a:ext cx="0" cy="0"/>
+          <a:chOff x="0" y="0"/>
+          <a:chExt cx="0" cy="0"/>
+        </a:xfrm>
+      </p:grpSpPr>
+      <p:sp>
+        <p:nvSpPr>
+          <p:cNvPr id="2" name="Title 1">
+            <a:extLst>
+              <a:ext uri="{FF2B5EF4-FFF2-40B4-BE49-F238E27FC236}">
+                <a16:creationId xmlns:a16="http://schemas.microsoft.com/office/drawing/2014/main" id="{808BA428-D470-5825-A761-30EAF666E252}"/>
+              </a:ext>
+            </a:extLst>
+          </p:cNvPr>
+          <p:cNvSpPr>
+            <a:spLocks noGrp="1"/>
+          </p:cNvSpPr>
+          <p:nvPr>
+            <p:ph type="title"/>
+          </p:nvPr>
+        </p:nvSpPr>
+        <p:spPr/>
+        <p:txBody>
+          <a:bodyPr/>
+          <a:lstStyle/>
+          <a:p>
+            <a:r>
+              <a:rPr lang="en-GB" dirty="0" err="1"/>
+              <a:t>Slide_title</a:t>
+            </a:r>
+            <a:endParaRPr lang="en-US" dirty="0"/>
+          </a:p>
+        </p:txBody>
+      </p:sp>
+      <p:sp>
+        <p:nvSpPr>
+          <p:cNvPr id="3" name="Picture Placeholder 2">
+            <a:extLst>
+              <a:ext uri="{FF2B5EF4-FFF2-40B4-BE49-F238E27FC236}">
+                <a16:creationId xmlns:a16="http://schemas.microsoft.com/office/drawing/2014/main" id="{72261CC5-E2D0-2A17-508E-695CD0FAE199}"/>
+              </a:ext>
+            </a:extLst>
+          </p:cNvPr>
+          <p:cNvSpPr>
+            <a:spLocks noGrp="1"/>
+          </p:cNvSpPr>
+          <p:nvPr>
+            <p:ph type="pic" sz="quarter" idx="10"/>
+          </p:nvPr>
+        </p:nvSpPr>
+        <p:spPr/>
+        <p:txBody>
+          <a:bodyPr/>
+          <a:lstStyle/>
+          <a:p>
+            <a:endParaRPr lang="en-US" sz="1000" dirty="0"/>
+          </a:p>
+        </p:txBody>
+      </p:sp>
+      <p:sp>
+        <p:nvSpPr>
+          <p:cNvPr id="4" name="Content Placeholder 3">
+            <a:extLst>
+              <a:ext uri="{FF2B5EF4-FFF2-40B4-BE49-F238E27FC236}">
+                <a16:creationId xmlns:a16="http://schemas.microsoft.com/office/drawing/2014/main" id="{9703B410-2114-6D76-481B-274BC989B409}"/>
+              </a:ext>
+            </a:extLst>
+          </p:cNvPr>
+          <p:cNvSpPr>
+            <a:spLocks noGrp="1"/>
+          </p:cNvSpPr>
+          <p:nvPr>
+            <p:ph sz="quarter" idx="11"/>
+          </p:nvPr>
+        </p:nvSpPr>
+        <p:spPr/>
+        <p:txBody>
+          <a:bodyPr>
+            <a:normAutofit/>
+          </a:bodyPr>
+          <a:lstStyle/>
+          <a:p>
+            <a:pPr marL="0" indent="0">
+              <a:buNone/>
+            </a:pPr>
+            <a:r>
+              <a:rPr lang="en-US" sz="1000" dirty="0" err="1"/>
+              <a:t>State_of_mind</a:t>
+            </a:r>
+            <a:endParaRPr lang="en-US" sz="1000" dirty="0"/>
+          </a:p>
+        </p:txBody>
+      </p:sp>
+      <p:sp>
+        <p:nvSpPr>
+          <p:cNvPr id="5" name="Content Placeholder 4">
+            <a:extLst>
+              <a:ext uri="{FF2B5EF4-FFF2-40B4-BE49-F238E27FC236}">
+                <a16:creationId xmlns:a16="http://schemas.microsoft.com/office/drawing/2014/main" id="{A846382C-D1FE-6ADB-FF3E-E6157FA915D6}"/>
+              </a:ext>
+            </a:extLst>
+          </p:cNvPr>
+          <p:cNvSpPr>
+            <a:spLocks noGrp="1"/>
+          </p:cNvSpPr>
+          <p:nvPr>
+            <p:ph sz="quarter" idx="12"/>
+          </p:nvPr>
+        </p:nvSpPr>
+        <p:spPr/>
+        <p:txBody>
+          <a:bodyPr>
+            <a:normAutofit/>
+          </a:bodyPr>
+          <a:lstStyle/>
+          <a:p>
+            <a:pPr marL="0" indent="0">
+              <a:buNone/>
+            </a:pPr>
+            <a:r>
+              <a:rPr lang="en-US" sz="1000" dirty="0" err="1"/>
+              <a:t>Persona_unmet_needs</a:t>
+            </a:r>
+            <a:endParaRPr lang="en-US" sz="1000" dirty="0"/>
+          </a:p>
+        </p:txBody>
+      </p:sp>
+      <p:sp>
+        <p:nvSpPr>
+          <p:cNvPr id="6" name="Content Placeholder 5">
+            <a:extLst>
+              <a:ext uri="{FF2B5EF4-FFF2-40B4-BE49-F238E27FC236}">
+                <a16:creationId xmlns:a16="http://schemas.microsoft.com/office/drawing/2014/main" id="{DA68331F-DC3C-413F-F788-CB43F6335B1B}"/>
+              </a:ext>
+            </a:extLst>
+          </p:cNvPr>
+          <p:cNvSpPr>
+            <a:spLocks noGrp="1"/>
+          </p:cNvSpPr>
+          <p:nvPr>
+            <p:ph sz="quarter" idx="13"/>
+          </p:nvPr>
+        </p:nvSpPr>
+        <p:spPr/>
+        <p:txBody>
+          <a:bodyPr>
+            <a:normAutofit/>
+          </a:bodyPr>
+          <a:lstStyle/>
+          <a:p>
+            <a:pPr marL="0" indent="0">
+              <a:buNone/>
+            </a:pPr>
+            <a:r>
+              <a:rPr lang="en-US" sz="1000" dirty="0" err="1"/>
+              <a:t>Persona_pain_points</a:t>
+            </a:r>
+            <a:endParaRPr lang="en-US" sz="1000" dirty="0"/>
+          </a:p>
+        </p:txBody>
+      </p:sp>
+      <p:sp>
+        <p:nvSpPr>
+          <p:cNvPr id="7" name="TextBox 6">
+            <a:extLst>
+              <a:ext uri="{FF2B5EF4-FFF2-40B4-BE49-F238E27FC236}">
+                <a16:creationId xmlns:a16="http://schemas.microsoft.com/office/drawing/2014/main" id="{214F4F8C-8A97-440A-0598-E6BB6072E416}"/>
+              </a:ext>
+            </a:extLst>
+          </p:cNvPr>
+          <p:cNvSpPr txBox="1"/>
+          <p:nvPr/>
+        </p:nvSpPr>
+        <p:spPr>
+          <a:xfrm>
+            <a:off x="2532262" y="962547"/>
+            <a:ext cx="1566099" cy="276999"/>
+          </a:xfrm>
+          <a:prstGeom prst="rect">
+            <a:avLst/>
+          </a:prstGeom>
+          <a:noFill/>
+        </p:spPr>
+        <p:txBody>
+          <a:bodyPr wrap="square" rtlCol="0">
+            <a:spAutoFit/>
+          </a:bodyPr>
+          <a:lstStyle/>
+          <a:p>
+            <a:r>
+              <a:rPr lang="en-GB" sz="1200" dirty="0" err="1">
+                <a:solidFill>
+                  <a:schemeClr val="accent2"/>
+                </a:solidFill>
+                <a:latin typeface="Calibri" panose="020F0502020204030204" pitchFamily="34" charset="0"/>
+                <a:cs typeface="Calibri" panose="020F0502020204030204" pitchFamily="34" charset="0"/>
+              </a:rPr>
+              <a:t>Persona_name</a:t>
+            </a:r>
+            <a:endParaRPr lang="en-GB" sz="1200" dirty="0">
+              <a:solidFill>
+                <a:schemeClr val="accent2"/>
+              </a:solidFill>
+              <a:latin typeface="Calibri" panose="020F0502020204030204" pitchFamily="34" charset="0"/>
+              <a:cs typeface="Calibri" panose="020F0502020204030204" pitchFamily="34" charset="0"/>
+            </a:endParaRPr>
+          </a:p>
+        </p:txBody>
+      </p:sp>
+      <p:sp>
+        <p:nvSpPr>
+          <p:cNvPr id="8" name="TextBox 7">
+            <a:extLst>
+              <a:ext uri="{FF2B5EF4-FFF2-40B4-BE49-F238E27FC236}">
+                <a16:creationId xmlns:a16="http://schemas.microsoft.com/office/drawing/2014/main" id="{6CB095F7-005A-A419-5ED7-9099E5E396EF}"/>
+              </a:ext>
+            </a:extLst>
+          </p:cNvPr>
+          <p:cNvSpPr txBox="1"/>
+          <p:nvPr/>
+        </p:nvSpPr>
+        <p:spPr>
+          <a:xfrm>
+            <a:off x="2383451" y="1182563"/>
+            <a:ext cx="1566099" cy="276999"/>
+          </a:xfrm>
+          <a:prstGeom prst="rect">
+            <a:avLst/>
+          </a:prstGeom>
+          <a:noFill/>
+        </p:spPr>
+        <p:txBody>
+          <a:bodyPr wrap="square" rtlCol="0">
+            <a:spAutoFit/>
+          </a:bodyPr>
+          <a:lstStyle/>
+          <a:p>
+            <a:r>
+              <a:rPr lang="en-GB" sz="1200" dirty="0" err="1">
+                <a:solidFill>
+                  <a:schemeClr val="accent2"/>
+                </a:solidFill>
+                <a:latin typeface="Calibri" panose="020F0502020204030204" pitchFamily="34" charset="0"/>
+                <a:cs typeface="Calibri" panose="020F0502020204030204" pitchFamily="34" charset="0"/>
+              </a:rPr>
+              <a:t>Persona_age</a:t>
+            </a:r>
+            <a:endParaRPr lang="en-GB" sz="1200" dirty="0">
+              <a:solidFill>
+                <a:schemeClr val="accent2"/>
+              </a:solidFill>
+              <a:latin typeface="Calibri" panose="020F0502020204030204" pitchFamily="34" charset="0"/>
+              <a:cs typeface="Calibri" panose="020F0502020204030204" pitchFamily="34" charset="0"/>
+            </a:endParaRPr>
+          </a:p>
+        </p:txBody>
+      </p:sp>
+      <p:sp>
+        <p:nvSpPr>
+          <p:cNvPr id="9" name="TextBox 8">
+            <a:extLst>
+              <a:ext uri="{FF2B5EF4-FFF2-40B4-BE49-F238E27FC236}">
+                <a16:creationId xmlns:a16="http://schemas.microsoft.com/office/drawing/2014/main" id="{8BA5D03C-C9DE-896C-B098-56ACDE87D402}"/>
+              </a:ext>
+            </a:extLst>
+          </p:cNvPr>
+          <p:cNvSpPr txBox="1"/>
+          <p:nvPr/>
+        </p:nvSpPr>
+        <p:spPr>
+          <a:xfrm>
+            <a:off x="2674161" y="1393982"/>
+            <a:ext cx="1566099" cy="276999"/>
+          </a:xfrm>
+          <a:prstGeom prst="rect">
+            <a:avLst/>
+          </a:prstGeom>
+          <a:noFill/>
+        </p:spPr>
+        <p:txBody>
+          <a:bodyPr wrap="square" rtlCol="0">
+            <a:spAutoFit/>
+          </a:bodyPr>
+          <a:lstStyle/>
+          <a:p>
+            <a:r>
+              <a:rPr lang="en-GB" sz="1200" dirty="0" err="1">
+                <a:solidFill>
+                  <a:schemeClr val="accent2"/>
+                </a:solidFill>
+                <a:latin typeface="Calibri" panose="020F0502020204030204" pitchFamily="34" charset="0"/>
+                <a:cs typeface="Calibri" panose="020F0502020204030204" pitchFamily="34" charset="0"/>
+              </a:rPr>
+              <a:t>Persona_location</a:t>
+            </a:r>
+            <a:endParaRPr lang="en-GB" sz="1200" dirty="0">
+              <a:solidFill>
+                <a:schemeClr val="accent2"/>
+              </a:solidFill>
+              <a:latin typeface="Calibri" panose="020F0502020204030204" pitchFamily="34" charset="0"/>
+              <a:cs typeface="Calibri" panose="020F0502020204030204" pitchFamily="34" charset="0"/>
+            </a:endParaRPr>
+          </a:p>
+        </p:txBody>
+      </p:sp>
+      <p:sp>
+        <p:nvSpPr>
+          <p:cNvPr id="10" name="TextBox 9">
+            <a:extLst>
+              <a:ext uri="{FF2B5EF4-FFF2-40B4-BE49-F238E27FC236}">
+                <a16:creationId xmlns:a16="http://schemas.microsoft.com/office/drawing/2014/main" id="{E11F8062-D8C8-D7B8-E0BC-FA39A0385578}"/>
+              </a:ext>
+            </a:extLst>
+          </p:cNvPr>
+          <p:cNvSpPr txBox="1"/>
+          <p:nvPr/>
+        </p:nvSpPr>
+        <p:spPr>
+          <a:xfrm>
+            <a:off x="2061740" y="1742920"/>
+            <a:ext cx="2178519" cy="276999"/>
+          </a:xfrm>
+          <a:prstGeom prst="rect">
+            <a:avLst/>
+          </a:prstGeom>
+          <a:noFill/>
+        </p:spPr>
+        <p:txBody>
+          <a:bodyPr wrap="square" rtlCol="0">
+            <a:spAutoFit/>
+          </a:bodyPr>
+          <a:lstStyle/>
+          <a:p>
+            <a:r>
+              <a:rPr lang="en-GB" sz="1200" dirty="0" err="1">
+                <a:solidFill>
+                  <a:schemeClr val="accent2"/>
+                </a:solidFill>
+                <a:latin typeface="Calibri" panose="020F0502020204030204" pitchFamily="34" charset="0"/>
+                <a:cs typeface="Calibri" panose="020F0502020204030204" pitchFamily="34" charset="0"/>
+              </a:rPr>
+              <a:t>Persona_occupation</a:t>
+            </a:r>
+            <a:endParaRPr lang="en-GB" sz="1200" dirty="0">
+              <a:solidFill>
+                <a:schemeClr val="accent2"/>
+              </a:solidFill>
+              <a:latin typeface="Calibri" panose="020F0502020204030204" pitchFamily="34" charset="0"/>
+              <a:cs typeface="Calibri" panose="020F0502020204030204" pitchFamily="34" charset="0"/>
+            </a:endParaRPr>
+          </a:p>
+        </p:txBody>
+      </p:sp>
+      <p:sp>
+        <p:nvSpPr>
+          <p:cNvPr id="11" name="TextBox 10">
+            <a:extLst>
+              <a:ext uri="{FF2B5EF4-FFF2-40B4-BE49-F238E27FC236}">
+                <a16:creationId xmlns:a16="http://schemas.microsoft.com/office/drawing/2014/main" id="{70FDF36B-D46C-E0C9-D893-D8A7551CF512}"/>
+              </a:ext>
+            </a:extLst>
+          </p:cNvPr>
+          <p:cNvSpPr txBox="1"/>
+          <p:nvPr/>
+        </p:nvSpPr>
+        <p:spPr>
+          <a:xfrm>
+            <a:off x="2072322" y="2165776"/>
+            <a:ext cx="1648611" cy="276999"/>
+          </a:xfrm>
+          <a:prstGeom prst="rect">
+            <a:avLst/>
+          </a:prstGeom>
+          <a:noFill/>
+        </p:spPr>
+        <p:txBody>
+          <a:bodyPr wrap="square" rtlCol="0">
+            <a:spAutoFit/>
+          </a:bodyPr>
+          <a:lstStyle/>
+          <a:p>
+            <a:r>
+              <a:rPr lang="en-GB" sz="1200" dirty="0" err="1">
+                <a:solidFill>
+                  <a:schemeClr val="accent2"/>
+                </a:solidFill>
+                <a:latin typeface="Calibri" panose="020F0502020204030204" pitchFamily="34" charset="0"/>
+                <a:cs typeface="Calibri" panose="020F0502020204030204" pitchFamily="34" charset="0"/>
+              </a:rPr>
+              <a:t>Persona_relationships</a:t>
+            </a:r>
+            <a:endParaRPr lang="en-GB" sz="1200" dirty="0">
+              <a:solidFill>
+                <a:schemeClr val="accent2"/>
+              </a:solidFill>
+              <a:latin typeface="Calibri" panose="020F0502020204030204" pitchFamily="34" charset="0"/>
+              <a:cs typeface="Calibri" panose="020F0502020204030204" pitchFamily="34" charset="0"/>
+            </a:endParaRPr>
+          </a:p>
+        </p:txBody>
+      </p:sp>
+    </p:spTree>
+    <p:extLst>
+      <p:ext uri="{BB962C8B-B14F-4D97-AF65-F5344CB8AC3E}">
+        <p14:creationId xmlns:p14="http://schemas.microsoft.com/office/powerpoint/2010/main" val="60532634"/>
+      </p:ext>
+    </p:extLst>
+  </p:cSld>
+  <p:clrMapOvr>
+    <a:masterClrMapping/>
+  </p:clrMapOvr>
+</p:sld>
+</file>
+
+<file path=ppt/slides/slide4.xml><?xml version="1.0" encoding="utf-8"?>
+<p:sld xmlns:a="http://schemas.openxmlformats.org/drawingml/2006/main" xmlns:r="http://schemas.openxmlformats.org/officeDocument/2006/relationships" xmlns:p="http://schemas.openxmlformats.org/presentationml/2006/main">
+  <p:cSld>
+    <p:spTree>
+      <p:nvGrpSpPr>
+        <p:cNvPr id="1" name=""/>
+        <p:cNvGrpSpPr/>
+        <p:nvPr/>
+      </p:nvGrpSpPr>
+      <p:grpSpPr>
+        <a:xfrm>
+          <a:off x="0" y="0"/>
+          <a:ext cx="0" cy="0"/>
+          <a:chOff x="0" y="0"/>
+          <a:chExt cx="0" cy="0"/>
+        </a:xfrm>
+      </p:grpSpPr>
+      <p:sp>
+        <p:nvSpPr>
+          <p:cNvPr id="2" name="Title 1">
+            <a:extLst>
+              <a:ext uri="{FF2B5EF4-FFF2-40B4-BE49-F238E27FC236}">
+                <a16:creationId xmlns:a16="http://schemas.microsoft.com/office/drawing/2014/main" id="{808BA428-D470-5825-A761-30EAF666E252}"/>
+              </a:ext>
+            </a:extLst>
+          </p:cNvPr>
+          <p:cNvSpPr>
+            <a:spLocks noGrp="1"/>
+          </p:cNvSpPr>
+          <p:nvPr>
+            <p:ph type="title"/>
+          </p:nvPr>
+        </p:nvSpPr>
+        <p:spPr/>
+        <p:txBody>
+          <a:bodyPr/>
+          <a:lstStyle/>
+          <a:p>
+            <a:r>
+              <a:rPr lang="en-GB" dirty="0" err="1"/>
+              <a:t>Slide_title</a:t>
+            </a:r>
+            <a:endParaRPr lang="en-US" dirty="0"/>
+          </a:p>
+        </p:txBody>
+      </p:sp>
+      <p:sp>
+        <p:nvSpPr>
+          <p:cNvPr id="3" name="Picture Placeholder 2">
+            <a:extLst>
+              <a:ext uri="{FF2B5EF4-FFF2-40B4-BE49-F238E27FC236}">
+                <a16:creationId xmlns:a16="http://schemas.microsoft.com/office/drawing/2014/main" id="{72261CC5-E2D0-2A17-508E-695CD0FAE199}"/>
+              </a:ext>
+            </a:extLst>
+          </p:cNvPr>
+          <p:cNvSpPr>
+            <a:spLocks noGrp="1"/>
+          </p:cNvSpPr>
+          <p:nvPr>
+            <p:ph type="pic" sz="quarter" idx="10"/>
+          </p:nvPr>
+        </p:nvSpPr>
+        <p:spPr/>
+        <p:txBody>
+          <a:bodyPr/>
+          <a:lstStyle/>
+          <a:p>
+            <a:endParaRPr lang="en-US" sz="1000" dirty="0"/>
+          </a:p>
+        </p:txBody>
+      </p:sp>
+      <p:sp>
+        <p:nvSpPr>
+          <p:cNvPr id="4" name="Content Placeholder 3">
+            <a:extLst>
+              <a:ext uri="{FF2B5EF4-FFF2-40B4-BE49-F238E27FC236}">
+                <a16:creationId xmlns:a16="http://schemas.microsoft.com/office/drawing/2014/main" id="{9703B410-2114-6D76-481B-274BC989B409}"/>
+              </a:ext>
+            </a:extLst>
+          </p:cNvPr>
+          <p:cNvSpPr>
+            <a:spLocks noGrp="1"/>
+          </p:cNvSpPr>
+          <p:nvPr>
+            <p:ph sz="quarter" idx="11"/>
+          </p:nvPr>
+        </p:nvSpPr>
+        <p:spPr/>
+        <p:txBody>
+          <a:bodyPr>
+            <a:normAutofit/>
+          </a:bodyPr>
+          <a:lstStyle/>
+          <a:p>
+            <a:pPr marL="0" indent="0">
+              <a:buNone/>
+            </a:pPr>
+            <a:r>
+              <a:rPr lang="en-US" sz="1000" dirty="0" err="1"/>
+              <a:t>State_of_mind</a:t>
+            </a:r>
+            <a:endParaRPr lang="en-US" sz="1000" dirty="0"/>
+          </a:p>
+        </p:txBody>
+      </p:sp>
+      <p:sp>
+        <p:nvSpPr>
+          <p:cNvPr id="5" name="Content Placeholder 4">
+            <a:extLst>
+              <a:ext uri="{FF2B5EF4-FFF2-40B4-BE49-F238E27FC236}">
+                <a16:creationId xmlns:a16="http://schemas.microsoft.com/office/drawing/2014/main" id="{A846382C-D1FE-6ADB-FF3E-E6157FA915D6}"/>
+              </a:ext>
+            </a:extLst>
+          </p:cNvPr>
+          <p:cNvSpPr>
+            <a:spLocks noGrp="1"/>
+          </p:cNvSpPr>
+          <p:nvPr>
+            <p:ph sz="quarter" idx="12"/>
+          </p:nvPr>
+        </p:nvSpPr>
+        <p:spPr/>
+        <p:txBody>
+          <a:bodyPr>
+            <a:normAutofit/>
+          </a:bodyPr>
+          <a:lstStyle/>
+          <a:p>
+            <a:pPr marL="0" indent="0">
+              <a:buNone/>
+            </a:pPr>
+            <a:r>
+              <a:rPr lang="en-US" sz="1000" dirty="0" err="1"/>
+              <a:t>Persona_unmet_needs</a:t>
+            </a:r>
+            <a:endParaRPr lang="en-US" sz="1000" dirty="0"/>
+          </a:p>
+        </p:txBody>
+      </p:sp>
+      <p:sp>
+        <p:nvSpPr>
+          <p:cNvPr id="6" name="Content Placeholder 5">
+            <a:extLst>
+              <a:ext uri="{FF2B5EF4-FFF2-40B4-BE49-F238E27FC236}">
+                <a16:creationId xmlns:a16="http://schemas.microsoft.com/office/drawing/2014/main" id="{DA68331F-DC3C-413F-F788-CB43F6335B1B}"/>
+              </a:ext>
+            </a:extLst>
+          </p:cNvPr>
+          <p:cNvSpPr>
+            <a:spLocks noGrp="1"/>
+          </p:cNvSpPr>
+          <p:nvPr>
+            <p:ph sz="quarter" idx="13"/>
+          </p:nvPr>
+        </p:nvSpPr>
+        <p:spPr/>
+        <p:txBody>
+          <a:bodyPr>
+            <a:normAutofit/>
+          </a:bodyPr>
+          <a:lstStyle/>
+          <a:p>
+            <a:pPr marL="0" indent="0">
+              <a:buNone/>
+            </a:pPr>
+            <a:r>
+              <a:rPr lang="en-US" sz="1000" dirty="0" err="1"/>
+              <a:t>Persona_pain_points</a:t>
+            </a:r>
+            <a:endParaRPr lang="en-US" sz="1000" dirty="0"/>
+          </a:p>
+        </p:txBody>
+      </p:sp>
+      <p:sp>
+        <p:nvSpPr>
+          <p:cNvPr id="7" name="TextBox 6">
+            <a:extLst>
+              <a:ext uri="{FF2B5EF4-FFF2-40B4-BE49-F238E27FC236}">
+                <a16:creationId xmlns:a16="http://schemas.microsoft.com/office/drawing/2014/main" id="{214F4F8C-8A97-440A-0598-E6BB6072E416}"/>
+              </a:ext>
+            </a:extLst>
+          </p:cNvPr>
+          <p:cNvSpPr txBox="1"/>
+          <p:nvPr/>
+        </p:nvSpPr>
+        <p:spPr>
+          <a:xfrm>
+            <a:off x="2532262" y="962547"/>
+            <a:ext cx="1566099" cy="276999"/>
+          </a:xfrm>
+          <a:prstGeom prst="rect">
+            <a:avLst/>
+          </a:prstGeom>
+          <a:noFill/>
+        </p:spPr>
+        <p:txBody>
+          <a:bodyPr wrap="square" rtlCol="0">
+            <a:spAutoFit/>
+          </a:bodyPr>
+          <a:lstStyle/>
+          <a:p>
+            <a:r>
+              <a:rPr lang="en-GB" sz="1200" dirty="0" err="1">
+                <a:solidFill>
+                  <a:schemeClr val="accent2"/>
+                </a:solidFill>
+                <a:latin typeface="Calibri" panose="020F0502020204030204" pitchFamily="34" charset="0"/>
+                <a:cs typeface="Calibri" panose="020F0502020204030204" pitchFamily="34" charset="0"/>
+              </a:rPr>
+              <a:t>Persona_name</a:t>
+            </a:r>
+            <a:endParaRPr lang="en-GB" sz="1200" dirty="0">
+              <a:solidFill>
+                <a:schemeClr val="accent2"/>
+              </a:solidFill>
+              <a:latin typeface="Calibri" panose="020F0502020204030204" pitchFamily="34" charset="0"/>
+              <a:cs typeface="Calibri" panose="020F0502020204030204" pitchFamily="34" charset="0"/>
+            </a:endParaRPr>
+          </a:p>
+        </p:txBody>
+      </p:sp>
+      <p:sp>
+        <p:nvSpPr>
+          <p:cNvPr id="8" name="TextBox 7">
+            <a:extLst>
+              <a:ext uri="{FF2B5EF4-FFF2-40B4-BE49-F238E27FC236}">
+                <a16:creationId xmlns:a16="http://schemas.microsoft.com/office/drawing/2014/main" id="{6CB095F7-005A-A419-5ED7-9099E5E396EF}"/>
+              </a:ext>
+            </a:extLst>
+          </p:cNvPr>
+          <p:cNvSpPr txBox="1"/>
+          <p:nvPr/>
+        </p:nvSpPr>
+        <p:spPr>
+          <a:xfrm>
+            <a:off x="2383451" y="1182563"/>
+            <a:ext cx="1566099" cy="276999"/>
+          </a:xfrm>
+          <a:prstGeom prst="rect">
+            <a:avLst/>
+          </a:prstGeom>
+          <a:noFill/>
+        </p:spPr>
+        <p:txBody>
+          <a:bodyPr wrap="square" rtlCol="0">
+            <a:spAutoFit/>
+          </a:bodyPr>
+          <a:lstStyle/>
+          <a:p>
+            <a:r>
+              <a:rPr lang="en-GB" sz="1200" dirty="0" err="1">
+                <a:solidFill>
+                  <a:schemeClr val="accent2"/>
+                </a:solidFill>
+                <a:latin typeface="Calibri" panose="020F0502020204030204" pitchFamily="34" charset="0"/>
+                <a:cs typeface="Calibri" panose="020F0502020204030204" pitchFamily="34" charset="0"/>
+              </a:rPr>
+              <a:t>Persona_age</a:t>
+            </a:r>
+            <a:endParaRPr lang="en-GB" sz="1200" dirty="0">
+              <a:solidFill>
+                <a:schemeClr val="accent2"/>
+              </a:solidFill>
+              <a:latin typeface="Calibri" panose="020F0502020204030204" pitchFamily="34" charset="0"/>
+              <a:cs typeface="Calibri" panose="020F0502020204030204" pitchFamily="34" charset="0"/>
+            </a:endParaRPr>
+          </a:p>
+        </p:txBody>
+      </p:sp>
+      <p:sp>
+        <p:nvSpPr>
+          <p:cNvPr id="9" name="TextBox 8">
+            <a:extLst>
+              <a:ext uri="{FF2B5EF4-FFF2-40B4-BE49-F238E27FC236}">
+                <a16:creationId xmlns:a16="http://schemas.microsoft.com/office/drawing/2014/main" id="{8BA5D03C-C9DE-896C-B098-56ACDE87D402}"/>
+              </a:ext>
+            </a:extLst>
+          </p:cNvPr>
+          <p:cNvSpPr txBox="1"/>
+          <p:nvPr/>
+        </p:nvSpPr>
+        <p:spPr>
+          <a:xfrm>
+            <a:off x="2674161" y="1393982"/>
+            <a:ext cx="1566099" cy="276999"/>
+          </a:xfrm>
+          <a:prstGeom prst="rect">
+            <a:avLst/>
+          </a:prstGeom>
+          <a:noFill/>
+        </p:spPr>
+        <p:txBody>
+          <a:bodyPr wrap="square" rtlCol="0">
+            <a:spAutoFit/>
+          </a:bodyPr>
+          <a:lstStyle/>
+          <a:p>
+            <a:r>
+              <a:rPr lang="en-GB" sz="1200" dirty="0" err="1">
+                <a:solidFill>
+                  <a:schemeClr val="accent2"/>
+                </a:solidFill>
+                <a:latin typeface="Calibri" panose="020F0502020204030204" pitchFamily="34" charset="0"/>
+                <a:cs typeface="Calibri" panose="020F0502020204030204" pitchFamily="34" charset="0"/>
+              </a:rPr>
+              <a:t>Persona_location</a:t>
+            </a:r>
+            <a:endParaRPr lang="en-GB" sz="1200" dirty="0">
+              <a:solidFill>
+                <a:schemeClr val="accent2"/>
+              </a:solidFill>
+              <a:latin typeface="Calibri" panose="020F0502020204030204" pitchFamily="34" charset="0"/>
+              <a:cs typeface="Calibri" panose="020F0502020204030204" pitchFamily="34" charset="0"/>
+            </a:endParaRPr>
+          </a:p>
+        </p:txBody>
+      </p:sp>
+      <p:sp>
+        <p:nvSpPr>
+          <p:cNvPr id="10" name="TextBox 9">
+            <a:extLst>
+              <a:ext uri="{FF2B5EF4-FFF2-40B4-BE49-F238E27FC236}">
+                <a16:creationId xmlns:a16="http://schemas.microsoft.com/office/drawing/2014/main" id="{E11F8062-D8C8-D7B8-E0BC-FA39A0385578}"/>
+              </a:ext>
+            </a:extLst>
+          </p:cNvPr>
+          <p:cNvSpPr txBox="1"/>
+          <p:nvPr/>
+        </p:nvSpPr>
+        <p:spPr>
+          <a:xfrm>
+            <a:off x="2061740" y="1742920"/>
+            <a:ext cx="2178519" cy="276999"/>
+          </a:xfrm>
+          <a:prstGeom prst="rect">
+            <a:avLst/>
+          </a:prstGeom>
+          <a:noFill/>
+        </p:spPr>
+        <p:txBody>
+          <a:bodyPr wrap="square" rtlCol="0">
+            <a:spAutoFit/>
+          </a:bodyPr>
+          <a:lstStyle/>
+          <a:p>
+            <a:r>
+              <a:rPr lang="en-GB" sz="1200" dirty="0" err="1">
+                <a:solidFill>
+                  <a:schemeClr val="accent2"/>
+                </a:solidFill>
+                <a:latin typeface="Calibri" panose="020F0502020204030204" pitchFamily="34" charset="0"/>
+                <a:cs typeface="Calibri" panose="020F0502020204030204" pitchFamily="34" charset="0"/>
+              </a:rPr>
+              <a:t>Persona_occupation</a:t>
+            </a:r>
+            <a:endParaRPr lang="en-GB" sz="1200" dirty="0">
+              <a:solidFill>
+                <a:schemeClr val="accent2"/>
+              </a:solidFill>
+              <a:latin typeface="Calibri" panose="020F0502020204030204" pitchFamily="34" charset="0"/>
+              <a:cs typeface="Calibri" panose="020F0502020204030204" pitchFamily="34" charset="0"/>
+            </a:endParaRPr>
+          </a:p>
+        </p:txBody>
+      </p:sp>
+      <p:sp>
+        <p:nvSpPr>
+          <p:cNvPr id="11" name="TextBox 10">
+            <a:extLst>
+              <a:ext uri="{FF2B5EF4-FFF2-40B4-BE49-F238E27FC236}">
+                <a16:creationId xmlns:a16="http://schemas.microsoft.com/office/drawing/2014/main" id="{70FDF36B-D46C-E0C9-D893-D8A7551CF512}"/>
+              </a:ext>
+            </a:extLst>
+          </p:cNvPr>
+          <p:cNvSpPr txBox="1"/>
+          <p:nvPr/>
+        </p:nvSpPr>
+        <p:spPr>
+          <a:xfrm>
+            <a:off x="2072322" y="2165776"/>
+            <a:ext cx="1648611" cy="276999"/>
+          </a:xfrm>
+          <a:prstGeom prst="rect">
+            <a:avLst/>
+          </a:prstGeom>
+          <a:noFill/>
+        </p:spPr>
+        <p:txBody>
+          <a:bodyPr wrap="square" rtlCol="0">
+            <a:spAutoFit/>
+          </a:bodyPr>
+          <a:lstStyle/>
+          <a:p>
+            <a:r>
+              <a:rPr lang="en-GB" sz="1200" dirty="0" err="1">
+                <a:solidFill>
+                  <a:schemeClr val="accent2"/>
+                </a:solidFill>
+                <a:latin typeface="Calibri" panose="020F0502020204030204" pitchFamily="34" charset="0"/>
+                <a:cs typeface="Calibri" panose="020F0502020204030204" pitchFamily="34" charset="0"/>
+              </a:rPr>
+              <a:t>Persona_relationships</a:t>
+            </a:r>
+            <a:endParaRPr lang="en-GB" sz="1200" dirty="0">
+              <a:solidFill>
+                <a:schemeClr val="accent2"/>
+              </a:solidFill>
+              <a:latin typeface="Calibri" panose="020F0502020204030204" pitchFamily="34" charset="0"/>
+              <a:cs typeface="Calibri" panose="020F0502020204030204" pitchFamily="34" charset="0"/>
+            </a:endParaRPr>
+          </a:p>
+        </p:txBody>
+      </p:sp>
+    </p:spTree>
+    <p:extLst>
+      <p:ext uri="{BB962C8B-B14F-4D97-AF65-F5344CB8AC3E}">
+        <p14:creationId xmlns:p14="http://schemas.microsoft.com/office/powerpoint/2010/main" val="1107671700"/>
+      </p:ext>
+    </p:extLst>
+  </p:cSld>
+  <p:clrMapOvr>
+    <a:masterClrMapping/>
+  </p:clrMapOvr>
+</p:sld>
+</file>
+
+<file path=ppt/slides/slide5.xml><?xml version="1.0" encoding="utf-8"?>
+<p:sld xmlns:a="http://schemas.openxmlformats.org/drawingml/2006/main" xmlns:r="http://schemas.openxmlformats.org/officeDocument/2006/relationships" xmlns:p="http://schemas.openxmlformats.org/presentationml/2006/main">
+  <p:cSld>
+    <p:spTree>
+      <p:nvGrpSpPr>
+        <p:cNvPr id="1" name=""/>
+        <p:cNvGrpSpPr/>
+        <p:nvPr/>
+      </p:nvGrpSpPr>
+      <p:grpSpPr>
+        <a:xfrm>
+          <a:off x="0" y="0"/>
+          <a:ext cx="0" cy="0"/>
+          <a:chOff x="0" y="0"/>
+          <a:chExt cx="0" cy="0"/>
+        </a:xfrm>
+      </p:grpSpPr>
+      <p:sp>
+        <p:nvSpPr>
+          <p:cNvPr id="2" name="Title 1">
+            <a:extLst>
+              <a:ext uri="{FF2B5EF4-FFF2-40B4-BE49-F238E27FC236}">
+                <a16:creationId xmlns:a16="http://schemas.microsoft.com/office/drawing/2014/main" id="{808BA428-D470-5825-A761-30EAF666E252}"/>
+              </a:ext>
+            </a:extLst>
+          </p:cNvPr>
+          <p:cNvSpPr>
+            <a:spLocks noGrp="1"/>
+          </p:cNvSpPr>
+          <p:nvPr>
+            <p:ph type="title"/>
+          </p:nvPr>
+        </p:nvSpPr>
+        <p:spPr/>
+        <p:txBody>
+          <a:bodyPr/>
+          <a:lstStyle/>
+          <a:p>
+            <a:r>
+              <a:rPr lang="en-GB" dirty="0" err="1"/>
+              <a:t>Slide_title</a:t>
+            </a:r>
+            <a:endParaRPr lang="en-US" dirty="0"/>
+          </a:p>
+        </p:txBody>
+      </p:sp>
+      <p:sp>
+        <p:nvSpPr>
+          <p:cNvPr id="3" name="Picture Placeholder 2">
+            <a:extLst>
+              <a:ext uri="{FF2B5EF4-FFF2-40B4-BE49-F238E27FC236}">
+                <a16:creationId xmlns:a16="http://schemas.microsoft.com/office/drawing/2014/main" id="{72261CC5-E2D0-2A17-508E-695CD0FAE199}"/>
+              </a:ext>
+            </a:extLst>
+          </p:cNvPr>
+          <p:cNvSpPr>
+            <a:spLocks noGrp="1"/>
+          </p:cNvSpPr>
+          <p:nvPr>
+            <p:ph type="pic" sz="quarter" idx="10"/>
+          </p:nvPr>
+        </p:nvSpPr>
+        <p:spPr/>
+        <p:txBody>
+          <a:bodyPr/>
+          <a:lstStyle/>
+          <a:p>
+            <a:endParaRPr lang="en-US" sz="1000" dirty="0"/>
+          </a:p>
+        </p:txBody>
+      </p:sp>
+      <p:sp>
+        <p:nvSpPr>
+          <p:cNvPr id="4" name="Content Placeholder 3">
+            <a:extLst>
+              <a:ext uri="{FF2B5EF4-FFF2-40B4-BE49-F238E27FC236}">
+                <a16:creationId xmlns:a16="http://schemas.microsoft.com/office/drawing/2014/main" id="{9703B410-2114-6D76-481B-274BC989B409}"/>
+              </a:ext>
+            </a:extLst>
+          </p:cNvPr>
+          <p:cNvSpPr>
+            <a:spLocks noGrp="1"/>
+          </p:cNvSpPr>
+          <p:nvPr>
+            <p:ph sz="quarter" idx="11"/>
+          </p:nvPr>
+        </p:nvSpPr>
+        <p:spPr/>
+        <p:txBody>
+          <a:bodyPr>
+            <a:normAutofit/>
+          </a:bodyPr>
+          <a:lstStyle/>
+          <a:p>
+            <a:pPr marL="0" indent="0">
+              <a:buNone/>
+            </a:pPr>
+            <a:r>
+              <a:rPr lang="en-US" sz="1000" dirty="0" err="1"/>
+              <a:t>State_of_mind</a:t>
+            </a:r>
+            <a:endParaRPr lang="en-US" sz="1000" dirty="0"/>
+          </a:p>
+        </p:txBody>
+      </p:sp>
+      <p:sp>
+        <p:nvSpPr>
+          <p:cNvPr id="5" name="Content Placeholder 4">
+            <a:extLst>
+              <a:ext uri="{FF2B5EF4-FFF2-40B4-BE49-F238E27FC236}">
+                <a16:creationId xmlns:a16="http://schemas.microsoft.com/office/drawing/2014/main" id="{A846382C-D1FE-6ADB-FF3E-E6157FA915D6}"/>
+              </a:ext>
+            </a:extLst>
+          </p:cNvPr>
+          <p:cNvSpPr>
+            <a:spLocks noGrp="1"/>
+          </p:cNvSpPr>
+          <p:nvPr>
+            <p:ph sz="quarter" idx="12"/>
+          </p:nvPr>
+        </p:nvSpPr>
+        <p:spPr/>
+        <p:txBody>
+          <a:bodyPr>
+            <a:normAutofit/>
+          </a:bodyPr>
+          <a:lstStyle/>
+          <a:p>
+            <a:pPr marL="0" indent="0">
+              <a:buNone/>
+            </a:pPr>
+            <a:r>
+              <a:rPr lang="en-US" sz="1000" dirty="0" err="1"/>
+              <a:t>Persona_unmet_needs</a:t>
+            </a:r>
+            <a:endParaRPr lang="en-US" sz="1000" dirty="0"/>
+          </a:p>
+        </p:txBody>
+      </p:sp>
+      <p:sp>
+        <p:nvSpPr>
+          <p:cNvPr id="6" name="Content Placeholder 5">
+            <a:extLst>
+              <a:ext uri="{FF2B5EF4-FFF2-40B4-BE49-F238E27FC236}">
+                <a16:creationId xmlns:a16="http://schemas.microsoft.com/office/drawing/2014/main" id="{DA68331F-DC3C-413F-F788-CB43F6335B1B}"/>
+              </a:ext>
+            </a:extLst>
+          </p:cNvPr>
+          <p:cNvSpPr>
+            <a:spLocks noGrp="1"/>
+          </p:cNvSpPr>
+          <p:nvPr>
+            <p:ph sz="quarter" idx="13"/>
+          </p:nvPr>
+        </p:nvSpPr>
+        <p:spPr/>
+        <p:txBody>
+          <a:bodyPr>
+            <a:normAutofit/>
+          </a:bodyPr>
+          <a:lstStyle/>
+          <a:p>
+            <a:pPr marL="0" indent="0">
+              <a:buNone/>
+            </a:pPr>
+            <a:r>
+              <a:rPr lang="en-US" sz="1000" dirty="0" err="1"/>
+              <a:t>Persona_pain_points</a:t>
+            </a:r>
+            <a:endParaRPr lang="en-US" sz="1000" dirty="0"/>
+          </a:p>
+        </p:txBody>
+      </p:sp>
+      <p:sp>
+        <p:nvSpPr>
+          <p:cNvPr id="7" name="TextBox 6">
+            <a:extLst>
+              <a:ext uri="{FF2B5EF4-FFF2-40B4-BE49-F238E27FC236}">
+                <a16:creationId xmlns:a16="http://schemas.microsoft.com/office/drawing/2014/main" id="{214F4F8C-8A97-440A-0598-E6BB6072E416}"/>
+              </a:ext>
+            </a:extLst>
+          </p:cNvPr>
+          <p:cNvSpPr txBox="1"/>
+          <p:nvPr/>
+        </p:nvSpPr>
+        <p:spPr>
+          <a:xfrm>
+            <a:off x="2532262" y="962547"/>
+            <a:ext cx="1566099" cy="276999"/>
+          </a:xfrm>
+          <a:prstGeom prst="rect">
+            <a:avLst/>
+          </a:prstGeom>
+          <a:noFill/>
+        </p:spPr>
+        <p:txBody>
+          <a:bodyPr wrap="square" rtlCol="0">
+            <a:spAutoFit/>
+          </a:bodyPr>
+          <a:lstStyle/>
+          <a:p>
+            <a:r>
+              <a:rPr lang="en-GB" sz="1200" dirty="0" err="1">
+                <a:solidFill>
+                  <a:schemeClr val="accent2"/>
+                </a:solidFill>
+                <a:latin typeface="Calibri" panose="020F0502020204030204" pitchFamily="34" charset="0"/>
+                <a:cs typeface="Calibri" panose="020F0502020204030204" pitchFamily="34" charset="0"/>
+              </a:rPr>
+              <a:t>Persona_name</a:t>
+            </a:r>
+            <a:endParaRPr lang="en-GB" sz="1200" dirty="0">
+              <a:solidFill>
+                <a:schemeClr val="accent2"/>
+              </a:solidFill>
+              <a:latin typeface="Calibri" panose="020F0502020204030204" pitchFamily="34" charset="0"/>
+              <a:cs typeface="Calibri" panose="020F0502020204030204" pitchFamily="34" charset="0"/>
+            </a:endParaRPr>
+          </a:p>
+        </p:txBody>
+      </p:sp>
+      <p:sp>
+        <p:nvSpPr>
+          <p:cNvPr id="8" name="TextBox 7">
+            <a:extLst>
+              <a:ext uri="{FF2B5EF4-FFF2-40B4-BE49-F238E27FC236}">
+                <a16:creationId xmlns:a16="http://schemas.microsoft.com/office/drawing/2014/main" id="{6CB095F7-005A-A419-5ED7-9099E5E396EF}"/>
+              </a:ext>
+            </a:extLst>
+          </p:cNvPr>
+          <p:cNvSpPr txBox="1"/>
+          <p:nvPr/>
+        </p:nvSpPr>
+        <p:spPr>
+          <a:xfrm>
+            <a:off x="2383451" y="1182563"/>
+            <a:ext cx="1566099" cy="276999"/>
+          </a:xfrm>
+          <a:prstGeom prst="rect">
+            <a:avLst/>
+          </a:prstGeom>
+          <a:noFill/>
+        </p:spPr>
+        <p:txBody>
+          <a:bodyPr wrap="square" rtlCol="0">
+            <a:spAutoFit/>
+          </a:bodyPr>
+          <a:lstStyle/>
+          <a:p>
+            <a:r>
+              <a:rPr lang="en-GB" sz="1200" dirty="0" err="1">
+                <a:solidFill>
+                  <a:schemeClr val="accent2"/>
+                </a:solidFill>
+                <a:latin typeface="Calibri" panose="020F0502020204030204" pitchFamily="34" charset="0"/>
+                <a:cs typeface="Calibri" panose="020F0502020204030204" pitchFamily="34" charset="0"/>
+              </a:rPr>
+              <a:t>Persona_age</a:t>
+            </a:r>
+            <a:endParaRPr lang="en-GB" sz="1200" dirty="0">
+              <a:solidFill>
+                <a:schemeClr val="accent2"/>
+              </a:solidFill>
+              <a:latin typeface="Calibri" panose="020F0502020204030204" pitchFamily="34" charset="0"/>
+              <a:cs typeface="Calibri" panose="020F0502020204030204" pitchFamily="34" charset="0"/>
+            </a:endParaRPr>
+          </a:p>
+        </p:txBody>
+      </p:sp>
+      <p:sp>
+        <p:nvSpPr>
+          <p:cNvPr id="9" name="TextBox 8">
+            <a:extLst>
+              <a:ext uri="{FF2B5EF4-FFF2-40B4-BE49-F238E27FC236}">
+                <a16:creationId xmlns:a16="http://schemas.microsoft.com/office/drawing/2014/main" id="{8BA5D03C-C9DE-896C-B098-56ACDE87D402}"/>
+              </a:ext>
+            </a:extLst>
+          </p:cNvPr>
+          <p:cNvSpPr txBox="1"/>
+          <p:nvPr/>
+        </p:nvSpPr>
+        <p:spPr>
+          <a:xfrm>
+            <a:off x="2674161" y="1393982"/>
+            <a:ext cx="1566099" cy="276999"/>
+          </a:xfrm>
+          <a:prstGeom prst="rect">
+            <a:avLst/>
+          </a:prstGeom>
+          <a:noFill/>
+        </p:spPr>
+        <p:txBody>
+          <a:bodyPr wrap="square" rtlCol="0">
+            <a:spAutoFit/>
+          </a:bodyPr>
+          <a:lstStyle/>
+          <a:p>
+            <a:r>
+              <a:rPr lang="en-GB" sz="1200" dirty="0" err="1">
+                <a:solidFill>
+                  <a:schemeClr val="accent2"/>
+                </a:solidFill>
+                <a:latin typeface="Calibri" panose="020F0502020204030204" pitchFamily="34" charset="0"/>
+                <a:cs typeface="Calibri" panose="020F0502020204030204" pitchFamily="34" charset="0"/>
+              </a:rPr>
+              <a:t>Persona_location</a:t>
+            </a:r>
+            <a:endParaRPr lang="en-GB" sz="1200" dirty="0">
+              <a:solidFill>
+                <a:schemeClr val="accent2"/>
+              </a:solidFill>
+              <a:latin typeface="Calibri" panose="020F0502020204030204" pitchFamily="34" charset="0"/>
+              <a:cs typeface="Calibri" panose="020F0502020204030204" pitchFamily="34" charset="0"/>
+            </a:endParaRPr>
+          </a:p>
+        </p:txBody>
+      </p:sp>
+      <p:sp>
+        <p:nvSpPr>
+          <p:cNvPr id="10" name="TextBox 9">
+            <a:extLst>
+              <a:ext uri="{FF2B5EF4-FFF2-40B4-BE49-F238E27FC236}">
+                <a16:creationId xmlns:a16="http://schemas.microsoft.com/office/drawing/2014/main" id="{E11F8062-D8C8-D7B8-E0BC-FA39A0385578}"/>
+              </a:ext>
+            </a:extLst>
+          </p:cNvPr>
+          <p:cNvSpPr txBox="1"/>
+          <p:nvPr/>
+        </p:nvSpPr>
+        <p:spPr>
+          <a:xfrm>
+            <a:off x="2061740" y="1742920"/>
+            <a:ext cx="2178519" cy="276999"/>
+          </a:xfrm>
+          <a:prstGeom prst="rect">
+            <a:avLst/>
+          </a:prstGeom>
+          <a:noFill/>
+        </p:spPr>
+        <p:txBody>
+          <a:bodyPr wrap="square" rtlCol="0">
+            <a:spAutoFit/>
+          </a:bodyPr>
+          <a:lstStyle/>
+          <a:p>
+            <a:r>
+              <a:rPr lang="en-GB" sz="1200" dirty="0" err="1">
+                <a:solidFill>
+                  <a:schemeClr val="accent2"/>
+                </a:solidFill>
+                <a:latin typeface="Calibri" panose="020F0502020204030204" pitchFamily="34" charset="0"/>
+                <a:cs typeface="Calibri" panose="020F0502020204030204" pitchFamily="34" charset="0"/>
+              </a:rPr>
+              <a:t>Persona_occupation</a:t>
+            </a:r>
+            <a:endParaRPr lang="en-GB" sz="1200" dirty="0">
+              <a:solidFill>
+                <a:schemeClr val="accent2"/>
+              </a:solidFill>
+              <a:latin typeface="Calibri" panose="020F0502020204030204" pitchFamily="34" charset="0"/>
+              <a:cs typeface="Calibri" panose="020F0502020204030204" pitchFamily="34" charset="0"/>
+            </a:endParaRPr>
+          </a:p>
+        </p:txBody>
+      </p:sp>
+      <p:sp>
+        <p:nvSpPr>
+          <p:cNvPr id="11" name="TextBox 10">
+            <a:extLst>
+              <a:ext uri="{FF2B5EF4-FFF2-40B4-BE49-F238E27FC236}">
+                <a16:creationId xmlns:a16="http://schemas.microsoft.com/office/drawing/2014/main" id="{70FDF36B-D46C-E0C9-D893-D8A7551CF512}"/>
+              </a:ext>
+            </a:extLst>
+          </p:cNvPr>
+          <p:cNvSpPr txBox="1"/>
+          <p:nvPr/>
+        </p:nvSpPr>
+        <p:spPr>
+          <a:xfrm>
+            <a:off x="2072322" y="2165776"/>
+            <a:ext cx="1648611" cy="276999"/>
+          </a:xfrm>
+          <a:prstGeom prst="rect">
+            <a:avLst/>
+          </a:prstGeom>
+          <a:noFill/>
+        </p:spPr>
+        <p:txBody>
+          <a:bodyPr wrap="square" rtlCol="0">
+            <a:spAutoFit/>
+          </a:bodyPr>
+          <a:lstStyle/>
+          <a:p>
+            <a:r>
+              <a:rPr lang="en-GB" sz="1200" dirty="0" err="1">
+                <a:solidFill>
+                  <a:schemeClr val="accent2"/>
+                </a:solidFill>
+                <a:latin typeface="Calibri" panose="020F0502020204030204" pitchFamily="34" charset="0"/>
+                <a:cs typeface="Calibri" panose="020F0502020204030204" pitchFamily="34" charset="0"/>
+              </a:rPr>
+              <a:t>Persona_relationships</a:t>
+            </a:r>
+            <a:endParaRPr lang="en-GB" sz="1200" dirty="0">
+              <a:solidFill>
+                <a:schemeClr val="accent2"/>
+              </a:solidFill>
+              <a:latin typeface="Calibri" panose="020F0502020204030204" pitchFamily="34" charset="0"/>
+              <a:cs typeface="Calibri" panose="020F0502020204030204" pitchFamily="34" charset="0"/>
+            </a:endParaRPr>
+          </a:p>
+        </p:txBody>
+      </p:sp>
+    </p:spTree>
+    <p:extLst>
+      <p:ext uri="{BB962C8B-B14F-4D97-AF65-F5344CB8AC3E}">
+        <p14:creationId xmlns:p14="http://schemas.microsoft.com/office/powerpoint/2010/main" val="3475756657"/>
       </p:ext>
     </p:extLst>
   </p:cSld>
@@ -2726,321 +4068,6 @@
 </file>
 
 <file path=ppt/theme/theme2.xml><?xml version="1.0" encoding="utf-8"?>
-<a:theme xmlns:a="http://schemas.openxmlformats.org/drawingml/2006/main" name="Custom Design">
-  <a:themeElements>
-    <a:clrScheme name="Office">
-      <a:dk1>
-        <a:sysClr val="windowText" lastClr="000000"/>
-      </a:dk1>
-      <a:lt1>
-        <a:sysClr val="window" lastClr="FFFFFF"/>
-      </a:lt1>
-      <a:dk2>
-        <a:srgbClr val="0E2841"/>
-      </a:dk2>
-      <a:lt2>
-        <a:srgbClr val="E8E8E8"/>
-      </a:lt2>
-      <a:accent1>
-        <a:srgbClr val="156082"/>
-      </a:accent1>
-      <a:accent2>
-        <a:srgbClr val="E97132"/>
-      </a:accent2>
-      <a:accent3>
-        <a:srgbClr val="196B24"/>
-      </a:accent3>
-      <a:accent4>
-        <a:srgbClr val="0F9ED5"/>
-      </a:accent4>
-      <a:accent5>
-        <a:srgbClr val="A02B93"/>
-      </a:accent5>
-      <a:accent6>
-        <a:srgbClr val="4EA72E"/>
-      </a:accent6>
-      <a:hlink>
-        <a:srgbClr val="467886"/>
-      </a:hlink>
-      <a:folHlink>
-        <a:srgbClr val="96607D"/>
-      </a:folHlink>
-    </a:clrScheme>
-    <a:fontScheme name="Office">
-      <a:majorFont>
-        <a:latin typeface="Aptos Display" panose="02110004020202020204"/>
-        <a:ea typeface=""/>
-        <a:cs typeface=""/>
-        <a:font script="Jpan" typeface="游ゴシック Light"/>
-        <a:font script="Hang" typeface="맑은 고딕"/>
-        <a:font script="Hans" typeface="等线 Light"/>
-        <a:font script="Hant" typeface="新細明體"/>
-        <a:font script="Arab" typeface="Times New Roman"/>
-        <a:font script="Hebr" typeface="Times New Roman"/>
-        <a:font script="Thai" typeface="Angsana New"/>
-        <a:font script="Ethi" typeface="Nyala"/>
-        <a:font script="Beng" typeface="Vrinda"/>
-        <a:font script="Gujr" typeface="Shruti"/>
-        <a:font script="Khmr" typeface="MoolBoran"/>
-        <a:font script="Knda" typeface="Tunga"/>
-        <a:font script="Guru" typeface="Raavi"/>
-        <a:font script="Cans" typeface="Euphemia"/>
-        <a:font script="Cher" typeface="Plantagenet Cherokee"/>
-        <a:font script="Yiii" typeface="Microsoft Yi Baiti"/>
-        <a:font script="Tibt" typeface="Microsoft Himalaya"/>
-        <a:font script="Thaa" typeface="MV Boli"/>
-        <a:font script="Deva" typeface="Mangal"/>
-        <a:font script="Telu" typeface="Gautami"/>
-        <a:font script="Taml" typeface="Latha"/>
-        <a:font script="Syrc" typeface="Estrangelo Edessa"/>
-        <a:font script="Orya" typeface="Kalinga"/>
-        <a:font script="Mlym" typeface="Kartika"/>
-        <a:font script="Laoo" typeface="DokChampa"/>
-        <a:font script="Sinh" typeface="Iskoola Pota"/>
-        <a:font script="Mong" typeface="Mongolian Baiti"/>
-        <a:font script="Viet" typeface="Times New Roman"/>
-        <a:font script="Uigh" typeface="Microsoft Uighur"/>
-        <a:font script="Geor" typeface="Sylfaen"/>
-        <a:font script="Armn" typeface="Arial"/>
-        <a:font script="Bugi" typeface="Leelawadee UI"/>
-        <a:font script="Bopo" typeface="Microsoft JhengHei"/>
-        <a:font script="Java" typeface="Javanese Text"/>
-        <a:font script="Lisu" typeface="Segoe UI"/>
-        <a:font script="Mymr" typeface="Myanmar Text"/>
-        <a:font script="Nkoo" typeface="Ebrima"/>
-        <a:font script="Olck" typeface="Nirmala UI"/>
-        <a:font script="Osma" typeface="Ebrima"/>
-        <a:font script="Phag" typeface="Phagspa"/>
-        <a:font script="Syrn" typeface="Estrangelo Edessa"/>
-        <a:font script="Syrj" typeface="Estrangelo Edessa"/>
-        <a:font script="Syre" typeface="Estrangelo Edessa"/>
-        <a:font script="Sora" typeface="Nirmala UI"/>
-        <a:font script="Tale" typeface="Microsoft Tai Le"/>
-        <a:font script="Talu" typeface="Microsoft New Tai Lue"/>
-        <a:font script="Tfng" typeface="Ebrima"/>
-      </a:majorFont>
-      <a:minorFont>
-        <a:latin typeface="Aptos" panose="02110004020202020204"/>
-        <a:ea typeface=""/>
-        <a:cs typeface=""/>
-        <a:font script="Jpan" typeface="游ゴシック"/>
-        <a:font script="Hang" typeface="맑은 고딕"/>
-        <a:font script="Hans" typeface="等线"/>
-        <a:font script="Hant" typeface="新細明體"/>
-        <a:font script="Arab" typeface="Arial"/>
-        <a:font script="Hebr" typeface="Arial"/>
-        <a:font script="Thai" typeface="Cordia New"/>
-        <a:font script="Ethi" typeface="Nyala"/>
-        <a:font script="Beng" typeface="Vrinda"/>
-        <a:font script="Gujr" typeface="Shruti"/>
-        <a:font script="Khmr" typeface="DaunPenh"/>
-        <a:font script="Knda" typeface="Tunga"/>
-        <a:font script="Guru" typeface="Raavi"/>
-        <a:font script="Cans" typeface="Euphemia"/>
-        <a:font script="Cher" typeface="Plantagenet Cherokee"/>
-        <a:font script="Yiii" typeface="Microsoft Yi Baiti"/>
-        <a:font script="Tibt" typeface="Microsoft Himalaya"/>
-        <a:font script="Thaa" typeface="MV Boli"/>
-        <a:font script="Deva" typeface="Mangal"/>
-        <a:font script="Telu" typeface="Gautami"/>
-        <a:font script="Taml" typeface="Latha"/>
-        <a:font script="Syrc" typeface="Estrangelo Edessa"/>
-        <a:font script="Orya" typeface="Kalinga"/>
-        <a:font script="Mlym" typeface="Kartika"/>
-        <a:font script="Laoo" typeface="DokChampa"/>
-        <a:font script="Sinh" typeface="Iskoola Pota"/>
-        <a:font script="Mong" typeface="Mongolian Baiti"/>
-        <a:font script="Viet" typeface="Arial"/>
-        <a:font script="Uigh" typeface="Microsoft Uighur"/>
-        <a:font script="Geor" typeface="Sylfaen"/>
-        <a:font script="Armn" typeface="Arial"/>
-        <a:font script="Bugi" typeface="Leelawadee UI"/>
-        <a:font script="Bopo" typeface="Microsoft JhengHei"/>
-        <a:font script="Java" typeface="Javanese Text"/>
-        <a:font script="Lisu" typeface="Segoe UI"/>
-        <a:font script="Mymr" typeface="Myanmar Text"/>
-        <a:font script="Nkoo" typeface="Ebrima"/>
-        <a:font script="Olck" typeface="Nirmala UI"/>
-        <a:font script="Osma" typeface="Ebrima"/>
-        <a:font script="Phag" typeface="Phagspa"/>
-        <a:font script="Syrn" typeface="Estrangelo Edessa"/>
-        <a:font script="Syrj" typeface="Estrangelo Edessa"/>
-        <a:font script="Syre" typeface="Estrangelo Edessa"/>
-        <a:font script="Sora" typeface="Nirmala UI"/>
-        <a:font script="Tale" typeface="Microsoft Tai Le"/>
-        <a:font script="Talu" typeface="Microsoft New Tai Lue"/>
-        <a:font script="Tfng" typeface="Ebrima"/>
-      </a:minorFont>
-    </a:fontScheme>
-    <a:fmtScheme name="Office">
-      <a:fillStyleLst>
-        <a:solidFill>
-          <a:schemeClr val="phClr"/>
-        </a:solidFill>
-        <a:gradFill rotWithShape="1">
-          <a:gsLst>
-            <a:gs pos="0">
-              <a:schemeClr val="phClr">
-                <a:lumMod val="110000"/>
-                <a:satMod val="105000"/>
-                <a:tint val="67000"/>
-              </a:schemeClr>
-            </a:gs>
-            <a:gs pos="50000">
-              <a:schemeClr val="phClr">
-                <a:lumMod val="105000"/>
-                <a:satMod val="103000"/>
-                <a:tint val="73000"/>
-              </a:schemeClr>
-            </a:gs>
-            <a:gs pos="100000">
-              <a:schemeClr val="phClr">
-                <a:lumMod val="105000"/>
-                <a:satMod val="109000"/>
-                <a:tint val="81000"/>
-              </a:schemeClr>
-            </a:gs>
-          </a:gsLst>
-          <a:lin ang="5400000" scaled="0"/>
-        </a:gradFill>
-        <a:gradFill rotWithShape="1">
-          <a:gsLst>
-            <a:gs pos="0">
-              <a:schemeClr val="phClr">
-                <a:satMod val="103000"/>
-                <a:lumMod val="102000"/>
-                <a:tint val="94000"/>
-              </a:schemeClr>
-            </a:gs>
-            <a:gs pos="50000">
-              <a:schemeClr val="phClr">
-                <a:satMod val="110000"/>
-                <a:lumMod val="100000"/>
-                <a:shade val="100000"/>
-              </a:schemeClr>
-            </a:gs>
-            <a:gs pos="100000">
-              <a:schemeClr val="phClr">
-                <a:lumMod val="99000"/>
-                <a:satMod val="120000"/>
-                <a:shade val="78000"/>
-              </a:schemeClr>
-            </a:gs>
-          </a:gsLst>
-          <a:lin ang="5400000" scaled="0"/>
-        </a:gradFill>
-      </a:fillStyleLst>
-      <a:lnStyleLst>
-        <a:ln w="12700" cap="flat" cmpd="sng" algn="ctr">
-          <a:solidFill>
-            <a:schemeClr val="phClr"/>
-          </a:solidFill>
-          <a:prstDash val="solid"/>
-          <a:miter lim="800000"/>
-        </a:ln>
-        <a:ln w="19050" cap="flat" cmpd="sng" algn="ctr">
-          <a:solidFill>
-            <a:schemeClr val="phClr"/>
-          </a:solidFill>
-          <a:prstDash val="solid"/>
-          <a:miter lim="800000"/>
-        </a:ln>
-        <a:ln w="25400" cap="flat" cmpd="sng" algn="ctr">
-          <a:solidFill>
-            <a:schemeClr val="phClr"/>
-          </a:solidFill>
-          <a:prstDash val="solid"/>
-          <a:miter lim="800000"/>
-        </a:ln>
-      </a:lnStyleLst>
-      <a:effectStyleLst>
-        <a:effectStyle>
-          <a:effectLst/>
-        </a:effectStyle>
-        <a:effectStyle>
-          <a:effectLst/>
-        </a:effectStyle>
-        <a:effectStyle>
-          <a:effectLst>
-            <a:outerShdw blurRad="57150" dist="19050" dir="5400000" algn="ctr" rotWithShape="0">
-              <a:srgbClr val="000000">
-                <a:alpha val="63000"/>
-              </a:srgbClr>
-            </a:outerShdw>
-          </a:effectLst>
-        </a:effectStyle>
-      </a:effectStyleLst>
-      <a:bgFillStyleLst>
-        <a:solidFill>
-          <a:schemeClr val="phClr"/>
-        </a:solidFill>
-        <a:solidFill>
-          <a:schemeClr val="phClr">
-            <a:tint val="95000"/>
-            <a:satMod val="170000"/>
-          </a:schemeClr>
-        </a:solidFill>
-        <a:gradFill rotWithShape="1">
-          <a:gsLst>
-            <a:gs pos="0">
-              <a:schemeClr val="phClr">
-                <a:tint val="93000"/>
-                <a:satMod val="150000"/>
-                <a:shade val="98000"/>
-                <a:lumMod val="102000"/>
-              </a:schemeClr>
-            </a:gs>
-            <a:gs pos="50000">
-              <a:schemeClr val="phClr">
-                <a:tint val="98000"/>
-                <a:satMod val="130000"/>
-                <a:shade val="90000"/>
-                <a:lumMod val="103000"/>
-              </a:schemeClr>
-            </a:gs>
-            <a:gs pos="100000">
-              <a:schemeClr val="phClr">
-                <a:shade val="63000"/>
-                <a:satMod val="120000"/>
-              </a:schemeClr>
-            </a:gs>
-          </a:gsLst>
-          <a:lin ang="5400000" scaled="0"/>
-        </a:gradFill>
-      </a:bgFillStyleLst>
-    </a:fmtScheme>
-  </a:themeElements>
-  <a:objectDefaults>
-    <a:lnDef>
-      <a:spPr/>
-      <a:bodyPr/>
-      <a:lstStyle/>
-      <a:style>
-        <a:lnRef idx="2">
-          <a:schemeClr val="accent1"/>
-        </a:lnRef>
-        <a:fillRef idx="0">
-          <a:schemeClr val="accent1"/>
-        </a:fillRef>
-        <a:effectRef idx="1">
-          <a:schemeClr val="accent1"/>
-        </a:effectRef>
-        <a:fontRef idx="minor">
-          <a:schemeClr val="tx1"/>
-        </a:fontRef>
-      </a:style>
-    </a:lnDef>
-  </a:objectDefaults>
-  <a:extraClrSchemeLst/>
-  <a:extLst>
-    <a:ext uri="{05A4C25C-085E-4340-85A3-A5531E510DB2}">
-      <thm15:themeFamily xmlns:thm15="http://schemas.microsoft.com/office/thememl/2012/main" name="Office Theme" id="{2E142A2C-CD16-42D6-873A-C26D2A0506FA}" vid="{1BDDFF52-6CD6-40A5-AB3C-68EB2F1E4D0A}"/>
-    </a:ext>
-  </a:extLst>
-</a:theme>
-</file>
-
-<file path=ppt/theme/theme3.xml><?xml version="1.0" encoding="utf-8"?>
 <a:theme xmlns:a="http://schemas.openxmlformats.org/drawingml/2006/main" name="Office Theme">
   <a:themeElements>
     <a:clrScheme name="Office">

--- a/Persona_template.pptx
+++ b/Persona_template.pptx
@@ -5,14 +5,10 @@
     <p:sldMasterId id="2147484720" r:id="rId1"/>
   </p:sldMasterIdLst>
   <p:notesMasterIdLst>
-    <p:notesMasterId r:id="rId7"/>
+    <p:notesMasterId r:id="rId3"/>
   </p:notesMasterIdLst>
   <p:sldIdLst>
     <p:sldId id="2124817327" r:id="rId2"/>
-    <p:sldId id="2124817328" r:id="rId3"/>
-    <p:sldId id="2124817329" r:id="rId4"/>
-    <p:sldId id="2124817330" r:id="rId5"/>
-    <p:sldId id="2124817331" r:id="rId6"/>
   </p:sldIdLst>
   <p:sldSz cx="12188825" cy="6858000"/>
   <p:notesSz cx="6858000" cy="9144000"/>
@@ -1097,7 +1093,7 @@
         <p:spPr>
           <a:xfrm>
             <a:off x="2073591" y="963653"/>
-            <a:ext cx="2026970" cy="1354217"/>
+            <a:ext cx="2026970" cy="1492716"/>
           </a:xfrm>
           <a:prstGeom prst="rect">
             <a:avLst/>
@@ -1239,6 +1235,17 @@
           </a:p>
           <a:p>
             <a:endParaRPr lang="en-GB" sz="700" dirty="0">
+              <a:solidFill>
+                <a:schemeClr val="accent2"/>
+              </a:solidFill>
+              <a:effectLst/>
+              <a:latin typeface="Calibri" panose="020F0502020204030204" pitchFamily="34" charset="0"/>
+              <a:ea typeface="Calibri" panose="020F0502020204030204" pitchFamily="34" charset="0"/>
+              <a:cs typeface="Calibri" panose="020F0502020204030204" pitchFamily="34" charset="0"/>
+            </a:endParaRPr>
+          </a:p>
+          <a:p>
+            <a:endParaRPr lang="en-GB" sz="900" dirty="0">
               <a:solidFill>
                 <a:schemeClr val="accent2"/>
               </a:solidFill>
@@ -1971,7 +1978,7 @@
         </p:nvSpPr>
         <p:spPr>
           <a:xfrm>
-            <a:off x="2072322" y="2165776"/>
+            <a:off x="2072322" y="2311548"/>
             <a:ext cx="1648611" cy="276999"/>
           </a:xfrm>
           <a:prstGeom prst="rect">
@@ -2009,1710 +2016,6 @@
     <p:extLst>
       <p:ext uri="{BB962C8B-B14F-4D97-AF65-F5344CB8AC3E}">
         <p14:creationId xmlns:p14="http://schemas.microsoft.com/office/powerpoint/2010/main" val="3080319418"/>
-      </p:ext>
-    </p:extLst>
-  </p:cSld>
-  <p:clrMapOvr>
-    <a:masterClrMapping/>
-  </p:clrMapOvr>
-</p:sld>
-</file>
-
-<file path=ppt/slides/slide2.xml><?xml version="1.0" encoding="utf-8"?>
-<p:sld xmlns:a="http://schemas.openxmlformats.org/drawingml/2006/main" xmlns:r="http://schemas.openxmlformats.org/officeDocument/2006/relationships" xmlns:p="http://schemas.openxmlformats.org/presentationml/2006/main">
-  <p:cSld>
-    <p:spTree>
-      <p:nvGrpSpPr>
-        <p:cNvPr id="1" name=""/>
-        <p:cNvGrpSpPr/>
-        <p:nvPr/>
-      </p:nvGrpSpPr>
-      <p:grpSpPr>
-        <a:xfrm>
-          <a:off x="0" y="0"/>
-          <a:ext cx="0" cy="0"/>
-          <a:chOff x="0" y="0"/>
-          <a:chExt cx="0" cy="0"/>
-        </a:xfrm>
-      </p:grpSpPr>
-      <p:sp>
-        <p:nvSpPr>
-          <p:cNvPr id="2" name="Title 1">
-            <a:extLst>
-              <a:ext uri="{FF2B5EF4-FFF2-40B4-BE49-F238E27FC236}">
-                <a16:creationId xmlns:a16="http://schemas.microsoft.com/office/drawing/2014/main" id="{808BA428-D470-5825-A761-30EAF666E252}"/>
-              </a:ext>
-            </a:extLst>
-          </p:cNvPr>
-          <p:cNvSpPr>
-            <a:spLocks noGrp="1"/>
-          </p:cNvSpPr>
-          <p:nvPr>
-            <p:ph type="title"/>
-          </p:nvPr>
-        </p:nvSpPr>
-        <p:spPr/>
-        <p:txBody>
-          <a:bodyPr/>
-          <a:lstStyle/>
-          <a:p>
-            <a:r>
-              <a:rPr lang="en-GB" dirty="0" err="1"/>
-              <a:t>Slide_title</a:t>
-            </a:r>
-            <a:endParaRPr lang="en-US" dirty="0"/>
-          </a:p>
-        </p:txBody>
-      </p:sp>
-      <p:sp>
-        <p:nvSpPr>
-          <p:cNvPr id="3" name="Picture Placeholder 2">
-            <a:extLst>
-              <a:ext uri="{FF2B5EF4-FFF2-40B4-BE49-F238E27FC236}">
-                <a16:creationId xmlns:a16="http://schemas.microsoft.com/office/drawing/2014/main" id="{72261CC5-E2D0-2A17-508E-695CD0FAE199}"/>
-              </a:ext>
-            </a:extLst>
-          </p:cNvPr>
-          <p:cNvSpPr>
-            <a:spLocks noGrp="1"/>
-          </p:cNvSpPr>
-          <p:nvPr>
-            <p:ph type="pic" sz="quarter" idx="10"/>
-          </p:nvPr>
-        </p:nvSpPr>
-        <p:spPr/>
-        <p:txBody>
-          <a:bodyPr/>
-          <a:lstStyle/>
-          <a:p>
-            <a:endParaRPr lang="en-US" sz="1000" dirty="0"/>
-          </a:p>
-        </p:txBody>
-      </p:sp>
-      <p:sp>
-        <p:nvSpPr>
-          <p:cNvPr id="4" name="Content Placeholder 3">
-            <a:extLst>
-              <a:ext uri="{FF2B5EF4-FFF2-40B4-BE49-F238E27FC236}">
-                <a16:creationId xmlns:a16="http://schemas.microsoft.com/office/drawing/2014/main" id="{9703B410-2114-6D76-481B-274BC989B409}"/>
-              </a:ext>
-            </a:extLst>
-          </p:cNvPr>
-          <p:cNvSpPr>
-            <a:spLocks noGrp="1"/>
-          </p:cNvSpPr>
-          <p:nvPr>
-            <p:ph sz="quarter" idx="11"/>
-          </p:nvPr>
-        </p:nvSpPr>
-        <p:spPr/>
-        <p:txBody>
-          <a:bodyPr>
-            <a:normAutofit/>
-          </a:bodyPr>
-          <a:lstStyle/>
-          <a:p>
-            <a:pPr marL="0" indent="0">
-              <a:buNone/>
-            </a:pPr>
-            <a:r>
-              <a:rPr lang="en-US" sz="1000" dirty="0" err="1"/>
-              <a:t>State_of_mind</a:t>
-            </a:r>
-            <a:endParaRPr lang="en-US" sz="1000" dirty="0"/>
-          </a:p>
-        </p:txBody>
-      </p:sp>
-      <p:sp>
-        <p:nvSpPr>
-          <p:cNvPr id="5" name="Content Placeholder 4">
-            <a:extLst>
-              <a:ext uri="{FF2B5EF4-FFF2-40B4-BE49-F238E27FC236}">
-                <a16:creationId xmlns:a16="http://schemas.microsoft.com/office/drawing/2014/main" id="{A846382C-D1FE-6ADB-FF3E-E6157FA915D6}"/>
-              </a:ext>
-            </a:extLst>
-          </p:cNvPr>
-          <p:cNvSpPr>
-            <a:spLocks noGrp="1"/>
-          </p:cNvSpPr>
-          <p:nvPr>
-            <p:ph sz="quarter" idx="12"/>
-          </p:nvPr>
-        </p:nvSpPr>
-        <p:spPr/>
-        <p:txBody>
-          <a:bodyPr>
-            <a:normAutofit/>
-          </a:bodyPr>
-          <a:lstStyle/>
-          <a:p>
-            <a:pPr marL="0" indent="0">
-              <a:buNone/>
-            </a:pPr>
-            <a:r>
-              <a:rPr lang="en-US" sz="1000" dirty="0" err="1"/>
-              <a:t>Persona_unmet_needs</a:t>
-            </a:r>
-            <a:endParaRPr lang="en-US" sz="1000" dirty="0"/>
-          </a:p>
-        </p:txBody>
-      </p:sp>
-      <p:sp>
-        <p:nvSpPr>
-          <p:cNvPr id="6" name="Content Placeholder 5">
-            <a:extLst>
-              <a:ext uri="{FF2B5EF4-FFF2-40B4-BE49-F238E27FC236}">
-                <a16:creationId xmlns:a16="http://schemas.microsoft.com/office/drawing/2014/main" id="{DA68331F-DC3C-413F-F788-CB43F6335B1B}"/>
-              </a:ext>
-            </a:extLst>
-          </p:cNvPr>
-          <p:cNvSpPr>
-            <a:spLocks noGrp="1"/>
-          </p:cNvSpPr>
-          <p:nvPr>
-            <p:ph sz="quarter" idx="13"/>
-          </p:nvPr>
-        </p:nvSpPr>
-        <p:spPr/>
-        <p:txBody>
-          <a:bodyPr>
-            <a:normAutofit/>
-          </a:bodyPr>
-          <a:lstStyle/>
-          <a:p>
-            <a:pPr marL="0" indent="0">
-              <a:buNone/>
-            </a:pPr>
-            <a:r>
-              <a:rPr lang="en-US" sz="1000" dirty="0" err="1"/>
-              <a:t>Persona_pain_points</a:t>
-            </a:r>
-            <a:endParaRPr lang="en-US" sz="1000" dirty="0"/>
-          </a:p>
-        </p:txBody>
-      </p:sp>
-      <p:sp>
-        <p:nvSpPr>
-          <p:cNvPr id="7" name="TextBox 6">
-            <a:extLst>
-              <a:ext uri="{FF2B5EF4-FFF2-40B4-BE49-F238E27FC236}">
-                <a16:creationId xmlns:a16="http://schemas.microsoft.com/office/drawing/2014/main" id="{214F4F8C-8A97-440A-0598-E6BB6072E416}"/>
-              </a:ext>
-            </a:extLst>
-          </p:cNvPr>
-          <p:cNvSpPr txBox="1"/>
-          <p:nvPr/>
-        </p:nvSpPr>
-        <p:spPr>
-          <a:xfrm>
-            <a:off x="2532262" y="962547"/>
-            <a:ext cx="1566099" cy="276999"/>
-          </a:xfrm>
-          <a:prstGeom prst="rect">
-            <a:avLst/>
-          </a:prstGeom>
-          <a:noFill/>
-        </p:spPr>
-        <p:txBody>
-          <a:bodyPr wrap="square" rtlCol="0">
-            <a:spAutoFit/>
-          </a:bodyPr>
-          <a:lstStyle/>
-          <a:p>
-            <a:r>
-              <a:rPr lang="en-GB" sz="1200" dirty="0" err="1">
-                <a:solidFill>
-                  <a:schemeClr val="accent2"/>
-                </a:solidFill>
-                <a:latin typeface="Calibri" panose="020F0502020204030204" pitchFamily="34" charset="0"/>
-                <a:cs typeface="Calibri" panose="020F0502020204030204" pitchFamily="34" charset="0"/>
-              </a:rPr>
-              <a:t>Persona_name</a:t>
-            </a:r>
-            <a:endParaRPr lang="en-GB" sz="1200" dirty="0">
-              <a:solidFill>
-                <a:schemeClr val="accent2"/>
-              </a:solidFill>
-              <a:latin typeface="Calibri" panose="020F0502020204030204" pitchFamily="34" charset="0"/>
-              <a:cs typeface="Calibri" panose="020F0502020204030204" pitchFamily="34" charset="0"/>
-            </a:endParaRPr>
-          </a:p>
-        </p:txBody>
-      </p:sp>
-      <p:sp>
-        <p:nvSpPr>
-          <p:cNvPr id="8" name="TextBox 7">
-            <a:extLst>
-              <a:ext uri="{FF2B5EF4-FFF2-40B4-BE49-F238E27FC236}">
-                <a16:creationId xmlns:a16="http://schemas.microsoft.com/office/drawing/2014/main" id="{6CB095F7-005A-A419-5ED7-9099E5E396EF}"/>
-              </a:ext>
-            </a:extLst>
-          </p:cNvPr>
-          <p:cNvSpPr txBox="1"/>
-          <p:nvPr/>
-        </p:nvSpPr>
-        <p:spPr>
-          <a:xfrm>
-            <a:off x="2383451" y="1182563"/>
-            <a:ext cx="1566099" cy="276999"/>
-          </a:xfrm>
-          <a:prstGeom prst="rect">
-            <a:avLst/>
-          </a:prstGeom>
-          <a:noFill/>
-        </p:spPr>
-        <p:txBody>
-          <a:bodyPr wrap="square" rtlCol="0">
-            <a:spAutoFit/>
-          </a:bodyPr>
-          <a:lstStyle/>
-          <a:p>
-            <a:r>
-              <a:rPr lang="en-GB" sz="1200" dirty="0" err="1">
-                <a:solidFill>
-                  <a:schemeClr val="accent2"/>
-                </a:solidFill>
-                <a:latin typeface="Calibri" panose="020F0502020204030204" pitchFamily="34" charset="0"/>
-                <a:cs typeface="Calibri" panose="020F0502020204030204" pitchFamily="34" charset="0"/>
-              </a:rPr>
-              <a:t>Persona_age</a:t>
-            </a:r>
-            <a:endParaRPr lang="en-GB" sz="1200" dirty="0">
-              <a:solidFill>
-                <a:schemeClr val="accent2"/>
-              </a:solidFill>
-              <a:latin typeface="Calibri" panose="020F0502020204030204" pitchFamily="34" charset="0"/>
-              <a:cs typeface="Calibri" panose="020F0502020204030204" pitchFamily="34" charset="0"/>
-            </a:endParaRPr>
-          </a:p>
-        </p:txBody>
-      </p:sp>
-      <p:sp>
-        <p:nvSpPr>
-          <p:cNvPr id="9" name="TextBox 8">
-            <a:extLst>
-              <a:ext uri="{FF2B5EF4-FFF2-40B4-BE49-F238E27FC236}">
-                <a16:creationId xmlns:a16="http://schemas.microsoft.com/office/drawing/2014/main" id="{8BA5D03C-C9DE-896C-B098-56ACDE87D402}"/>
-              </a:ext>
-            </a:extLst>
-          </p:cNvPr>
-          <p:cNvSpPr txBox="1"/>
-          <p:nvPr/>
-        </p:nvSpPr>
-        <p:spPr>
-          <a:xfrm>
-            <a:off x="2674161" y="1393982"/>
-            <a:ext cx="1566099" cy="276999"/>
-          </a:xfrm>
-          <a:prstGeom prst="rect">
-            <a:avLst/>
-          </a:prstGeom>
-          <a:noFill/>
-        </p:spPr>
-        <p:txBody>
-          <a:bodyPr wrap="square" rtlCol="0">
-            <a:spAutoFit/>
-          </a:bodyPr>
-          <a:lstStyle/>
-          <a:p>
-            <a:r>
-              <a:rPr lang="en-GB" sz="1200" dirty="0" err="1">
-                <a:solidFill>
-                  <a:schemeClr val="accent2"/>
-                </a:solidFill>
-                <a:latin typeface="Calibri" panose="020F0502020204030204" pitchFamily="34" charset="0"/>
-                <a:cs typeface="Calibri" panose="020F0502020204030204" pitchFamily="34" charset="0"/>
-              </a:rPr>
-              <a:t>Persona_location</a:t>
-            </a:r>
-            <a:endParaRPr lang="en-GB" sz="1200" dirty="0">
-              <a:solidFill>
-                <a:schemeClr val="accent2"/>
-              </a:solidFill>
-              <a:latin typeface="Calibri" panose="020F0502020204030204" pitchFamily="34" charset="0"/>
-              <a:cs typeface="Calibri" panose="020F0502020204030204" pitchFamily="34" charset="0"/>
-            </a:endParaRPr>
-          </a:p>
-        </p:txBody>
-      </p:sp>
-      <p:sp>
-        <p:nvSpPr>
-          <p:cNvPr id="10" name="TextBox 9">
-            <a:extLst>
-              <a:ext uri="{FF2B5EF4-FFF2-40B4-BE49-F238E27FC236}">
-                <a16:creationId xmlns:a16="http://schemas.microsoft.com/office/drawing/2014/main" id="{E11F8062-D8C8-D7B8-E0BC-FA39A0385578}"/>
-              </a:ext>
-            </a:extLst>
-          </p:cNvPr>
-          <p:cNvSpPr txBox="1"/>
-          <p:nvPr/>
-        </p:nvSpPr>
-        <p:spPr>
-          <a:xfrm>
-            <a:off x="2061740" y="1742920"/>
-            <a:ext cx="2178519" cy="276999"/>
-          </a:xfrm>
-          <a:prstGeom prst="rect">
-            <a:avLst/>
-          </a:prstGeom>
-          <a:noFill/>
-        </p:spPr>
-        <p:txBody>
-          <a:bodyPr wrap="square" rtlCol="0">
-            <a:spAutoFit/>
-          </a:bodyPr>
-          <a:lstStyle/>
-          <a:p>
-            <a:r>
-              <a:rPr lang="en-GB" sz="1200" dirty="0" err="1">
-                <a:solidFill>
-                  <a:schemeClr val="accent2"/>
-                </a:solidFill>
-                <a:latin typeface="Calibri" panose="020F0502020204030204" pitchFamily="34" charset="0"/>
-                <a:cs typeface="Calibri" panose="020F0502020204030204" pitchFamily="34" charset="0"/>
-              </a:rPr>
-              <a:t>Persona_occupation</a:t>
-            </a:r>
-            <a:endParaRPr lang="en-GB" sz="1200" dirty="0">
-              <a:solidFill>
-                <a:schemeClr val="accent2"/>
-              </a:solidFill>
-              <a:latin typeface="Calibri" panose="020F0502020204030204" pitchFamily="34" charset="0"/>
-              <a:cs typeface="Calibri" panose="020F0502020204030204" pitchFamily="34" charset="0"/>
-            </a:endParaRPr>
-          </a:p>
-        </p:txBody>
-      </p:sp>
-      <p:sp>
-        <p:nvSpPr>
-          <p:cNvPr id="11" name="TextBox 10">
-            <a:extLst>
-              <a:ext uri="{FF2B5EF4-FFF2-40B4-BE49-F238E27FC236}">
-                <a16:creationId xmlns:a16="http://schemas.microsoft.com/office/drawing/2014/main" id="{70FDF36B-D46C-E0C9-D893-D8A7551CF512}"/>
-              </a:ext>
-            </a:extLst>
-          </p:cNvPr>
-          <p:cNvSpPr txBox="1"/>
-          <p:nvPr/>
-        </p:nvSpPr>
-        <p:spPr>
-          <a:xfrm>
-            <a:off x="2072322" y="2165776"/>
-            <a:ext cx="1648611" cy="276999"/>
-          </a:xfrm>
-          <a:prstGeom prst="rect">
-            <a:avLst/>
-          </a:prstGeom>
-          <a:noFill/>
-        </p:spPr>
-        <p:txBody>
-          <a:bodyPr wrap="square" rtlCol="0">
-            <a:spAutoFit/>
-          </a:bodyPr>
-          <a:lstStyle/>
-          <a:p>
-            <a:r>
-              <a:rPr lang="en-GB" sz="1200" dirty="0" err="1">
-                <a:solidFill>
-                  <a:schemeClr val="accent2"/>
-                </a:solidFill>
-                <a:latin typeface="Calibri" panose="020F0502020204030204" pitchFamily="34" charset="0"/>
-                <a:cs typeface="Calibri" panose="020F0502020204030204" pitchFamily="34" charset="0"/>
-              </a:rPr>
-              <a:t>Persona_relationships</a:t>
-            </a:r>
-            <a:endParaRPr lang="en-GB" sz="1200" dirty="0">
-              <a:solidFill>
-                <a:schemeClr val="accent2"/>
-              </a:solidFill>
-              <a:latin typeface="Calibri" panose="020F0502020204030204" pitchFamily="34" charset="0"/>
-              <a:cs typeface="Calibri" panose="020F0502020204030204" pitchFamily="34" charset="0"/>
-            </a:endParaRPr>
-          </a:p>
-        </p:txBody>
-      </p:sp>
-    </p:spTree>
-    <p:extLst>
-      <p:ext uri="{BB962C8B-B14F-4D97-AF65-F5344CB8AC3E}">
-        <p14:creationId xmlns:p14="http://schemas.microsoft.com/office/powerpoint/2010/main" val="1263305262"/>
-      </p:ext>
-    </p:extLst>
-  </p:cSld>
-  <p:clrMapOvr>
-    <a:masterClrMapping/>
-  </p:clrMapOvr>
-</p:sld>
-</file>
-
-<file path=ppt/slides/slide3.xml><?xml version="1.0" encoding="utf-8"?>
-<p:sld xmlns:a="http://schemas.openxmlformats.org/drawingml/2006/main" xmlns:r="http://schemas.openxmlformats.org/officeDocument/2006/relationships" xmlns:p="http://schemas.openxmlformats.org/presentationml/2006/main">
-  <p:cSld>
-    <p:spTree>
-      <p:nvGrpSpPr>
-        <p:cNvPr id="1" name=""/>
-        <p:cNvGrpSpPr/>
-        <p:nvPr/>
-      </p:nvGrpSpPr>
-      <p:grpSpPr>
-        <a:xfrm>
-          <a:off x="0" y="0"/>
-          <a:ext cx="0" cy="0"/>
-          <a:chOff x="0" y="0"/>
-          <a:chExt cx="0" cy="0"/>
-        </a:xfrm>
-      </p:grpSpPr>
-      <p:sp>
-        <p:nvSpPr>
-          <p:cNvPr id="2" name="Title 1">
-            <a:extLst>
-              <a:ext uri="{FF2B5EF4-FFF2-40B4-BE49-F238E27FC236}">
-                <a16:creationId xmlns:a16="http://schemas.microsoft.com/office/drawing/2014/main" id="{808BA428-D470-5825-A761-30EAF666E252}"/>
-              </a:ext>
-            </a:extLst>
-          </p:cNvPr>
-          <p:cNvSpPr>
-            <a:spLocks noGrp="1"/>
-          </p:cNvSpPr>
-          <p:nvPr>
-            <p:ph type="title"/>
-          </p:nvPr>
-        </p:nvSpPr>
-        <p:spPr/>
-        <p:txBody>
-          <a:bodyPr/>
-          <a:lstStyle/>
-          <a:p>
-            <a:r>
-              <a:rPr lang="en-GB" dirty="0" err="1"/>
-              <a:t>Slide_title</a:t>
-            </a:r>
-            <a:endParaRPr lang="en-US" dirty="0"/>
-          </a:p>
-        </p:txBody>
-      </p:sp>
-      <p:sp>
-        <p:nvSpPr>
-          <p:cNvPr id="3" name="Picture Placeholder 2">
-            <a:extLst>
-              <a:ext uri="{FF2B5EF4-FFF2-40B4-BE49-F238E27FC236}">
-                <a16:creationId xmlns:a16="http://schemas.microsoft.com/office/drawing/2014/main" id="{72261CC5-E2D0-2A17-508E-695CD0FAE199}"/>
-              </a:ext>
-            </a:extLst>
-          </p:cNvPr>
-          <p:cNvSpPr>
-            <a:spLocks noGrp="1"/>
-          </p:cNvSpPr>
-          <p:nvPr>
-            <p:ph type="pic" sz="quarter" idx="10"/>
-          </p:nvPr>
-        </p:nvSpPr>
-        <p:spPr/>
-        <p:txBody>
-          <a:bodyPr/>
-          <a:lstStyle/>
-          <a:p>
-            <a:endParaRPr lang="en-US" sz="1000" dirty="0"/>
-          </a:p>
-        </p:txBody>
-      </p:sp>
-      <p:sp>
-        <p:nvSpPr>
-          <p:cNvPr id="4" name="Content Placeholder 3">
-            <a:extLst>
-              <a:ext uri="{FF2B5EF4-FFF2-40B4-BE49-F238E27FC236}">
-                <a16:creationId xmlns:a16="http://schemas.microsoft.com/office/drawing/2014/main" id="{9703B410-2114-6D76-481B-274BC989B409}"/>
-              </a:ext>
-            </a:extLst>
-          </p:cNvPr>
-          <p:cNvSpPr>
-            <a:spLocks noGrp="1"/>
-          </p:cNvSpPr>
-          <p:nvPr>
-            <p:ph sz="quarter" idx="11"/>
-          </p:nvPr>
-        </p:nvSpPr>
-        <p:spPr/>
-        <p:txBody>
-          <a:bodyPr>
-            <a:normAutofit/>
-          </a:bodyPr>
-          <a:lstStyle/>
-          <a:p>
-            <a:pPr marL="0" indent="0">
-              <a:buNone/>
-            </a:pPr>
-            <a:r>
-              <a:rPr lang="en-US" sz="1000" dirty="0" err="1"/>
-              <a:t>State_of_mind</a:t>
-            </a:r>
-            <a:endParaRPr lang="en-US" sz="1000" dirty="0"/>
-          </a:p>
-        </p:txBody>
-      </p:sp>
-      <p:sp>
-        <p:nvSpPr>
-          <p:cNvPr id="5" name="Content Placeholder 4">
-            <a:extLst>
-              <a:ext uri="{FF2B5EF4-FFF2-40B4-BE49-F238E27FC236}">
-                <a16:creationId xmlns:a16="http://schemas.microsoft.com/office/drawing/2014/main" id="{A846382C-D1FE-6ADB-FF3E-E6157FA915D6}"/>
-              </a:ext>
-            </a:extLst>
-          </p:cNvPr>
-          <p:cNvSpPr>
-            <a:spLocks noGrp="1"/>
-          </p:cNvSpPr>
-          <p:nvPr>
-            <p:ph sz="quarter" idx="12"/>
-          </p:nvPr>
-        </p:nvSpPr>
-        <p:spPr/>
-        <p:txBody>
-          <a:bodyPr>
-            <a:normAutofit/>
-          </a:bodyPr>
-          <a:lstStyle/>
-          <a:p>
-            <a:pPr marL="0" indent="0">
-              <a:buNone/>
-            </a:pPr>
-            <a:r>
-              <a:rPr lang="en-US" sz="1000" dirty="0" err="1"/>
-              <a:t>Persona_unmet_needs</a:t>
-            </a:r>
-            <a:endParaRPr lang="en-US" sz="1000" dirty="0"/>
-          </a:p>
-        </p:txBody>
-      </p:sp>
-      <p:sp>
-        <p:nvSpPr>
-          <p:cNvPr id="6" name="Content Placeholder 5">
-            <a:extLst>
-              <a:ext uri="{FF2B5EF4-FFF2-40B4-BE49-F238E27FC236}">
-                <a16:creationId xmlns:a16="http://schemas.microsoft.com/office/drawing/2014/main" id="{DA68331F-DC3C-413F-F788-CB43F6335B1B}"/>
-              </a:ext>
-            </a:extLst>
-          </p:cNvPr>
-          <p:cNvSpPr>
-            <a:spLocks noGrp="1"/>
-          </p:cNvSpPr>
-          <p:nvPr>
-            <p:ph sz="quarter" idx="13"/>
-          </p:nvPr>
-        </p:nvSpPr>
-        <p:spPr/>
-        <p:txBody>
-          <a:bodyPr>
-            <a:normAutofit/>
-          </a:bodyPr>
-          <a:lstStyle/>
-          <a:p>
-            <a:pPr marL="0" indent="0">
-              <a:buNone/>
-            </a:pPr>
-            <a:r>
-              <a:rPr lang="en-US" sz="1000" dirty="0" err="1"/>
-              <a:t>Persona_pain_points</a:t>
-            </a:r>
-            <a:endParaRPr lang="en-US" sz="1000" dirty="0"/>
-          </a:p>
-        </p:txBody>
-      </p:sp>
-      <p:sp>
-        <p:nvSpPr>
-          <p:cNvPr id="7" name="TextBox 6">
-            <a:extLst>
-              <a:ext uri="{FF2B5EF4-FFF2-40B4-BE49-F238E27FC236}">
-                <a16:creationId xmlns:a16="http://schemas.microsoft.com/office/drawing/2014/main" id="{214F4F8C-8A97-440A-0598-E6BB6072E416}"/>
-              </a:ext>
-            </a:extLst>
-          </p:cNvPr>
-          <p:cNvSpPr txBox="1"/>
-          <p:nvPr/>
-        </p:nvSpPr>
-        <p:spPr>
-          <a:xfrm>
-            <a:off x="2532262" y="962547"/>
-            <a:ext cx="1566099" cy="276999"/>
-          </a:xfrm>
-          <a:prstGeom prst="rect">
-            <a:avLst/>
-          </a:prstGeom>
-          <a:noFill/>
-        </p:spPr>
-        <p:txBody>
-          <a:bodyPr wrap="square" rtlCol="0">
-            <a:spAutoFit/>
-          </a:bodyPr>
-          <a:lstStyle/>
-          <a:p>
-            <a:r>
-              <a:rPr lang="en-GB" sz="1200" dirty="0" err="1">
-                <a:solidFill>
-                  <a:schemeClr val="accent2"/>
-                </a:solidFill>
-                <a:latin typeface="Calibri" panose="020F0502020204030204" pitchFamily="34" charset="0"/>
-                <a:cs typeface="Calibri" panose="020F0502020204030204" pitchFamily="34" charset="0"/>
-              </a:rPr>
-              <a:t>Persona_name</a:t>
-            </a:r>
-            <a:endParaRPr lang="en-GB" sz="1200" dirty="0">
-              <a:solidFill>
-                <a:schemeClr val="accent2"/>
-              </a:solidFill>
-              <a:latin typeface="Calibri" panose="020F0502020204030204" pitchFamily="34" charset="0"/>
-              <a:cs typeface="Calibri" panose="020F0502020204030204" pitchFamily="34" charset="0"/>
-            </a:endParaRPr>
-          </a:p>
-        </p:txBody>
-      </p:sp>
-      <p:sp>
-        <p:nvSpPr>
-          <p:cNvPr id="8" name="TextBox 7">
-            <a:extLst>
-              <a:ext uri="{FF2B5EF4-FFF2-40B4-BE49-F238E27FC236}">
-                <a16:creationId xmlns:a16="http://schemas.microsoft.com/office/drawing/2014/main" id="{6CB095F7-005A-A419-5ED7-9099E5E396EF}"/>
-              </a:ext>
-            </a:extLst>
-          </p:cNvPr>
-          <p:cNvSpPr txBox="1"/>
-          <p:nvPr/>
-        </p:nvSpPr>
-        <p:spPr>
-          <a:xfrm>
-            <a:off x="2383451" y="1182563"/>
-            <a:ext cx="1566099" cy="276999"/>
-          </a:xfrm>
-          <a:prstGeom prst="rect">
-            <a:avLst/>
-          </a:prstGeom>
-          <a:noFill/>
-        </p:spPr>
-        <p:txBody>
-          <a:bodyPr wrap="square" rtlCol="0">
-            <a:spAutoFit/>
-          </a:bodyPr>
-          <a:lstStyle/>
-          <a:p>
-            <a:r>
-              <a:rPr lang="en-GB" sz="1200" dirty="0" err="1">
-                <a:solidFill>
-                  <a:schemeClr val="accent2"/>
-                </a:solidFill>
-                <a:latin typeface="Calibri" panose="020F0502020204030204" pitchFamily="34" charset="0"/>
-                <a:cs typeface="Calibri" panose="020F0502020204030204" pitchFamily="34" charset="0"/>
-              </a:rPr>
-              <a:t>Persona_age</a:t>
-            </a:r>
-            <a:endParaRPr lang="en-GB" sz="1200" dirty="0">
-              <a:solidFill>
-                <a:schemeClr val="accent2"/>
-              </a:solidFill>
-              <a:latin typeface="Calibri" panose="020F0502020204030204" pitchFamily="34" charset="0"/>
-              <a:cs typeface="Calibri" panose="020F0502020204030204" pitchFamily="34" charset="0"/>
-            </a:endParaRPr>
-          </a:p>
-        </p:txBody>
-      </p:sp>
-      <p:sp>
-        <p:nvSpPr>
-          <p:cNvPr id="9" name="TextBox 8">
-            <a:extLst>
-              <a:ext uri="{FF2B5EF4-FFF2-40B4-BE49-F238E27FC236}">
-                <a16:creationId xmlns:a16="http://schemas.microsoft.com/office/drawing/2014/main" id="{8BA5D03C-C9DE-896C-B098-56ACDE87D402}"/>
-              </a:ext>
-            </a:extLst>
-          </p:cNvPr>
-          <p:cNvSpPr txBox="1"/>
-          <p:nvPr/>
-        </p:nvSpPr>
-        <p:spPr>
-          <a:xfrm>
-            <a:off x="2674161" y="1393982"/>
-            <a:ext cx="1566099" cy="276999"/>
-          </a:xfrm>
-          <a:prstGeom prst="rect">
-            <a:avLst/>
-          </a:prstGeom>
-          <a:noFill/>
-        </p:spPr>
-        <p:txBody>
-          <a:bodyPr wrap="square" rtlCol="0">
-            <a:spAutoFit/>
-          </a:bodyPr>
-          <a:lstStyle/>
-          <a:p>
-            <a:r>
-              <a:rPr lang="en-GB" sz="1200" dirty="0" err="1">
-                <a:solidFill>
-                  <a:schemeClr val="accent2"/>
-                </a:solidFill>
-                <a:latin typeface="Calibri" panose="020F0502020204030204" pitchFamily="34" charset="0"/>
-                <a:cs typeface="Calibri" panose="020F0502020204030204" pitchFamily="34" charset="0"/>
-              </a:rPr>
-              <a:t>Persona_location</a:t>
-            </a:r>
-            <a:endParaRPr lang="en-GB" sz="1200" dirty="0">
-              <a:solidFill>
-                <a:schemeClr val="accent2"/>
-              </a:solidFill>
-              <a:latin typeface="Calibri" panose="020F0502020204030204" pitchFamily="34" charset="0"/>
-              <a:cs typeface="Calibri" panose="020F0502020204030204" pitchFamily="34" charset="0"/>
-            </a:endParaRPr>
-          </a:p>
-        </p:txBody>
-      </p:sp>
-      <p:sp>
-        <p:nvSpPr>
-          <p:cNvPr id="10" name="TextBox 9">
-            <a:extLst>
-              <a:ext uri="{FF2B5EF4-FFF2-40B4-BE49-F238E27FC236}">
-                <a16:creationId xmlns:a16="http://schemas.microsoft.com/office/drawing/2014/main" id="{E11F8062-D8C8-D7B8-E0BC-FA39A0385578}"/>
-              </a:ext>
-            </a:extLst>
-          </p:cNvPr>
-          <p:cNvSpPr txBox="1"/>
-          <p:nvPr/>
-        </p:nvSpPr>
-        <p:spPr>
-          <a:xfrm>
-            <a:off x="2061740" y="1742920"/>
-            <a:ext cx="2178519" cy="276999"/>
-          </a:xfrm>
-          <a:prstGeom prst="rect">
-            <a:avLst/>
-          </a:prstGeom>
-          <a:noFill/>
-        </p:spPr>
-        <p:txBody>
-          <a:bodyPr wrap="square" rtlCol="0">
-            <a:spAutoFit/>
-          </a:bodyPr>
-          <a:lstStyle/>
-          <a:p>
-            <a:r>
-              <a:rPr lang="en-GB" sz="1200" dirty="0" err="1">
-                <a:solidFill>
-                  <a:schemeClr val="accent2"/>
-                </a:solidFill>
-                <a:latin typeface="Calibri" panose="020F0502020204030204" pitchFamily="34" charset="0"/>
-                <a:cs typeface="Calibri" panose="020F0502020204030204" pitchFamily="34" charset="0"/>
-              </a:rPr>
-              <a:t>Persona_occupation</a:t>
-            </a:r>
-            <a:endParaRPr lang="en-GB" sz="1200" dirty="0">
-              <a:solidFill>
-                <a:schemeClr val="accent2"/>
-              </a:solidFill>
-              <a:latin typeface="Calibri" panose="020F0502020204030204" pitchFamily="34" charset="0"/>
-              <a:cs typeface="Calibri" panose="020F0502020204030204" pitchFamily="34" charset="0"/>
-            </a:endParaRPr>
-          </a:p>
-        </p:txBody>
-      </p:sp>
-      <p:sp>
-        <p:nvSpPr>
-          <p:cNvPr id="11" name="TextBox 10">
-            <a:extLst>
-              <a:ext uri="{FF2B5EF4-FFF2-40B4-BE49-F238E27FC236}">
-                <a16:creationId xmlns:a16="http://schemas.microsoft.com/office/drawing/2014/main" id="{70FDF36B-D46C-E0C9-D893-D8A7551CF512}"/>
-              </a:ext>
-            </a:extLst>
-          </p:cNvPr>
-          <p:cNvSpPr txBox="1"/>
-          <p:nvPr/>
-        </p:nvSpPr>
-        <p:spPr>
-          <a:xfrm>
-            <a:off x="2072322" y="2165776"/>
-            <a:ext cx="1648611" cy="276999"/>
-          </a:xfrm>
-          <a:prstGeom prst="rect">
-            <a:avLst/>
-          </a:prstGeom>
-          <a:noFill/>
-        </p:spPr>
-        <p:txBody>
-          <a:bodyPr wrap="square" rtlCol="0">
-            <a:spAutoFit/>
-          </a:bodyPr>
-          <a:lstStyle/>
-          <a:p>
-            <a:r>
-              <a:rPr lang="en-GB" sz="1200" dirty="0" err="1">
-                <a:solidFill>
-                  <a:schemeClr val="accent2"/>
-                </a:solidFill>
-                <a:latin typeface="Calibri" panose="020F0502020204030204" pitchFamily="34" charset="0"/>
-                <a:cs typeface="Calibri" panose="020F0502020204030204" pitchFamily="34" charset="0"/>
-              </a:rPr>
-              <a:t>Persona_relationships</a:t>
-            </a:r>
-            <a:endParaRPr lang="en-GB" sz="1200" dirty="0">
-              <a:solidFill>
-                <a:schemeClr val="accent2"/>
-              </a:solidFill>
-              <a:latin typeface="Calibri" panose="020F0502020204030204" pitchFamily="34" charset="0"/>
-              <a:cs typeface="Calibri" panose="020F0502020204030204" pitchFamily="34" charset="0"/>
-            </a:endParaRPr>
-          </a:p>
-        </p:txBody>
-      </p:sp>
-    </p:spTree>
-    <p:extLst>
-      <p:ext uri="{BB962C8B-B14F-4D97-AF65-F5344CB8AC3E}">
-        <p14:creationId xmlns:p14="http://schemas.microsoft.com/office/powerpoint/2010/main" val="60532634"/>
-      </p:ext>
-    </p:extLst>
-  </p:cSld>
-  <p:clrMapOvr>
-    <a:masterClrMapping/>
-  </p:clrMapOvr>
-</p:sld>
-</file>
-
-<file path=ppt/slides/slide4.xml><?xml version="1.0" encoding="utf-8"?>
-<p:sld xmlns:a="http://schemas.openxmlformats.org/drawingml/2006/main" xmlns:r="http://schemas.openxmlformats.org/officeDocument/2006/relationships" xmlns:p="http://schemas.openxmlformats.org/presentationml/2006/main">
-  <p:cSld>
-    <p:spTree>
-      <p:nvGrpSpPr>
-        <p:cNvPr id="1" name=""/>
-        <p:cNvGrpSpPr/>
-        <p:nvPr/>
-      </p:nvGrpSpPr>
-      <p:grpSpPr>
-        <a:xfrm>
-          <a:off x="0" y="0"/>
-          <a:ext cx="0" cy="0"/>
-          <a:chOff x="0" y="0"/>
-          <a:chExt cx="0" cy="0"/>
-        </a:xfrm>
-      </p:grpSpPr>
-      <p:sp>
-        <p:nvSpPr>
-          <p:cNvPr id="2" name="Title 1">
-            <a:extLst>
-              <a:ext uri="{FF2B5EF4-FFF2-40B4-BE49-F238E27FC236}">
-                <a16:creationId xmlns:a16="http://schemas.microsoft.com/office/drawing/2014/main" id="{808BA428-D470-5825-A761-30EAF666E252}"/>
-              </a:ext>
-            </a:extLst>
-          </p:cNvPr>
-          <p:cNvSpPr>
-            <a:spLocks noGrp="1"/>
-          </p:cNvSpPr>
-          <p:nvPr>
-            <p:ph type="title"/>
-          </p:nvPr>
-        </p:nvSpPr>
-        <p:spPr/>
-        <p:txBody>
-          <a:bodyPr/>
-          <a:lstStyle/>
-          <a:p>
-            <a:r>
-              <a:rPr lang="en-GB" dirty="0" err="1"/>
-              <a:t>Slide_title</a:t>
-            </a:r>
-            <a:endParaRPr lang="en-US" dirty="0"/>
-          </a:p>
-        </p:txBody>
-      </p:sp>
-      <p:sp>
-        <p:nvSpPr>
-          <p:cNvPr id="3" name="Picture Placeholder 2">
-            <a:extLst>
-              <a:ext uri="{FF2B5EF4-FFF2-40B4-BE49-F238E27FC236}">
-                <a16:creationId xmlns:a16="http://schemas.microsoft.com/office/drawing/2014/main" id="{72261CC5-E2D0-2A17-508E-695CD0FAE199}"/>
-              </a:ext>
-            </a:extLst>
-          </p:cNvPr>
-          <p:cNvSpPr>
-            <a:spLocks noGrp="1"/>
-          </p:cNvSpPr>
-          <p:nvPr>
-            <p:ph type="pic" sz="quarter" idx="10"/>
-          </p:nvPr>
-        </p:nvSpPr>
-        <p:spPr/>
-        <p:txBody>
-          <a:bodyPr/>
-          <a:lstStyle/>
-          <a:p>
-            <a:endParaRPr lang="en-US" sz="1000" dirty="0"/>
-          </a:p>
-        </p:txBody>
-      </p:sp>
-      <p:sp>
-        <p:nvSpPr>
-          <p:cNvPr id="4" name="Content Placeholder 3">
-            <a:extLst>
-              <a:ext uri="{FF2B5EF4-FFF2-40B4-BE49-F238E27FC236}">
-                <a16:creationId xmlns:a16="http://schemas.microsoft.com/office/drawing/2014/main" id="{9703B410-2114-6D76-481B-274BC989B409}"/>
-              </a:ext>
-            </a:extLst>
-          </p:cNvPr>
-          <p:cNvSpPr>
-            <a:spLocks noGrp="1"/>
-          </p:cNvSpPr>
-          <p:nvPr>
-            <p:ph sz="quarter" idx="11"/>
-          </p:nvPr>
-        </p:nvSpPr>
-        <p:spPr/>
-        <p:txBody>
-          <a:bodyPr>
-            <a:normAutofit/>
-          </a:bodyPr>
-          <a:lstStyle/>
-          <a:p>
-            <a:pPr marL="0" indent="0">
-              <a:buNone/>
-            </a:pPr>
-            <a:r>
-              <a:rPr lang="en-US" sz="1000" dirty="0" err="1"/>
-              <a:t>State_of_mind</a:t>
-            </a:r>
-            <a:endParaRPr lang="en-US" sz="1000" dirty="0"/>
-          </a:p>
-        </p:txBody>
-      </p:sp>
-      <p:sp>
-        <p:nvSpPr>
-          <p:cNvPr id="5" name="Content Placeholder 4">
-            <a:extLst>
-              <a:ext uri="{FF2B5EF4-FFF2-40B4-BE49-F238E27FC236}">
-                <a16:creationId xmlns:a16="http://schemas.microsoft.com/office/drawing/2014/main" id="{A846382C-D1FE-6ADB-FF3E-E6157FA915D6}"/>
-              </a:ext>
-            </a:extLst>
-          </p:cNvPr>
-          <p:cNvSpPr>
-            <a:spLocks noGrp="1"/>
-          </p:cNvSpPr>
-          <p:nvPr>
-            <p:ph sz="quarter" idx="12"/>
-          </p:nvPr>
-        </p:nvSpPr>
-        <p:spPr/>
-        <p:txBody>
-          <a:bodyPr>
-            <a:normAutofit/>
-          </a:bodyPr>
-          <a:lstStyle/>
-          <a:p>
-            <a:pPr marL="0" indent="0">
-              <a:buNone/>
-            </a:pPr>
-            <a:r>
-              <a:rPr lang="en-US" sz="1000" dirty="0" err="1"/>
-              <a:t>Persona_unmet_needs</a:t>
-            </a:r>
-            <a:endParaRPr lang="en-US" sz="1000" dirty="0"/>
-          </a:p>
-        </p:txBody>
-      </p:sp>
-      <p:sp>
-        <p:nvSpPr>
-          <p:cNvPr id="6" name="Content Placeholder 5">
-            <a:extLst>
-              <a:ext uri="{FF2B5EF4-FFF2-40B4-BE49-F238E27FC236}">
-                <a16:creationId xmlns:a16="http://schemas.microsoft.com/office/drawing/2014/main" id="{DA68331F-DC3C-413F-F788-CB43F6335B1B}"/>
-              </a:ext>
-            </a:extLst>
-          </p:cNvPr>
-          <p:cNvSpPr>
-            <a:spLocks noGrp="1"/>
-          </p:cNvSpPr>
-          <p:nvPr>
-            <p:ph sz="quarter" idx="13"/>
-          </p:nvPr>
-        </p:nvSpPr>
-        <p:spPr/>
-        <p:txBody>
-          <a:bodyPr>
-            <a:normAutofit/>
-          </a:bodyPr>
-          <a:lstStyle/>
-          <a:p>
-            <a:pPr marL="0" indent="0">
-              <a:buNone/>
-            </a:pPr>
-            <a:r>
-              <a:rPr lang="en-US" sz="1000" dirty="0" err="1"/>
-              <a:t>Persona_pain_points</a:t>
-            </a:r>
-            <a:endParaRPr lang="en-US" sz="1000" dirty="0"/>
-          </a:p>
-        </p:txBody>
-      </p:sp>
-      <p:sp>
-        <p:nvSpPr>
-          <p:cNvPr id="7" name="TextBox 6">
-            <a:extLst>
-              <a:ext uri="{FF2B5EF4-FFF2-40B4-BE49-F238E27FC236}">
-                <a16:creationId xmlns:a16="http://schemas.microsoft.com/office/drawing/2014/main" id="{214F4F8C-8A97-440A-0598-E6BB6072E416}"/>
-              </a:ext>
-            </a:extLst>
-          </p:cNvPr>
-          <p:cNvSpPr txBox="1"/>
-          <p:nvPr/>
-        </p:nvSpPr>
-        <p:spPr>
-          <a:xfrm>
-            <a:off x="2532262" y="962547"/>
-            <a:ext cx="1566099" cy="276999"/>
-          </a:xfrm>
-          <a:prstGeom prst="rect">
-            <a:avLst/>
-          </a:prstGeom>
-          <a:noFill/>
-        </p:spPr>
-        <p:txBody>
-          <a:bodyPr wrap="square" rtlCol="0">
-            <a:spAutoFit/>
-          </a:bodyPr>
-          <a:lstStyle/>
-          <a:p>
-            <a:r>
-              <a:rPr lang="en-GB" sz="1200" dirty="0" err="1">
-                <a:solidFill>
-                  <a:schemeClr val="accent2"/>
-                </a:solidFill>
-                <a:latin typeface="Calibri" panose="020F0502020204030204" pitchFamily="34" charset="0"/>
-                <a:cs typeface="Calibri" panose="020F0502020204030204" pitchFamily="34" charset="0"/>
-              </a:rPr>
-              <a:t>Persona_name</a:t>
-            </a:r>
-            <a:endParaRPr lang="en-GB" sz="1200" dirty="0">
-              <a:solidFill>
-                <a:schemeClr val="accent2"/>
-              </a:solidFill>
-              <a:latin typeface="Calibri" panose="020F0502020204030204" pitchFamily="34" charset="0"/>
-              <a:cs typeface="Calibri" panose="020F0502020204030204" pitchFamily="34" charset="0"/>
-            </a:endParaRPr>
-          </a:p>
-        </p:txBody>
-      </p:sp>
-      <p:sp>
-        <p:nvSpPr>
-          <p:cNvPr id="8" name="TextBox 7">
-            <a:extLst>
-              <a:ext uri="{FF2B5EF4-FFF2-40B4-BE49-F238E27FC236}">
-                <a16:creationId xmlns:a16="http://schemas.microsoft.com/office/drawing/2014/main" id="{6CB095F7-005A-A419-5ED7-9099E5E396EF}"/>
-              </a:ext>
-            </a:extLst>
-          </p:cNvPr>
-          <p:cNvSpPr txBox="1"/>
-          <p:nvPr/>
-        </p:nvSpPr>
-        <p:spPr>
-          <a:xfrm>
-            <a:off x="2383451" y="1182563"/>
-            <a:ext cx="1566099" cy="276999"/>
-          </a:xfrm>
-          <a:prstGeom prst="rect">
-            <a:avLst/>
-          </a:prstGeom>
-          <a:noFill/>
-        </p:spPr>
-        <p:txBody>
-          <a:bodyPr wrap="square" rtlCol="0">
-            <a:spAutoFit/>
-          </a:bodyPr>
-          <a:lstStyle/>
-          <a:p>
-            <a:r>
-              <a:rPr lang="en-GB" sz="1200" dirty="0" err="1">
-                <a:solidFill>
-                  <a:schemeClr val="accent2"/>
-                </a:solidFill>
-                <a:latin typeface="Calibri" panose="020F0502020204030204" pitchFamily="34" charset="0"/>
-                <a:cs typeface="Calibri" panose="020F0502020204030204" pitchFamily="34" charset="0"/>
-              </a:rPr>
-              <a:t>Persona_age</a:t>
-            </a:r>
-            <a:endParaRPr lang="en-GB" sz="1200" dirty="0">
-              <a:solidFill>
-                <a:schemeClr val="accent2"/>
-              </a:solidFill>
-              <a:latin typeface="Calibri" panose="020F0502020204030204" pitchFamily="34" charset="0"/>
-              <a:cs typeface="Calibri" panose="020F0502020204030204" pitchFamily="34" charset="0"/>
-            </a:endParaRPr>
-          </a:p>
-        </p:txBody>
-      </p:sp>
-      <p:sp>
-        <p:nvSpPr>
-          <p:cNvPr id="9" name="TextBox 8">
-            <a:extLst>
-              <a:ext uri="{FF2B5EF4-FFF2-40B4-BE49-F238E27FC236}">
-                <a16:creationId xmlns:a16="http://schemas.microsoft.com/office/drawing/2014/main" id="{8BA5D03C-C9DE-896C-B098-56ACDE87D402}"/>
-              </a:ext>
-            </a:extLst>
-          </p:cNvPr>
-          <p:cNvSpPr txBox="1"/>
-          <p:nvPr/>
-        </p:nvSpPr>
-        <p:spPr>
-          <a:xfrm>
-            <a:off x="2674161" y="1393982"/>
-            <a:ext cx="1566099" cy="276999"/>
-          </a:xfrm>
-          <a:prstGeom prst="rect">
-            <a:avLst/>
-          </a:prstGeom>
-          <a:noFill/>
-        </p:spPr>
-        <p:txBody>
-          <a:bodyPr wrap="square" rtlCol="0">
-            <a:spAutoFit/>
-          </a:bodyPr>
-          <a:lstStyle/>
-          <a:p>
-            <a:r>
-              <a:rPr lang="en-GB" sz="1200" dirty="0" err="1">
-                <a:solidFill>
-                  <a:schemeClr val="accent2"/>
-                </a:solidFill>
-                <a:latin typeface="Calibri" panose="020F0502020204030204" pitchFamily="34" charset="0"/>
-                <a:cs typeface="Calibri" panose="020F0502020204030204" pitchFamily="34" charset="0"/>
-              </a:rPr>
-              <a:t>Persona_location</a:t>
-            </a:r>
-            <a:endParaRPr lang="en-GB" sz="1200" dirty="0">
-              <a:solidFill>
-                <a:schemeClr val="accent2"/>
-              </a:solidFill>
-              <a:latin typeface="Calibri" panose="020F0502020204030204" pitchFamily="34" charset="0"/>
-              <a:cs typeface="Calibri" panose="020F0502020204030204" pitchFamily="34" charset="0"/>
-            </a:endParaRPr>
-          </a:p>
-        </p:txBody>
-      </p:sp>
-      <p:sp>
-        <p:nvSpPr>
-          <p:cNvPr id="10" name="TextBox 9">
-            <a:extLst>
-              <a:ext uri="{FF2B5EF4-FFF2-40B4-BE49-F238E27FC236}">
-                <a16:creationId xmlns:a16="http://schemas.microsoft.com/office/drawing/2014/main" id="{E11F8062-D8C8-D7B8-E0BC-FA39A0385578}"/>
-              </a:ext>
-            </a:extLst>
-          </p:cNvPr>
-          <p:cNvSpPr txBox="1"/>
-          <p:nvPr/>
-        </p:nvSpPr>
-        <p:spPr>
-          <a:xfrm>
-            <a:off x="2061740" y="1742920"/>
-            <a:ext cx="2178519" cy="276999"/>
-          </a:xfrm>
-          <a:prstGeom prst="rect">
-            <a:avLst/>
-          </a:prstGeom>
-          <a:noFill/>
-        </p:spPr>
-        <p:txBody>
-          <a:bodyPr wrap="square" rtlCol="0">
-            <a:spAutoFit/>
-          </a:bodyPr>
-          <a:lstStyle/>
-          <a:p>
-            <a:r>
-              <a:rPr lang="en-GB" sz="1200" dirty="0" err="1">
-                <a:solidFill>
-                  <a:schemeClr val="accent2"/>
-                </a:solidFill>
-                <a:latin typeface="Calibri" panose="020F0502020204030204" pitchFamily="34" charset="0"/>
-                <a:cs typeface="Calibri" panose="020F0502020204030204" pitchFamily="34" charset="0"/>
-              </a:rPr>
-              <a:t>Persona_occupation</a:t>
-            </a:r>
-            <a:endParaRPr lang="en-GB" sz="1200" dirty="0">
-              <a:solidFill>
-                <a:schemeClr val="accent2"/>
-              </a:solidFill>
-              <a:latin typeface="Calibri" panose="020F0502020204030204" pitchFamily="34" charset="0"/>
-              <a:cs typeface="Calibri" panose="020F0502020204030204" pitchFamily="34" charset="0"/>
-            </a:endParaRPr>
-          </a:p>
-        </p:txBody>
-      </p:sp>
-      <p:sp>
-        <p:nvSpPr>
-          <p:cNvPr id="11" name="TextBox 10">
-            <a:extLst>
-              <a:ext uri="{FF2B5EF4-FFF2-40B4-BE49-F238E27FC236}">
-                <a16:creationId xmlns:a16="http://schemas.microsoft.com/office/drawing/2014/main" id="{70FDF36B-D46C-E0C9-D893-D8A7551CF512}"/>
-              </a:ext>
-            </a:extLst>
-          </p:cNvPr>
-          <p:cNvSpPr txBox="1"/>
-          <p:nvPr/>
-        </p:nvSpPr>
-        <p:spPr>
-          <a:xfrm>
-            <a:off x="2072322" y="2165776"/>
-            <a:ext cx="1648611" cy="276999"/>
-          </a:xfrm>
-          <a:prstGeom prst="rect">
-            <a:avLst/>
-          </a:prstGeom>
-          <a:noFill/>
-        </p:spPr>
-        <p:txBody>
-          <a:bodyPr wrap="square" rtlCol="0">
-            <a:spAutoFit/>
-          </a:bodyPr>
-          <a:lstStyle/>
-          <a:p>
-            <a:r>
-              <a:rPr lang="en-GB" sz="1200" dirty="0" err="1">
-                <a:solidFill>
-                  <a:schemeClr val="accent2"/>
-                </a:solidFill>
-                <a:latin typeface="Calibri" panose="020F0502020204030204" pitchFamily="34" charset="0"/>
-                <a:cs typeface="Calibri" panose="020F0502020204030204" pitchFamily="34" charset="0"/>
-              </a:rPr>
-              <a:t>Persona_relationships</a:t>
-            </a:r>
-            <a:endParaRPr lang="en-GB" sz="1200" dirty="0">
-              <a:solidFill>
-                <a:schemeClr val="accent2"/>
-              </a:solidFill>
-              <a:latin typeface="Calibri" panose="020F0502020204030204" pitchFamily="34" charset="0"/>
-              <a:cs typeface="Calibri" panose="020F0502020204030204" pitchFamily="34" charset="0"/>
-            </a:endParaRPr>
-          </a:p>
-        </p:txBody>
-      </p:sp>
-    </p:spTree>
-    <p:extLst>
-      <p:ext uri="{BB962C8B-B14F-4D97-AF65-F5344CB8AC3E}">
-        <p14:creationId xmlns:p14="http://schemas.microsoft.com/office/powerpoint/2010/main" val="1107671700"/>
-      </p:ext>
-    </p:extLst>
-  </p:cSld>
-  <p:clrMapOvr>
-    <a:masterClrMapping/>
-  </p:clrMapOvr>
-</p:sld>
-</file>
-
-<file path=ppt/slides/slide5.xml><?xml version="1.0" encoding="utf-8"?>
-<p:sld xmlns:a="http://schemas.openxmlformats.org/drawingml/2006/main" xmlns:r="http://schemas.openxmlformats.org/officeDocument/2006/relationships" xmlns:p="http://schemas.openxmlformats.org/presentationml/2006/main">
-  <p:cSld>
-    <p:spTree>
-      <p:nvGrpSpPr>
-        <p:cNvPr id="1" name=""/>
-        <p:cNvGrpSpPr/>
-        <p:nvPr/>
-      </p:nvGrpSpPr>
-      <p:grpSpPr>
-        <a:xfrm>
-          <a:off x="0" y="0"/>
-          <a:ext cx="0" cy="0"/>
-          <a:chOff x="0" y="0"/>
-          <a:chExt cx="0" cy="0"/>
-        </a:xfrm>
-      </p:grpSpPr>
-      <p:sp>
-        <p:nvSpPr>
-          <p:cNvPr id="2" name="Title 1">
-            <a:extLst>
-              <a:ext uri="{FF2B5EF4-FFF2-40B4-BE49-F238E27FC236}">
-                <a16:creationId xmlns:a16="http://schemas.microsoft.com/office/drawing/2014/main" id="{808BA428-D470-5825-A761-30EAF666E252}"/>
-              </a:ext>
-            </a:extLst>
-          </p:cNvPr>
-          <p:cNvSpPr>
-            <a:spLocks noGrp="1"/>
-          </p:cNvSpPr>
-          <p:nvPr>
-            <p:ph type="title"/>
-          </p:nvPr>
-        </p:nvSpPr>
-        <p:spPr/>
-        <p:txBody>
-          <a:bodyPr/>
-          <a:lstStyle/>
-          <a:p>
-            <a:r>
-              <a:rPr lang="en-GB" dirty="0" err="1"/>
-              <a:t>Slide_title</a:t>
-            </a:r>
-            <a:endParaRPr lang="en-US" dirty="0"/>
-          </a:p>
-        </p:txBody>
-      </p:sp>
-      <p:sp>
-        <p:nvSpPr>
-          <p:cNvPr id="3" name="Picture Placeholder 2">
-            <a:extLst>
-              <a:ext uri="{FF2B5EF4-FFF2-40B4-BE49-F238E27FC236}">
-                <a16:creationId xmlns:a16="http://schemas.microsoft.com/office/drawing/2014/main" id="{72261CC5-E2D0-2A17-508E-695CD0FAE199}"/>
-              </a:ext>
-            </a:extLst>
-          </p:cNvPr>
-          <p:cNvSpPr>
-            <a:spLocks noGrp="1"/>
-          </p:cNvSpPr>
-          <p:nvPr>
-            <p:ph type="pic" sz="quarter" idx="10"/>
-          </p:nvPr>
-        </p:nvSpPr>
-        <p:spPr/>
-        <p:txBody>
-          <a:bodyPr/>
-          <a:lstStyle/>
-          <a:p>
-            <a:endParaRPr lang="en-US" sz="1000" dirty="0"/>
-          </a:p>
-        </p:txBody>
-      </p:sp>
-      <p:sp>
-        <p:nvSpPr>
-          <p:cNvPr id="4" name="Content Placeholder 3">
-            <a:extLst>
-              <a:ext uri="{FF2B5EF4-FFF2-40B4-BE49-F238E27FC236}">
-                <a16:creationId xmlns:a16="http://schemas.microsoft.com/office/drawing/2014/main" id="{9703B410-2114-6D76-481B-274BC989B409}"/>
-              </a:ext>
-            </a:extLst>
-          </p:cNvPr>
-          <p:cNvSpPr>
-            <a:spLocks noGrp="1"/>
-          </p:cNvSpPr>
-          <p:nvPr>
-            <p:ph sz="quarter" idx="11"/>
-          </p:nvPr>
-        </p:nvSpPr>
-        <p:spPr/>
-        <p:txBody>
-          <a:bodyPr>
-            <a:normAutofit/>
-          </a:bodyPr>
-          <a:lstStyle/>
-          <a:p>
-            <a:pPr marL="0" indent="0">
-              <a:buNone/>
-            </a:pPr>
-            <a:r>
-              <a:rPr lang="en-US" sz="1000" dirty="0" err="1"/>
-              <a:t>State_of_mind</a:t>
-            </a:r>
-            <a:endParaRPr lang="en-US" sz="1000" dirty="0"/>
-          </a:p>
-        </p:txBody>
-      </p:sp>
-      <p:sp>
-        <p:nvSpPr>
-          <p:cNvPr id="5" name="Content Placeholder 4">
-            <a:extLst>
-              <a:ext uri="{FF2B5EF4-FFF2-40B4-BE49-F238E27FC236}">
-                <a16:creationId xmlns:a16="http://schemas.microsoft.com/office/drawing/2014/main" id="{A846382C-D1FE-6ADB-FF3E-E6157FA915D6}"/>
-              </a:ext>
-            </a:extLst>
-          </p:cNvPr>
-          <p:cNvSpPr>
-            <a:spLocks noGrp="1"/>
-          </p:cNvSpPr>
-          <p:nvPr>
-            <p:ph sz="quarter" idx="12"/>
-          </p:nvPr>
-        </p:nvSpPr>
-        <p:spPr/>
-        <p:txBody>
-          <a:bodyPr>
-            <a:normAutofit/>
-          </a:bodyPr>
-          <a:lstStyle/>
-          <a:p>
-            <a:pPr marL="0" indent="0">
-              <a:buNone/>
-            </a:pPr>
-            <a:r>
-              <a:rPr lang="en-US" sz="1000" dirty="0" err="1"/>
-              <a:t>Persona_unmet_needs</a:t>
-            </a:r>
-            <a:endParaRPr lang="en-US" sz="1000" dirty="0"/>
-          </a:p>
-        </p:txBody>
-      </p:sp>
-      <p:sp>
-        <p:nvSpPr>
-          <p:cNvPr id="6" name="Content Placeholder 5">
-            <a:extLst>
-              <a:ext uri="{FF2B5EF4-FFF2-40B4-BE49-F238E27FC236}">
-                <a16:creationId xmlns:a16="http://schemas.microsoft.com/office/drawing/2014/main" id="{DA68331F-DC3C-413F-F788-CB43F6335B1B}"/>
-              </a:ext>
-            </a:extLst>
-          </p:cNvPr>
-          <p:cNvSpPr>
-            <a:spLocks noGrp="1"/>
-          </p:cNvSpPr>
-          <p:nvPr>
-            <p:ph sz="quarter" idx="13"/>
-          </p:nvPr>
-        </p:nvSpPr>
-        <p:spPr/>
-        <p:txBody>
-          <a:bodyPr>
-            <a:normAutofit/>
-          </a:bodyPr>
-          <a:lstStyle/>
-          <a:p>
-            <a:pPr marL="0" indent="0">
-              <a:buNone/>
-            </a:pPr>
-            <a:r>
-              <a:rPr lang="en-US" sz="1000" dirty="0" err="1"/>
-              <a:t>Persona_pain_points</a:t>
-            </a:r>
-            <a:endParaRPr lang="en-US" sz="1000" dirty="0"/>
-          </a:p>
-        </p:txBody>
-      </p:sp>
-      <p:sp>
-        <p:nvSpPr>
-          <p:cNvPr id="7" name="TextBox 6">
-            <a:extLst>
-              <a:ext uri="{FF2B5EF4-FFF2-40B4-BE49-F238E27FC236}">
-                <a16:creationId xmlns:a16="http://schemas.microsoft.com/office/drawing/2014/main" id="{214F4F8C-8A97-440A-0598-E6BB6072E416}"/>
-              </a:ext>
-            </a:extLst>
-          </p:cNvPr>
-          <p:cNvSpPr txBox="1"/>
-          <p:nvPr/>
-        </p:nvSpPr>
-        <p:spPr>
-          <a:xfrm>
-            <a:off x="2532262" y="962547"/>
-            <a:ext cx="1566099" cy="276999"/>
-          </a:xfrm>
-          <a:prstGeom prst="rect">
-            <a:avLst/>
-          </a:prstGeom>
-          <a:noFill/>
-        </p:spPr>
-        <p:txBody>
-          <a:bodyPr wrap="square" rtlCol="0">
-            <a:spAutoFit/>
-          </a:bodyPr>
-          <a:lstStyle/>
-          <a:p>
-            <a:r>
-              <a:rPr lang="en-GB" sz="1200" dirty="0" err="1">
-                <a:solidFill>
-                  <a:schemeClr val="accent2"/>
-                </a:solidFill>
-                <a:latin typeface="Calibri" panose="020F0502020204030204" pitchFamily="34" charset="0"/>
-                <a:cs typeface="Calibri" panose="020F0502020204030204" pitchFamily="34" charset="0"/>
-              </a:rPr>
-              <a:t>Persona_name</a:t>
-            </a:r>
-            <a:endParaRPr lang="en-GB" sz="1200" dirty="0">
-              <a:solidFill>
-                <a:schemeClr val="accent2"/>
-              </a:solidFill>
-              <a:latin typeface="Calibri" panose="020F0502020204030204" pitchFamily="34" charset="0"/>
-              <a:cs typeface="Calibri" panose="020F0502020204030204" pitchFamily="34" charset="0"/>
-            </a:endParaRPr>
-          </a:p>
-        </p:txBody>
-      </p:sp>
-      <p:sp>
-        <p:nvSpPr>
-          <p:cNvPr id="8" name="TextBox 7">
-            <a:extLst>
-              <a:ext uri="{FF2B5EF4-FFF2-40B4-BE49-F238E27FC236}">
-                <a16:creationId xmlns:a16="http://schemas.microsoft.com/office/drawing/2014/main" id="{6CB095F7-005A-A419-5ED7-9099E5E396EF}"/>
-              </a:ext>
-            </a:extLst>
-          </p:cNvPr>
-          <p:cNvSpPr txBox="1"/>
-          <p:nvPr/>
-        </p:nvSpPr>
-        <p:spPr>
-          <a:xfrm>
-            <a:off x="2383451" y="1182563"/>
-            <a:ext cx="1566099" cy="276999"/>
-          </a:xfrm>
-          <a:prstGeom prst="rect">
-            <a:avLst/>
-          </a:prstGeom>
-          <a:noFill/>
-        </p:spPr>
-        <p:txBody>
-          <a:bodyPr wrap="square" rtlCol="0">
-            <a:spAutoFit/>
-          </a:bodyPr>
-          <a:lstStyle/>
-          <a:p>
-            <a:r>
-              <a:rPr lang="en-GB" sz="1200" dirty="0" err="1">
-                <a:solidFill>
-                  <a:schemeClr val="accent2"/>
-                </a:solidFill>
-                <a:latin typeface="Calibri" panose="020F0502020204030204" pitchFamily="34" charset="0"/>
-                <a:cs typeface="Calibri" panose="020F0502020204030204" pitchFamily="34" charset="0"/>
-              </a:rPr>
-              <a:t>Persona_age</a:t>
-            </a:r>
-            <a:endParaRPr lang="en-GB" sz="1200" dirty="0">
-              <a:solidFill>
-                <a:schemeClr val="accent2"/>
-              </a:solidFill>
-              <a:latin typeface="Calibri" panose="020F0502020204030204" pitchFamily="34" charset="0"/>
-              <a:cs typeface="Calibri" panose="020F0502020204030204" pitchFamily="34" charset="0"/>
-            </a:endParaRPr>
-          </a:p>
-        </p:txBody>
-      </p:sp>
-      <p:sp>
-        <p:nvSpPr>
-          <p:cNvPr id="9" name="TextBox 8">
-            <a:extLst>
-              <a:ext uri="{FF2B5EF4-FFF2-40B4-BE49-F238E27FC236}">
-                <a16:creationId xmlns:a16="http://schemas.microsoft.com/office/drawing/2014/main" id="{8BA5D03C-C9DE-896C-B098-56ACDE87D402}"/>
-              </a:ext>
-            </a:extLst>
-          </p:cNvPr>
-          <p:cNvSpPr txBox="1"/>
-          <p:nvPr/>
-        </p:nvSpPr>
-        <p:spPr>
-          <a:xfrm>
-            <a:off x="2674161" y="1393982"/>
-            <a:ext cx="1566099" cy="276999"/>
-          </a:xfrm>
-          <a:prstGeom prst="rect">
-            <a:avLst/>
-          </a:prstGeom>
-          <a:noFill/>
-        </p:spPr>
-        <p:txBody>
-          <a:bodyPr wrap="square" rtlCol="0">
-            <a:spAutoFit/>
-          </a:bodyPr>
-          <a:lstStyle/>
-          <a:p>
-            <a:r>
-              <a:rPr lang="en-GB" sz="1200" dirty="0" err="1">
-                <a:solidFill>
-                  <a:schemeClr val="accent2"/>
-                </a:solidFill>
-                <a:latin typeface="Calibri" panose="020F0502020204030204" pitchFamily="34" charset="0"/>
-                <a:cs typeface="Calibri" panose="020F0502020204030204" pitchFamily="34" charset="0"/>
-              </a:rPr>
-              <a:t>Persona_location</a:t>
-            </a:r>
-            <a:endParaRPr lang="en-GB" sz="1200" dirty="0">
-              <a:solidFill>
-                <a:schemeClr val="accent2"/>
-              </a:solidFill>
-              <a:latin typeface="Calibri" panose="020F0502020204030204" pitchFamily="34" charset="0"/>
-              <a:cs typeface="Calibri" panose="020F0502020204030204" pitchFamily="34" charset="0"/>
-            </a:endParaRPr>
-          </a:p>
-        </p:txBody>
-      </p:sp>
-      <p:sp>
-        <p:nvSpPr>
-          <p:cNvPr id="10" name="TextBox 9">
-            <a:extLst>
-              <a:ext uri="{FF2B5EF4-FFF2-40B4-BE49-F238E27FC236}">
-                <a16:creationId xmlns:a16="http://schemas.microsoft.com/office/drawing/2014/main" id="{E11F8062-D8C8-D7B8-E0BC-FA39A0385578}"/>
-              </a:ext>
-            </a:extLst>
-          </p:cNvPr>
-          <p:cNvSpPr txBox="1"/>
-          <p:nvPr/>
-        </p:nvSpPr>
-        <p:spPr>
-          <a:xfrm>
-            <a:off x="2061740" y="1742920"/>
-            <a:ext cx="2178519" cy="276999"/>
-          </a:xfrm>
-          <a:prstGeom prst="rect">
-            <a:avLst/>
-          </a:prstGeom>
-          <a:noFill/>
-        </p:spPr>
-        <p:txBody>
-          <a:bodyPr wrap="square" rtlCol="0">
-            <a:spAutoFit/>
-          </a:bodyPr>
-          <a:lstStyle/>
-          <a:p>
-            <a:r>
-              <a:rPr lang="en-GB" sz="1200" dirty="0" err="1">
-                <a:solidFill>
-                  <a:schemeClr val="accent2"/>
-                </a:solidFill>
-                <a:latin typeface="Calibri" panose="020F0502020204030204" pitchFamily="34" charset="0"/>
-                <a:cs typeface="Calibri" panose="020F0502020204030204" pitchFamily="34" charset="0"/>
-              </a:rPr>
-              <a:t>Persona_occupation</a:t>
-            </a:r>
-            <a:endParaRPr lang="en-GB" sz="1200" dirty="0">
-              <a:solidFill>
-                <a:schemeClr val="accent2"/>
-              </a:solidFill>
-              <a:latin typeface="Calibri" panose="020F0502020204030204" pitchFamily="34" charset="0"/>
-              <a:cs typeface="Calibri" panose="020F0502020204030204" pitchFamily="34" charset="0"/>
-            </a:endParaRPr>
-          </a:p>
-        </p:txBody>
-      </p:sp>
-      <p:sp>
-        <p:nvSpPr>
-          <p:cNvPr id="11" name="TextBox 10">
-            <a:extLst>
-              <a:ext uri="{FF2B5EF4-FFF2-40B4-BE49-F238E27FC236}">
-                <a16:creationId xmlns:a16="http://schemas.microsoft.com/office/drawing/2014/main" id="{70FDF36B-D46C-E0C9-D893-D8A7551CF512}"/>
-              </a:ext>
-            </a:extLst>
-          </p:cNvPr>
-          <p:cNvSpPr txBox="1"/>
-          <p:nvPr/>
-        </p:nvSpPr>
-        <p:spPr>
-          <a:xfrm>
-            <a:off x="2072322" y="2165776"/>
-            <a:ext cx="1648611" cy="276999"/>
-          </a:xfrm>
-          <a:prstGeom prst="rect">
-            <a:avLst/>
-          </a:prstGeom>
-          <a:noFill/>
-        </p:spPr>
-        <p:txBody>
-          <a:bodyPr wrap="square" rtlCol="0">
-            <a:spAutoFit/>
-          </a:bodyPr>
-          <a:lstStyle/>
-          <a:p>
-            <a:r>
-              <a:rPr lang="en-GB" sz="1200" dirty="0" err="1">
-                <a:solidFill>
-                  <a:schemeClr val="accent2"/>
-                </a:solidFill>
-                <a:latin typeface="Calibri" panose="020F0502020204030204" pitchFamily="34" charset="0"/>
-                <a:cs typeface="Calibri" panose="020F0502020204030204" pitchFamily="34" charset="0"/>
-              </a:rPr>
-              <a:t>Persona_relationships</a:t>
-            </a:r>
-            <a:endParaRPr lang="en-GB" sz="1200" dirty="0">
-              <a:solidFill>
-                <a:schemeClr val="accent2"/>
-              </a:solidFill>
-              <a:latin typeface="Calibri" panose="020F0502020204030204" pitchFamily="34" charset="0"/>
-              <a:cs typeface="Calibri" panose="020F0502020204030204" pitchFamily="34" charset="0"/>
-            </a:endParaRPr>
-          </a:p>
-        </p:txBody>
-      </p:sp>
-    </p:spTree>
-    <p:extLst>
-      <p:ext uri="{BB962C8B-B14F-4D97-AF65-F5344CB8AC3E}">
-        <p14:creationId xmlns:p14="http://schemas.microsoft.com/office/powerpoint/2010/main" val="3475756657"/>
       </p:ext>
     </p:extLst>
   </p:cSld>
